--- a/web/HTTP-in-Action.pptx
+++ b/web/HTTP-in-Action.pptx
@@ -272,7 +272,7 @@
           </a:bodyPr>
           <a:p>
             <a:pPr algn="r"/>
-            <a:fld id="{FD7BACBE-A7DB-4CEA-A7DB-D5C52A645C62}" type="slidenum">
+            <a:fld id="{D88A03AC-D54D-4D42-A5A0-16A4058BAFFF}" type="slidenum">
               <a:rPr b="0" lang="en-US" sz="1400" spc="-1" strike="noStrike">
                 <a:latin typeface="Times New Roman"/>
               </a:rPr>
@@ -309,7 +309,7 @@
       </p:grpSpPr>
       <p:sp>
         <p:nvSpPr>
-          <p:cNvPr id="231" name="PlaceHolder 1"/>
+          <p:cNvPr id="232" name="PlaceHolder 1"/>
           <p:cNvSpPr>
             <a:spLocks noGrp="1"/>
           </p:cNvSpPr>
@@ -320,7 +320,7 @@
         <p:spPr>
           <a:xfrm>
             <a:off x="2143080" y="695160"/>
-            <a:ext cx="2571480" cy="3428640"/>
+            <a:ext cx="2570760" cy="3427920"/>
           </a:xfrm>
           <a:prstGeom prst="rect">
             <a:avLst/>
@@ -329,14 +329,14 @@
       </p:sp>
       <p:sp>
         <p:nvSpPr>
-          <p:cNvPr id="232" name="CustomShape 2"/>
+          <p:cNvPr id="233" name="CustomShape 2"/>
           <p:cNvSpPr/>
           <p:nvPr/>
         </p:nvSpPr>
         <p:spPr>
           <a:xfrm>
             <a:off x="685800" y="4343400"/>
-            <a:ext cx="5486040" cy="4114440"/>
+            <a:ext cx="5485320" cy="4113720"/>
           </a:xfrm>
           <a:custGeom>
             <a:avLst/>
@@ -400,7 +400,7 @@
       </p:grpSpPr>
       <p:sp>
         <p:nvSpPr>
-          <p:cNvPr id="245" name="PlaceHolder 1"/>
+          <p:cNvPr id="246" name="PlaceHolder 1"/>
           <p:cNvSpPr>
             <a:spLocks noGrp="1"/>
           </p:cNvSpPr>
@@ -411,7 +411,7 @@
         <p:spPr>
           <a:xfrm>
             <a:off x="2143080" y="695160"/>
-            <a:ext cx="2571480" cy="3428640"/>
+            <a:ext cx="2570760" cy="3427920"/>
           </a:xfrm>
           <a:prstGeom prst="rect">
             <a:avLst/>
@@ -420,14 +420,14 @@
       </p:sp>
       <p:sp>
         <p:nvSpPr>
-          <p:cNvPr id="246" name="CustomShape 2"/>
+          <p:cNvPr id="247" name="CustomShape 2"/>
           <p:cNvSpPr/>
           <p:nvPr/>
         </p:nvSpPr>
         <p:spPr>
           <a:xfrm>
             <a:off x="685800" y="4343400"/>
-            <a:ext cx="5486040" cy="4114440"/>
+            <a:ext cx="5485320" cy="4113720"/>
           </a:xfrm>
           <a:custGeom>
             <a:avLst/>
@@ -491,7 +491,7 @@
       </p:grpSpPr>
       <p:sp>
         <p:nvSpPr>
-          <p:cNvPr id="247" name="PlaceHolder 1"/>
+          <p:cNvPr id="248" name="PlaceHolder 1"/>
           <p:cNvSpPr>
             <a:spLocks noGrp="1"/>
           </p:cNvSpPr>
@@ -502,7 +502,7 @@
         <p:spPr>
           <a:xfrm>
             <a:off x="2143080" y="695160"/>
-            <a:ext cx="2571480" cy="3428640"/>
+            <a:ext cx="2570760" cy="3427920"/>
           </a:xfrm>
           <a:prstGeom prst="rect">
             <a:avLst/>
@@ -511,14 +511,14 @@
       </p:sp>
       <p:sp>
         <p:nvSpPr>
-          <p:cNvPr id="248" name="CustomShape 2"/>
+          <p:cNvPr id="249" name="CustomShape 2"/>
           <p:cNvSpPr/>
           <p:nvPr/>
         </p:nvSpPr>
         <p:spPr>
           <a:xfrm>
             <a:off x="685800" y="4343400"/>
-            <a:ext cx="5486040" cy="4114440"/>
+            <a:ext cx="5485320" cy="4113720"/>
           </a:xfrm>
           <a:custGeom>
             <a:avLst/>
@@ -582,7 +582,7 @@
       </p:grpSpPr>
       <p:sp>
         <p:nvSpPr>
-          <p:cNvPr id="249" name="PlaceHolder 1"/>
+          <p:cNvPr id="250" name="PlaceHolder 1"/>
           <p:cNvSpPr>
             <a:spLocks noGrp="1"/>
           </p:cNvSpPr>
@@ -593,7 +593,7 @@
         <p:spPr>
           <a:xfrm>
             <a:off x="2143080" y="695160"/>
-            <a:ext cx="2571480" cy="3428640"/>
+            <a:ext cx="2570760" cy="3427920"/>
           </a:xfrm>
           <a:prstGeom prst="rect">
             <a:avLst/>
@@ -602,14 +602,14 @@
       </p:sp>
       <p:sp>
         <p:nvSpPr>
-          <p:cNvPr id="250" name="CustomShape 2"/>
+          <p:cNvPr id="251" name="CustomShape 2"/>
           <p:cNvSpPr/>
           <p:nvPr/>
         </p:nvSpPr>
         <p:spPr>
           <a:xfrm>
             <a:off x="685800" y="4343400"/>
-            <a:ext cx="5486040" cy="4114440"/>
+            <a:ext cx="5485320" cy="4113720"/>
           </a:xfrm>
           <a:custGeom>
             <a:avLst/>
@@ -673,7 +673,7 @@
       </p:grpSpPr>
       <p:sp>
         <p:nvSpPr>
-          <p:cNvPr id="251" name="PlaceHolder 1"/>
+          <p:cNvPr id="252" name="PlaceHolder 1"/>
           <p:cNvSpPr>
             <a:spLocks noGrp="1"/>
           </p:cNvSpPr>
@@ -684,7 +684,7 @@
         <p:spPr>
           <a:xfrm>
             <a:off x="2143080" y="695160"/>
-            <a:ext cx="2571480" cy="3428640"/>
+            <a:ext cx="2570760" cy="3427920"/>
           </a:xfrm>
           <a:prstGeom prst="rect">
             <a:avLst/>
@@ -693,14 +693,14 @@
       </p:sp>
       <p:sp>
         <p:nvSpPr>
-          <p:cNvPr id="252" name="CustomShape 2"/>
+          <p:cNvPr id="253" name="CustomShape 2"/>
           <p:cNvSpPr/>
           <p:nvPr/>
         </p:nvSpPr>
         <p:spPr>
           <a:xfrm>
             <a:off x="685800" y="4343400"/>
-            <a:ext cx="5486040" cy="4114440"/>
+            <a:ext cx="5485320" cy="4113720"/>
           </a:xfrm>
           <a:custGeom>
             <a:avLst/>
@@ -764,7 +764,7 @@
       </p:grpSpPr>
       <p:sp>
         <p:nvSpPr>
-          <p:cNvPr id="253" name="PlaceHolder 1"/>
+          <p:cNvPr id="254" name="PlaceHolder 1"/>
           <p:cNvSpPr>
             <a:spLocks noGrp="1"/>
           </p:cNvSpPr>
@@ -775,7 +775,7 @@
         <p:spPr>
           <a:xfrm>
             <a:off x="2143080" y="695160"/>
-            <a:ext cx="2571480" cy="3428640"/>
+            <a:ext cx="2570760" cy="3427920"/>
           </a:xfrm>
           <a:prstGeom prst="rect">
             <a:avLst/>
@@ -784,14 +784,14 @@
       </p:sp>
       <p:sp>
         <p:nvSpPr>
-          <p:cNvPr id="254" name="CustomShape 2"/>
+          <p:cNvPr id="255" name="CustomShape 2"/>
           <p:cNvSpPr/>
           <p:nvPr/>
         </p:nvSpPr>
         <p:spPr>
           <a:xfrm>
             <a:off x="685800" y="4343400"/>
-            <a:ext cx="5486040" cy="4114440"/>
+            <a:ext cx="5485320" cy="4113720"/>
           </a:xfrm>
           <a:custGeom>
             <a:avLst/>
@@ -855,7 +855,7 @@
       </p:grpSpPr>
       <p:sp>
         <p:nvSpPr>
-          <p:cNvPr id="255" name="PlaceHolder 1"/>
+          <p:cNvPr id="256" name="PlaceHolder 1"/>
           <p:cNvSpPr>
             <a:spLocks noGrp="1"/>
           </p:cNvSpPr>
@@ -866,7 +866,7 @@
         <p:spPr>
           <a:xfrm>
             <a:off x="2143080" y="695160"/>
-            <a:ext cx="2571480" cy="3428640"/>
+            <a:ext cx="2570760" cy="3427920"/>
           </a:xfrm>
           <a:prstGeom prst="rect">
             <a:avLst/>
@@ -875,14 +875,14 @@
       </p:sp>
       <p:sp>
         <p:nvSpPr>
-          <p:cNvPr id="256" name="CustomShape 2"/>
+          <p:cNvPr id="257" name="CustomShape 2"/>
           <p:cNvSpPr/>
           <p:nvPr/>
         </p:nvSpPr>
         <p:spPr>
           <a:xfrm>
             <a:off x="685800" y="4343400"/>
-            <a:ext cx="5486040" cy="4114440"/>
+            <a:ext cx="5485320" cy="4113720"/>
           </a:xfrm>
           <a:custGeom>
             <a:avLst/>
@@ -946,7 +946,7 @@
       </p:grpSpPr>
       <p:sp>
         <p:nvSpPr>
-          <p:cNvPr id="257" name="PlaceHolder 1"/>
+          <p:cNvPr id="258" name="PlaceHolder 1"/>
           <p:cNvSpPr>
             <a:spLocks noGrp="1"/>
           </p:cNvSpPr>
@@ -957,7 +957,7 @@
         <p:spPr>
           <a:xfrm>
             <a:off x="2143080" y="695160"/>
-            <a:ext cx="2571480" cy="3428640"/>
+            <a:ext cx="2570760" cy="3427920"/>
           </a:xfrm>
           <a:prstGeom prst="rect">
             <a:avLst/>
@@ -966,14 +966,14 @@
       </p:sp>
       <p:sp>
         <p:nvSpPr>
-          <p:cNvPr id="258" name="CustomShape 2"/>
+          <p:cNvPr id="259" name="CustomShape 2"/>
           <p:cNvSpPr/>
           <p:nvPr/>
         </p:nvSpPr>
         <p:spPr>
           <a:xfrm>
             <a:off x="685800" y="4343400"/>
-            <a:ext cx="5486040" cy="4114440"/>
+            <a:ext cx="5485320" cy="4113720"/>
           </a:xfrm>
           <a:custGeom>
             <a:avLst/>
@@ -1037,7 +1037,7 @@
       </p:grpSpPr>
       <p:sp>
         <p:nvSpPr>
-          <p:cNvPr id="259" name="PlaceHolder 1"/>
+          <p:cNvPr id="260" name="PlaceHolder 1"/>
           <p:cNvSpPr>
             <a:spLocks noGrp="1"/>
           </p:cNvSpPr>
@@ -1048,7 +1048,7 @@
         <p:spPr>
           <a:xfrm>
             <a:off x="2143080" y="695160"/>
-            <a:ext cx="2571480" cy="3428640"/>
+            <a:ext cx="2570760" cy="3427920"/>
           </a:xfrm>
           <a:prstGeom prst="rect">
             <a:avLst/>
@@ -1057,14 +1057,14 @@
       </p:sp>
       <p:sp>
         <p:nvSpPr>
-          <p:cNvPr id="260" name="CustomShape 2"/>
+          <p:cNvPr id="261" name="CustomShape 2"/>
           <p:cNvSpPr/>
           <p:nvPr/>
         </p:nvSpPr>
         <p:spPr>
           <a:xfrm>
             <a:off x="685800" y="4343400"/>
-            <a:ext cx="5486040" cy="4114440"/>
+            <a:ext cx="5485320" cy="4113720"/>
           </a:xfrm>
           <a:custGeom>
             <a:avLst/>
@@ -1128,7 +1128,7 @@
       </p:grpSpPr>
       <p:sp>
         <p:nvSpPr>
-          <p:cNvPr id="261" name="PlaceHolder 1"/>
+          <p:cNvPr id="262" name="PlaceHolder 1"/>
           <p:cNvSpPr>
             <a:spLocks noGrp="1"/>
           </p:cNvSpPr>
@@ -1139,7 +1139,7 @@
         <p:spPr>
           <a:xfrm>
             <a:off x="2143080" y="695160"/>
-            <a:ext cx="2571480" cy="3428640"/>
+            <a:ext cx="2570760" cy="3427920"/>
           </a:xfrm>
           <a:prstGeom prst="rect">
             <a:avLst/>
@@ -1148,14 +1148,14 @@
       </p:sp>
       <p:sp>
         <p:nvSpPr>
-          <p:cNvPr id="262" name="CustomShape 2"/>
+          <p:cNvPr id="263" name="CustomShape 2"/>
           <p:cNvSpPr/>
           <p:nvPr/>
         </p:nvSpPr>
         <p:spPr>
           <a:xfrm>
             <a:off x="685800" y="4343400"/>
-            <a:ext cx="5486040" cy="4114440"/>
+            <a:ext cx="5485320" cy="4113720"/>
           </a:xfrm>
           <a:custGeom>
             <a:avLst/>
@@ -1219,7 +1219,7 @@
       </p:grpSpPr>
       <p:sp>
         <p:nvSpPr>
-          <p:cNvPr id="263" name="PlaceHolder 1"/>
+          <p:cNvPr id="264" name="PlaceHolder 1"/>
           <p:cNvSpPr>
             <a:spLocks noGrp="1"/>
           </p:cNvSpPr>
@@ -1230,7 +1230,7 @@
         <p:spPr>
           <a:xfrm>
             <a:off x="-11798280" y="-11796840"/>
-            <a:ext cx="11769480" cy="12463200"/>
+            <a:ext cx="11768760" cy="12462480"/>
           </a:xfrm>
           <a:prstGeom prst="rect">
             <a:avLst/>
@@ -1239,14 +1239,14 @@
       </p:sp>
       <p:sp>
         <p:nvSpPr>
-          <p:cNvPr id="264" name="CustomShape 2"/>
+          <p:cNvPr id="265" name="CustomShape 2"/>
           <p:cNvSpPr/>
           <p:nvPr/>
         </p:nvSpPr>
         <p:spPr>
           <a:xfrm>
             <a:off x="685800" y="4343400"/>
-            <a:ext cx="5455800" cy="4084200"/>
+            <a:ext cx="5455080" cy="4083480"/>
           </a:xfrm>
           <a:custGeom>
             <a:avLst/>
@@ -1310,7 +1310,7 @@
       </p:grpSpPr>
       <p:sp>
         <p:nvSpPr>
-          <p:cNvPr id="265" name="PlaceHolder 1"/>
+          <p:cNvPr id="266" name="PlaceHolder 1"/>
           <p:cNvSpPr>
             <a:spLocks noGrp="1"/>
           </p:cNvSpPr>
@@ -1321,7 +1321,7 @@
         <p:spPr>
           <a:xfrm>
             <a:off x="-11798280" y="-11796840"/>
-            <a:ext cx="11769480" cy="12463200"/>
+            <a:ext cx="11768760" cy="12462480"/>
           </a:xfrm>
           <a:prstGeom prst="rect">
             <a:avLst/>
@@ -1330,14 +1330,14 @@
       </p:sp>
       <p:sp>
         <p:nvSpPr>
-          <p:cNvPr id="266" name="CustomShape 2"/>
+          <p:cNvPr id="267" name="CustomShape 2"/>
           <p:cNvSpPr/>
           <p:nvPr/>
         </p:nvSpPr>
         <p:spPr>
           <a:xfrm>
             <a:off x="685800" y="4343400"/>
-            <a:ext cx="5455800" cy="4084200"/>
+            <a:ext cx="5455080" cy="4083480"/>
           </a:xfrm>
           <a:custGeom>
             <a:avLst/>
@@ -1401,7 +1401,7 @@
       </p:grpSpPr>
       <p:sp>
         <p:nvSpPr>
-          <p:cNvPr id="233" name="PlaceHolder 1"/>
+          <p:cNvPr id="234" name="PlaceHolder 1"/>
           <p:cNvSpPr>
             <a:spLocks noGrp="1"/>
           </p:cNvSpPr>
@@ -1412,7 +1412,7 @@
         <p:spPr>
           <a:xfrm>
             <a:off x="2143080" y="695160"/>
-            <a:ext cx="2571480" cy="3428640"/>
+            <a:ext cx="2570760" cy="3427920"/>
           </a:xfrm>
           <a:prstGeom prst="rect">
             <a:avLst/>
@@ -1421,14 +1421,14 @@
       </p:sp>
       <p:sp>
         <p:nvSpPr>
-          <p:cNvPr id="234" name="CustomShape 2"/>
+          <p:cNvPr id="235" name="CustomShape 2"/>
           <p:cNvSpPr/>
           <p:nvPr/>
         </p:nvSpPr>
         <p:spPr>
           <a:xfrm>
             <a:off x="685800" y="4343400"/>
-            <a:ext cx="5486040" cy="4114440"/>
+            <a:ext cx="5485320" cy="4113720"/>
           </a:xfrm>
           <a:custGeom>
             <a:avLst/>
@@ -1492,7 +1492,7 @@
       </p:grpSpPr>
       <p:sp>
         <p:nvSpPr>
-          <p:cNvPr id="267" name="PlaceHolder 1"/>
+          <p:cNvPr id="268" name="PlaceHolder 1"/>
           <p:cNvSpPr>
             <a:spLocks noGrp="1"/>
           </p:cNvSpPr>
@@ -1503,7 +1503,7 @@
         <p:spPr>
           <a:xfrm>
             <a:off x="-11798280" y="-11796840"/>
-            <a:ext cx="11769480" cy="12463200"/>
+            <a:ext cx="11768760" cy="12462480"/>
           </a:xfrm>
           <a:prstGeom prst="rect">
             <a:avLst/>
@@ -1512,14 +1512,14 @@
       </p:sp>
       <p:sp>
         <p:nvSpPr>
-          <p:cNvPr id="268" name="CustomShape 2"/>
+          <p:cNvPr id="269" name="CustomShape 2"/>
           <p:cNvSpPr/>
           <p:nvPr/>
         </p:nvSpPr>
         <p:spPr>
           <a:xfrm>
             <a:off x="685800" y="4343400"/>
-            <a:ext cx="5455800" cy="4084200"/>
+            <a:ext cx="5455080" cy="4083480"/>
           </a:xfrm>
           <a:custGeom>
             <a:avLst/>
@@ -1583,7 +1583,7 @@
       </p:grpSpPr>
       <p:sp>
         <p:nvSpPr>
-          <p:cNvPr id="235" name="PlaceHolder 1"/>
+          <p:cNvPr id="236" name="PlaceHolder 1"/>
           <p:cNvSpPr>
             <a:spLocks noGrp="1"/>
           </p:cNvSpPr>
@@ -1594,7 +1594,7 @@
         <p:spPr>
           <a:xfrm>
             <a:off x="2143080" y="695160"/>
-            <a:ext cx="2571480" cy="3428640"/>
+            <a:ext cx="2570760" cy="3427920"/>
           </a:xfrm>
           <a:prstGeom prst="rect">
             <a:avLst/>
@@ -1603,14 +1603,14 @@
       </p:sp>
       <p:sp>
         <p:nvSpPr>
-          <p:cNvPr id="236" name="CustomShape 2"/>
+          <p:cNvPr id="237" name="CustomShape 2"/>
           <p:cNvSpPr/>
           <p:nvPr/>
         </p:nvSpPr>
         <p:spPr>
           <a:xfrm>
             <a:off x="685800" y="4343400"/>
-            <a:ext cx="5486040" cy="4114440"/>
+            <a:ext cx="5485320" cy="4113720"/>
           </a:xfrm>
           <a:custGeom>
             <a:avLst/>
@@ -1674,7 +1674,7 @@
       </p:grpSpPr>
       <p:sp>
         <p:nvSpPr>
-          <p:cNvPr id="237" name="PlaceHolder 1"/>
+          <p:cNvPr id="238" name="PlaceHolder 1"/>
           <p:cNvSpPr>
             <a:spLocks noGrp="1"/>
           </p:cNvSpPr>
@@ -1685,7 +1685,7 @@
         <p:spPr>
           <a:xfrm>
             <a:off x="-11798280" y="-11796840"/>
-            <a:ext cx="11769480" cy="12463200"/>
+            <a:ext cx="11768760" cy="12462480"/>
           </a:xfrm>
           <a:prstGeom prst="rect">
             <a:avLst/>
@@ -1694,14 +1694,14 @@
       </p:sp>
       <p:sp>
         <p:nvSpPr>
-          <p:cNvPr id="238" name="CustomShape 2"/>
+          <p:cNvPr id="239" name="CustomShape 2"/>
           <p:cNvSpPr/>
           <p:nvPr/>
         </p:nvSpPr>
         <p:spPr>
           <a:xfrm>
             <a:off x="685800" y="4343400"/>
-            <a:ext cx="5455800" cy="4084200"/>
+            <a:ext cx="5455080" cy="4083480"/>
           </a:xfrm>
           <a:custGeom>
             <a:avLst/>
@@ -1765,7 +1765,7 @@
       </p:grpSpPr>
       <p:sp>
         <p:nvSpPr>
-          <p:cNvPr id="239" name="PlaceHolder 1"/>
+          <p:cNvPr id="240" name="PlaceHolder 1"/>
           <p:cNvSpPr>
             <a:spLocks noGrp="1"/>
           </p:cNvSpPr>
@@ -1776,7 +1776,7 @@
         <p:spPr>
           <a:xfrm>
             <a:off x="-11798280" y="-11796840"/>
-            <a:ext cx="11769480" cy="12463200"/>
+            <a:ext cx="11768760" cy="12462480"/>
           </a:xfrm>
           <a:prstGeom prst="rect">
             <a:avLst/>
@@ -1785,14 +1785,14 @@
       </p:sp>
       <p:sp>
         <p:nvSpPr>
-          <p:cNvPr id="240" name="CustomShape 2"/>
+          <p:cNvPr id="241" name="CustomShape 2"/>
           <p:cNvSpPr/>
           <p:nvPr/>
         </p:nvSpPr>
         <p:spPr>
           <a:xfrm>
             <a:off x="685800" y="4343400"/>
-            <a:ext cx="5455800" cy="4084200"/>
+            <a:ext cx="5455080" cy="4083480"/>
           </a:xfrm>
           <a:custGeom>
             <a:avLst/>
@@ -1856,7 +1856,7 @@
       </p:grpSpPr>
       <p:sp>
         <p:nvSpPr>
-          <p:cNvPr id="241" name="PlaceHolder 1"/>
+          <p:cNvPr id="242" name="PlaceHolder 1"/>
           <p:cNvSpPr>
             <a:spLocks noGrp="1"/>
           </p:cNvSpPr>
@@ -1867,7 +1867,7 @@
         <p:spPr>
           <a:xfrm>
             <a:off x="-11798280" y="-11796840"/>
-            <a:ext cx="11769480" cy="12463200"/>
+            <a:ext cx="11768760" cy="12462480"/>
           </a:xfrm>
           <a:prstGeom prst="rect">
             <a:avLst/>
@@ -1876,14 +1876,14 @@
       </p:sp>
       <p:sp>
         <p:nvSpPr>
-          <p:cNvPr id="242" name="CustomShape 2"/>
+          <p:cNvPr id="243" name="CustomShape 2"/>
           <p:cNvSpPr/>
           <p:nvPr/>
         </p:nvSpPr>
         <p:spPr>
           <a:xfrm>
             <a:off x="685800" y="4343400"/>
-            <a:ext cx="5455800" cy="4084200"/>
+            <a:ext cx="5455080" cy="4083480"/>
           </a:xfrm>
           <a:custGeom>
             <a:avLst/>
@@ -1947,7 +1947,7 @@
       </p:grpSpPr>
       <p:sp>
         <p:nvSpPr>
-          <p:cNvPr id="243" name="PlaceHolder 1"/>
+          <p:cNvPr id="244" name="PlaceHolder 1"/>
           <p:cNvSpPr>
             <a:spLocks noGrp="1"/>
           </p:cNvSpPr>
@@ -1958,7 +1958,7 @@
         <p:spPr>
           <a:xfrm>
             <a:off x="-11798280" y="-11796840"/>
-            <a:ext cx="11769480" cy="12463200"/>
+            <a:ext cx="11768760" cy="12462480"/>
           </a:xfrm>
           <a:prstGeom prst="rect">
             <a:avLst/>
@@ -1967,14 +1967,14 @@
       </p:sp>
       <p:sp>
         <p:nvSpPr>
-          <p:cNvPr id="244" name="CustomShape 2"/>
+          <p:cNvPr id="245" name="CustomShape 2"/>
           <p:cNvSpPr/>
           <p:nvPr/>
         </p:nvSpPr>
         <p:spPr>
           <a:xfrm>
             <a:off x="685800" y="4343400"/>
-            <a:ext cx="5455800" cy="4084200"/>
+            <a:ext cx="5455080" cy="4083480"/>
           </a:xfrm>
           <a:custGeom>
             <a:avLst/>
@@ -2070,8 +2070,8 @@
         </p:nvSpPr>
         <p:spPr>
           <a:xfrm>
-            <a:off x="610920" y="260280"/>
-            <a:ext cx="7862400" cy="806040"/>
+            <a:off x="457200" y="273600"/>
+            <a:ext cx="8229240" cy="1144800"/>
           </a:xfrm>
           <a:prstGeom prst="rect">
             <a:avLst/>
@@ -2101,8 +2101,8 @@
         </p:nvSpPr>
         <p:spPr>
           <a:xfrm>
-            <a:off x="674280" y="1399680"/>
-            <a:ext cx="7862400" cy="2100960"/>
+            <a:off x="457200" y="1604520"/>
+            <a:ext cx="8229240" cy="1896840"/>
           </a:xfrm>
           <a:prstGeom prst="rect">
             <a:avLst/>
@@ -2131,8 +2131,8 @@
         </p:nvSpPr>
         <p:spPr>
           <a:xfrm>
-            <a:off x="674280" y="3700800"/>
-            <a:ext cx="7862400" cy="2100960"/>
+            <a:off x="457200" y="3682080"/>
+            <a:ext cx="8229240" cy="1896840"/>
           </a:xfrm>
           <a:prstGeom prst="rect">
             <a:avLst/>
@@ -2183,8 +2183,8 @@
         </p:nvSpPr>
         <p:spPr>
           <a:xfrm>
-            <a:off x="610920" y="260280"/>
-            <a:ext cx="7862400" cy="806040"/>
+            <a:off x="457200" y="273600"/>
+            <a:ext cx="8229240" cy="1144800"/>
           </a:xfrm>
           <a:prstGeom prst="rect">
             <a:avLst/>
@@ -2214,8 +2214,8 @@
         </p:nvSpPr>
         <p:spPr>
           <a:xfrm>
-            <a:off x="674280" y="1399680"/>
-            <a:ext cx="3836520" cy="2100960"/>
+            <a:off x="457200" y="1604520"/>
+            <a:ext cx="4015800" cy="1896840"/>
           </a:xfrm>
           <a:prstGeom prst="rect">
             <a:avLst/>
@@ -2244,8 +2244,8 @@
         </p:nvSpPr>
         <p:spPr>
           <a:xfrm>
-            <a:off x="4703040" y="1399680"/>
-            <a:ext cx="3836520" cy="2100960"/>
+            <a:off x="4674240" y="1604520"/>
+            <a:ext cx="4015800" cy="1896840"/>
           </a:xfrm>
           <a:prstGeom prst="rect">
             <a:avLst/>
@@ -2274,8 +2274,8 @@
         </p:nvSpPr>
         <p:spPr>
           <a:xfrm>
-            <a:off x="674280" y="3700800"/>
-            <a:ext cx="3836520" cy="2100960"/>
+            <a:off x="457200" y="3682080"/>
+            <a:ext cx="4015800" cy="1896840"/>
           </a:xfrm>
           <a:prstGeom prst="rect">
             <a:avLst/>
@@ -2304,8 +2304,8 @@
         </p:nvSpPr>
         <p:spPr>
           <a:xfrm>
-            <a:off x="4703040" y="3700800"/>
-            <a:ext cx="3836520" cy="2100960"/>
+            <a:off x="4674240" y="3682080"/>
+            <a:ext cx="4015800" cy="1896840"/>
           </a:xfrm>
           <a:prstGeom prst="rect">
             <a:avLst/>
@@ -2356,8 +2356,8 @@
         </p:nvSpPr>
         <p:spPr>
           <a:xfrm>
-            <a:off x="610920" y="260280"/>
-            <a:ext cx="7862400" cy="806040"/>
+            <a:off x="457200" y="273600"/>
+            <a:ext cx="8229240" cy="1144800"/>
           </a:xfrm>
           <a:prstGeom prst="rect">
             <a:avLst/>
@@ -2387,8 +2387,8 @@
         </p:nvSpPr>
         <p:spPr>
           <a:xfrm>
-            <a:off x="674280" y="1399680"/>
-            <a:ext cx="2531520" cy="2100960"/>
+            <a:off x="457200" y="1604520"/>
+            <a:ext cx="2649600" cy="1896840"/>
           </a:xfrm>
           <a:prstGeom prst="rect">
             <a:avLst/>
@@ -2417,8 +2417,8 @@
         </p:nvSpPr>
         <p:spPr>
           <a:xfrm>
-            <a:off x="3332880" y="1399680"/>
-            <a:ext cx="2531520" cy="2100960"/>
+            <a:off x="3239640" y="1604520"/>
+            <a:ext cx="2649600" cy="1896840"/>
           </a:xfrm>
           <a:prstGeom prst="rect">
             <a:avLst/>
@@ -2447,8 +2447,8 @@
         </p:nvSpPr>
         <p:spPr>
           <a:xfrm>
-            <a:off x="5991120" y="1399680"/>
-            <a:ext cx="2531520" cy="2100960"/>
+            <a:off x="6022080" y="1604520"/>
+            <a:ext cx="2649600" cy="1896840"/>
           </a:xfrm>
           <a:prstGeom prst="rect">
             <a:avLst/>
@@ -2477,8 +2477,8 @@
         </p:nvSpPr>
         <p:spPr>
           <a:xfrm>
-            <a:off x="674280" y="3700800"/>
-            <a:ext cx="2531520" cy="2100960"/>
+            <a:off x="457200" y="3682080"/>
+            <a:ext cx="2649600" cy="1896840"/>
           </a:xfrm>
           <a:prstGeom prst="rect">
             <a:avLst/>
@@ -2507,8 +2507,8 @@
         </p:nvSpPr>
         <p:spPr>
           <a:xfrm>
-            <a:off x="3332880" y="3700800"/>
-            <a:ext cx="2531520" cy="2100960"/>
+            <a:off x="3239640" y="3682080"/>
+            <a:ext cx="2649600" cy="1896840"/>
           </a:xfrm>
           <a:prstGeom prst="rect">
             <a:avLst/>
@@ -2537,8 +2537,8 @@
         </p:nvSpPr>
         <p:spPr>
           <a:xfrm>
-            <a:off x="5991120" y="3700800"/>
-            <a:ext cx="2531520" cy="2100960"/>
+            <a:off x="6022080" y="3682080"/>
+            <a:ext cx="2649600" cy="1896840"/>
           </a:xfrm>
           <a:prstGeom prst="rect">
             <a:avLst/>
@@ -2611,8 +2611,8 @@
         </p:nvSpPr>
         <p:spPr>
           <a:xfrm>
-            <a:off x="610920" y="260280"/>
-            <a:ext cx="7862400" cy="806040"/>
+            <a:off x="457200" y="273600"/>
+            <a:ext cx="8229240" cy="1144800"/>
           </a:xfrm>
           <a:prstGeom prst="rect">
             <a:avLst/>
@@ -2642,8 +2642,8 @@
         </p:nvSpPr>
         <p:spPr>
           <a:xfrm>
-            <a:off x="674280" y="1399680"/>
-            <a:ext cx="7862400" cy="4404960"/>
+            <a:off x="457200" y="1604520"/>
+            <a:ext cx="8229240" cy="3977280"/>
           </a:xfrm>
           <a:prstGeom prst="rect">
             <a:avLst/>
@@ -2695,8 +2695,8 @@
         </p:nvSpPr>
         <p:spPr>
           <a:xfrm>
-            <a:off x="610920" y="260280"/>
-            <a:ext cx="7862400" cy="806040"/>
+            <a:off x="457200" y="273600"/>
+            <a:ext cx="8229240" cy="1144800"/>
           </a:xfrm>
           <a:prstGeom prst="rect">
             <a:avLst/>
@@ -2726,8 +2726,8 @@
         </p:nvSpPr>
         <p:spPr>
           <a:xfrm>
-            <a:off x="674280" y="1399680"/>
-            <a:ext cx="7862400" cy="4404960"/>
+            <a:off x="457200" y="1604520"/>
+            <a:ext cx="8229240" cy="3977280"/>
           </a:xfrm>
           <a:prstGeom prst="rect">
             <a:avLst/>
@@ -2778,8 +2778,8 @@
         </p:nvSpPr>
         <p:spPr>
           <a:xfrm>
-            <a:off x="610920" y="260280"/>
-            <a:ext cx="7862400" cy="806040"/>
+            <a:off x="457200" y="273600"/>
+            <a:ext cx="8229240" cy="1144800"/>
           </a:xfrm>
           <a:prstGeom prst="rect">
             <a:avLst/>
@@ -2809,8 +2809,8 @@
         </p:nvSpPr>
         <p:spPr>
           <a:xfrm>
-            <a:off x="674280" y="1399680"/>
-            <a:ext cx="3836520" cy="4404960"/>
+            <a:off x="457200" y="1604520"/>
+            <a:ext cx="4015800" cy="3977280"/>
           </a:xfrm>
           <a:prstGeom prst="rect">
             <a:avLst/>
@@ -2839,8 +2839,8 @@
         </p:nvSpPr>
         <p:spPr>
           <a:xfrm>
-            <a:off x="4703040" y="1399680"/>
-            <a:ext cx="3836520" cy="4404960"/>
+            <a:off x="4674240" y="1604520"/>
+            <a:ext cx="4015800" cy="3977280"/>
           </a:xfrm>
           <a:prstGeom prst="rect">
             <a:avLst/>
@@ -2891,8 +2891,8 @@
         </p:nvSpPr>
         <p:spPr>
           <a:xfrm>
-            <a:off x="610920" y="260280"/>
-            <a:ext cx="7862400" cy="806040"/>
+            <a:off x="457200" y="273600"/>
+            <a:ext cx="8229240" cy="1144800"/>
           </a:xfrm>
           <a:prstGeom prst="rect">
             <a:avLst/>
@@ -2944,8 +2944,8 @@
         </p:nvSpPr>
         <p:spPr>
           <a:xfrm>
-            <a:off x="610920" y="260280"/>
-            <a:ext cx="7862400" cy="3737520"/>
+            <a:off x="457200" y="273600"/>
+            <a:ext cx="8229240" cy="5307840"/>
           </a:xfrm>
           <a:prstGeom prst="rect">
             <a:avLst/>
@@ -2997,8 +2997,8 @@
         </p:nvSpPr>
         <p:spPr>
           <a:xfrm>
-            <a:off x="610920" y="260280"/>
-            <a:ext cx="7862400" cy="806040"/>
+            <a:off x="457200" y="273600"/>
+            <a:ext cx="8229240" cy="1144800"/>
           </a:xfrm>
           <a:prstGeom prst="rect">
             <a:avLst/>
@@ -3028,8 +3028,8 @@
         </p:nvSpPr>
         <p:spPr>
           <a:xfrm>
-            <a:off x="674280" y="1399680"/>
-            <a:ext cx="3836520" cy="2100960"/>
+            <a:off x="457200" y="1604520"/>
+            <a:ext cx="4015800" cy="1896840"/>
           </a:xfrm>
           <a:prstGeom prst="rect">
             <a:avLst/>
@@ -3058,8 +3058,8 @@
         </p:nvSpPr>
         <p:spPr>
           <a:xfrm>
-            <a:off x="4703040" y="1399680"/>
-            <a:ext cx="3836520" cy="4404960"/>
+            <a:off x="4674240" y="1604520"/>
+            <a:ext cx="4015800" cy="3977280"/>
           </a:xfrm>
           <a:prstGeom prst="rect">
             <a:avLst/>
@@ -3088,8 +3088,8 @@
         </p:nvSpPr>
         <p:spPr>
           <a:xfrm>
-            <a:off x="674280" y="3700800"/>
-            <a:ext cx="3836520" cy="2100960"/>
+            <a:off x="457200" y="3682080"/>
+            <a:ext cx="4015800" cy="1896840"/>
           </a:xfrm>
           <a:prstGeom prst="rect">
             <a:avLst/>
@@ -3140,8 +3140,8 @@
         </p:nvSpPr>
         <p:spPr>
           <a:xfrm>
-            <a:off x="610920" y="260280"/>
-            <a:ext cx="7862400" cy="806040"/>
+            <a:off x="457200" y="273600"/>
+            <a:ext cx="8229240" cy="1144800"/>
           </a:xfrm>
           <a:prstGeom prst="rect">
             <a:avLst/>
@@ -3171,8 +3171,8 @@
         </p:nvSpPr>
         <p:spPr>
           <a:xfrm>
-            <a:off x="674280" y="1399680"/>
-            <a:ext cx="7862400" cy="4404960"/>
+            <a:off x="457200" y="1604520"/>
+            <a:ext cx="8229240" cy="3977280"/>
           </a:xfrm>
           <a:prstGeom prst="rect">
             <a:avLst/>
@@ -3224,8 +3224,8 @@
         </p:nvSpPr>
         <p:spPr>
           <a:xfrm>
-            <a:off x="610920" y="260280"/>
-            <a:ext cx="7862400" cy="806040"/>
+            <a:off x="457200" y="273600"/>
+            <a:ext cx="8229240" cy="1144800"/>
           </a:xfrm>
           <a:prstGeom prst="rect">
             <a:avLst/>
@@ -3255,8 +3255,8 @@
         </p:nvSpPr>
         <p:spPr>
           <a:xfrm>
-            <a:off x="674280" y="1399680"/>
-            <a:ext cx="3836520" cy="4404960"/>
+            <a:off x="457200" y="1604520"/>
+            <a:ext cx="4015800" cy="3977280"/>
           </a:xfrm>
           <a:prstGeom prst="rect">
             <a:avLst/>
@@ -3285,8 +3285,8 @@
         </p:nvSpPr>
         <p:spPr>
           <a:xfrm>
-            <a:off x="4703040" y="1399680"/>
-            <a:ext cx="3836520" cy="2100960"/>
+            <a:off x="4674240" y="1604520"/>
+            <a:ext cx="4015800" cy="1896840"/>
           </a:xfrm>
           <a:prstGeom prst="rect">
             <a:avLst/>
@@ -3315,8 +3315,8 @@
         </p:nvSpPr>
         <p:spPr>
           <a:xfrm>
-            <a:off x="4703040" y="3700800"/>
-            <a:ext cx="3836520" cy="2100960"/>
+            <a:off x="4674240" y="3682080"/>
+            <a:ext cx="4015800" cy="1896840"/>
           </a:xfrm>
           <a:prstGeom prst="rect">
             <a:avLst/>
@@ -3367,8 +3367,8 @@
         </p:nvSpPr>
         <p:spPr>
           <a:xfrm>
-            <a:off x="610920" y="260280"/>
-            <a:ext cx="7862400" cy="806040"/>
+            <a:off x="457200" y="273600"/>
+            <a:ext cx="8229240" cy="1144800"/>
           </a:xfrm>
           <a:prstGeom prst="rect">
             <a:avLst/>
@@ -3398,8 +3398,8 @@
         </p:nvSpPr>
         <p:spPr>
           <a:xfrm>
-            <a:off x="674280" y="1399680"/>
-            <a:ext cx="3836520" cy="2100960"/>
+            <a:off x="457200" y="1604520"/>
+            <a:ext cx="4015800" cy="1896840"/>
           </a:xfrm>
           <a:prstGeom prst="rect">
             <a:avLst/>
@@ -3428,8 +3428,8 @@
         </p:nvSpPr>
         <p:spPr>
           <a:xfrm>
-            <a:off x="4703040" y="1399680"/>
-            <a:ext cx="3836520" cy="2100960"/>
+            <a:off x="4674240" y="1604520"/>
+            <a:ext cx="4015800" cy="1896840"/>
           </a:xfrm>
           <a:prstGeom prst="rect">
             <a:avLst/>
@@ -3458,8 +3458,8 @@
         </p:nvSpPr>
         <p:spPr>
           <a:xfrm>
-            <a:off x="674280" y="3700800"/>
-            <a:ext cx="7862400" cy="2100960"/>
+            <a:off x="457200" y="3682080"/>
+            <a:ext cx="8229240" cy="1896840"/>
           </a:xfrm>
           <a:prstGeom prst="rect">
             <a:avLst/>
@@ -3510,8 +3510,8 @@
         </p:nvSpPr>
         <p:spPr>
           <a:xfrm>
-            <a:off x="610920" y="260280"/>
-            <a:ext cx="7862400" cy="806040"/>
+            <a:off x="457200" y="273600"/>
+            <a:ext cx="8229240" cy="1144800"/>
           </a:xfrm>
           <a:prstGeom prst="rect">
             <a:avLst/>
@@ -3541,8 +3541,8 @@
         </p:nvSpPr>
         <p:spPr>
           <a:xfrm>
-            <a:off x="674280" y="1399680"/>
-            <a:ext cx="7862400" cy="2100960"/>
+            <a:off x="457200" y="1604520"/>
+            <a:ext cx="8229240" cy="1896840"/>
           </a:xfrm>
           <a:prstGeom prst="rect">
             <a:avLst/>
@@ -3571,8 +3571,8 @@
         </p:nvSpPr>
         <p:spPr>
           <a:xfrm>
-            <a:off x="674280" y="3700800"/>
-            <a:ext cx="7862400" cy="2100960"/>
+            <a:off x="457200" y="3682080"/>
+            <a:ext cx="8229240" cy="1896840"/>
           </a:xfrm>
           <a:prstGeom prst="rect">
             <a:avLst/>
@@ -3623,8 +3623,8 @@
         </p:nvSpPr>
         <p:spPr>
           <a:xfrm>
-            <a:off x="610920" y="260280"/>
-            <a:ext cx="7862400" cy="806040"/>
+            <a:off x="457200" y="273600"/>
+            <a:ext cx="8229240" cy="1144800"/>
           </a:xfrm>
           <a:prstGeom prst="rect">
             <a:avLst/>
@@ -3654,8 +3654,8 @@
         </p:nvSpPr>
         <p:spPr>
           <a:xfrm>
-            <a:off x="674280" y="1399680"/>
-            <a:ext cx="3836520" cy="2100960"/>
+            <a:off x="457200" y="1604520"/>
+            <a:ext cx="4015800" cy="1896840"/>
           </a:xfrm>
           <a:prstGeom prst="rect">
             <a:avLst/>
@@ -3684,8 +3684,8 @@
         </p:nvSpPr>
         <p:spPr>
           <a:xfrm>
-            <a:off x="4703040" y="1399680"/>
-            <a:ext cx="3836520" cy="2100960"/>
+            <a:off x="4674240" y="1604520"/>
+            <a:ext cx="4015800" cy="1896840"/>
           </a:xfrm>
           <a:prstGeom prst="rect">
             <a:avLst/>
@@ -3714,8 +3714,8 @@
         </p:nvSpPr>
         <p:spPr>
           <a:xfrm>
-            <a:off x="674280" y="3700800"/>
-            <a:ext cx="3836520" cy="2100960"/>
+            <a:off x="457200" y="3682080"/>
+            <a:ext cx="4015800" cy="1896840"/>
           </a:xfrm>
           <a:prstGeom prst="rect">
             <a:avLst/>
@@ -3744,8 +3744,8 @@
         </p:nvSpPr>
         <p:spPr>
           <a:xfrm>
-            <a:off x="4703040" y="3700800"/>
-            <a:ext cx="3836520" cy="2100960"/>
+            <a:off x="4674240" y="3682080"/>
+            <a:ext cx="4015800" cy="1896840"/>
           </a:xfrm>
           <a:prstGeom prst="rect">
             <a:avLst/>
@@ -3796,8 +3796,8 @@
         </p:nvSpPr>
         <p:spPr>
           <a:xfrm>
-            <a:off x="610920" y="260280"/>
-            <a:ext cx="7862400" cy="806040"/>
+            <a:off x="457200" y="273600"/>
+            <a:ext cx="8229240" cy="1144800"/>
           </a:xfrm>
           <a:prstGeom prst="rect">
             <a:avLst/>
@@ -3827,8 +3827,8 @@
         </p:nvSpPr>
         <p:spPr>
           <a:xfrm>
-            <a:off x="674280" y="1399680"/>
-            <a:ext cx="2531520" cy="2100960"/>
+            <a:off x="457200" y="1604520"/>
+            <a:ext cx="2649600" cy="1896840"/>
           </a:xfrm>
           <a:prstGeom prst="rect">
             <a:avLst/>
@@ -3857,8 +3857,8 @@
         </p:nvSpPr>
         <p:spPr>
           <a:xfrm>
-            <a:off x="3332880" y="1399680"/>
-            <a:ext cx="2531520" cy="2100960"/>
+            <a:off x="3239640" y="1604520"/>
+            <a:ext cx="2649600" cy="1896840"/>
           </a:xfrm>
           <a:prstGeom prst="rect">
             <a:avLst/>
@@ -3887,8 +3887,8 @@
         </p:nvSpPr>
         <p:spPr>
           <a:xfrm>
-            <a:off x="5991120" y="1399680"/>
-            <a:ext cx="2531520" cy="2100960"/>
+            <a:off x="6022080" y="1604520"/>
+            <a:ext cx="2649600" cy="1896840"/>
           </a:xfrm>
           <a:prstGeom prst="rect">
             <a:avLst/>
@@ -3917,8 +3917,8 @@
         </p:nvSpPr>
         <p:spPr>
           <a:xfrm>
-            <a:off x="674280" y="3700800"/>
-            <a:ext cx="2531520" cy="2100960"/>
+            <a:off x="457200" y="3682080"/>
+            <a:ext cx="2649600" cy="1896840"/>
           </a:xfrm>
           <a:prstGeom prst="rect">
             <a:avLst/>
@@ -3947,8 +3947,8 @@
         </p:nvSpPr>
         <p:spPr>
           <a:xfrm>
-            <a:off x="3332880" y="3700800"/>
-            <a:ext cx="2531520" cy="2100960"/>
+            <a:off x="3239640" y="3682080"/>
+            <a:ext cx="2649600" cy="1896840"/>
           </a:xfrm>
           <a:prstGeom prst="rect">
             <a:avLst/>
@@ -3977,8 +3977,8 @@
         </p:nvSpPr>
         <p:spPr>
           <a:xfrm>
-            <a:off x="5991120" y="3700800"/>
-            <a:ext cx="2531520" cy="2100960"/>
+            <a:off x="6022080" y="3682080"/>
+            <a:ext cx="2649600" cy="1896840"/>
           </a:xfrm>
           <a:prstGeom prst="rect">
             <a:avLst/>
@@ -4051,8 +4051,8 @@
         </p:nvSpPr>
         <p:spPr>
           <a:xfrm>
-            <a:off x="610920" y="260280"/>
-            <a:ext cx="7862400" cy="806040"/>
+            <a:off x="457200" y="273600"/>
+            <a:ext cx="8229240" cy="1144800"/>
           </a:xfrm>
           <a:prstGeom prst="rect">
             <a:avLst/>
@@ -4082,8 +4082,8 @@
         </p:nvSpPr>
         <p:spPr>
           <a:xfrm>
-            <a:off x="674280" y="1399680"/>
-            <a:ext cx="7862400" cy="4404960"/>
+            <a:off x="457200" y="1604520"/>
+            <a:ext cx="8229240" cy="3977280"/>
           </a:xfrm>
           <a:prstGeom prst="rect">
             <a:avLst/>
@@ -4135,8 +4135,8 @@
         </p:nvSpPr>
         <p:spPr>
           <a:xfrm>
-            <a:off x="610920" y="260280"/>
-            <a:ext cx="7862400" cy="806040"/>
+            <a:off x="457200" y="273600"/>
+            <a:ext cx="8229240" cy="1144800"/>
           </a:xfrm>
           <a:prstGeom prst="rect">
             <a:avLst/>
@@ -4166,8 +4166,8 @@
         </p:nvSpPr>
         <p:spPr>
           <a:xfrm>
-            <a:off x="674280" y="1399680"/>
-            <a:ext cx="7862400" cy="4404960"/>
+            <a:off x="457200" y="1604520"/>
+            <a:ext cx="8229240" cy="3977280"/>
           </a:xfrm>
           <a:prstGeom prst="rect">
             <a:avLst/>
@@ -4218,8 +4218,8 @@
         </p:nvSpPr>
         <p:spPr>
           <a:xfrm>
-            <a:off x="610920" y="260280"/>
-            <a:ext cx="7862400" cy="806040"/>
+            <a:off x="457200" y="273600"/>
+            <a:ext cx="8229240" cy="1144800"/>
           </a:xfrm>
           <a:prstGeom prst="rect">
             <a:avLst/>
@@ -4249,8 +4249,8 @@
         </p:nvSpPr>
         <p:spPr>
           <a:xfrm>
-            <a:off x="674280" y="1399680"/>
-            <a:ext cx="3836520" cy="4404960"/>
+            <a:off x="457200" y="1604520"/>
+            <a:ext cx="4015800" cy="3977280"/>
           </a:xfrm>
           <a:prstGeom prst="rect">
             <a:avLst/>
@@ -4279,8 +4279,8 @@
         </p:nvSpPr>
         <p:spPr>
           <a:xfrm>
-            <a:off x="4703040" y="1399680"/>
-            <a:ext cx="3836520" cy="4404960"/>
+            <a:off x="4674240" y="1604520"/>
+            <a:ext cx="4015800" cy="3977280"/>
           </a:xfrm>
           <a:prstGeom prst="rect">
             <a:avLst/>
@@ -4331,8 +4331,8 @@
         </p:nvSpPr>
         <p:spPr>
           <a:xfrm>
-            <a:off x="610920" y="260280"/>
-            <a:ext cx="7862400" cy="806040"/>
+            <a:off x="457200" y="273600"/>
+            <a:ext cx="8229240" cy="1144800"/>
           </a:xfrm>
           <a:prstGeom prst="rect">
             <a:avLst/>
@@ -4384,8 +4384,8 @@
         </p:nvSpPr>
         <p:spPr>
           <a:xfrm>
-            <a:off x="610920" y="260280"/>
-            <a:ext cx="7862400" cy="806040"/>
+            <a:off x="457200" y="273600"/>
+            <a:ext cx="8229240" cy="1144800"/>
           </a:xfrm>
           <a:prstGeom prst="rect">
             <a:avLst/>
@@ -4415,8 +4415,8 @@
         </p:nvSpPr>
         <p:spPr>
           <a:xfrm>
-            <a:off x="674280" y="1399680"/>
-            <a:ext cx="7862400" cy="4404960"/>
+            <a:off x="457200" y="1604520"/>
+            <a:ext cx="8229240" cy="3977280"/>
           </a:xfrm>
           <a:prstGeom prst="rect">
             <a:avLst/>
@@ -4467,8 +4467,8 @@
         </p:nvSpPr>
         <p:spPr>
           <a:xfrm>
-            <a:off x="610920" y="260280"/>
-            <a:ext cx="7862400" cy="3737520"/>
+            <a:off x="457200" y="273600"/>
+            <a:ext cx="8229240" cy="5307840"/>
           </a:xfrm>
           <a:prstGeom prst="rect">
             <a:avLst/>
@@ -4520,8 +4520,8 @@
         </p:nvSpPr>
         <p:spPr>
           <a:xfrm>
-            <a:off x="610920" y="260280"/>
-            <a:ext cx="7862400" cy="806040"/>
+            <a:off x="457200" y="273600"/>
+            <a:ext cx="8229240" cy="1144800"/>
           </a:xfrm>
           <a:prstGeom prst="rect">
             <a:avLst/>
@@ -4551,8 +4551,8 @@
         </p:nvSpPr>
         <p:spPr>
           <a:xfrm>
-            <a:off x="674280" y="1399680"/>
-            <a:ext cx="3836520" cy="2100960"/>
+            <a:off x="457200" y="1604520"/>
+            <a:ext cx="4015800" cy="1896840"/>
           </a:xfrm>
           <a:prstGeom prst="rect">
             <a:avLst/>
@@ -4581,8 +4581,8 @@
         </p:nvSpPr>
         <p:spPr>
           <a:xfrm>
-            <a:off x="4703040" y="1399680"/>
-            <a:ext cx="3836520" cy="4404960"/>
+            <a:off x="4674240" y="1604520"/>
+            <a:ext cx="4015800" cy="3977280"/>
           </a:xfrm>
           <a:prstGeom prst="rect">
             <a:avLst/>
@@ -4611,8 +4611,8 @@
         </p:nvSpPr>
         <p:spPr>
           <a:xfrm>
-            <a:off x="674280" y="3700800"/>
-            <a:ext cx="3836520" cy="2100960"/>
+            <a:off x="457200" y="3682080"/>
+            <a:ext cx="4015800" cy="1896840"/>
           </a:xfrm>
           <a:prstGeom prst="rect">
             <a:avLst/>
@@ -4663,8 +4663,8 @@
         </p:nvSpPr>
         <p:spPr>
           <a:xfrm>
-            <a:off x="610920" y="260280"/>
-            <a:ext cx="7862400" cy="806040"/>
+            <a:off x="457200" y="273600"/>
+            <a:ext cx="8229240" cy="1144800"/>
           </a:xfrm>
           <a:prstGeom prst="rect">
             <a:avLst/>
@@ -4694,8 +4694,8 @@
         </p:nvSpPr>
         <p:spPr>
           <a:xfrm>
-            <a:off x="674280" y="1399680"/>
-            <a:ext cx="3836520" cy="4404960"/>
+            <a:off x="457200" y="1604520"/>
+            <a:ext cx="4015800" cy="3977280"/>
           </a:xfrm>
           <a:prstGeom prst="rect">
             <a:avLst/>
@@ -4724,8 +4724,8 @@
         </p:nvSpPr>
         <p:spPr>
           <a:xfrm>
-            <a:off x="4703040" y="1399680"/>
-            <a:ext cx="3836520" cy="2100960"/>
+            <a:off x="4674240" y="1604520"/>
+            <a:ext cx="4015800" cy="1896840"/>
           </a:xfrm>
           <a:prstGeom prst="rect">
             <a:avLst/>
@@ -4754,8 +4754,8 @@
         </p:nvSpPr>
         <p:spPr>
           <a:xfrm>
-            <a:off x="4703040" y="3700800"/>
-            <a:ext cx="3836520" cy="2100960"/>
+            <a:off x="4674240" y="3682080"/>
+            <a:ext cx="4015800" cy="1896840"/>
           </a:xfrm>
           <a:prstGeom prst="rect">
             <a:avLst/>
@@ -4806,8 +4806,8 @@
         </p:nvSpPr>
         <p:spPr>
           <a:xfrm>
-            <a:off x="610920" y="260280"/>
-            <a:ext cx="7862400" cy="806040"/>
+            <a:off x="457200" y="273600"/>
+            <a:ext cx="8229240" cy="1144800"/>
           </a:xfrm>
           <a:prstGeom prst="rect">
             <a:avLst/>
@@ -4837,8 +4837,8 @@
         </p:nvSpPr>
         <p:spPr>
           <a:xfrm>
-            <a:off x="674280" y="1399680"/>
-            <a:ext cx="3836520" cy="2100960"/>
+            <a:off x="457200" y="1604520"/>
+            <a:ext cx="4015800" cy="1896840"/>
           </a:xfrm>
           <a:prstGeom prst="rect">
             <a:avLst/>
@@ -4867,8 +4867,8 @@
         </p:nvSpPr>
         <p:spPr>
           <a:xfrm>
-            <a:off x="4703040" y="1399680"/>
-            <a:ext cx="3836520" cy="2100960"/>
+            <a:off x="4674240" y="1604520"/>
+            <a:ext cx="4015800" cy="1896840"/>
           </a:xfrm>
           <a:prstGeom prst="rect">
             <a:avLst/>
@@ -4897,8 +4897,8 @@
         </p:nvSpPr>
         <p:spPr>
           <a:xfrm>
-            <a:off x="674280" y="3700800"/>
-            <a:ext cx="7862400" cy="2100960"/>
+            <a:off x="457200" y="3682080"/>
+            <a:ext cx="8229240" cy="1896840"/>
           </a:xfrm>
           <a:prstGeom prst="rect">
             <a:avLst/>
@@ -4949,8 +4949,8 @@
         </p:nvSpPr>
         <p:spPr>
           <a:xfrm>
-            <a:off x="610920" y="260280"/>
-            <a:ext cx="7862400" cy="806040"/>
+            <a:off x="457200" y="273600"/>
+            <a:ext cx="8229240" cy="1144800"/>
           </a:xfrm>
           <a:prstGeom prst="rect">
             <a:avLst/>
@@ -4980,8 +4980,8 @@
         </p:nvSpPr>
         <p:spPr>
           <a:xfrm>
-            <a:off x="674280" y="1399680"/>
-            <a:ext cx="7862400" cy="2100960"/>
+            <a:off x="457200" y="1604520"/>
+            <a:ext cx="8229240" cy="1896840"/>
           </a:xfrm>
           <a:prstGeom prst="rect">
             <a:avLst/>
@@ -5010,8 +5010,8 @@
         </p:nvSpPr>
         <p:spPr>
           <a:xfrm>
-            <a:off x="674280" y="3700800"/>
-            <a:ext cx="7862400" cy="2100960"/>
+            <a:off x="457200" y="3682080"/>
+            <a:ext cx="8229240" cy="1896840"/>
           </a:xfrm>
           <a:prstGeom prst="rect">
             <a:avLst/>
@@ -5062,8 +5062,8 @@
         </p:nvSpPr>
         <p:spPr>
           <a:xfrm>
-            <a:off x="610920" y="260280"/>
-            <a:ext cx="7862400" cy="806040"/>
+            <a:off x="457200" y="273600"/>
+            <a:ext cx="8229240" cy="1144800"/>
           </a:xfrm>
           <a:prstGeom prst="rect">
             <a:avLst/>
@@ -5093,8 +5093,8 @@
         </p:nvSpPr>
         <p:spPr>
           <a:xfrm>
-            <a:off x="674280" y="1399680"/>
-            <a:ext cx="3836520" cy="2100960"/>
+            <a:off x="457200" y="1604520"/>
+            <a:ext cx="4015800" cy="1896840"/>
           </a:xfrm>
           <a:prstGeom prst="rect">
             <a:avLst/>
@@ -5123,8 +5123,8 @@
         </p:nvSpPr>
         <p:spPr>
           <a:xfrm>
-            <a:off x="4703040" y="1399680"/>
-            <a:ext cx="3836520" cy="2100960"/>
+            <a:off x="4674240" y="1604520"/>
+            <a:ext cx="4015800" cy="1896840"/>
           </a:xfrm>
           <a:prstGeom prst="rect">
             <a:avLst/>
@@ -5153,8 +5153,8 @@
         </p:nvSpPr>
         <p:spPr>
           <a:xfrm>
-            <a:off x="674280" y="3700800"/>
-            <a:ext cx="3836520" cy="2100960"/>
+            <a:off x="457200" y="3682080"/>
+            <a:ext cx="4015800" cy="1896840"/>
           </a:xfrm>
           <a:prstGeom prst="rect">
             <a:avLst/>
@@ -5183,8 +5183,8 @@
         </p:nvSpPr>
         <p:spPr>
           <a:xfrm>
-            <a:off x="4703040" y="3700800"/>
-            <a:ext cx="3836520" cy="2100960"/>
+            <a:off x="4674240" y="3682080"/>
+            <a:ext cx="4015800" cy="1896840"/>
           </a:xfrm>
           <a:prstGeom prst="rect">
             <a:avLst/>
@@ -5235,8 +5235,8 @@
         </p:nvSpPr>
         <p:spPr>
           <a:xfrm>
-            <a:off x="610920" y="260280"/>
-            <a:ext cx="7862400" cy="806040"/>
+            <a:off x="457200" y="273600"/>
+            <a:ext cx="8229240" cy="1144800"/>
           </a:xfrm>
           <a:prstGeom prst="rect">
             <a:avLst/>
@@ -5266,8 +5266,8 @@
         </p:nvSpPr>
         <p:spPr>
           <a:xfrm>
-            <a:off x="674280" y="1399680"/>
-            <a:ext cx="2531520" cy="2100960"/>
+            <a:off x="457200" y="1604520"/>
+            <a:ext cx="2649600" cy="1896840"/>
           </a:xfrm>
           <a:prstGeom prst="rect">
             <a:avLst/>
@@ -5296,8 +5296,8 @@
         </p:nvSpPr>
         <p:spPr>
           <a:xfrm>
-            <a:off x="3332880" y="1399680"/>
-            <a:ext cx="2531520" cy="2100960"/>
+            <a:off x="3239640" y="1604520"/>
+            <a:ext cx="2649600" cy="1896840"/>
           </a:xfrm>
           <a:prstGeom prst="rect">
             <a:avLst/>
@@ -5326,8 +5326,8 @@
         </p:nvSpPr>
         <p:spPr>
           <a:xfrm>
-            <a:off x="5991120" y="1399680"/>
-            <a:ext cx="2531520" cy="2100960"/>
+            <a:off x="6022080" y="1604520"/>
+            <a:ext cx="2649600" cy="1896840"/>
           </a:xfrm>
           <a:prstGeom prst="rect">
             <a:avLst/>
@@ -5356,8 +5356,8 @@
         </p:nvSpPr>
         <p:spPr>
           <a:xfrm>
-            <a:off x="674280" y="3700800"/>
-            <a:ext cx="2531520" cy="2100960"/>
+            <a:off x="457200" y="3682080"/>
+            <a:ext cx="2649600" cy="1896840"/>
           </a:xfrm>
           <a:prstGeom prst="rect">
             <a:avLst/>
@@ -5386,8 +5386,8 @@
         </p:nvSpPr>
         <p:spPr>
           <a:xfrm>
-            <a:off x="3332880" y="3700800"/>
-            <a:ext cx="2531520" cy="2100960"/>
+            <a:off x="3239640" y="3682080"/>
+            <a:ext cx="2649600" cy="1896840"/>
           </a:xfrm>
           <a:prstGeom prst="rect">
             <a:avLst/>
@@ -5416,8 +5416,8 @@
         </p:nvSpPr>
         <p:spPr>
           <a:xfrm>
-            <a:off x="5991120" y="3700800"/>
-            <a:ext cx="2531520" cy="2100960"/>
+            <a:off x="6022080" y="3682080"/>
+            <a:ext cx="2649600" cy="1896840"/>
           </a:xfrm>
           <a:prstGeom prst="rect">
             <a:avLst/>
@@ -5468,8 +5468,8 @@
         </p:nvSpPr>
         <p:spPr>
           <a:xfrm>
-            <a:off x="610920" y="260280"/>
-            <a:ext cx="7862400" cy="806040"/>
+            <a:off x="457200" y="273600"/>
+            <a:ext cx="8229240" cy="1144800"/>
           </a:xfrm>
           <a:prstGeom prst="rect">
             <a:avLst/>
@@ -5499,8 +5499,8 @@
         </p:nvSpPr>
         <p:spPr>
           <a:xfrm>
-            <a:off x="674280" y="1399680"/>
-            <a:ext cx="3836520" cy="4404960"/>
+            <a:off x="457200" y="1604520"/>
+            <a:ext cx="4015800" cy="3977280"/>
           </a:xfrm>
           <a:prstGeom prst="rect">
             <a:avLst/>
@@ -5529,8 +5529,8 @@
         </p:nvSpPr>
         <p:spPr>
           <a:xfrm>
-            <a:off x="4703040" y="1399680"/>
-            <a:ext cx="3836520" cy="4404960"/>
+            <a:off x="4674240" y="1604520"/>
+            <a:ext cx="4015800" cy="3977280"/>
           </a:xfrm>
           <a:prstGeom prst="rect">
             <a:avLst/>
@@ -5581,8 +5581,8 @@
         </p:nvSpPr>
         <p:spPr>
           <a:xfrm>
-            <a:off x="610920" y="260280"/>
-            <a:ext cx="7862400" cy="806040"/>
+            <a:off x="457200" y="273600"/>
+            <a:ext cx="8229240" cy="1144800"/>
           </a:xfrm>
           <a:prstGeom prst="rect">
             <a:avLst/>
@@ -5634,8 +5634,8 @@
         </p:nvSpPr>
         <p:spPr>
           <a:xfrm>
-            <a:off x="610920" y="260280"/>
-            <a:ext cx="7862400" cy="3737520"/>
+            <a:off x="457200" y="273600"/>
+            <a:ext cx="8229240" cy="5307840"/>
           </a:xfrm>
           <a:prstGeom prst="rect">
             <a:avLst/>
@@ -5687,8 +5687,8 @@
         </p:nvSpPr>
         <p:spPr>
           <a:xfrm>
-            <a:off x="610920" y="260280"/>
-            <a:ext cx="7862400" cy="806040"/>
+            <a:off x="457200" y="273600"/>
+            <a:ext cx="8229240" cy="1144800"/>
           </a:xfrm>
           <a:prstGeom prst="rect">
             <a:avLst/>
@@ -5718,8 +5718,8 @@
         </p:nvSpPr>
         <p:spPr>
           <a:xfrm>
-            <a:off x="674280" y="1399680"/>
-            <a:ext cx="3836520" cy="2100960"/>
+            <a:off x="457200" y="1604520"/>
+            <a:ext cx="4015800" cy="1896840"/>
           </a:xfrm>
           <a:prstGeom prst="rect">
             <a:avLst/>
@@ -5748,8 +5748,8 @@
         </p:nvSpPr>
         <p:spPr>
           <a:xfrm>
-            <a:off x="4703040" y="1399680"/>
-            <a:ext cx="3836520" cy="4404960"/>
+            <a:off x="4674240" y="1604520"/>
+            <a:ext cx="4015800" cy="3977280"/>
           </a:xfrm>
           <a:prstGeom prst="rect">
             <a:avLst/>
@@ -5778,8 +5778,8 @@
         </p:nvSpPr>
         <p:spPr>
           <a:xfrm>
-            <a:off x="674280" y="3700800"/>
-            <a:ext cx="3836520" cy="2100960"/>
+            <a:off x="457200" y="3682080"/>
+            <a:ext cx="4015800" cy="1896840"/>
           </a:xfrm>
           <a:prstGeom prst="rect">
             <a:avLst/>
@@ -5830,8 +5830,8 @@
         </p:nvSpPr>
         <p:spPr>
           <a:xfrm>
-            <a:off x="610920" y="260280"/>
-            <a:ext cx="7862400" cy="806040"/>
+            <a:off x="457200" y="273600"/>
+            <a:ext cx="8229240" cy="1144800"/>
           </a:xfrm>
           <a:prstGeom prst="rect">
             <a:avLst/>
@@ -5861,8 +5861,8 @@
         </p:nvSpPr>
         <p:spPr>
           <a:xfrm>
-            <a:off x="674280" y="1399680"/>
-            <a:ext cx="3836520" cy="4404960"/>
+            <a:off x="457200" y="1604520"/>
+            <a:ext cx="4015800" cy="3977280"/>
           </a:xfrm>
           <a:prstGeom prst="rect">
             <a:avLst/>
@@ -5891,8 +5891,8 @@
         </p:nvSpPr>
         <p:spPr>
           <a:xfrm>
-            <a:off x="4703040" y="1399680"/>
-            <a:ext cx="3836520" cy="2100960"/>
+            <a:off x="4674240" y="1604520"/>
+            <a:ext cx="4015800" cy="1896840"/>
           </a:xfrm>
           <a:prstGeom prst="rect">
             <a:avLst/>
@@ -5921,8 +5921,8 @@
         </p:nvSpPr>
         <p:spPr>
           <a:xfrm>
-            <a:off x="4703040" y="3700800"/>
-            <a:ext cx="3836520" cy="2100960"/>
+            <a:off x="4674240" y="3682080"/>
+            <a:ext cx="4015800" cy="1896840"/>
           </a:xfrm>
           <a:prstGeom prst="rect">
             <a:avLst/>
@@ -5973,8 +5973,8 @@
         </p:nvSpPr>
         <p:spPr>
           <a:xfrm>
-            <a:off x="610920" y="260280"/>
-            <a:ext cx="7862400" cy="806040"/>
+            <a:off x="457200" y="273600"/>
+            <a:ext cx="8229240" cy="1144800"/>
           </a:xfrm>
           <a:prstGeom prst="rect">
             <a:avLst/>
@@ -6004,8 +6004,8 @@
         </p:nvSpPr>
         <p:spPr>
           <a:xfrm>
-            <a:off x="674280" y="1399680"/>
-            <a:ext cx="3836520" cy="2100960"/>
+            <a:off x="457200" y="1604520"/>
+            <a:ext cx="4015800" cy="1896840"/>
           </a:xfrm>
           <a:prstGeom prst="rect">
             <a:avLst/>
@@ -6034,8 +6034,8 @@
         </p:nvSpPr>
         <p:spPr>
           <a:xfrm>
-            <a:off x="4703040" y="1399680"/>
-            <a:ext cx="3836520" cy="2100960"/>
+            <a:off x="4674240" y="1604520"/>
+            <a:ext cx="4015800" cy="1896840"/>
           </a:xfrm>
           <a:prstGeom prst="rect">
             <a:avLst/>
@@ -6064,8 +6064,8 @@
         </p:nvSpPr>
         <p:spPr>
           <a:xfrm>
-            <a:off x="674280" y="3700800"/>
-            <a:ext cx="7862400" cy="2100960"/>
+            <a:off x="457200" y="3682080"/>
+            <a:ext cx="8229240" cy="1896840"/>
           </a:xfrm>
           <a:prstGeom prst="rect">
             <a:avLst/>
@@ -6120,9 +6120,9 @@
         <p:grpSpPr>
           <a:xfrm>
             <a:off x="0" y="2438280"/>
-            <a:ext cx="8949960" cy="993600"/>
+            <a:ext cx="8949240" cy="992880"/>
             <a:chOff x="0" y="2438280"/>
-            <a:chExt cx="8949960" cy="993600"/>
+            <a:chExt cx="8949240" cy="992880"/>
           </a:xfrm>
         </p:grpSpPr>
         <p:grpSp>
@@ -6134,9 +6134,9 @@
           <p:grpSpPr>
             <a:xfrm>
               <a:off x="290520" y="2546280"/>
-              <a:ext cx="651960" cy="415800"/>
+              <a:ext cx="651240" cy="415080"/>
               <a:chOff x="290520" y="2546280"/>
-              <a:chExt cx="651960" cy="415800"/>
+              <a:chExt cx="651240" cy="415080"/>
             </a:xfrm>
           </p:grpSpPr>
           <p:sp>
@@ -6148,7 +6148,7 @@
             <p:spPr>
               <a:xfrm>
                 <a:off x="290520" y="2546280"/>
-                <a:ext cx="379080" cy="415800"/>
+                <a:ext cx="378360" cy="415080"/>
               </a:xfrm>
               <a:prstGeom prst="rect">
                 <a:avLst/>
@@ -6176,7 +6176,7 @@
             <p:spPr>
               <a:xfrm>
                 <a:off x="673200" y="2546280"/>
-                <a:ext cx="269280" cy="415800"/>
+                <a:ext cx="268560" cy="415080"/>
               </a:xfrm>
               <a:prstGeom prst="rect">
                 <a:avLst/>
@@ -6213,9 +6213,9 @@
           <p:grpSpPr>
             <a:xfrm>
               <a:off x="414360" y="2968560"/>
-              <a:ext cx="678600" cy="415800"/>
+              <a:ext cx="677880" cy="415080"/>
               <a:chOff x="414360" y="2968560"/>
-              <a:chExt cx="678600" cy="415800"/>
+              <a:chExt cx="677880" cy="415080"/>
             </a:xfrm>
           </p:grpSpPr>
           <p:sp>
@@ -6227,7 +6227,7 @@
             <p:spPr>
               <a:xfrm>
                 <a:off x="414360" y="2968560"/>
-                <a:ext cx="421200" cy="415800"/>
+                <a:ext cx="420480" cy="415080"/>
               </a:xfrm>
               <a:prstGeom prst="rect">
                 <a:avLst/>
@@ -6255,7 +6255,7 @@
             <p:spPr>
               <a:xfrm>
                 <a:off x="783360" y="2968560"/>
-                <a:ext cx="309600" cy="415800"/>
+                <a:ext cx="308880" cy="415080"/>
               </a:xfrm>
               <a:prstGeom prst="rect">
                 <a:avLst/>
@@ -6292,7 +6292,7 @@
           <p:spPr>
             <a:xfrm>
               <a:off x="0" y="2895480"/>
-              <a:ext cx="501120" cy="363240"/>
+              <a:ext cx="500400" cy="362520"/>
             </a:xfrm>
             <a:prstGeom prst="rect">
               <a:avLst/>
@@ -6328,7 +6328,7 @@
           <p:spPr>
             <a:xfrm>
               <a:off x="635040" y="2438280"/>
-              <a:ext cx="360" cy="993600"/>
+              <a:ext cx="360" cy="992880"/>
             </a:xfrm>
             <a:prstGeom prst="rect">
               <a:avLst/>
@@ -6355,8 +6355,8 @@
           </p:nvSpPr>
           <p:spPr>
             <a:xfrm flipV="1">
-              <a:off x="316080" y="3258720"/>
-              <a:ext cx="8633880" cy="360"/>
+              <a:off x="316080" y="3256560"/>
+              <a:ext cx="8633160" cy="360"/>
             </a:xfrm>
             <a:prstGeom prst="rect">
               <a:avLst/>
@@ -6396,25 +6396,26 @@
         </p:nvSpPr>
         <p:spPr>
           <a:xfrm>
-            <a:off x="610920" y="260280"/>
-            <a:ext cx="7862400" cy="806040"/>
+            <a:off x="457200" y="273600"/>
+            <a:ext cx="8229240" cy="1144800"/>
           </a:xfrm>
           <a:prstGeom prst="rect">
             <a:avLst/>
           </a:prstGeom>
         </p:spPr>
         <p:txBody>
-          <a:bodyPr lIns="90000" rIns="90000" tIns="46800" bIns="46800" anchor="ctr" anchorCtr="1">
+          <a:bodyPr lIns="0" rIns="0" tIns="0" bIns="0" anchor="ctr">
             <a:noAutofit/>
           </a:bodyPr>
           <a:p>
-            <a:r>
-              <a:rPr b="0" lang="en-US" sz="1800" spc="-1" strike="noStrike">
+            <a:pPr algn="ctr"/>
+            <a:r>
+              <a:rPr b="0" lang="en-US" sz="4400" spc="-1" strike="noStrike">
                 <a:latin typeface="Arial"/>
               </a:rPr>
               <a:t>Click to edit the title text format</a:t>
             </a:r>
-            <a:endParaRPr b="0" lang="en-US" sz="1800" spc="-1" strike="noStrike">
+            <a:endParaRPr b="0" lang="en-US" sz="4400" spc="-1" strike="noStrike">
               <a:latin typeface="Arial"/>
             </a:endParaRPr>
           </a:p>
@@ -6652,9 +6653,9 @@
         <p:grpSpPr>
           <a:xfrm>
             <a:off x="189000" y="368280"/>
-            <a:ext cx="8167320" cy="993600"/>
+            <a:ext cx="8166600" cy="992880"/>
             <a:chOff x="189000" y="368280"/>
-            <a:chExt cx="8167320" cy="993600"/>
+            <a:chExt cx="8166600" cy="992880"/>
           </a:xfrm>
         </p:grpSpPr>
         <p:sp>
@@ -6666,7 +6667,7 @@
           <p:spPr>
             <a:xfrm>
               <a:off x="507960" y="368280"/>
-              <a:ext cx="360" cy="993600"/>
+              <a:ext cx="360" cy="992880"/>
             </a:xfrm>
             <a:prstGeom prst="rect">
               <a:avLst/>
@@ -6694,7 +6695,7 @@
           <p:spPr>
             <a:xfrm>
               <a:off x="189000" y="1158840"/>
-              <a:ext cx="8167320" cy="360"/>
+              <a:ext cx="8166600" cy="360"/>
             </a:xfrm>
             <a:prstGeom prst="rect">
               <a:avLst/>
@@ -6734,25 +6735,26 @@
         </p:nvSpPr>
         <p:spPr>
           <a:xfrm>
-            <a:off x="610920" y="260280"/>
-            <a:ext cx="7862400" cy="806040"/>
+            <a:off x="457200" y="273600"/>
+            <a:ext cx="8229240" cy="1144800"/>
           </a:xfrm>
           <a:prstGeom prst="rect">
             <a:avLst/>
           </a:prstGeom>
         </p:spPr>
         <p:txBody>
-          <a:bodyPr lIns="90000" rIns="90000" tIns="46800" bIns="46800" anchor="ctr" anchorCtr="1">
+          <a:bodyPr lIns="0" rIns="0" tIns="0" bIns="0" anchor="ctr">
             <a:noAutofit/>
           </a:bodyPr>
           <a:p>
-            <a:r>
-              <a:rPr b="0" lang="en-US" sz="1800" spc="-1" strike="noStrike">
+            <a:pPr algn="ctr"/>
+            <a:r>
+              <a:rPr b="0" lang="en-US" sz="4400" spc="-1" strike="noStrike">
                 <a:latin typeface="Arial"/>
               </a:rPr>
               <a:t>Click to edit the title text format</a:t>
             </a:r>
-            <a:endParaRPr b="0" lang="en-US" sz="1800" spc="-1" strike="noStrike">
+            <a:endParaRPr b="0" lang="en-US" sz="4400" spc="-1" strike="noStrike">
               <a:latin typeface="Arial"/>
             </a:endParaRPr>
           </a:p>
@@ -6770,15 +6772,15 @@
         </p:nvSpPr>
         <p:spPr>
           <a:xfrm>
-            <a:off x="674280" y="1399680"/>
-            <a:ext cx="7862400" cy="4404960"/>
+            <a:off x="457200" y="1604520"/>
+            <a:ext cx="8229240" cy="3977280"/>
           </a:xfrm>
           <a:prstGeom prst="rect">
             <a:avLst/>
           </a:prstGeom>
         </p:spPr>
         <p:txBody>
-          <a:bodyPr lIns="90000" rIns="90000" tIns="46800" bIns="46800">
+          <a:bodyPr lIns="0" rIns="0" tIns="0" bIns="0">
             <a:normAutofit/>
           </a:bodyPr>
           <a:p>
@@ -6794,12 +6796,12 @@
               <a:buChar char=""/>
             </a:pPr>
             <a:r>
-              <a:rPr b="0" lang="en-US" sz="1800" spc="-1" strike="noStrike">
+              <a:rPr b="0" lang="en-US" sz="3200" spc="-1" strike="noStrike">
                 <a:latin typeface="Arial"/>
               </a:rPr>
               <a:t>Click to edit the outline text format</a:t>
             </a:r>
-            <a:endParaRPr b="0" lang="en-US" sz="1800" spc="-1" strike="noStrike">
+            <a:endParaRPr b="0" lang="en-US" sz="3200" spc="-1" strike="noStrike">
               <a:latin typeface="Arial"/>
             </a:endParaRPr>
           </a:p>
@@ -6816,12 +6818,12 @@
               <a:buChar char=""/>
             </a:pPr>
             <a:r>
-              <a:rPr b="0" lang="en-US" sz="1800" spc="-1" strike="noStrike">
+              <a:rPr b="0" lang="en-US" sz="2800" spc="-1" strike="noStrike">
                 <a:latin typeface="Arial"/>
               </a:rPr>
               <a:t>Second Outline Level</a:t>
             </a:r>
-            <a:endParaRPr b="0" lang="en-US" sz="1800" spc="-1" strike="noStrike">
+            <a:endParaRPr b="0" lang="en-US" sz="2800" spc="-1" strike="noStrike">
               <a:latin typeface="Arial"/>
             </a:endParaRPr>
           </a:p>
@@ -6838,12 +6840,12 @@
               <a:buChar char=""/>
             </a:pPr>
             <a:r>
-              <a:rPr b="0" lang="en-US" sz="1800" spc="-1" strike="noStrike">
+              <a:rPr b="0" lang="en-US" sz="2400" spc="-1" strike="noStrike">
                 <a:latin typeface="Arial"/>
               </a:rPr>
               <a:t>Third Outline Level</a:t>
             </a:r>
-            <a:endParaRPr b="0" lang="en-US" sz="1800" spc="-1" strike="noStrike">
+            <a:endParaRPr b="0" lang="en-US" sz="2400" spc="-1" strike="noStrike">
               <a:latin typeface="Arial"/>
             </a:endParaRPr>
           </a:p>
@@ -6860,12 +6862,12 @@
               <a:buChar char=""/>
             </a:pPr>
             <a:r>
-              <a:rPr b="0" lang="en-US" sz="1800" spc="-1" strike="noStrike">
+              <a:rPr b="0" lang="en-US" sz="2000" spc="-1" strike="noStrike">
                 <a:latin typeface="Arial"/>
               </a:rPr>
               <a:t>Fourth Outline Level</a:t>
             </a:r>
-            <a:endParaRPr b="0" lang="en-US" sz="1800" spc="-1" strike="noStrike">
+            <a:endParaRPr b="0" lang="en-US" sz="2000" spc="-1" strike="noStrike">
               <a:latin typeface="Arial"/>
             </a:endParaRPr>
           </a:p>
@@ -6882,12 +6884,12 @@
               <a:buChar char=""/>
             </a:pPr>
             <a:r>
-              <a:rPr b="0" lang="en-US" sz="1800" spc="-1" strike="noStrike">
+              <a:rPr b="0" lang="en-US" sz="2000" spc="-1" strike="noStrike">
                 <a:latin typeface="Arial"/>
               </a:rPr>
               <a:t>Fifth Outline Level</a:t>
             </a:r>
-            <a:endParaRPr b="0" lang="en-US" sz="1800" spc="-1" strike="noStrike">
+            <a:endParaRPr b="0" lang="en-US" sz="2000" spc="-1" strike="noStrike">
               <a:latin typeface="Arial"/>
             </a:endParaRPr>
           </a:p>
@@ -6904,12 +6906,12 @@
               <a:buChar char=""/>
             </a:pPr>
             <a:r>
-              <a:rPr b="0" lang="en-US" sz="1800" spc="-1" strike="noStrike">
+              <a:rPr b="0" lang="en-US" sz="2000" spc="-1" strike="noStrike">
                 <a:latin typeface="Arial"/>
               </a:rPr>
               <a:t>Sixth Outline Level</a:t>
             </a:r>
-            <a:endParaRPr b="0" lang="en-US" sz="1800" spc="-1" strike="noStrike">
+            <a:endParaRPr b="0" lang="en-US" sz="2000" spc="-1" strike="noStrike">
               <a:latin typeface="Arial"/>
             </a:endParaRPr>
           </a:p>
@@ -6926,12 +6928,12 @@
               <a:buChar char=""/>
             </a:pPr>
             <a:r>
-              <a:rPr b="0" lang="en-US" sz="1800" spc="-1" strike="noStrike">
+              <a:rPr b="0" lang="en-US" sz="2000" spc="-1" strike="noStrike">
                 <a:latin typeface="Arial"/>
               </a:rPr>
               <a:t>Seventh Outline Level</a:t>
             </a:r>
-            <a:endParaRPr b="0" lang="en-US" sz="1800" spc="-1" strike="noStrike">
+            <a:endParaRPr b="0" lang="en-US" sz="2000" spc="-1" strike="noStrike">
               <a:latin typeface="Arial"/>
             </a:endParaRPr>
           </a:p>
@@ -6990,9 +6992,9 @@
         <p:grpSpPr>
           <a:xfrm>
             <a:off x="189000" y="368280"/>
-            <a:ext cx="8167320" cy="993600"/>
+            <a:ext cx="8166600" cy="992880"/>
             <a:chOff x="189000" y="368280"/>
-            <a:chExt cx="8167320" cy="993600"/>
+            <a:chExt cx="8166600" cy="992880"/>
           </a:xfrm>
         </p:grpSpPr>
         <p:sp>
@@ -7004,7 +7006,7 @@
           <p:spPr>
             <a:xfrm>
               <a:off x="507960" y="368280"/>
-              <a:ext cx="360" cy="993600"/>
+              <a:ext cx="360" cy="992880"/>
             </a:xfrm>
             <a:prstGeom prst="rect">
               <a:avLst/>
@@ -7032,7 +7034,7 @@
           <p:spPr>
             <a:xfrm>
               <a:off x="189000" y="1158840"/>
-              <a:ext cx="8167320" cy="360"/>
+              <a:ext cx="8166600" cy="360"/>
             </a:xfrm>
             <a:prstGeom prst="rect">
               <a:avLst/>
@@ -7072,25 +7074,26 @@
         </p:nvSpPr>
         <p:spPr>
           <a:xfrm>
-            <a:off x="610920" y="260280"/>
-            <a:ext cx="7862400" cy="806040"/>
+            <a:off x="457200" y="273600"/>
+            <a:ext cx="8229240" cy="1144800"/>
           </a:xfrm>
           <a:prstGeom prst="rect">
             <a:avLst/>
           </a:prstGeom>
         </p:spPr>
         <p:txBody>
-          <a:bodyPr lIns="90000" rIns="90000" tIns="46800" bIns="46800" anchor="ctr" anchorCtr="1">
+          <a:bodyPr lIns="0" rIns="0" tIns="0" bIns="0" anchor="ctr">
             <a:noAutofit/>
           </a:bodyPr>
           <a:p>
-            <a:r>
-              <a:rPr b="0" lang="en-US" sz="1800" spc="-1" strike="noStrike">
+            <a:pPr algn="ctr"/>
+            <a:r>
+              <a:rPr b="0" lang="en-US" sz="4400" spc="-1" strike="noStrike">
                 <a:latin typeface="Arial"/>
               </a:rPr>
               <a:t>Click to edit the title text format</a:t>
             </a:r>
-            <a:endParaRPr b="0" lang="en-US" sz="1800" spc="-1" strike="noStrike">
+            <a:endParaRPr b="0" lang="en-US" sz="4400" spc="-1" strike="noStrike">
               <a:latin typeface="Arial"/>
             </a:endParaRPr>
           </a:p>
@@ -7108,15 +7111,15 @@
         </p:nvSpPr>
         <p:spPr>
           <a:xfrm>
-            <a:off x="674280" y="1399680"/>
-            <a:ext cx="7862400" cy="4404960"/>
+            <a:off x="457200" y="1604520"/>
+            <a:ext cx="8229240" cy="3977280"/>
           </a:xfrm>
           <a:prstGeom prst="rect">
             <a:avLst/>
           </a:prstGeom>
         </p:spPr>
         <p:txBody>
-          <a:bodyPr lIns="90000" rIns="90000" tIns="46800" bIns="46800">
+          <a:bodyPr lIns="0" rIns="0" tIns="0" bIns="0">
             <a:normAutofit/>
           </a:bodyPr>
           <a:p>
@@ -7132,12 +7135,12 @@
               <a:buChar char=""/>
             </a:pPr>
             <a:r>
-              <a:rPr b="0" lang="en-US" sz="1800" spc="-1" strike="noStrike">
+              <a:rPr b="0" lang="en-US" sz="3200" spc="-1" strike="noStrike">
                 <a:latin typeface="Arial"/>
               </a:rPr>
               <a:t>Click to edit the outline text format</a:t>
             </a:r>
-            <a:endParaRPr b="0" lang="en-US" sz="1800" spc="-1" strike="noStrike">
+            <a:endParaRPr b="0" lang="en-US" sz="3200" spc="-1" strike="noStrike">
               <a:latin typeface="Arial"/>
             </a:endParaRPr>
           </a:p>
@@ -7154,12 +7157,12 @@
               <a:buChar char=""/>
             </a:pPr>
             <a:r>
-              <a:rPr b="0" lang="en-US" sz="1800" spc="-1" strike="noStrike">
+              <a:rPr b="0" lang="en-US" sz="2800" spc="-1" strike="noStrike">
                 <a:latin typeface="Arial"/>
               </a:rPr>
               <a:t>Second Outline Level</a:t>
             </a:r>
-            <a:endParaRPr b="0" lang="en-US" sz="1800" spc="-1" strike="noStrike">
+            <a:endParaRPr b="0" lang="en-US" sz="2800" spc="-1" strike="noStrike">
               <a:latin typeface="Arial"/>
             </a:endParaRPr>
           </a:p>
@@ -7176,12 +7179,12 @@
               <a:buChar char=""/>
             </a:pPr>
             <a:r>
-              <a:rPr b="0" lang="en-US" sz="1800" spc="-1" strike="noStrike">
+              <a:rPr b="0" lang="en-US" sz="2400" spc="-1" strike="noStrike">
                 <a:latin typeface="Arial"/>
               </a:rPr>
               <a:t>Third Outline Level</a:t>
             </a:r>
-            <a:endParaRPr b="0" lang="en-US" sz="1800" spc="-1" strike="noStrike">
+            <a:endParaRPr b="0" lang="en-US" sz="2400" spc="-1" strike="noStrike">
               <a:latin typeface="Arial"/>
             </a:endParaRPr>
           </a:p>
@@ -7198,12 +7201,12 @@
               <a:buChar char=""/>
             </a:pPr>
             <a:r>
-              <a:rPr b="0" lang="en-US" sz="1800" spc="-1" strike="noStrike">
+              <a:rPr b="0" lang="en-US" sz="2000" spc="-1" strike="noStrike">
                 <a:latin typeface="Arial"/>
               </a:rPr>
               <a:t>Fourth Outline Level</a:t>
             </a:r>
-            <a:endParaRPr b="0" lang="en-US" sz="1800" spc="-1" strike="noStrike">
+            <a:endParaRPr b="0" lang="en-US" sz="2000" spc="-1" strike="noStrike">
               <a:latin typeface="Arial"/>
             </a:endParaRPr>
           </a:p>
@@ -7220,12 +7223,12 @@
               <a:buChar char=""/>
             </a:pPr>
             <a:r>
-              <a:rPr b="0" lang="en-US" sz="1800" spc="-1" strike="noStrike">
+              <a:rPr b="0" lang="en-US" sz="2000" spc="-1" strike="noStrike">
                 <a:latin typeface="Arial"/>
               </a:rPr>
               <a:t>Fifth Outline Level</a:t>
             </a:r>
-            <a:endParaRPr b="0" lang="en-US" sz="1800" spc="-1" strike="noStrike">
+            <a:endParaRPr b="0" lang="en-US" sz="2000" spc="-1" strike="noStrike">
               <a:latin typeface="Arial"/>
             </a:endParaRPr>
           </a:p>
@@ -7242,12 +7245,12 @@
               <a:buChar char=""/>
             </a:pPr>
             <a:r>
-              <a:rPr b="0" lang="en-US" sz="1800" spc="-1" strike="noStrike">
+              <a:rPr b="0" lang="en-US" sz="2000" spc="-1" strike="noStrike">
                 <a:latin typeface="Arial"/>
               </a:rPr>
               <a:t>Sixth Outline Level</a:t>
             </a:r>
-            <a:endParaRPr b="0" lang="en-US" sz="1800" spc="-1" strike="noStrike">
+            <a:endParaRPr b="0" lang="en-US" sz="2000" spc="-1" strike="noStrike">
               <a:latin typeface="Arial"/>
             </a:endParaRPr>
           </a:p>
@@ -7264,12 +7267,12 @@
               <a:buChar char=""/>
             </a:pPr>
             <a:r>
-              <a:rPr b="0" lang="en-US" sz="1800" spc="-1" strike="noStrike">
+              <a:rPr b="0" lang="en-US" sz="2000" spc="-1" strike="noStrike">
                 <a:latin typeface="Arial"/>
               </a:rPr>
               <a:t>Seventh Outline Level</a:t>
             </a:r>
-            <a:endParaRPr b="0" lang="en-US" sz="1800" spc="-1" strike="noStrike">
+            <a:endParaRPr b="0" lang="en-US" sz="2000" spc="-1" strike="noStrike">
               <a:latin typeface="Arial"/>
             </a:endParaRPr>
           </a:p>
@@ -7328,7 +7331,7 @@
         <p:spPr>
           <a:xfrm>
             <a:off x="990720" y="1676160"/>
-            <a:ext cx="7446600" cy="1461600"/>
+            <a:ext cx="7445880" cy="1460880"/>
           </a:xfrm>
           <a:prstGeom prst="rect">
             <a:avLst/>
@@ -7392,15 +7395,16 @@
               </a:tabLst>
             </a:pPr>
             <a:r>
-              <a:rPr b="0" lang="en-US" sz="3600" spc="-1" strike="noStrike">
+              <a:rPr b="0" lang="en-US" sz="4000" spc="-1" strike="noStrike">
                 <a:solidFill>
                   <a:srgbClr val="333399"/>
                 </a:solidFill>
                 <a:latin typeface="Arial"/>
+                <a:ea typeface="DejaVu Sans"/>
               </a:rPr>
               <a:t>HTTP in Action</a:t>
             </a:r>
-            <a:endParaRPr b="0" lang="en-US" sz="3600" spc="-1" strike="noStrike">
+            <a:endParaRPr b="0" lang="en-US" sz="4000" spc="-1" strike="noStrike">
               <a:latin typeface="Arial"/>
             </a:endParaRPr>
           </a:p>
@@ -7415,7 +7419,7 @@
         <p:spPr>
           <a:xfrm>
             <a:off x="1371600" y="3886200"/>
-            <a:ext cx="6400440" cy="1752120"/>
+            <a:ext cx="6399720" cy="1751400"/>
           </a:xfrm>
           <a:prstGeom prst="rect">
             <a:avLst/>
@@ -7537,6 +7541,7 @@
                   <a:srgbClr val="000000"/>
                 </a:solidFill>
                 <a:latin typeface="Arial"/>
+                <a:ea typeface="DejaVu Sans"/>
               </a:rPr>
               <a:t>Experience HTTP</a:t>
             </a:r>
@@ -7592,7 +7597,7 @@
         <p:spPr>
           <a:xfrm>
             <a:off x="611280" y="259920"/>
-            <a:ext cx="7864200" cy="807840"/>
+            <a:ext cx="7863480" cy="807120"/>
           </a:xfrm>
           <a:prstGeom prst="rect">
             <a:avLst/>
@@ -7658,6 +7663,7 @@
                   <a:srgbClr val="333399"/>
                 </a:solidFill>
                 <a:latin typeface="Arial"/>
+                <a:ea typeface="DejaVu Sans"/>
               </a:rPr>
               <a:t>Let's Send a Form, too!</a:t>
             </a:r>
@@ -7676,7 +7682,7 @@
         <p:spPr>
           <a:xfrm>
             <a:off x="674640" y="1400040"/>
-            <a:ext cx="7864200" cy="5182920"/>
+            <a:ext cx="7863480" cy="5182200"/>
           </a:xfrm>
           <a:prstGeom prst="rect">
             <a:avLst/>
@@ -7697,7 +7703,7 @@
             <a:normAutofit/>
           </a:bodyPr>
           <a:p>
-            <a:pPr marL="342720" indent="-340920">
+            <a:pPr marL="342720" indent="-340200">
               <a:lnSpc>
                 <a:spcPct val="100000"/>
               </a:lnSpc>
@@ -7714,6 +7720,7 @@
                   <a:srgbClr val="000000"/>
                 </a:solidFill>
                 <a:latin typeface="Arial"/>
+                <a:ea typeface="DejaVu Sans"/>
               </a:rPr>
               <a:t>After the &lt;h1&gt;Hello Web Surfer&lt;/h1&gt;, let's send a form:</a:t>
             </a:r>
@@ -7722,7 +7729,7 @@
             </a:endParaRPr>
           </a:p>
           <a:p>
-            <a:pPr marL="342720" indent="-340920">
+            <a:pPr marL="342720" indent="-340200">
               <a:lnSpc>
                 <a:spcPct val="100000"/>
               </a:lnSpc>
@@ -7738,7 +7745,7 @@
             </a:endParaRPr>
           </a:p>
           <a:p>
-            <a:pPr marL="342720" indent="-340920">
+            <a:pPr marL="342720" indent="-340200">
               <a:lnSpc>
                 <a:spcPct val="100000"/>
               </a:lnSpc>
@@ -7755,6 +7762,7 @@
                   <a:srgbClr val="000000"/>
                 </a:solidFill>
                 <a:latin typeface="Courier New"/>
+                <a:ea typeface="DejaVu Sans"/>
               </a:rPr>
               <a:t>&lt;form method="POST"&gt;</a:t>
             </a:r>
@@ -7763,7 +7771,7 @@
             </a:endParaRPr>
           </a:p>
           <a:p>
-            <a:pPr marL="342720" indent="-340920">
+            <a:pPr marL="342720" indent="-340200">
               <a:lnSpc>
                 <a:spcPct val="100000"/>
               </a:lnSpc>
@@ -7780,6 +7788,7 @@
                   <a:srgbClr val="000000"/>
                 </a:solidFill>
                 <a:latin typeface="Courier New"/>
+                <a:ea typeface="DejaVu Sans"/>
               </a:rPr>
               <a:t>&lt;label&gt;What's your name?&lt;/label&gt;</a:t>
             </a:r>
@@ -7788,7 +7797,7 @@
             </a:endParaRPr>
           </a:p>
           <a:p>
-            <a:pPr marL="342720" indent="-340920">
+            <a:pPr marL="342720" indent="-340200">
               <a:lnSpc>
                 <a:spcPct val="100000"/>
               </a:lnSpc>
@@ -7805,6 +7814,7 @@
                   <a:srgbClr val="000000"/>
                 </a:solidFill>
                 <a:latin typeface="Courier New"/>
+                <a:ea typeface="DejaVu Sans"/>
               </a:rPr>
               <a:t>&lt;input type="text" name="username" /&gt;</a:t>
             </a:r>
@@ -7813,7 +7823,7 @@
             </a:endParaRPr>
           </a:p>
           <a:p>
-            <a:pPr marL="342720" indent="-340920">
+            <a:pPr marL="342720" indent="-340200">
               <a:lnSpc>
                 <a:spcPct val="100000"/>
               </a:lnSpc>
@@ -7830,6 +7840,7 @@
                   <a:srgbClr val="000000"/>
                 </a:solidFill>
                 <a:latin typeface="Courier New"/>
+                <a:ea typeface="DejaVu Sans"/>
               </a:rPr>
               <a:t>&lt;br/&gt;</a:t>
             </a:r>
@@ -7838,7 +7849,7 @@
             </a:endParaRPr>
           </a:p>
           <a:p>
-            <a:pPr marL="342720" indent="-340920">
+            <a:pPr marL="342720" indent="-340200">
               <a:lnSpc>
                 <a:spcPct val="100000"/>
               </a:lnSpc>
@@ -7855,6 +7866,7 @@
                   <a:srgbClr val="000000"/>
                 </a:solidFill>
                 <a:latin typeface="Courier New"/>
+                <a:ea typeface="DejaVu Sans"/>
               </a:rPr>
               <a:t>&lt;button type="submit"&gt;Send&lt;/button&gt;</a:t>
             </a:r>
@@ -7863,7 +7875,7 @@
             </a:endParaRPr>
           </a:p>
           <a:p>
-            <a:pPr marL="342720" indent="-340920">
+            <a:pPr marL="342720" indent="-340200">
               <a:lnSpc>
                 <a:spcPct val="100000"/>
               </a:lnSpc>
@@ -7880,6 +7892,7 @@
                   <a:srgbClr val="000000"/>
                 </a:solidFill>
                 <a:latin typeface="Courier New"/>
+                <a:ea typeface="DejaVu Sans"/>
               </a:rPr>
               <a:t>&lt;/form&gt;</a:t>
             </a:r>
@@ -7888,7 +7901,7 @@
             </a:endParaRPr>
           </a:p>
           <a:p>
-            <a:pPr marL="342720" indent="-340920">
+            <a:pPr marL="342720" indent="-340200">
               <a:lnSpc>
                 <a:spcPct val="100000"/>
               </a:lnSpc>
@@ -7904,7 +7917,7 @@
             </a:endParaRPr>
           </a:p>
           <a:p>
-            <a:pPr marL="342720" indent="-340920">
+            <a:pPr marL="342720" indent="-340200">
               <a:lnSpc>
                 <a:spcPct val="100000"/>
               </a:lnSpc>
@@ -7921,6 +7934,7 @@
                   <a:srgbClr val="000000"/>
                 </a:solidFill>
                 <a:latin typeface="Arial"/>
+                <a:ea typeface="DejaVu Sans"/>
               </a:rPr>
               <a:t>               </a:t>
             </a:r>
@@ -7930,6 +7944,7 @@
                   <a:srgbClr val="ff00ff"/>
                 </a:solidFill>
                 <a:latin typeface="Arial"/>
+                <a:ea typeface="DejaVu Sans"/>
               </a:rPr>
               <a:t>&lt;---- End the transmission by pressing</a:t>
             </a:r>
@@ -7938,7 +7953,7 @@
             </a:endParaRPr>
           </a:p>
           <a:p>
-            <a:pPr marL="342720" indent="-340920">
+            <a:pPr marL="342720" indent="-340200">
               <a:lnSpc>
                 <a:spcPct val="100000"/>
               </a:lnSpc>
@@ -7955,6 +7970,7 @@
                   <a:srgbClr val="000000"/>
                 </a:solidFill>
                 <a:latin typeface="Arial"/>
+                <a:ea typeface="DejaVu Sans"/>
               </a:rPr>
               <a:t>                       </a:t>
             </a:r>
@@ -7964,6 +7980,7 @@
                   <a:srgbClr val="ff00ff"/>
                 </a:solidFill>
                 <a:latin typeface="Arial"/>
+                <a:ea typeface="DejaVu Sans"/>
               </a:rPr>
               <a:t>CTRL-D or CTRL-Z (Windows) or CTRL-C</a:t>
             </a:r>
@@ -8023,7 +8040,7 @@
         <p:spPr>
           <a:xfrm>
             <a:off x="1457280" y="1279440"/>
-            <a:ext cx="6771960" cy="2990520"/>
+            <a:ext cx="6771240" cy="2989800"/>
           </a:xfrm>
           <a:prstGeom prst="rect">
             <a:avLst/>
@@ -8042,7 +8059,7 @@
         <p:spPr>
           <a:xfrm>
             <a:off x="611280" y="259920"/>
-            <a:ext cx="7864200" cy="807840"/>
+            <a:ext cx="7863480" cy="807120"/>
           </a:xfrm>
           <a:prstGeom prst="rect">
             <a:avLst/>
@@ -8108,6 +8125,7 @@
                   <a:srgbClr val="333399"/>
                 </a:solidFill>
                 <a:latin typeface="Arial"/>
+                <a:ea typeface="DejaVu Sans"/>
               </a:rPr>
               <a:t>Do You See the Form?</a:t>
             </a:r>
@@ -8126,7 +8144,7 @@
         <p:spPr>
           <a:xfrm>
             <a:off x="674640" y="4022640"/>
-            <a:ext cx="7864200" cy="2377800"/>
+            <a:ext cx="7863480" cy="2377080"/>
           </a:xfrm>
           <a:prstGeom prst="rect">
             <a:avLst/>
@@ -8147,7 +8165,7 @@
             <a:normAutofit/>
           </a:bodyPr>
           <a:p>
-            <a:pPr marL="342720" indent="-340920" algn="ctr">
+            <a:pPr marL="342720" indent="-340200" algn="ctr">
               <a:lnSpc>
                 <a:spcPct val="100000"/>
               </a:lnSpc>
@@ -8159,20 +8177,21 @@
               </a:tabLst>
             </a:pPr>
             <a:r>
-              <a:rPr b="0" lang="en-US" sz="2400" spc="-1" strike="noStrike">
+              <a:rPr b="0" lang="en-US" sz="3200" spc="-1" strike="noStrike">
                 <a:solidFill>
                   <a:srgbClr val="ff0000"/>
                 </a:solidFill>
                 <a:latin typeface="Arial"/>
+                <a:ea typeface="DejaVu Sans"/>
               </a:rPr>
               <a:t>Don't press "Send" yet!</a:t>
             </a:r>
-            <a:endParaRPr b="0" lang="en-US" sz="2400" spc="-1" strike="noStrike">
-              <a:latin typeface="Arial"/>
-            </a:endParaRPr>
-          </a:p>
-          <a:p>
-            <a:pPr marL="342720" indent="-340920">
+            <a:endParaRPr b="0" lang="en-US" sz="3200" spc="-1" strike="noStrike">
+              <a:latin typeface="Arial"/>
+            </a:endParaRPr>
+          </a:p>
+          <a:p>
+            <a:pPr marL="342720" indent="-340200">
               <a:lnSpc>
                 <a:spcPct val="100000"/>
               </a:lnSpc>
@@ -8189,6 +8208,7 @@
                   <a:srgbClr val="000000"/>
                 </a:solidFill>
                 <a:latin typeface="Arial"/>
+                <a:ea typeface="DejaVu Sans"/>
               </a:rPr>
               <a:t>You need to </a:t>
             </a:r>
@@ -8199,6 +8219,7 @@
                 </a:solidFill>
                 <a:uFillTx/>
                 <a:latin typeface="Arial"/>
+                <a:ea typeface="DejaVu Sans"/>
               </a:rPr>
               <a:t>restart</a:t>
             </a:r>
@@ -8208,15 +8229,36 @@
                   <a:srgbClr val="000000"/>
                 </a:solidFill>
                 <a:latin typeface="Arial"/>
-              </a:rPr>
-              <a:t> ncat to listen for the form response:</a:t>
+                <a:ea typeface="DejaVu Sans"/>
+              </a:rPr>
+              <a:t> ncat to listen for the </a:t>
+            </a:r>
+            <a:r>
+              <a:rPr b="0" lang="en-US" sz="2400" spc="-1" strike="noStrike">
+                <a:solidFill>
+                  <a:srgbClr val="000080"/>
+                </a:solidFill>
+                <a:latin typeface="Arial"/>
+                <a:ea typeface="DejaVu Sans"/>
+              </a:rPr>
+              <a:t>response</a:t>
+            </a:r>
+            <a:r>
+              <a:rPr b="0" lang="en-US" sz="2400" spc="-1" strike="noStrike">
+                <a:solidFill>
+                  <a:srgbClr val="000000"/>
+                </a:solidFill>
+                <a:latin typeface="Arial"/>
+                <a:ea typeface="DejaVu Sans"/>
+              </a:rPr>
+              <a:t>:</a:t>
             </a:r>
             <a:endParaRPr b="0" lang="en-US" sz="2400" spc="-1" strike="noStrike">
               <a:latin typeface="Arial"/>
             </a:endParaRPr>
           </a:p>
           <a:p>
-            <a:pPr marL="342720" indent="-340920">
+            <a:pPr marL="342720" indent="-340200">
               <a:lnSpc>
                 <a:spcPct val="100000"/>
               </a:lnSpc>
@@ -8232,7 +8274,7 @@
             </a:endParaRPr>
           </a:p>
           <a:p>
-            <a:pPr marL="342720" indent="-340920">
+            <a:pPr marL="342720" indent="-340200">
               <a:lnSpc>
                 <a:spcPct val="100000"/>
               </a:lnSpc>
@@ -8249,6 +8291,7 @@
                   <a:srgbClr val="000000"/>
                 </a:solidFill>
                 <a:latin typeface="Courier New"/>
+                <a:ea typeface="DejaVu Sans"/>
               </a:rPr>
               <a:t>   </a:t>
             </a:r>
@@ -8258,6 +8301,7 @@
                   <a:srgbClr val="000000"/>
                 </a:solidFill>
                 <a:latin typeface="Courier New"/>
+                <a:ea typeface="DejaVu Sans"/>
               </a:rPr>
               <a:t>ncat  -v -l -p 8080</a:t>
             </a:r>
@@ -8313,7 +8357,7 @@
         <p:spPr>
           <a:xfrm>
             <a:off x="611280" y="259920"/>
-            <a:ext cx="7864200" cy="807840"/>
+            <a:ext cx="7863480" cy="807120"/>
           </a:xfrm>
           <a:prstGeom prst="rect">
             <a:avLst/>
@@ -8379,6 +8423,7 @@
                   <a:srgbClr val="333399"/>
                 </a:solidFill>
                 <a:latin typeface="Arial"/>
+                <a:ea typeface="DejaVu Sans"/>
               </a:rPr>
               <a:t>Restart ncat, then Send a Reply</a:t>
             </a:r>
@@ -8397,7 +8442,7 @@
         <p:spPr>
           <a:xfrm>
             <a:off x="730080" y="3336480"/>
-            <a:ext cx="7864200" cy="2698560"/>
+            <a:ext cx="7863480" cy="2697840"/>
           </a:xfrm>
           <a:prstGeom prst="rect">
             <a:avLst/>
@@ -8418,7 +8463,7 @@
             <a:normAutofit/>
           </a:bodyPr>
           <a:p>
-            <a:pPr marL="342720" indent="-340920" algn="ctr">
+            <a:pPr marL="342720" indent="-340200" algn="ctr">
               <a:lnSpc>
                 <a:spcPct val="100000"/>
               </a:lnSpc>
@@ -8435,6 +8480,7 @@
                   <a:srgbClr val="000000"/>
                 </a:solidFill>
                 <a:latin typeface="Arial"/>
+                <a:ea typeface="DejaVu Sans"/>
               </a:rPr>
               <a:t>When you press "Send", what does ncat show?</a:t>
             </a:r>
@@ -8457,7 +8503,7 @@
         <p:spPr>
           <a:xfrm>
             <a:off x="1736640" y="1068480"/>
-            <a:ext cx="5486040" cy="1987200"/>
+            <a:ext cx="5485320" cy="1986480"/>
           </a:xfrm>
           <a:prstGeom prst="rect">
             <a:avLst/>
@@ -8513,7 +8559,7 @@
         <p:spPr>
           <a:xfrm>
             <a:off x="365040" y="68040"/>
-            <a:ext cx="8321400" cy="1190160"/>
+            <a:ext cx="8320680" cy="1189440"/>
           </a:xfrm>
           <a:prstGeom prst="rect">
             <a:avLst/>
@@ -8579,6 +8625,7 @@
                   <a:srgbClr val="333399"/>
                 </a:solidFill>
                 <a:latin typeface="Arial"/>
+                <a:ea typeface="DejaVu Sans"/>
               </a:rPr>
               <a:t>Form sends "POST" request with body</a:t>
             </a:r>
@@ -8597,7 +8644,7 @@
         <p:spPr>
           <a:xfrm>
             <a:off x="457200" y="1371600"/>
-            <a:ext cx="8229240" cy="456840"/>
+            <a:ext cx="8228520" cy="456120"/>
           </a:xfrm>
           <a:prstGeom prst="rect">
             <a:avLst/>
@@ -8618,7 +8665,7 @@
             <a:normAutofit/>
           </a:bodyPr>
           <a:p>
-            <a:pPr marL="342720" indent="-340920">
+            <a:pPr marL="342720" indent="-340200">
               <a:lnSpc>
                 <a:spcPct val="100000"/>
               </a:lnSpc>
@@ -8635,6 +8682,7 @@
                   <a:srgbClr val="000000"/>
                 </a:solidFill>
                 <a:latin typeface="Arial"/>
+                <a:ea typeface="DejaVu Sans"/>
               </a:rPr>
               <a:t>Unlike "GET", "POST" request can have a </a:t>
             </a:r>
@@ -8644,6 +8692,7 @@
                   <a:srgbClr val="000080"/>
                 </a:solidFill>
                 <a:latin typeface="Arial"/>
+                <a:ea typeface="DejaVu Sans"/>
               </a:rPr>
               <a:t>body</a:t>
             </a:r>
@@ -8653,6 +8702,7 @@
                   <a:srgbClr val="000000"/>
                 </a:solidFill>
                 <a:latin typeface="Arial"/>
+                <a:ea typeface="DejaVu Sans"/>
               </a:rPr>
               <a:t> with </a:t>
             </a:r>
@@ -8662,6 +8712,7 @@
                   <a:srgbClr val="000080"/>
                 </a:solidFill>
                 <a:latin typeface="Arial"/>
+                <a:ea typeface="DejaVu Sans"/>
               </a:rPr>
               <a:t>data</a:t>
             </a:r>
@@ -8671,6 +8722,7 @@
                   <a:srgbClr val="000000"/>
                 </a:solidFill>
                 <a:latin typeface="Arial"/>
+                <a:ea typeface="DejaVu Sans"/>
               </a:rPr>
               <a:t>.</a:t>
             </a:r>
@@ -8679,7 +8731,7 @@
             </a:endParaRPr>
           </a:p>
           <a:p>
-            <a:pPr marL="342720" indent="-340920">
+            <a:pPr marL="342720" indent="-340200">
               <a:lnSpc>
                 <a:spcPct val="100000"/>
               </a:lnSpc>
@@ -8695,7 +8747,7 @@
             </a:endParaRPr>
           </a:p>
           <a:p>
-            <a:pPr marL="342720" indent="-340920">
+            <a:pPr marL="342720" indent="-340200">
               <a:lnSpc>
                 <a:spcPct val="100000"/>
               </a:lnSpc>
@@ -8721,7 +8773,7 @@
         <p:spPr>
           <a:xfrm>
             <a:off x="639720" y="2560680"/>
-            <a:ext cx="8046720" cy="2802960"/>
+            <a:ext cx="8046000" cy="2802240"/>
           </a:xfrm>
           <a:custGeom>
             <a:avLst/>
@@ -9291,7 +9343,7 @@
         <p:spPr>
           <a:xfrm>
             <a:off x="611280" y="259920"/>
-            <a:ext cx="7864200" cy="807840"/>
+            <a:ext cx="7863480" cy="807120"/>
           </a:xfrm>
           <a:prstGeom prst="rect">
             <a:avLst/>
@@ -9357,6 +9409,7 @@
                   <a:srgbClr val="333399"/>
                 </a:solidFill>
                 <a:latin typeface="Arial"/>
+                <a:ea typeface="DejaVu Sans"/>
               </a:rPr>
               <a:t>Your Turn</a:t>
             </a:r>
@@ -9375,7 +9428,7 @@
         <p:spPr>
           <a:xfrm>
             <a:off x="674640" y="1400040"/>
-            <a:ext cx="7864200" cy="4406760"/>
+            <a:ext cx="7863480" cy="4406040"/>
           </a:xfrm>
           <a:prstGeom prst="rect">
             <a:avLst/>
@@ -9396,7 +9449,7 @@
             <a:normAutofit/>
           </a:bodyPr>
           <a:p>
-            <a:pPr marL="342720" indent="-340920" algn="ctr">
+            <a:pPr marL="342720" indent="-340200" algn="ctr">
               <a:lnSpc>
                 <a:spcPct val="100000"/>
               </a:lnSpc>
@@ -9413,6 +9466,7 @@
                   <a:srgbClr val="000080"/>
                 </a:solidFill>
                 <a:latin typeface="Arial"/>
+                <a:ea typeface="DejaVu Sans"/>
               </a:rPr>
               <a:t>Use ncat to send a personal greeting to the web browser.</a:t>
             </a:r>
@@ -9421,7 +9475,7 @@
             </a:endParaRPr>
           </a:p>
           <a:p>
-            <a:pPr marL="342720" indent="-340920">
+            <a:pPr marL="342720" indent="-340200">
               <a:lnSpc>
                 <a:spcPct val="100000"/>
               </a:lnSpc>
@@ -9437,7 +9491,7 @@
             </a:endParaRPr>
           </a:p>
           <a:p>
-            <a:pPr marL="342720" indent="-340920">
+            <a:pPr marL="342720" indent="-340200">
               <a:lnSpc>
                 <a:spcPct val="100000"/>
               </a:lnSpc>
@@ -9453,7 +9507,7 @@
             </a:endParaRPr>
           </a:p>
           <a:p>
-            <a:pPr marL="342720" indent="-340920">
+            <a:pPr marL="342720" indent="-340200">
               <a:lnSpc>
                 <a:spcPct val="100000"/>
               </a:lnSpc>
@@ -9473,6 +9527,7 @@
                   <a:srgbClr val="000000"/>
                 </a:solidFill>
                 <a:latin typeface="Arial"/>
+                <a:ea typeface="DejaVu Sans"/>
               </a:rPr>
               <a:t>1. Send an HTTP 200 or 201 response code.</a:t>
             </a:r>
@@ -9481,7 +9536,7 @@
             </a:endParaRPr>
           </a:p>
           <a:p>
-            <a:pPr marL="342720" indent="-340920">
+            <a:pPr marL="342720" indent="-340200">
               <a:lnSpc>
                 <a:spcPct val="100000"/>
               </a:lnSpc>
@@ -9501,6 +9556,7 @@
                   <a:srgbClr val="000000"/>
                 </a:solidFill>
                 <a:latin typeface="Arial"/>
+                <a:ea typeface="DejaVu Sans"/>
               </a:rPr>
               <a:t>2. In the "body", send a greeting with the user's name.</a:t>
             </a:r>
@@ -9509,7 +9565,7 @@
             </a:endParaRPr>
           </a:p>
           <a:p>
-            <a:pPr marL="342720" indent="-340920">
+            <a:pPr marL="342720" indent="-340200">
               <a:lnSpc>
                 <a:spcPct val="100000"/>
               </a:lnSpc>
@@ -9529,6 +9585,7 @@
                   <a:srgbClr val="000000"/>
                 </a:solidFill>
                 <a:latin typeface="Arial"/>
+                <a:ea typeface="DejaVu Sans"/>
               </a:rPr>
               <a:t>3. Press Ctrl-D or Ctrl-Z (windows) or Ctrl-C to end the transmission (otherwise, browser will wait for more data).</a:t>
             </a:r>
@@ -9577,7 +9634,7 @@
         <p:spPr>
           <a:xfrm>
             <a:off x="610920" y="260280"/>
-            <a:ext cx="7862400" cy="806040"/>
+            <a:ext cx="7861680" cy="805320"/>
           </a:xfrm>
           <a:prstGeom prst="rect">
             <a:avLst/>
@@ -9609,6 +9666,7 @@
                   <a:srgbClr val="333399"/>
                 </a:solidFill>
                 <a:latin typeface="Arial"/>
+                <a:ea typeface="DejaVu Sans"/>
               </a:rPr>
               <a:t>Exercise 2</a:t>
             </a:r>
@@ -9627,7 +9685,7 @@
         <p:spPr>
           <a:xfrm>
             <a:off x="674280" y="1399680"/>
-            <a:ext cx="7862400" cy="4404960"/>
+            <a:ext cx="7861680" cy="4404240"/>
           </a:xfrm>
           <a:prstGeom prst="rect">
             <a:avLst/>
@@ -9690,7 +9748,7 @@
         <p:spPr>
           <a:xfrm>
             <a:off x="611280" y="259920"/>
-            <a:ext cx="7921080" cy="864720"/>
+            <a:ext cx="7920360" cy="864000"/>
           </a:xfrm>
           <a:prstGeom prst="rect">
             <a:avLst/>
@@ -9759,6 +9817,7 @@
                   <a:srgbClr val="333399"/>
                 </a:solidFill>
                 <a:latin typeface="Arial"/>
+                <a:ea typeface="DejaVu Sans"/>
               </a:rPr>
               <a:t>What does a </a:t>
             </a:r>
@@ -9769,6 +9828,7 @@
                 </a:solidFill>
                 <a:uFillTx/>
                 <a:latin typeface="Arial"/>
+                <a:ea typeface="DejaVu Sans"/>
               </a:rPr>
               <a:t>real</a:t>
             </a:r>
@@ -9778,6 +9838,7 @@
                   <a:srgbClr val="333399"/>
                 </a:solidFill>
                 <a:latin typeface="Arial"/>
+                <a:ea typeface="DejaVu Sans"/>
               </a:rPr>
               <a:t> web server send?</a:t>
             </a:r>
@@ -9796,7 +9857,7 @@
         <p:spPr>
           <a:xfrm>
             <a:off x="674280" y="1392120"/>
-            <a:ext cx="7921440" cy="4917960"/>
+            <a:ext cx="7920720" cy="4917240"/>
           </a:xfrm>
           <a:prstGeom prst="rect">
             <a:avLst/>
@@ -9869,6 +9930,7 @@
                   <a:srgbClr val="000000"/>
                 </a:solidFill>
                 <a:latin typeface="Arial"/>
+                <a:ea typeface="DejaVu Sans"/>
               </a:rPr>
               <a:t>Now we know what a request </a:t>
             </a:r>
@@ -9879,6 +9941,7 @@
                 </a:solidFill>
                 <a:uFillTx/>
                 <a:latin typeface="Arial"/>
+                <a:ea typeface="DejaVu Sans"/>
               </a:rPr>
               <a:t>from</a:t>
             </a:r>
@@ -9888,6 +9951,7 @@
                   <a:srgbClr val="000000"/>
                 </a:solidFill>
                 <a:latin typeface="Arial"/>
+                <a:ea typeface="DejaVu Sans"/>
               </a:rPr>
               <a:t> a web browser looks like.</a:t>
             </a:r>
@@ -9948,6 +10012,7 @@
                   <a:srgbClr val="000000"/>
                 </a:solidFill>
                 <a:latin typeface="Arial"/>
+                <a:ea typeface="DejaVu Sans"/>
               </a:rPr>
               <a:t>What does a </a:t>
             </a:r>
@@ -9957,6 +10022,7 @@
                   <a:srgbClr val="000080"/>
                 </a:solidFill>
                 <a:latin typeface="Arial"/>
+                <a:ea typeface="DejaVu Sans"/>
               </a:rPr>
               <a:t>real</a:t>
             </a:r>
@@ -9966,6 +10032,7 @@
                   <a:srgbClr val="000000"/>
                 </a:solidFill>
                 <a:latin typeface="Arial"/>
+                <a:ea typeface="DejaVu Sans"/>
               </a:rPr>
               <a:t> reply from a </a:t>
             </a:r>
@@ -9975,6 +10042,7 @@
                   <a:srgbClr val="000080"/>
                 </a:solidFill>
                 <a:latin typeface="Arial"/>
+                <a:ea typeface="DejaVu Sans"/>
               </a:rPr>
               <a:t>real</a:t>
             </a:r>
@@ -9984,6 +10052,7 @@
                   <a:srgbClr val="000000"/>
                 </a:solidFill>
                 <a:latin typeface="Arial"/>
+                <a:ea typeface="DejaVu Sans"/>
               </a:rPr>
               <a:t> web server look like?</a:t>
             </a:r>
@@ -9992,7 +10061,7 @@
             </a:endParaRPr>
           </a:p>
           <a:p>
-            <a:pPr marL="228600" indent="-183960">
+            <a:pPr marL="228600" indent="-183240">
               <a:lnSpc>
                 <a:spcPct val="100000"/>
               </a:lnSpc>
@@ -10018,7 +10087,7 @@
         <p:spPr>
           <a:xfrm>
             <a:off x="822240" y="3292560"/>
-            <a:ext cx="2835000" cy="549000"/>
+            <a:ext cx="3292200" cy="548280"/>
           </a:xfrm>
           <a:custGeom>
             <a:avLst/>
@@ -10103,16 +10172,16 @@
               </a:tabLst>
             </a:pPr>
             <a:r>
-              <a:rPr b="0" lang="en-US" sz="2400" spc="-1" strike="noStrike">
-                <a:solidFill>
-                  <a:srgbClr val="000000"/>
+              <a:rPr b="0" lang="en-US" sz="2800" spc="-1" strike="noStrike">
+                <a:solidFill>
+                  <a:srgbClr val="ff0000"/>
                 </a:solidFill>
                 <a:latin typeface="Arial"/>
                 <a:ea typeface="DejaVu Sans"/>
               </a:rPr>
               <a:t>ncat as web client</a:t>
             </a:r>
-            <a:endParaRPr b="0" lang="en-US" sz="2400" spc="-1" strike="noStrike">
+            <a:endParaRPr b="0" lang="en-US" sz="2800" spc="-1" strike="noStrike">
               <a:latin typeface="Arial"/>
             </a:endParaRPr>
           </a:p>
@@ -10127,7 +10196,7 @@
         <p:spPr>
           <a:xfrm>
             <a:off x="639720" y="4206960"/>
-            <a:ext cx="3382560" cy="1736280"/>
+            <a:ext cx="3381840" cy="1735560"/>
           </a:xfrm>
           <a:custGeom>
             <a:avLst/>
@@ -10343,7 +10412,7 @@
         <p:spPr>
           <a:xfrm>
             <a:off x="5578560" y="4094280"/>
-            <a:ext cx="2812680" cy="1758600"/>
+            <a:ext cx="2811960" cy="1757880"/>
           </a:xfrm>
           <a:prstGeom prst="rect">
             <a:avLst/>
@@ -10391,7 +10460,7 @@
         <p:spPr>
           <a:xfrm>
             <a:off x="5486400" y="3200400"/>
-            <a:ext cx="2835000" cy="549000"/>
+            <a:ext cx="3108600" cy="548280"/>
           </a:xfrm>
           <a:custGeom>
             <a:avLst/>
@@ -10476,7 +10545,7 @@
               </a:tabLst>
             </a:pPr>
             <a:r>
-              <a:rPr b="0" lang="en-US" sz="2400" spc="-1" strike="noStrike">
+              <a:rPr b="0" lang="en-US" sz="2800" spc="-1" strike="noStrike">
                 <a:solidFill>
                   <a:srgbClr val="000000"/>
                 </a:solidFill>
@@ -10485,7 +10554,7 @@
               </a:rPr>
               <a:t>www.cpe.ku.ac.th</a:t>
             </a:r>
-            <a:endParaRPr b="0" lang="en-US" sz="2400" spc="-1" strike="noStrike">
+            <a:endParaRPr b="0" lang="en-US" sz="2800" spc="-1" strike="noStrike">
               <a:latin typeface="Arial"/>
             </a:endParaRPr>
           </a:p>
@@ -10537,7 +10606,7 @@
         <p:spPr>
           <a:xfrm>
             <a:off x="364680" y="259920"/>
-            <a:ext cx="8411760" cy="864720"/>
+            <a:ext cx="8411040" cy="864000"/>
           </a:xfrm>
           <a:prstGeom prst="rect">
             <a:avLst/>
@@ -10606,6 +10675,7 @@
                   <a:srgbClr val="333399"/>
                 </a:solidFill>
                 <a:latin typeface="Arial"/>
+                <a:ea typeface="DejaVu Sans"/>
               </a:rPr>
               <a:t>Exercise 2: Use ncat to send http request</a:t>
             </a:r>
@@ -10624,7 +10694,7 @@
         <p:spPr>
           <a:xfrm>
             <a:off x="674280" y="1392120"/>
-            <a:ext cx="8286480" cy="5283000"/>
+            <a:ext cx="8285760" cy="5282280"/>
           </a:xfrm>
           <a:prstGeom prst="rect">
             <a:avLst/>
@@ -10697,6 +10767,7 @@
                   <a:srgbClr val="000000"/>
                 </a:solidFill>
                 <a:latin typeface="Arial"/>
+                <a:ea typeface="DejaVu Sans"/>
               </a:rPr>
               <a:t>2.1 Send an HTTP request to http://www.cpe.ku.ac.th/</a:t>
             </a:r>
@@ -10757,6 +10828,7 @@
                   <a:srgbClr val="000000"/>
                 </a:solidFill>
                 <a:latin typeface="Arial"/>
+                <a:ea typeface="DejaVu Sans"/>
               </a:rPr>
               <a:t>You must enter the HTTP request yourself !</a:t>
             </a:r>
@@ -10817,6 +10889,7 @@
                   <a:srgbClr val="000000"/>
                 </a:solidFill>
                 <a:latin typeface="Courier New"/>
+                <a:ea typeface="DejaVu Sans"/>
               </a:rPr>
               <a:t>   </a:t>
             </a:r>
@@ -10826,6 +10899,7 @@
                   <a:srgbClr val="000000"/>
                 </a:solidFill>
                 <a:latin typeface="Courier New"/>
+                <a:ea typeface="DejaVu Sans"/>
               </a:rPr>
               <a:t>cmd&gt; ncat -v www.cpe.ku.ac.th 80 </a:t>
             </a:r>
@@ -10883,6 +10957,7 @@
                   <a:srgbClr val="000000"/>
                 </a:solidFill>
                 <a:latin typeface="Courier New"/>
+                <a:ea typeface="DejaVu Sans"/>
               </a:rPr>
               <a:t>   </a:t>
             </a:r>
@@ -10892,6 +10967,7 @@
                   <a:srgbClr val="000000"/>
                 </a:solidFill>
                 <a:latin typeface="Courier New"/>
+                <a:ea typeface="DejaVu Sans"/>
               </a:rPr>
               <a:t>GET / HTTP/1.1</a:t>
             </a:r>
@@ -10949,6 +11025,7 @@
                   <a:srgbClr val="000000"/>
                 </a:solidFill>
                 <a:latin typeface="Courier New"/>
+                <a:ea typeface="DejaVu Sans"/>
               </a:rPr>
               <a:t>   </a:t>
             </a:r>
@@ -10958,6 +11035,7 @@
                   <a:srgbClr val="000000"/>
                 </a:solidFill>
                 <a:latin typeface="Courier New"/>
+                <a:ea typeface="DejaVu Sans"/>
               </a:rPr>
               <a:t>Host: www.cpe.ku.ac.th</a:t>
             </a:r>
@@ -11015,6 +11093,7 @@
                   <a:srgbClr val="000000"/>
                 </a:solidFill>
                 <a:latin typeface="Courier New"/>
+                <a:ea typeface="DejaVu Sans"/>
               </a:rPr>
               <a:t>   </a:t>
             </a:r>
@@ -11024,6 +11103,7 @@
                   <a:srgbClr val="000080"/>
                 </a:solidFill>
                 <a:latin typeface="Courier New"/>
+                <a:ea typeface="DejaVu Sans"/>
               </a:rPr>
               <a:t>(enter a blank line)</a:t>
             </a:r>
@@ -11032,7 +11112,7 @@
             </a:endParaRPr>
           </a:p>
           <a:p>
-            <a:pPr marL="228600" indent="-228240">
+            <a:pPr marL="228600" indent="-227520">
               <a:lnSpc>
                 <a:spcPct val="100000"/>
               </a:lnSpc>
@@ -11090,15 +11170,16 @@
                   <a:srgbClr val="000000"/>
                 </a:solidFill>
                 <a:latin typeface="Arial"/>
-              </a:rPr>
-              <a:t>-v means verbose. Netcat will print a message when you are connected.</a:t>
+                <a:ea typeface="DejaVu Sans"/>
+              </a:rPr>
+              <a:t>-v means verbose: ncat prints status messages.</a:t>
             </a:r>
             <a:endParaRPr b="0" lang="en-US" sz="2400" spc="-1" strike="noStrike">
               <a:latin typeface="Arial"/>
             </a:endParaRPr>
           </a:p>
           <a:p>
-            <a:pPr marL="228600" indent="-228240">
+            <a:pPr marL="228600" indent="-227520">
               <a:lnSpc>
                 <a:spcPct val="100000"/>
               </a:lnSpc>
@@ -11156,6 +11237,7 @@
                   <a:srgbClr val="000000"/>
                 </a:solidFill>
                 <a:latin typeface="Arial"/>
+                <a:ea typeface="DejaVu Sans"/>
               </a:rPr>
               <a:t>Another way: </a:t>
             </a:r>
@@ -11165,6 +11247,7 @@
                   <a:srgbClr val="000000"/>
                 </a:solidFill>
                 <a:latin typeface="Courier New"/>
+                <a:ea typeface="DejaVu Sans"/>
               </a:rPr>
               <a:t>curl -v http://www.cpe.ku.ac.th/</a:t>
             </a:r>
@@ -11174,6 +11257,7 @@
                   <a:srgbClr val="000000"/>
                 </a:solidFill>
                 <a:latin typeface="Arial"/>
+                <a:ea typeface="DejaVu Sans"/>
               </a:rPr>
               <a:t> </a:t>
             </a:r>
@@ -11184,6 +11268,7 @@
                   <a:srgbClr val="000000"/>
                 </a:solidFill>
                 <a:latin typeface="Arial"/>
+                <a:ea typeface="DejaVu Sans"/>
               </a:rPr>
               <a:t>curl can also use </a:t>
             </a:r>
@@ -11193,6 +11278,7 @@
                   <a:srgbClr val="000080"/>
                 </a:solidFill>
                 <a:latin typeface="Arial"/>
+                <a:ea typeface="DejaVu Sans"/>
               </a:rPr>
               <a:t>https</a:t>
             </a:r>
@@ -11202,6 +11288,7 @@
                   <a:srgbClr val="000000"/>
                 </a:solidFill>
                 <a:latin typeface="Arial"/>
+                <a:ea typeface="DejaVu Sans"/>
               </a:rPr>
               <a:t>. </a:t>
             </a:r>
@@ -11257,7 +11344,7 @@
         <p:spPr>
           <a:xfrm>
             <a:off x="364680" y="259920"/>
-            <a:ext cx="8411760" cy="864720"/>
+            <a:ext cx="8411040" cy="864000"/>
           </a:xfrm>
           <a:prstGeom prst="rect">
             <a:avLst/>
@@ -11326,6 +11413,7 @@
                   <a:srgbClr val="333399"/>
                 </a:solidFill>
                 <a:latin typeface="Arial"/>
+                <a:ea typeface="DejaVu Sans"/>
               </a:rPr>
               <a:t>Exercise 2: Use ncat to send http request</a:t>
             </a:r>
@@ -11344,7 +11432,7 @@
         <p:spPr>
           <a:xfrm>
             <a:off x="674280" y="1392120"/>
-            <a:ext cx="8286480" cy="5283000"/>
+            <a:ext cx="8285760" cy="5282280"/>
           </a:xfrm>
           <a:prstGeom prst="rect">
             <a:avLst/>
@@ -11417,35 +11505,9 @@
                   <a:srgbClr val="000000"/>
                 </a:solidFill>
                 <a:latin typeface="Arial"/>
-              </a:rPr>
-              <a:t>2.1 Send an HTTP </a:t>
-            </a:r>
-            <a:r>
-              <a:rPr b="0" lang="en-US" sz="2400" spc="-1" strike="noStrike">
-                <a:solidFill>
-                  <a:srgbClr val="000000"/>
-                </a:solidFill>
-                <a:latin typeface="Arial"/>
-              </a:rPr>
-              <a:t>request to </a:t>
-            </a:r>
-            <a:r>
-              <a:rPr b="0" lang="en-US" sz="2400" spc="-1" strike="noStrike">
-                <a:solidFill>
-                  <a:srgbClr val="000000"/>
-                </a:solidFill>
-                <a:latin typeface="Arial"/>
-              </a:rPr>
-              <a:t>http://www.cpe.ku.a</a:t>
-            </a:r>
-            <a:r>
-              <a:rPr b="0" lang="en-US" sz="2400" spc="-1" strike="noStrike">
-                <a:solidFill>
-                  <a:srgbClr val="000000"/>
-                </a:solidFill>
-                <a:latin typeface="Arial"/>
-              </a:rPr>
-              <a:t>c.th/</a:t>
+                <a:ea typeface="DejaVu Sans"/>
+              </a:rPr>
+              <a:t>2.1 Send an HTTP request to http://www.cpe.ku.ac.th/</a:t>
             </a:r>
             <a:endParaRPr b="0" lang="en-US" sz="2400" spc="-1" strike="noStrike">
               <a:latin typeface="Arial"/>
@@ -11504,26 +11566,9 @@
                   <a:srgbClr val="000000"/>
                 </a:solidFill>
                 <a:latin typeface="Arial"/>
-              </a:rPr>
-              <a:t>You must enter the </a:t>
-            </a:r>
-            <a:r>
-              <a:rPr b="0" lang="en-US" sz="2400" spc="-1" strike="noStrike">
-                <a:solidFill>
-                  <a:srgbClr val="000000"/>
-                </a:solidFill>
-                <a:latin typeface="Arial"/>
-              </a:rPr>
-              <a:t>HTTP request </a:t>
-            </a:r>
-            <a:r>
-              <a:rPr b="0" lang="en-US" sz="2400" spc="-1" strike="noStrike">
-                <a:solidFill>
-                  <a:srgbClr val="000000"/>
-                </a:solidFill>
-                <a:latin typeface="Arial"/>
-              </a:rPr>
-              <a:t>yourself !</a:t>
+                <a:ea typeface="DejaVu Sans"/>
+              </a:rPr>
+              <a:t>You must enter the HTTP request yourself !</a:t>
             </a:r>
             <a:endParaRPr b="0" lang="en-US" sz="2400" spc="-1" strike="noStrike">
               <a:latin typeface="Arial"/>
@@ -11582,6 +11627,7 @@
                   <a:srgbClr val="000000"/>
                 </a:solidFill>
                 <a:latin typeface="Courier New"/>
+                <a:ea typeface="DejaVu Sans"/>
               </a:rPr>
               <a:t>   </a:t>
             </a:r>
@@ -11591,6 +11637,7 @@
                   <a:srgbClr val="000000"/>
                 </a:solidFill>
                 <a:latin typeface="Courier New"/>
+                <a:ea typeface="DejaVu Sans"/>
               </a:rPr>
               <a:t>cmd&gt;</a:t>
             </a:r>
@@ -11600,35 +11647,9 @@
                   <a:srgbClr val="000000"/>
                 </a:solidFill>
                 <a:latin typeface="Courier New"/>
-              </a:rPr>
-              <a:t> ncat -</a:t>
-            </a:r>
-            <a:r>
-              <a:rPr b="1" lang="en-US" sz="2400" spc="-1" strike="noStrike">
-                <a:solidFill>
-                  <a:srgbClr val="000000"/>
-                </a:solidFill>
-                <a:latin typeface="Courier New"/>
-              </a:rPr>
-              <a:t>v </a:t>
-            </a:r>
-            <a:r>
-              <a:rPr b="1" lang="en-US" sz="2400" spc="-1" strike="noStrike">
-                <a:solidFill>
-                  <a:srgbClr val="000000"/>
-                </a:solidFill>
-                <a:latin typeface="Courier New"/>
-              </a:rPr>
-              <a:t>www.cpe.ku.ac.</a:t>
-            </a:r>
-            <a:r>
-              <a:rPr b="1" lang="en-US" sz="2400" spc="-1" strike="noStrike">
-                <a:solidFill>
-                  <a:srgbClr val="000000"/>
-                </a:solidFill>
-                <a:latin typeface="Courier New"/>
-              </a:rPr>
-              <a:t>th 80 </a:t>
+                <a:ea typeface="DejaVu Sans"/>
+              </a:rPr>
+              <a:t> ncat -v www.cpe.ku.ac.th 80 </a:t>
             </a:r>
             <a:endParaRPr b="0" lang="en-US" sz="2400" spc="-1" strike="noStrike">
               <a:latin typeface="Arial"/>
@@ -11684,6 +11705,7 @@
                   <a:srgbClr val="000000"/>
                 </a:solidFill>
                 <a:latin typeface="Courier New"/>
+                <a:ea typeface="DejaVu Sans"/>
               </a:rPr>
               <a:t>   </a:t>
             </a:r>
@@ -11693,35 +11715,9 @@
                   <a:srgbClr val="000000"/>
                 </a:solidFill>
                 <a:latin typeface="Courier New"/>
-              </a:rPr>
-              <a:t>Ncat: </a:t>
-            </a:r>
-            <a:r>
-              <a:rPr b="0" lang="en-US" sz="2400" spc="-1" strike="noStrike">
-                <a:solidFill>
-                  <a:srgbClr val="000000"/>
-                </a:solidFill>
-                <a:latin typeface="Courier New"/>
-              </a:rPr>
-              <a:t>Connected to </a:t>
-            </a:r>
-            <a:r>
-              <a:rPr b="0" lang="en-US" sz="2400" spc="-1" strike="noStrike">
-                <a:solidFill>
-                  <a:srgbClr val="000000"/>
-                </a:solidFill>
-                <a:latin typeface="Courier New"/>
-              </a:rPr>
-              <a:t>158.108.215.14</a:t>
-            </a:r>
-            <a:r>
-              <a:rPr b="0" lang="en-US" sz="2400" spc="-1" strike="noStrike">
-                <a:solidFill>
-                  <a:srgbClr val="000000"/>
-                </a:solidFill>
-                <a:latin typeface="Courier New"/>
-              </a:rPr>
-              <a:t>4 &lt;- </a:t>
+                <a:ea typeface="DejaVu Sans"/>
+              </a:rPr>
+              <a:t>Ncat: Connected to 158.108.215.144 </a:t>
             </a:r>
             <a:endParaRPr b="0" lang="en-US" sz="2400" spc="-1" strike="noStrike">
               <a:latin typeface="Arial"/>
@@ -11777,6 +11773,7 @@
                   <a:srgbClr val="000000"/>
                 </a:solidFill>
                 <a:latin typeface="Courier New"/>
+                <a:ea typeface="DejaVu Sans"/>
               </a:rPr>
               <a:t>   </a:t>
             </a:r>
@@ -11786,17 +11783,9 @@
                   <a:srgbClr val="000000"/>
                 </a:solidFill>
                 <a:latin typeface="Courier New"/>
-              </a:rPr>
-              <a:t>GET / </a:t>
-            </a:r>
-            <a:r>
-              <a:rPr b="1" lang="en-US" sz="2400" spc="-1" strike="noStrike">
-                <a:solidFill>
-                  <a:srgbClr val="000000"/>
-                </a:solidFill>
-                <a:latin typeface="Courier New"/>
-              </a:rPr>
-              <a:t>HTTP/1.1</a:t>
+                <a:ea typeface="DejaVu Sans"/>
+              </a:rPr>
+              <a:t>GET / HTTP/1.1</a:t>
             </a:r>
             <a:endParaRPr b="0" lang="en-US" sz="2400" spc="-1" strike="noStrike">
               <a:latin typeface="Arial"/>
@@ -11852,6 +11841,7 @@
                   <a:srgbClr val="000000"/>
                 </a:solidFill>
                 <a:latin typeface="Courier New"/>
+                <a:ea typeface="DejaVu Sans"/>
               </a:rPr>
               <a:t>   </a:t>
             </a:r>
@@ -11861,26 +11851,9 @@
                   <a:srgbClr val="000000"/>
                 </a:solidFill>
                 <a:latin typeface="Courier New"/>
-              </a:rPr>
-              <a:t>Host: </a:t>
-            </a:r>
-            <a:r>
-              <a:rPr b="1" lang="en-US" sz="2400" spc="-1" strike="noStrike">
-                <a:solidFill>
-                  <a:srgbClr val="000000"/>
-                </a:solidFill>
-                <a:latin typeface="Courier New"/>
-              </a:rPr>
-              <a:t>www.cpe.ku.ac.</a:t>
-            </a:r>
-            <a:r>
-              <a:rPr b="1" lang="en-US" sz="2400" spc="-1" strike="noStrike">
-                <a:solidFill>
-                  <a:srgbClr val="000000"/>
-                </a:solidFill>
-                <a:latin typeface="Courier New"/>
-              </a:rPr>
-              <a:t>th</a:t>
+                <a:ea typeface="DejaVu Sans"/>
+              </a:rPr>
+              <a:t>Host: www.cpe.ku.ac.th</a:t>
             </a:r>
             <a:endParaRPr b="0" lang="en-US" sz="2400" spc="-1" strike="noStrike">
               <a:latin typeface="Arial"/>
@@ -11936,6 +11909,7 @@
                   <a:srgbClr val="000000"/>
                 </a:solidFill>
                 <a:latin typeface="Courier New"/>
+                <a:ea typeface="DejaVu Sans"/>
               </a:rPr>
               <a:t>   </a:t>
             </a:r>
@@ -11945,17 +11919,9 @@
                   <a:srgbClr val="000080"/>
                 </a:solidFill>
                 <a:latin typeface="Courier New"/>
-              </a:rPr>
-              <a:t>(enter a </a:t>
-            </a:r>
-            <a:r>
-              <a:rPr b="0" lang="en-US" sz="2400" spc="-1" strike="noStrike">
-                <a:solidFill>
-                  <a:srgbClr val="000080"/>
-                </a:solidFill>
-                <a:latin typeface="Courier New"/>
-              </a:rPr>
-              <a:t>blank line)</a:t>
+                <a:ea typeface="DejaVu Sans"/>
+              </a:rPr>
+              <a:t>(enter a blank line)</a:t>
             </a:r>
             <a:endParaRPr b="0" lang="en-US" sz="2400" spc="-1" strike="noStrike">
               <a:latin typeface="Arial"/>
@@ -12071,74 +12037,17 @@
                 <a:latin typeface="Arial"/>
                 <a:ea typeface="Noto Sans CJK JP"/>
               </a:rPr>
-              <a:t> means verbose. </a:t>
+              <a:t> means verbose. Ncat prints a message when you are connected ("</a:t>
             </a:r>
             <a:r>
               <a:rPr b="0" lang="en-US" sz="2400" spc="-1" strike="noStrike">
                 <a:solidFill>
                   <a:srgbClr val="000000"/>
                 </a:solidFill>
-                <a:latin typeface="Arial"/>
-                <a:ea typeface="Noto Sans CJK JP"/>
-              </a:rPr>
-              <a:t>Netcat prints a </a:t>
-            </a:r>
-            <a:r>
-              <a:rPr b="0" lang="en-US" sz="2400" spc="-1" strike="noStrike">
-                <a:solidFill>
-                  <a:srgbClr val="000000"/>
-                </a:solidFill>
-                <a:latin typeface="Arial"/>
-                <a:ea typeface="Noto Sans CJK JP"/>
-              </a:rPr>
-              <a:t>message when you </a:t>
-            </a:r>
-            <a:r>
-              <a:rPr b="0" lang="en-US" sz="2400" spc="-1" strike="noStrike">
-                <a:solidFill>
-                  <a:srgbClr val="000000"/>
-                </a:solidFill>
-                <a:latin typeface="Arial"/>
-                <a:ea typeface="Noto Sans CJK JP"/>
-              </a:rPr>
-              <a:t>are connected </a:t>
-            </a:r>
-            <a:r>
-              <a:rPr b="0" lang="en-US" sz="2400" spc="-1" strike="noStrike">
-                <a:solidFill>
-                  <a:srgbClr val="000000"/>
-                </a:solidFill>
-                <a:latin typeface="Arial"/>
-                <a:ea typeface="Noto Sans CJK JP"/>
-              </a:rPr>
-              <a:t>("</a:t>
-            </a:r>
-            <a:r>
-              <a:rPr b="0" lang="en-US" sz="2400" spc="-1" strike="noStrike">
-                <a:solidFill>
-                  <a:srgbClr val="000000"/>
-                </a:solidFill>
                 <a:latin typeface="Courier New"/>
-              </a:rPr>
-              <a:t>Connected to </a:t>
-            </a:r>
-            <a:r>
-              <a:rPr b="0" lang="en-US" sz="2400" spc="-1" strike="noStrike">
-                <a:solidFill>
-                  <a:srgbClr val="000000"/>
-                </a:solidFill>
-                <a:latin typeface="Courier New"/>
-              </a:rPr>
-              <a:t>158.108.215.14</a:t>
-            </a:r>
-            <a:r>
-              <a:rPr b="0" lang="en-US" sz="2400" spc="-1" strike="noStrike">
-                <a:solidFill>
-                  <a:srgbClr val="000000"/>
-                </a:solidFill>
-                <a:latin typeface="Courier New"/>
-              </a:rPr>
-              <a:t>4")</a:t>
+                <a:ea typeface="DejaVu Sans"/>
+              </a:rPr>
+              <a:t>Connected to 158.108.215.144")</a:t>
             </a:r>
             <a:endParaRPr b="0" lang="en-US" sz="2400" spc="-1" strike="noStrike">
               <a:latin typeface="Arial"/>
@@ -12192,7 +12101,7 @@
         <p:spPr>
           <a:xfrm>
             <a:off x="611280" y="259920"/>
-            <a:ext cx="7921080" cy="864720"/>
+            <a:ext cx="7920360" cy="864000"/>
           </a:xfrm>
           <a:prstGeom prst="rect">
             <a:avLst/>
@@ -12261,6 +12170,7 @@
                   <a:srgbClr val="333399"/>
                 </a:solidFill>
                 <a:latin typeface="Arial"/>
+                <a:ea typeface="DejaVu Sans"/>
               </a:rPr>
               <a:t>What does server's reply mean?</a:t>
             </a:r>
@@ -12279,7 +12189,7 @@
         <p:spPr>
           <a:xfrm>
             <a:off x="674280" y="1392120"/>
-            <a:ext cx="7921440" cy="5283000"/>
+            <a:ext cx="7920720" cy="5282280"/>
           </a:xfrm>
           <a:prstGeom prst="rect">
             <a:avLst/>
@@ -12352,6 +12262,7 @@
                   <a:srgbClr val="000000"/>
                 </a:solidFill>
                 <a:latin typeface="Arial"/>
+                <a:ea typeface="DejaVu Sans"/>
               </a:rPr>
               <a:t>What does the reply mean?</a:t>
             </a:r>
@@ -12412,6 +12323,7 @@
                   <a:srgbClr val="000000"/>
                 </a:solidFill>
                 <a:latin typeface="Courier New"/>
+                <a:ea typeface="DejaVu Sans"/>
               </a:rPr>
               <a:t>  </a:t>
             </a:r>
@@ -12421,6 +12333,7 @@
                   <a:srgbClr val="000000"/>
                 </a:solidFill>
                 <a:latin typeface="Courier New"/>
+                <a:ea typeface="DejaVu Sans"/>
               </a:rPr>
               <a:t>HTTP/1.1 301 Moved Permanently</a:t>
             </a:r>
@@ -12431,6 +12344,7 @@
                   <a:srgbClr val="000000"/>
                 </a:solidFill>
                 <a:latin typeface="Courier New"/>
+                <a:ea typeface="DejaVu Sans"/>
               </a:rPr>
               <a:t>  Server: nginx</a:t>
             </a:r>
@@ -12488,6 +12402,7 @@
                   <a:srgbClr val="000000"/>
                 </a:solidFill>
                 <a:latin typeface="Courier New"/>
+                <a:ea typeface="DejaVu Sans"/>
               </a:rPr>
               <a:t>  </a:t>
             </a:r>
@@ -12497,6 +12412,7 @@
                   <a:srgbClr val="000000"/>
                 </a:solidFill>
                 <a:latin typeface="Courier New"/>
+                <a:ea typeface="DejaVu Sans"/>
               </a:rPr>
               <a:t>Location: https://cpe.ku.ac.th/</a:t>
             </a:r>
@@ -12507,6 +12423,7 @@
                   <a:srgbClr val="000000"/>
                 </a:solidFill>
                 <a:latin typeface="Courier New"/>
+                <a:ea typeface="DejaVu Sans"/>
               </a:rPr>
               <a:t>  Content-Length: 178</a:t>
             </a:r>
@@ -12564,6 +12481,7 @@
                   <a:srgbClr val="000000"/>
                 </a:solidFill>
                 <a:latin typeface="Courier New"/>
+                <a:ea typeface="DejaVu Sans"/>
               </a:rPr>
               <a:t>  </a:t>
             </a:r>
@@ -12573,6 +12491,7 @@
                   <a:srgbClr val="000000"/>
                 </a:solidFill>
                 <a:latin typeface="Courier New"/>
+                <a:ea typeface="DejaVu Sans"/>
               </a:rPr>
               <a:t>Content-Type: text/html</a:t>
             </a:r>
@@ -12630,6 +12549,7 @@
                   <a:srgbClr val="000000"/>
                 </a:solidFill>
                 <a:latin typeface="Courier New"/>
+                <a:ea typeface="DejaVu Sans"/>
               </a:rPr>
               <a:t>  </a:t>
             </a:r>
@@ -12639,6 +12559,7 @@
                   <a:srgbClr val="000000"/>
                 </a:solidFill>
                 <a:latin typeface="Courier New"/>
+                <a:ea typeface="DejaVu Sans"/>
               </a:rPr>
               <a:t>...</a:t>
             </a:r>
@@ -12648,6 +12569,7 @@
                   <a:srgbClr val="000000"/>
                 </a:solidFill>
                 <a:latin typeface="Courier New"/>
+                <a:ea typeface="DejaVu Sans"/>
               </a:rPr>
               <a:t> (more header and body)</a:t>
             </a:r>
@@ -12656,7 +12578,7 @@
             </a:endParaRPr>
           </a:p>
           <a:p>
-            <a:pPr marL="228600" indent="-228240">
+            <a:pPr marL="228600" indent="-227520">
               <a:lnSpc>
                 <a:spcPct val="100000"/>
               </a:lnSpc>
@@ -12714,6 +12636,7 @@
                   <a:srgbClr val="000000"/>
                 </a:solidFill>
                 <a:latin typeface="Arial"/>
+                <a:ea typeface="DejaVu Sans"/>
               </a:rPr>
               <a:t>Status codes 301, 302, and 303 are </a:t>
             </a:r>
@@ -12723,6 +12646,7 @@
                   <a:srgbClr val="000080"/>
                 </a:solidFill>
                 <a:latin typeface="Arial"/>
+                <a:ea typeface="DejaVu Sans"/>
               </a:rPr>
               <a:t>redirects</a:t>
             </a:r>
@@ -12731,7 +12655,7 @@
             </a:endParaRPr>
           </a:p>
           <a:p>
-            <a:pPr marL="228600" indent="-228240">
+            <a:pPr marL="228600" indent="-227520">
               <a:lnSpc>
                 <a:spcPct val="100000"/>
               </a:lnSpc>
@@ -12789,6 +12713,7 @@
                   <a:srgbClr val="000000"/>
                 </a:solidFill>
                 <a:latin typeface="Arial"/>
+                <a:ea typeface="DejaVu Sans"/>
               </a:rPr>
               <a:t>A web browser will automatically go to the new URL.</a:t>
             </a:r>
@@ -12797,7 +12722,7 @@
             </a:endParaRPr>
           </a:p>
           <a:p>
-            <a:pPr marL="228600" indent="-228240">
+            <a:pPr marL="228600" indent="-227520">
               <a:lnSpc>
                 <a:spcPct val="100000"/>
               </a:lnSpc>
@@ -12855,6 +12780,7 @@
                   <a:srgbClr val="000000"/>
                 </a:solidFill>
                 <a:latin typeface="Arial"/>
+                <a:ea typeface="DejaVu Sans"/>
               </a:rPr>
               <a:t>Server "leaked" some info:  </a:t>
             </a:r>
@@ -12864,6 +12790,7 @@
                   <a:srgbClr val="ff0000"/>
                 </a:solidFill>
                 <a:latin typeface="Arial"/>
+                <a:ea typeface="DejaVu Sans"/>
               </a:rPr>
               <a:t>what did you learn?</a:t>
             </a:r>
@@ -12872,7 +12799,7 @@
             </a:endParaRPr>
           </a:p>
           <a:p>
-            <a:pPr marL="228600" indent="-183960">
+            <a:pPr marL="228600" indent="-183240">
               <a:lnSpc>
                 <a:spcPct val="100000"/>
               </a:lnSpc>
@@ -12935,7 +12862,7 @@
         <p:spPr>
           <a:xfrm>
             <a:off x="611280" y="260280"/>
-            <a:ext cx="7882920" cy="826920"/>
+            <a:ext cx="7882200" cy="826200"/>
           </a:xfrm>
           <a:prstGeom prst="rect">
             <a:avLst/>
@@ -13004,6 +12931,7 @@
                   <a:srgbClr val="333399"/>
                 </a:solidFill>
                 <a:latin typeface="Arial"/>
+                <a:ea typeface="DejaVu Sans"/>
               </a:rPr>
               <a:t>The Exercises</a:t>
             </a:r>
@@ -13022,7 +12950,7 @@
         <p:spPr>
           <a:xfrm>
             <a:off x="620280" y="1216080"/>
-            <a:ext cx="7883280" cy="5184360"/>
+            <a:ext cx="7882560" cy="5183640"/>
           </a:xfrm>
           <a:prstGeom prst="rect">
             <a:avLst/>
@@ -13043,7 +12971,7 @@
             <a:normAutofit/>
           </a:bodyPr>
           <a:p>
-            <a:pPr marL="342720" indent="-321840">
+            <a:pPr marL="342720" indent="-321120">
               <a:lnSpc>
                 <a:spcPct val="100000"/>
               </a:lnSpc>
@@ -13060,6 +12988,7 @@
                   <a:srgbClr val="000000"/>
                 </a:solidFill>
                 <a:latin typeface="Arial"/>
+                <a:ea typeface="DejaVu Sans"/>
               </a:rPr>
               <a:t>1. </a:t>
             </a:r>
@@ -13069,6 +12998,7 @@
                   <a:srgbClr val="000080"/>
                 </a:solidFill>
                 <a:latin typeface="Arial"/>
+                <a:ea typeface="DejaVu Sans"/>
               </a:rPr>
               <a:t>See what a web </a:t>
             </a:r>
@@ -13078,6 +13008,7 @@
                   <a:srgbClr val="000080"/>
                 </a:solidFill>
                 <a:latin typeface="Arial"/>
+                <a:ea typeface="DejaVu Sans"/>
               </a:rPr>
               <a:t>browser</a:t>
             </a:r>
@@ -13087,6 +13018,7 @@
                   <a:srgbClr val="000080"/>
                 </a:solidFill>
                 <a:latin typeface="Arial"/>
+                <a:ea typeface="DejaVu Sans"/>
               </a:rPr>
               <a:t> </a:t>
             </a:r>
@@ -13097,6 +13029,7 @@
                 </a:solidFill>
                 <a:uFillTx/>
                 <a:latin typeface="Arial"/>
+                <a:ea typeface="DejaVu Sans"/>
               </a:rPr>
               <a:t>really</a:t>
             </a:r>
@@ -13106,6 +13039,7 @@
                   <a:srgbClr val="000080"/>
                 </a:solidFill>
                 <a:latin typeface="Arial"/>
+                <a:ea typeface="DejaVu Sans"/>
               </a:rPr>
               <a:t> sends.</a:t>
             </a:r>
@@ -13114,7 +13048,7 @@
             </a:endParaRPr>
           </a:p>
           <a:p>
-            <a:pPr lvl="1" marL="1484280" indent="-568080">
+            <a:pPr lvl="1" marL="1484280" indent="-567360">
               <a:lnSpc>
                 <a:spcPct val="100000"/>
               </a:lnSpc>
@@ -13171,6 +13105,7 @@
                   <a:srgbClr val="000000"/>
                 </a:solidFill>
                 <a:latin typeface="Arial"/>
+                <a:ea typeface="DejaVu Sans"/>
               </a:rPr>
               <a:t>Use ncat as HTTP server to receive requests</a:t>
             </a:r>
@@ -13179,7 +13114,7 @@
             </a:endParaRPr>
           </a:p>
           <a:p>
-            <a:pPr marL="342720" indent="-321840">
+            <a:pPr marL="342720" indent="-321120">
               <a:lnSpc>
                 <a:spcPct val="100000"/>
               </a:lnSpc>
@@ -13195,7 +13130,7 @@
             </a:endParaRPr>
           </a:p>
           <a:p>
-            <a:pPr marL="342720" indent="-321840">
+            <a:pPr marL="342720" indent="-321120">
               <a:lnSpc>
                 <a:spcPct val="100000"/>
               </a:lnSpc>
@@ -13212,6 +13147,7 @@
                   <a:srgbClr val="000000"/>
                 </a:solidFill>
                 <a:latin typeface="Arial"/>
+                <a:ea typeface="DejaVu Sans"/>
               </a:rPr>
               <a:t>2. </a:t>
             </a:r>
@@ -13221,6 +13157,7 @@
                   <a:srgbClr val="000080"/>
                 </a:solidFill>
                 <a:latin typeface="Arial"/>
+                <a:ea typeface="DejaVu Sans"/>
               </a:rPr>
               <a:t>See what a web </a:t>
             </a:r>
@@ -13230,6 +13167,7 @@
                   <a:srgbClr val="000080"/>
                 </a:solidFill>
                 <a:latin typeface="Arial"/>
+                <a:ea typeface="DejaVu Sans"/>
               </a:rPr>
               <a:t>server</a:t>
             </a:r>
@@ -13239,6 +13177,7 @@
                   <a:srgbClr val="000080"/>
                 </a:solidFill>
                 <a:latin typeface="Arial"/>
+                <a:ea typeface="DejaVu Sans"/>
               </a:rPr>
               <a:t> </a:t>
             </a:r>
@@ -13249,6 +13188,7 @@
                 </a:solidFill>
                 <a:uFillTx/>
                 <a:latin typeface="Arial"/>
+                <a:ea typeface="DejaVu Sans"/>
               </a:rPr>
               <a:t>really</a:t>
             </a:r>
@@ -13258,6 +13198,7 @@
                   <a:srgbClr val="000080"/>
                 </a:solidFill>
                 <a:latin typeface="Arial"/>
+                <a:ea typeface="DejaVu Sans"/>
               </a:rPr>
               <a:t> sends.</a:t>
             </a:r>
@@ -13266,7 +13207,7 @@
             </a:endParaRPr>
           </a:p>
           <a:p>
-            <a:pPr lvl="1" marL="1484280" indent="-568080">
+            <a:pPr lvl="1" marL="1484280" indent="-567360">
               <a:lnSpc>
                 <a:spcPct val="100000"/>
               </a:lnSpc>
@@ -13323,6 +13264,7 @@
                   <a:srgbClr val="000000"/>
                 </a:solidFill>
                 <a:latin typeface="Arial"/>
+                <a:ea typeface="DejaVu Sans"/>
               </a:rPr>
               <a:t>Use ncat as web client. Send a request to a web server.</a:t>
             </a:r>
@@ -13331,7 +13273,7 @@
             </a:endParaRPr>
           </a:p>
           <a:p>
-            <a:pPr marL="742680" indent="-264600">
+            <a:pPr marL="742680" indent="-263880">
               <a:lnSpc>
                 <a:spcPct val="100000"/>
               </a:lnSpc>
@@ -13347,7 +13289,7 @@
             </a:endParaRPr>
           </a:p>
           <a:p>
-            <a:pPr marL="342720" indent="-323640">
+            <a:pPr marL="342720" indent="-322920">
               <a:lnSpc>
                 <a:spcPct val="100000"/>
               </a:lnSpc>
@@ -13364,6 +13306,7 @@
                   <a:srgbClr val="000000"/>
                 </a:solidFill>
                 <a:latin typeface="Arial"/>
+                <a:ea typeface="DejaVu Sans"/>
               </a:rPr>
               <a:t>3. </a:t>
             </a:r>
@@ -13373,6 +13316,7 @@
                   <a:srgbClr val="000080"/>
                 </a:solidFill>
                 <a:latin typeface="Arial"/>
+                <a:ea typeface="DejaVu Sans"/>
               </a:rPr>
               <a:t>Redirect a web browser</a:t>
             </a:r>
@@ -13382,6 +13326,7 @@
                   <a:srgbClr val="000000"/>
                 </a:solidFill>
                 <a:latin typeface="Arial"/>
+                <a:ea typeface="DejaVu Sans"/>
               </a:rPr>
               <a:t> using HTTP response codes and Location header.</a:t>
             </a:r>
@@ -13437,7 +13382,7 @@
         <p:spPr>
           <a:xfrm>
             <a:off x="364680" y="259920"/>
-            <a:ext cx="8411760" cy="864720"/>
+            <a:ext cx="8411040" cy="864000"/>
           </a:xfrm>
           <a:prstGeom prst="rect">
             <a:avLst/>
@@ -13506,6 +13451,7 @@
                   <a:srgbClr val="333399"/>
                 </a:solidFill>
                 <a:latin typeface="Arial"/>
+                <a:ea typeface="DejaVu Sans"/>
               </a:rPr>
               <a:t>2.2 Follow the Redirect &amp; Use https</a:t>
             </a:r>
@@ -13524,7 +13470,7 @@
         <p:spPr>
           <a:xfrm>
             <a:off x="674280" y="1392120"/>
-            <a:ext cx="8286480" cy="5283000"/>
+            <a:ext cx="8285760" cy="5282280"/>
           </a:xfrm>
           <a:prstGeom prst="rect">
             <a:avLst/>
@@ -13597,6 +13543,7 @@
                   <a:srgbClr val="000000"/>
                 </a:solidFill>
                 <a:latin typeface="Arial"/>
+                <a:ea typeface="DejaVu Sans"/>
               </a:rPr>
               <a:t>2.2 Stop ncat (CTRL-C) and go to cpe.ku.ac.th</a:t>
             </a:r>
@@ -13657,17 +13604,19 @@
                   <a:srgbClr val="000000"/>
                 </a:solidFill>
                 <a:latin typeface="Arial"/>
+                <a:ea typeface="DejaVu Sans"/>
               </a:rPr>
               <a:t>We must use TLS (</a:t>
             </a:r>
             <a:r>
-              <a:rPr b="0" i="1" lang="en-US" sz="2400" spc="-1" strike="noStrike">
-                <a:solidFill>
-                  <a:srgbClr val="000000"/>
-                </a:solidFill>
-                <a:latin typeface="Arial"/>
-              </a:rPr>
-              <a:t>aka </a:t>
+              <a:rPr b="1" lang="en-US" sz="2400" spc="-1" strike="noStrike">
+                <a:solidFill>
+                  <a:srgbClr val="000000"/>
+                </a:solidFill>
+                <a:latin typeface="Courier New"/>
+                <a:ea typeface="DejaVu Sans"/>
+              </a:rPr>
+              <a:t>--ssl</a:t>
             </a:r>
             <a:r>
               <a:rPr b="0" lang="en-US" sz="2400" spc="-1" strike="noStrike">
@@ -13675,8 +13624,9 @@
                   <a:srgbClr val="000000"/>
                 </a:solidFill>
                 <a:latin typeface="Arial"/>
-              </a:rPr>
-              <a:t>SSL) and port 443</a:t>
+                <a:ea typeface="DejaVu Sans"/>
+              </a:rPr>
+              <a:t> flag) and port 443</a:t>
             </a:r>
             <a:endParaRPr b="0" lang="en-US" sz="2400" spc="-1" strike="noStrike">
               <a:latin typeface="Arial"/>
@@ -13735,6 +13685,7 @@
                   <a:srgbClr val="000000"/>
                 </a:solidFill>
                 <a:latin typeface="Courier New"/>
+                <a:ea typeface="DejaVu Sans"/>
               </a:rPr>
               <a:t>   </a:t>
             </a:r>
@@ -13744,6 +13695,7 @@
                   <a:srgbClr val="000000"/>
                 </a:solidFill>
                 <a:latin typeface="Courier New"/>
+                <a:ea typeface="DejaVu Sans"/>
               </a:rPr>
               <a:t>cmd&gt;</a:t>
             </a:r>
@@ -13753,6 +13705,7 @@
                   <a:srgbClr val="000000"/>
                 </a:solidFill>
                 <a:latin typeface="Courier New"/>
+                <a:ea typeface="DejaVu Sans"/>
               </a:rPr>
               <a:t> ncat -v --ssl cpe.ku.ac.th 443 </a:t>
             </a:r>
@@ -13810,6 +13763,7 @@
                   <a:srgbClr val="000000"/>
                 </a:solidFill>
                 <a:latin typeface="Courier New"/>
+                <a:ea typeface="DejaVu Sans"/>
               </a:rPr>
               <a:t>   </a:t>
             </a:r>
@@ -13819,17 +13773,9 @@
                   <a:srgbClr val="000000"/>
                 </a:solidFill>
                 <a:latin typeface="Courier New"/>
-              </a:rPr>
-              <a:t>Ncat: SSL connection to </a:t>
-            </a:r>
-            <a:r>
-              <a:rPr b="0" lang="en-US" sz="2400" spc="-1" strike="noStrike">
-                <a:solidFill>
-                  <a:srgbClr val="000000"/>
-                </a:solidFill>
-                <a:latin typeface="Courier New"/>
-              </a:rPr>
-              <a:t>158.108.215.144 </a:t>
+                <a:ea typeface="DejaVu Sans"/>
+              </a:rPr>
+              <a:t>Ncat: SSL connection to 158.108.215.144 </a:t>
             </a:r>
             <a:endParaRPr b="0" lang="en-US" sz="2400" spc="-1" strike="noStrike">
               <a:latin typeface="Arial"/>
@@ -13885,6 +13831,7 @@
                   <a:srgbClr val="000000"/>
                 </a:solidFill>
                 <a:latin typeface="Courier New"/>
+                <a:ea typeface="DejaVu Sans"/>
               </a:rPr>
               <a:t>   </a:t>
             </a:r>
@@ -13894,6 +13841,7 @@
                   <a:srgbClr val="000000"/>
                 </a:solidFill>
                 <a:latin typeface="Courier New"/>
+                <a:ea typeface="DejaVu Sans"/>
               </a:rPr>
               <a:t>GET / HTTP/1.1</a:t>
             </a:r>
@@ -13951,6 +13899,7 @@
                   <a:srgbClr val="000000"/>
                 </a:solidFill>
                 <a:latin typeface="Courier New"/>
+                <a:ea typeface="DejaVu Sans"/>
               </a:rPr>
               <a:t>   </a:t>
             </a:r>
@@ -13960,6 +13909,7 @@
                   <a:srgbClr val="000000"/>
                 </a:solidFill>
                 <a:latin typeface="Courier New"/>
+                <a:ea typeface="DejaVu Sans"/>
               </a:rPr>
               <a:t>Host: cpe.ku.ac.th</a:t>
             </a:r>
@@ -14017,6 +13967,7 @@
                   <a:srgbClr val="000000"/>
                 </a:solidFill>
                 <a:latin typeface="Courier New"/>
+                <a:ea typeface="DejaVu Sans"/>
               </a:rPr>
               <a:t>   </a:t>
             </a:r>
@@ -14026,6 +13977,7 @@
                   <a:srgbClr val="000080"/>
                 </a:solidFill>
                 <a:latin typeface="Courier New"/>
+                <a:ea typeface="DejaVu Sans"/>
               </a:rPr>
               <a:t>(enter a blank line)</a:t>
             </a:r>
@@ -14179,6 +14131,7 @@
                   <a:srgbClr val="ff0000"/>
                 </a:solidFill>
                 <a:latin typeface="Arial"/>
+                <a:ea typeface="DejaVu Sans"/>
               </a:rPr>
               <a:t>Do you get a web page in response?</a:t>
             </a:r>
@@ -14234,7 +14187,7 @@
         <p:spPr>
           <a:xfrm>
             <a:off x="611280" y="260280"/>
-            <a:ext cx="7882920" cy="826920"/>
+            <a:ext cx="7882200" cy="826200"/>
           </a:xfrm>
           <a:prstGeom prst="rect">
             <a:avLst/>
@@ -14303,6 +14256,7 @@
                   <a:srgbClr val="333399"/>
                 </a:solidFill>
                 <a:latin typeface="Arial"/>
+                <a:ea typeface="DejaVu Sans"/>
               </a:rPr>
               <a:t>Plain "http" sites are hard to find</a:t>
             </a:r>
@@ -14321,7 +14275,7 @@
         <p:spPr>
           <a:xfrm>
             <a:off x="674640" y="1255680"/>
-            <a:ext cx="8103960" cy="5236920"/>
+            <a:ext cx="8103240" cy="5236200"/>
           </a:xfrm>
           <a:prstGeom prst="rect">
             <a:avLst/>
@@ -14342,7 +14296,7 @@
             <a:normAutofit/>
           </a:bodyPr>
           <a:p>
-            <a:pPr marL="342720" indent="-321840">
+            <a:pPr marL="342720" indent="-321120" algn="ctr">
               <a:lnSpc>
                 <a:spcPct val="100000"/>
               </a:lnSpc>
@@ -14359,6 +14313,7 @@
                   <a:srgbClr val="000000"/>
                 </a:solidFill>
                 <a:latin typeface="Arial"/>
+                <a:ea typeface="DejaVu Sans"/>
               </a:rPr>
               <a:t>Entire web is moving to https only.</a:t>
             </a:r>
@@ -14367,7 +14322,7 @@
             </a:endParaRPr>
           </a:p>
           <a:p>
-            <a:pPr marL="342720" indent="-321840">
+            <a:pPr marL="342720" indent="-321120" algn="ctr">
               <a:lnSpc>
                 <a:spcPct val="100000"/>
               </a:lnSpc>
@@ -14384,6 +14339,7 @@
                   <a:srgbClr val="000000"/>
                 </a:solidFill>
                 <a:latin typeface="Arial"/>
+                <a:ea typeface="DejaVu Sans"/>
               </a:rPr>
               <a:t>Most http requests are redirected to an https URL.</a:t>
             </a:r>
@@ -14392,7 +14348,7 @@
             </a:endParaRPr>
           </a:p>
           <a:p>
-            <a:pPr marL="342720" indent="-321840">
+            <a:pPr marL="342720" indent="-321120">
               <a:lnSpc>
                 <a:spcPct val="100000"/>
               </a:lnSpc>
@@ -14408,7 +14364,7 @@
             </a:endParaRPr>
           </a:p>
           <a:p>
-            <a:pPr marL="342720" indent="-321840">
+            <a:pPr marL="342720" indent="-321120">
               <a:lnSpc>
                 <a:spcPct val="100000"/>
               </a:lnSpc>
@@ -14425,8 +14381,9 @@
                   <a:srgbClr val="000000"/>
                 </a:solidFill>
                 <a:latin typeface="Arial"/>
-              </a:rPr>
-              <a:t>But there are a few.  Try:   </a:t>
+                <a:ea typeface="DejaVu Sans"/>
+              </a:rPr>
+              <a:t>Try:   </a:t>
             </a:r>
             <a:r>
               <a:rPr b="0" lang="en-US" sz="2400" spc="-1" strike="noStrike">
@@ -14434,6 +14391,7 @@
                   <a:srgbClr val="000000"/>
                 </a:solidFill>
                 <a:latin typeface="Courier New"/>
+                <a:ea typeface="DejaVu Sans"/>
               </a:rPr>
               <a:t>www.rd.go.th</a:t>
             </a:r>
@@ -14442,7 +14400,7 @@
             </a:endParaRPr>
           </a:p>
           <a:p>
-            <a:pPr marL="342720" indent="-321840">
+            <a:pPr marL="342720" indent="-321120">
               <a:lnSpc>
                 <a:spcPct val="100000"/>
               </a:lnSpc>
@@ -14458,7 +14416,7 @@
             </a:endParaRPr>
           </a:p>
           <a:p>
-            <a:pPr marL="342720" indent="-321840">
+            <a:pPr marL="342720" indent="-321120">
               <a:lnSpc>
                 <a:spcPct val="100000"/>
               </a:lnSpc>
@@ -14475,6 +14433,7 @@
                   <a:srgbClr val="000000"/>
                 </a:solidFill>
                 <a:latin typeface="Courier New"/>
+                <a:ea typeface="DejaVu Sans"/>
               </a:rPr>
               <a:t>cmd&gt;</a:t>
             </a:r>
@@ -14484,6 +14443,7 @@
                   <a:srgbClr val="000000"/>
                 </a:solidFill>
                 <a:latin typeface="Courier New"/>
+                <a:ea typeface="DejaVu Sans"/>
               </a:rPr>
               <a:t> ncat -v www.rd.go.th 80  </a:t>
             </a:r>
@@ -14493,6 +14453,7 @@
                   <a:srgbClr val="000080"/>
                 </a:solidFill>
                 <a:latin typeface="Arial"/>
+                <a:ea typeface="DejaVu Sans"/>
               </a:rPr>
               <a:t>(</a:t>
             </a:r>
@@ -14502,6 +14463,7 @@
                   <a:srgbClr val="000080"/>
                 </a:solidFill>
                 <a:latin typeface="Arial"/>
+                <a:ea typeface="DejaVu Sans"/>
               </a:rPr>
               <a:t>worked in 2021</a:t>
             </a:r>
@@ -14511,6 +14473,7 @@
                   <a:srgbClr val="000080"/>
                 </a:solidFill>
                 <a:latin typeface="Arial"/>
+                <a:ea typeface="DejaVu Sans"/>
               </a:rPr>
               <a:t>)</a:t>
             </a:r>
@@ -14519,7 +14482,7 @@
             </a:endParaRPr>
           </a:p>
           <a:p>
-            <a:pPr marL="342720" indent="-321840">
+            <a:pPr marL="342720" indent="-321120">
               <a:lnSpc>
                 <a:spcPct val="100000"/>
               </a:lnSpc>
@@ -14536,6 +14499,7 @@
                   <a:srgbClr val="000000"/>
                 </a:solidFill>
                 <a:latin typeface="Courier New"/>
+                <a:ea typeface="DejaVu Sans"/>
               </a:rPr>
               <a:t>GET / HTTP/1.1</a:t>
             </a:r>
@@ -14544,7 +14508,7 @@
             </a:endParaRPr>
           </a:p>
           <a:p>
-            <a:pPr marL="342720" indent="-321840">
+            <a:pPr marL="342720" indent="-321120">
               <a:lnSpc>
                 <a:spcPct val="100000"/>
               </a:lnSpc>
@@ -14561,6 +14525,7 @@
                   <a:srgbClr val="000000"/>
                 </a:solidFill>
                 <a:latin typeface="Courier New"/>
+                <a:ea typeface="DejaVu Sans"/>
               </a:rPr>
               <a:t>Host: www.rd.go.th</a:t>
             </a:r>
@@ -14569,7 +14534,7 @@
             </a:endParaRPr>
           </a:p>
           <a:p>
-            <a:pPr marL="342720" indent="-321840">
+            <a:pPr marL="342720" indent="-321120">
               <a:lnSpc>
                 <a:spcPct val="100000"/>
               </a:lnSpc>
@@ -14585,7 +14550,7 @@
             </a:endParaRPr>
           </a:p>
           <a:p>
-            <a:pPr marL="342720" indent="-321840">
+            <a:pPr marL="342720" indent="-321120">
               <a:lnSpc>
                 <a:spcPct val="100000"/>
               </a:lnSpc>
@@ -14602,6 +14567,7 @@
                   <a:srgbClr val="000000"/>
                 </a:solidFill>
                 <a:latin typeface="Arial"/>
+                <a:ea typeface="DejaVu Sans"/>
               </a:rPr>
               <a:t>What does the response say?</a:t>
             </a:r>
@@ -14610,7 +14576,7 @@
             </a:endParaRPr>
           </a:p>
           <a:p>
-            <a:pPr marL="342720" indent="-321840">
+            <a:pPr marL="342720" indent="-321120">
               <a:lnSpc>
                 <a:spcPct val="100000"/>
               </a:lnSpc>
@@ -14627,6 +14593,7 @@
                   <a:srgbClr val="000000"/>
                 </a:solidFill>
                 <a:latin typeface="Arial"/>
+                <a:ea typeface="DejaVu Sans"/>
               </a:rPr>
               <a:t>Whose web site is this?</a:t>
             </a:r>
@@ -14635,7 +14602,7 @@
             </a:endParaRPr>
           </a:p>
           <a:p>
-            <a:pPr marL="342720" indent="-321840">
+            <a:pPr marL="342720" indent="-321120">
               <a:lnSpc>
                 <a:spcPct val="100000"/>
               </a:lnSpc>
@@ -14651,7 +14618,7 @@
             </a:endParaRPr>
           </a:p>
           <a:p>
-            <a:pPr marL="342720" indent="-321840">
+            <a:pPr marL="342720" indent="-321120">
               <a:lnSpc>
                 <a:spcPct val="100000"/>
               </a:lnSpc>
@@ -14714,7 +14681,7 @@
         <p:spPr>
           <a:xfrm>
             <a:off x="611280" y="259920"/>
-            <a:ext cx="7865640" cy="809280"/>
+            <a:ext cx="7864920" cy="808560"/>
           </a:xfrm>
           <a:prstGeom prst="rect">
             <a:avLst/>
@@ -14781,6 +14748,7 @@
                   <a:srgbClr val="333399"/>
                 </a:solidFill>
                 <a:latin typeface="Arial"/>
+                <a:ea typeface="DejaVu Sans"/>
               </a:rPr>
               <a:t>Can we </a:t>
             </a:r>
@@ -14790,6 +14758,7 @@
                   <a:srgbClr val="333399"/>
                 </a:solidFill>
                 <a:latin typeface="Arial"/>
+                <a:ea typeface="DejaVu Sans"/>
               </a:rPr>
               <a:t>redirect</a:t>
             </a:r>
@@ -14799,6 +14768,7 @@
                   <a:srgbClr val="333399"/>
                 </a:solidFill>
                 <a:latin typeface="Arial"/>
+                <a:ea typeface="DejaVu Sans"/>
               </a:rPr>
               <a:t> a web browser?</a:t>
             </a:r>
@@ -14817,7 +14787,7 @@
         <p:spPr>
           <a:xfrm>
             <a:off x="674640" y="1400040"/>
-            <a:ext cx="7865640" cy="703080"/>
+            <a:ext cx="7864920" cy="702360"/>
           </a:xfrm>
           <a:prstGeom prst="rect">
             <a:avLst/>
@@ -14838,7 +14808,7 @@
             <a:normAutofit/>
           </a:bodyPr>
           <a:p>
-            <a:pPr marL="342720" indent="-339480">
+            <a:pPr marL="342720" indent="-338760">
               <a:lnSpc>
                 <a:spcPct val="100000"/>
               </a:lnSpc>
@@ -14855,6 +14825,7 @@
                   <a:srgbClr val="000000"/>
                 </a:solidFill>
                 <a:latin typeface="Arial"/>
+                <a:ea typeface="DejaVu Sans"/>
               </a:rPr>
               <a:t>See what a request from a web browser really looks like.</a:t>
             </a:r>
@@ -14877,7 +14848,7 @@
         <p:spPr>
           <a:xfrm>
             <a:off x="1096920" y="3017880"/>
-            <a:ext cx="1455480" cy="1348920"/>
+            <a:ext cx="1454760" cy="1348200"/>
           </a:xfrm>
           <a:prstGeom prst="rect">
             <a:avLst/>
@@ -14896,7 +14867,7 @@
         <p:spPr>
           <a:xfrm>
             <a:off x="914400" y="2028960"/>
-            <a:ext cx="2103120" cy="456840"/>
+            <a:ext cx="2651400" cy="456120"/>
           </a:xfrm>
           <a:custGeom>
             <a:avLst/>
@@ -14981,7 +14952,7 @@
               </a:tabLst>
             </a:pPr>
             <a:r>
-              <a:rPr b="0" lang="en-US" sz="1800" spc="-1" strike="noStrike">
+              <a:rPr b="0" lang="en-US" sz="2800" spc="-1" strike="noStrike">
                 <a:solidFill>
                   <a:srgbClr val="000000"/>
                 </a:solidFill>
@@ -14990,7 +14961,7 @@
               </a:rPr>
               <a:t>Web Browser</a:t>
             </a:r>
-            <a:endParaRPr b="0" lang="en-US" sz="1800" spc="-1" strike="noStrike">
+            <a:endParaRPr b="0" lang="en-US" sz="2800" spc="-1" strike="noStrike">
               <a:latin typeface="Arial"/>
             </a:endParaRPr>
           </a:p>
@@ -15005,7 +14976,7 @@
         <p:spPr>
           <a:xfrm>
             <a:off x="5668920" y="2011320"/>
-            <a:ext cx="2835000" cy="549000"/>
+            <a:ext cx="3017520" cy="548280"/>
           </a:xfrm>
           <a:custGeom>
             <a:avLst/>
@@ -15090,16 +15061,16 @@
               </a:tabLst>
             </a:pPr>
             <a:r>
-              <a:rPr b="0" lang="en-US" sz="2400" spc="-1" strike="noStrike">
-                <a:solidFill>
-                  <a:srgbClr val="000000"/>
+              <a:rPr b="0" lang="en-US" sz="2800" spc="-1" strike="noStrike">
+                <a:solidFill>
+                  <a:srgbClr val="ff0000"/>
                 </a:solidFill>
                 <a:latin typeface="Arial"/>
                 <a:ea typeface="DejaVu Sans"/>
               </a:rPr>
               <a:t>ncat as server</a:t>
             </a:r>
-            <a:endParaRPr b="0" lang="en-US" sz="2400" spc="-1" strike="noStrike">
+            <a:endParaRPr b="0" lang="en-US" sz="2800" spc="-1" strike="noStrike">
               <a:latin typeface="Arial"/>
             </a:endParaRPr>
           </a:p>
@@ -15114,7 +15085,7 @@
         <p:spPr>
           <a:xfrm>
             <a:off x="5394240" y="3033720"/>
-            <a:ext cx="3292200" cy="1736280"/>
+            <a:ext cx="3291480" cy="1735560"/>
           </a:xfrm>
           <a:custGeom>
             <a:avLst/>
@@ -15410,7 +15381,7 @@
         <p:spPr>
           <a:xfrm>
             <a:off x="2598840" y="2805120"/>
-            <a:ext cx="2704680" cy="639360"/>
+            <a:ext cx="2703960" cy="638640"/>
           </a:xfrm>
           <a:custGeom>
             <a:avLst/>
@@ -15548,7 +15519,7 @@
         <p:spPr>
           <a:xfrm>
             <a:off x="2651040" y="3519360"/>
-            <a:ext cx="2704680" cy="639360"/>
+            <a:ext cx="2703960" cy="638640"/>
           </a:xfrm>
           <a:custGeom>
             <a:avLst/>
@@ -15661,7 +15632,7 @@
         <p:spPr>
           <a:xfrm>
             <a:off x="4700520" y="5291280"/>
-            <a:ext cx="2614320" cy="1474200"/>
+            <a:ext cx="2613600" cy="1473480"/>
           </a:xfrm>
           <a:prstGeom prst="rect">
             <a:avLst/>
@@ -15709,7 +15680,7 @@
         <p:spPr>
           <a:xfrm>
             <a:off x="3108240" y="4572000"/>
-            <a:ext cx="1698480" cy="639360"/>
+            <a:ext cx="1697760" cy="638640"/>
           </a:xfrm>
           <a:custGeom>
             <a:avLst/>
@@ -15855,7 +15826,7 @@
         <p:spPr>
           <a:xfrm>
             <a:off x="611280" y="259920"/>
-            <a:ext cx="7921080" cy="864720"/>
+            <a:ext cx="7920360" cy="864000"/>
           </a:xfrm>
           <a:prstGeom prst="rect">
             <a:avLst/>
@@ -15924,27 +15895,9 @@
                   <a:srgbClr val="333399"/>
                 </a:solidFill>
                 <a:latin typeface="Arial"/>
-              </a:rPr>
-              <a:t>Can </a:t>
-            </a:r>
-            <a:r>
-              <a:rPr b="0" lang="en-US" sz="3600" spc="-1" strike="noStrike" u="sng">
-                <a:solidFill>
-                  <a:srgbClr val="333399"/>
-                </a:solidFill>
-                <a:uFillTx/>
-                <a:latin typeface="Arial"/>
-              </a:rPr>
-              <a:t>We</a:t>
-            </a:r>
-            <a:r>
-              <a:rPr b="0" lang="en-US" sz="3600" spc="-1" strike="noStrike">
-                <a:solidFill>
-                  <a:srgbClr val="333399"/>
-                </a:solidFill>
-                <a:latin typeface="Arial"/>
-              </a:rPr>
-              <a:t> Redirect a Browser?</a:t>
+                <a:ea typeface="DejaVu Sans"/>
+              </a:rPr>
+              <a:t>Can We Redirect a Browser?</a:t>
             </a:r>
             <a:endParaRPr b="0" lang="en-US" sz="3600" spc="-1" strike="noStrike">
               <a:latin typeface="Arial"/>
@@ -15961,7 +15914,7 @@
         <p:spPr>
           <a:xfrm>
             <a:off x="582120" y="1371240"/>
-            <a:ext cx="8378640" cy="4938480"/>
+            <a:ext cx="8377920" cy="4937760"/>
           </a:xfrm>
           <a:prstGeom prst="rect">
             <a:avLst/>
@@ -16034,6 +15987,7 @@
                   <a:srgbClr val="000000"/>
                 </a:solidFill>
                 <a:latin typeface="Arial"/>
+                <a:ea typeface="DejaVu Sans"/>
               </a:rPr>
               <a:t>Exercise:  Use ncat to redirect web requests to Facebook.</a:t>
             </a:r>
@@ -16145,6 +16099,7 @@
                   <a:srgbClr val="000000"/>
                 </a:solidFill>
                 <a:latin typeface="Arial"/>
+                <a:ea typeface="DejaVu Sans"/>
               </a:rPr>
               <a:t>1. Start ncat in listening (server) mode:</a:t>
             </a:r>
@@ -16205,6 +16160,7 @@
                   <a:srgbClr val="000000"/>
                 </a:solidFill>
                 <a:latin typeface="Courier New"/>
+                <a:ea typeface="DejaVu Sans"/>
               </a:rPr>
               <a:t>  </a:t>
             </a:r>
@@ -16214,6 +16170,7 @@
                   <a:srgbClr val="000000"/>
                 </a:solidFill>
                 <a:latin typeface="Courier New"/>
+                <a:ea typeface="DejaVu Sans"/>
               </a:rPr>
               <a:t>cmd&gt;</a:t>
             </a:r>
@@ -16223,6 +16180,7 @@
                   <a:srgbClr val="000000"/>
                 </a:solidFill>
                 <a:latin typeface="Courier New"/>
+                <a:ea typeface="DejaVu Sans"/>
               </a:rPr>
               <a:t> ncat -v -l -p 8080</a:t>
             </a:r>
@@ -16334,6 +16292,7 @@
                   <a:srgbClr val="000000"/>
                 </a:solidFill>
                 <a:latin typeface="Arial"/>
+                <a:ea typeface="DejaVu Sans"/>
               </a:rPr>
               <a:t>2. Use a web browser, goto  </a:t>
             </a:r>
@@ -16343,6 +16302,7 @@
                   <a:srgbClr val="000000"/>
                 </a:solidFill>
                 <a:latin typeface="Courier New"/>
+                <a:ea typeface="DejaVu Sans"/>
               </a:rPr>
               <a:t>http://localhost:8080</a:t>
             </a:r>
@@ -16453,7 +16413,7 @@
             </a:endParaRPr>
           </a:p>
           <a:p>
-            <a:pPr marL="228600" indent="-183960">
+            <a:pPr marL="228600" indent="-183240">
               <a:lnSpc>
                 <a:spcPct val="100000"/>
               </a:lnSpc>
@@ -16516,7 +16476,7 @@
         <p:spPr>
           <a:xfrm>
             <a:off x="611280" y="259920"/>
-            <a:ext cx="7921080" cy="864720"/>
+            <a:ext cx="7920360" cy="864000"/>
           </a:xfrm>
           <a:prstGeom prst="rect">
             <a:avLst/>
@@ -16585,6 +16545,7 @@
                   <a:srgbClr val="333399"/>
                 </a:solidFill>
                 <a:latin typeface="Arial"/>
+                <a:ea typeface="DejaVu Sans"/>
               </a:rPr>
               <a:t>Redirect the Browser</a:t>
             </a:r>
@@ -16603,7 +16564,7 @@
         <p:spPr>
           <a:xfrm>
             <a:off x="545760" y="1371240"/>
-            <a:ext cx="8195760" cy="4754160"/>
+            <a:ext cx="8195040" cy="4753440"/>
           </a:xfrm>
           <a:prstGeom prst="rect">
             <a:avLst/>
@@ -16681,6 +16642,7 @@
                   <a:srgbClr val="000000"/>
                 </a:solidFill>
                 <a:latin typeface="Arial"/>
+                <a:ea typeface="DejaVu Sans"/>
               </a:rPr>
               <a:t>3.  Redirect the browser to Facebook (or anyplace).</a:t>
             </a:r>
@@ -16691,6 +16653,7 @@
                   <a:srgbClr val="000000"/>
                 </a:solidFill>
                 <a:latin typeface="Arial"/>
+                <a:ea typeface="DejaVu Sans"/>
               </a:rPr>
               <a:t>	</a:t>
             </a:r>
@@ -16700,6 +16663,7 @@
                   <a:srgbClr val="000000"/>
                 </a:solidFill>
                 <a:latin typeface="Arial"/>
+                <a:ea typeface="DejaVu Sans"/>
               </a:rPr>
               <a:t>     Send status code </a:t>
             </a:r>
@@ -16709,6 +16673,7 @@
                   <a:srgbClr val="000080"/>
                 </a:solidFill>
                 <a:latin typeface="Arial"/>
+                <a:ea typeface="DejaVu Sans"/>
               </a:rPr>
               <a:t>302</a:t>
             </a:r>
@@ -16718,6 +16683,7 @@
                   <a:srgbClr val="000000"/>
                 </a:solidFill>
                 <a:latin typeface="Arial"/>
+                <a:ea typeface="DejaVu Sans"/>
               </a:rPr>
               <a:t> Moved Temporarily (</a:t>
             </a:r>
@@ -16727,6 +16693,7 @@
                   <a:srgbClr val="ce181e"/>
                 </a:solidFill>
                 <a:latin typeface="Arial"/>
+                <a:ea typeface="DejaVu Sans"/>
               </a:rPr>
               <a:t>not</a:t>
             </a:r>
@@ -16736,6 +16703,7 @@
                   <a:srgbClr val="000000"/>
                 </a:solidFill>
                 <a:latin typeface="Arial"/>
+                <a:ea typeface="DejaVu Sans"/>
               </a:rPr>
               <a:t> </a:t>
             </a:r>
@@ -16745,6 +16713,7 @@
                   <a:srgbClr val="000080"/>
                 </a:solidFill>
                 <a:latin typeface="Arial"/>
+                <a:ea typeface="DejaVu Sans"/>
               </a:rPr>
               <a:t>301</a:t>
             </a:r>
@@ -16754,6 +16723,7 @@
                   <a:srgbClr val="000000"/>
                 </a:solidFill>
                 <a:latin typeface="Arial"/>
+                <a:ea typeface="DejaVu Sans"/>
               </a:rPr>
               <a:t>). </a:t>
             </a:r>
@@ -16819,6 +16789,7 @@
                   <a:srgbClr val="000000"/>
                 </a:solidFill>
                 <a:latin typeface="Courier New"/>
+                <a:ea typeface="DejaVu Sans"/>
               </a:rPr>
               <a:t>  </a:t>
             </a:r>
@@ -16828,6 +16799,7 @@
                   <a:srgbClr val="000000"/>
                 </a:solidFill>
                 <a:latin typeface="Courier New"/>
+                <a:ea typeface="DejaVu Sans"/>
               </a:rPr>
               <a:t>cmd&gt;</a:t>
             </a:r>
@@ -16837,6 +16809,7 @@
                   <a:srgbClr val="000000"/>
                 </a:solidFill>
                 <a:latin typeface="Courier New"/>
+                <a:ea typeface="DejaVu Sans"/>
               </a:rPr>
               <a:t> ncat -v -l -p 8080</a:t>
             </a:r>
@@ -16902,6 +16875,7 @@
                   <a:srgbClr val="000000"/>
                 </a:solidFill>
                 <a:latin typeface="Courier New"/>
+                <a:ea typeface="DejaVu Sans"/>
               </a:rPr>
               <a:t>  </a:t>
             </a:r>
@@ -16911,6 +16885,7 @@
                   <a:srgbClr val="000000"/>
                 </a:solidFill>
                 <a:latin typeface="Courier New"/>
+                <a:ea typeface="DejaVu Sans"/>
               </a:rPr>
               <a:t>Listening on 0.0.0.0 (family 0, port 80)</a:t>
             </a:r>
@@ -16976,6 +16951,7 @@
                   <a:srgbClr val="000000"/>
                 </a:solidFill>
                 <a:latin typeface="Courier New"/>
+                <a:ea typeface="DejaVu Sans"/>
               </a:rPr>
               <a:t>  </a:t>
             </a:r>
@@ -16985,6 +16961,7 @@
                   <a:srgbClr val="000000"/>
                 </a:solidFill>
                 <a:latin typeface="Courier New"/>
+                <a:ea typeface="DejaVu Sans"/>
               </a:rPr>
               <a:t>Connection from localhost 44240 received!</a:t>
             </a:r>
@@ -17050,6 +17027,7 @@
                   <a:srgbClr val="000000"/>
                 </a:solidFill>
                 <a:latin typeface="Courier New"/>
+                <a:ea typeface="DejaVu Sans"/>
               </a:rPr>
               <a:t>  </a:t>
             </a:r>
@@ -17059,8 +17037,29 @@
                   <a:srgbClr val="000000"/>
                 </a:solidFill>
                 <a:latin typeface="Courier New"/>
-              </a:rPr>
-              <a:t>HTTP/1.1 302 Don't Bother Me</a:t>
+                <a:ea typeface="DejaVu Sans"/>
+              </a:rPr>
+              <a:t>HTTP/1.1 </a:t>
+            </a:r>
+            <a:r>
+              <a:rPr b="1" lang="en-US" sz="2400" spc="-1" strike="noStrike">
+                <a:solidFill>
+                  <a:srgbClr val="ff0000"/>
+                </a:solidFill>
+                <a:latin typeface="Courier New"/>
+                <a:ea typeface="DejaVu Sans"/>
+              </a:rPr>
+              <a:t>302</a:t>
+            </a:r>
+            <a:r>
+              <a:rPr b="1" lang="en-US" sz="2400" spc="-1" strike="noStrike">
+                <a:solidFill>
+                  <a:srgbClr val="000000"/>
+                </a:solidFill>
+                <a:latin typeface="Courier New"/>
+                <a:ea typeface="DejaVu Sans"/>
+              </a:rPr>
+              <a:t> Go away</a:t>
             </a:r>
             <a:endParaRPr b="0" lang="en-US" sz="2400" spc="-1" strike="noStrike">
               <a:latin typeface="Arial"/>
@@ -17121,6 +17120,7 @@
                   <a:srgbClr val="000000"/>
                 </a:solidFill>
                 <a:latin typeface="Courier New"/>
+                <a:ea typeface="DejaVu Sans"/>
               </a:rPr>
               <a:t>  </a:t>
             </a:r>
@@ -17130,6 +17130,7 @@
                   <a:srgbClr val="000000"/>
                 </a:solidFill>
                 <a:latin typeface="Courier New"/>
+                <a:ea typeface="DejaVu Sans"/>
               </a:rPr>
               <a:t>Location: https://facebook.com</a:t>
             </a:r>
@@ -17192,6 +17193,7 @@
                   <a:srgbClr val="000000"/>
                 </a:solidFill>
                 <a:latin typeface="Courier New"/>
+                <a:ea typeface="DejaVu Sans"/>
               </a:rPr>
               <a:t>  </a:t>
             </a:r>
@@ -17254,6 +17256,7 @@
                   <a:srgbClr val="000000"/>
                 </a:solidFill>
                 <a:latin typeface="Courier New"/>
+                <a:ea typeface="DejaVu Sans"/>
               </a:rPr>
               <a:t>  </a:t>
             </a:r>
@@ -17263,6 +17266,7 @@
                   <a:srgbClr val="000000"/>
                 </a:solidFill>
                 <a:latin typeface="Courier New"/>
+                <a:ea typeface="DejaVu Sans"/>
               </a:rPr>
               <a:t>(blank line)</a:t>
             </a:r>
@@ -17378,6 +17382,7 @@
                   <a:srgbClr val="000000"/>
                 </a:solidFill>
                 <a:latin typeface="Courier New"/>
+                <a:ea typeface="DejaVu Sans"/>
               </a:rPr>
               <a:t>  </a:t>
             </a:r>
@@ -17495,7 +17500,7 @@
             </a:endParaRPr>
           </a:p>
           <a:p>
-            <a:pPr marL="228600" indent="-183960">
+            <a:pPr marL="228600" indent="-183240">
               <a:lnSpc>
                 <a:spcPct val="100000"/>
               </a:lnSpc>
@@ -17521,7 +17526,7 @@
         <p:spPr>
           <a:xfrm>
             <a:off x="914400" y="5246640"/>
-            <a:ext cx="7772040" cy="1187280"/>
+            <a:ext cx="7771320" cy="1186560"/>
           </a:xfrm>
           <a:custGeom>
             <a:avLst/>
@@ -17618,7 +17623,7 @@
               <a:t>If you send status code 301 (Moved Permanently) the web browser will </a:t>
             </a:r>
             <a:r>
-              <a:rPr b="0" i="1" lang="en-US" sz="2400" spc="-1" strike="noStrike" u="sng">
+              <a:rPr b="1" i="1" lang="en-US" sz="2400" spc="-1" strike="noStrike" u="sng">
                 <a:solidFill>
                   <a:srgbClr val="000080"/>
                 </a:solidFill>
@@ -17700,7 +17705,7 @@
         <p:spPr>
           <a:xfrm>
             <a:off x="611280" y="259920"/>
-            <a:ext cx="7921080" cy="864720"/>
+            <a:ext cx="7920360" cy="864000"/>
           </a:xfrm>
           <a:prstGeom prst="rect">
             <a:avLst/>
@@ -17769,6 +17774,7 @@
                   <a:srgbClr val="333399"/>
                 </a:solidFill>
                 <a:latin typeface="Arial"/>
+                <a:ea typeface="DejaVu Sans"/>
               </a:rPr>
               <a:t>Did the Browser obey your redirect?</a:t>
             </a:r>
@@ -17787,7 +17793,7 @@
         <p:spPr>
           <a:xfrm>
             <a:off x="528120" y="1226880"/>
-            <a:ext cx="8046720" cy="5303520"/>
+            <a:ext cx="8046000" cy="5302800"/>
           </a:xfrm>
           <a:prstGeom prst="rect">
             <a:avLst/>
@@ -17860,6 +17866,7 @@
                   <a:srgbClr val="000000"/>
                 </a:solidFill>
                 <a:latin typeface="Arial"/>
+                <a:ea typeface="DejaVu Sans"/>
               </a:rPr>
               <a:t>Browser should follow 302 Redirect to new Location.</a:t>
             </a:r>
@@ -17971,6 +17978,7 @@
                   <a:srgbClr val="000000"/>
                 </a:solidFill>
                 <a:latin typeface="Arial"/>
+                <a:ea typeface="DejaVu Sans"/>
               </a:rPr>
               <a:t>You can also send a </a:t>
             </a:r>
@@ -17980,6 +17988,7 @@
                   <a:srgbClr val="000080"/>
                 </a:solidFill>
                 <a:latin typeface="Arial"/>
+                <a:ea typeface="DejaVu Sans"/>
               </a:rPr>
               <a:t>message</a:t>
             </a:r>
@@ -17989,6 +17998,7 @@
                   <a:srgbClr val="000000"/>
                 </a:solidFill>
                 <a:latin typeface="Arial"/>
+                <a:ea typeface="DejaVu Sans"/>
               </a:rPr>
               <a:t> in the </a:t>
             </a:r>
@@ -17998,6 +18008,7 @@
                   <a:srgbClr val="000080"/>
                 </a:solidFill>
                 <a:latin typeface="Arial"/>
+                <a:ea typeface="DejaVu Sans"/>
               </a:rPr>
               <a:t>response body</a:t>
             </a:r>
@@ -18007,6 +18018,7 @@
                   <a:srgbClr val="000000"/>
                 </a:solidFill>
                 <a:latin typeface="Arial"/>
+                <a:ea typeface="DejaVu Sans"/>
               </a:rPr>
               <a:t>.  </a:t>
             </a:r>
@@ -18017,6 +18029,7 @@
                   <a:srgbClr val="000000"/>
                 </a:solidFill>
                 <a:latin typeface="Arial"/>
+                <a:ea typeface="DejaVu Sans"/>
               </a:rPr>
               <a:t>In case the browser doesn't follow the redirect.</a:t>
             </a:r>
@@ -18077,6 +18090,7 @@
                   <a:srgbClr val="000000"/>
                 </a:solidFill>
                 <a:latin typeface="Courier New"/>
+                <a:ea typeface="DejaVu Sans"/>
               </a:rPr>
               <a:t>HTTP/1.1 </a:t>
             </a:r>
@@ -18086,8 +18100,9 @@
                   <a:srgbClr val="000000"/>
                 </a:solidFill>
                 <a:latin typeface="Courier New"/>
-              </a:rPr>
-              <a:t>302 Sorry, humans not allowed</a:t>
+                <a:ea typeface="DejaVu Sans"/>
+              </a:rPr>
+              <a:t>302 Go away</a:t>
             </a:r>
             <a:endParaRPr b="0" lang="en-US" sz="2400" spc="-1" strike="noStrike">
               <a:latin typeface="Arial"/>
@@ -18143,6 +18158,7 @@
                   <a:srgbClr val="000000"/>
                 </a:solidFill>
                 <a:latin typeface="Courier New"/>
+                <a:ea typeface="DejaVu Sans"/>
               </a:rPr>
               <a:t>Location: https://facebook.com</a:t>
             </a:r>
@@ -18200,6 +18216,7 @@
                   <a:srgbClr val="000000"/>
                 </a:solidFill>
                 <a:latin typeface="Courier New"/>
+                <a:ea typeface="DejaVu Sans"/>
               </a:rPr>
               <a:t>Content-type: text/plain</a:t>
             </a:r>
@@ -18305,8 +18322,19 @@
                   <a:srgbClr val="000000"/>
                 </a:solidFill>
                 <a:latin typeface="Courier New"/>
-              </a:rPr>
-              <a:t>Only robots allowed.</a:t>
+                <a:ea typeface="DejaVu Sans"/>
+              </a:rPr>
+              <a:t>Only AIs allowed.      </a:t>
+            </a:r>
+            <a:r>
+              <a:rPr b="0" lang="en-US" sz="2400" spc="-1" strike="noStrike">
+                <a:solidFill>
+                  <a:srgbClr val="ff00ff"/>
+                </a:solidFill>
+                <a:latin typeface="Courier New"/>
+                <a:ea typeface="DejaVu Sans"/>
+              </a:rPr>
+              <a:t>&lt;---- optional body</a:t>
             </a:r>
             <a:endParaRPr b="0" lang="en-US" sz="2400" spc="-1" strike="noStrike">
               <a:latin typeface="Arial"/>
@@ -18362,6 +18390,7 @@
                   <a:srgbClr val="000000"/>
                 </a:solidFill>
                 <a:latin typeface="Courier New"/>
+                <a:ea typeface="DejaVu Sans"/>
               </a:rPr>
               <a:t>Try https://facebook.com instead. :-)</a:t>
             </a:r>
@@ -18417,7 +18446,7 @@
         <p:spPr>
           <a:xfrm>
             <a:off x="611280" y="260280"/>
-            <a:ext cx="7882920" cy="826920"/>
+            <a:ext cx="7882200" cy="826200"/>
           </a:xfrm>
           <a:prstGeom prst="rect">
             <a:avLst/>
@@ -18486,6 +18515,7 @@
                   <a:srgbClr val="333399"/>
                 </a:solidFill>
                 <a:latin typeface="Arial"/>
+                <a:ea typeface="DejaVu Sans"/>
               </a:rPr>
               <a:t>Optional Exercises</a:t>
             </a:r>
@@ -18504,7 +18534,7 @@
         <p:spPr>
           <a:xfrm>
             <a:off x="674280" y="1399680"/>
-            <a:ext cx="7883280" cy="4425840"/>
+            <a:ext cx="7882560" cy="4425120"/>
           </a:xfrm>
           <a:prstGeom prst="rect">
             <a:avLst/>
@@ -18525,7 +18555,7 @@
             <a:normAutofit/>
           </a:bodyPr>
           <a:p>
-            <a:pPr marL="342720" indent="-321840">
+            <a:pPr marL="342720" indent="-321120">
               <a:lnSpc>
                 <a:spcPct val="100000"/>
               </a:lnSpc>
@@ -18542,6 +18572,7 @@
                   <a:srgbClr val="000000"/>
                 </a:solidFill>
                 <a:latin typeface="Arial"/>
+                <a:ea typeface="DejaVu Sans"/>
               </a:rPr>
               <a:t>1. Redirect a friend's web browser.</a:t>
             </a:r>
@@ -18550,7 +18581,7 @@
             </a:endParaRPr>
           </a:p>
           <a:p>
-            <a:pPr marL="342720" indent="-321840">
+            <a:pPr marL="342720" indent="-321120">
               <a:lnSpc>
                 <a:spcPct val="100000"/>
               </a:lnSpc>
@@ -18567,6 +18598,7 @@
                   <a:srgbClr val="000000"/>
                 </a:solidFill>
                 <a:latin typeface="Arial"/>
+                <a:ea typeface="DejaVu Sans"/>
               </a:rPr>
               <a:t>2. Redirect from inside a web page.</a:t>
             </a:r>
@@ -18575,7 +18607,7 @@
             </a:endParaRPr>
           </a:p>
           <a:p>
-            <a:pPr marL="342720" indent="-321840">
+            <a:pPr marL="342720" indent="-321120">
               <a:lnSpc>
                 <a:spcPct val="100000"/>
               </a:lnSpc>
@@ -18592,6 +18624,7 @@
                   <a:srgbClr val="000000"/>
                 </a:solidFill>
                 <a:latin typeface="Arial"/>
+                <a:ea typeface="DejaVu Sans"/>
               </a:rPr>
               <a:t>3. How many requests on a page?</a:t>
             </a:r>
@@ -18600,7 +18633,7 @@
             </a:endParaRPr>
           </a:p>
           <a:p>
-            <a:pPr marL="342720" indent="-321840">
+            <a:pPr marL="342720" indent="-321120">
               <a:lnSpc>
                 <a:spcPct val="100000"/>
               </a:lnSpc>
@@ -18617,6 +18650,7 @@
                   <a:srgbClr val="000000"/>
                 </a:solidFill>
                 <a:latin typeface="Arial"/>
+                <a:ea typeface="DejaVu Sans"/>
               </a:rPr>
               <a:t>4. View page-load statistics using Chrome or Firefox Developer Tools.</a:t>
             </a:r>
@@ -18625,7 +18659,7 @@
             </a:endParaRPr>
           </a:p>
           <a:p>
-            <a:pPr lvl="1" marL="1155600" indent="-483840">
+            <a:pPr lvl="1" marL="1155600" indent="-483120">
               <a:lnSpc>
                 <a:spcPct val="100000"/>
               </a:lnSpc>
@@ -18683,6 +18717,7 @@
                   <a:srgbClr val="000000"/>
                 </a:solidFill>
                 <a:latin typeface="Arial"/>
+                <a:ea typeface="DejaVu Sans"/>
               </a:rPr>
               <a:t>see how much stuff is downloaded for a single page!</a:t>
             </a:r>
@@ -18738,7 +18773,7 @@
         <p:spPr>
           <a:xfrm>
             <a:off x="611280" y="439560"/>
-            <a:ext cx="7921080" cy="865080"/>
+            <a:ext cx="7920360" cy="864360"/>
           </a:xfrm>
           <a:prstGeom prst="rect">
             <a:avLst/>
@@ -18807,6 +18842,7 @@
                   <a:srgbClr val="333399"/>
                 </a:solidFill>
                 <a:latin typeface="Arial"/>
+                <a:ea typeface="DejaVu Sans"/>
               </a:rPr>
               <a:t>Can you Redirect your Friend's Browser?</a:t>
             </a:r>
@@ -18825,7 +18861,7 @@
         <p:spPr>
           <a:xfrm>
             <a:off x="582120" y="1371240"/>
-            <a:ext cx="7921440" cy="5303520"/>
+            <a:ext cx="7920720" cy="5302800"/>
           </a:xfrm>
           <a:prstGeom prst="rect">
             <a:avLst/>
@@ -18898,6 +18934,7 @@
                   <a:srgbClr val="000000"/>
                 </a:solidFill>
                 <a:latin typeface="Arial"/>
+                <a:ea typeface="DejaVu Sans"/>
               </a:rPr>
               <a:t>Can you get a friend to connect to your ncat server,</a:t>
             </a:r>
@@ -18958,6 +18995,7 @@
                   <a:srgbClr val="000000"/>
                 </a:solidFill>
                 <a:latin typeface="Arial"/>
+                <a:ea typeface="DejaVu Sans"/>
               </a:rPr>
               <a:t>and redirect his browser to facebook.com?</a:t>
             </a:r>
@@ -19018,6 +19056,7 @@
                   <a:srgbClr val="000000"/>
                 </a:solidFill>
                 <a:latin typeface="Arial"/>
+                <a:ea typeface="DejaVu Sans"/>
               </a:rPr>
               <a:t>Some issues:</a:t>
             </a:r>
@@ -19078,6 +19117,7 @@
                   <a:srgbClr val="000000"/>
                 </a:solidFill>
                 <a:latin typeface="Arial"/>
+                <a:ea typeface="DejaVu Sans"/>
               </a:rPr>
               <a:t>1. Friend needs to know your IP address. </a:t>
             </a:r>
@@ -19088,6 +19128,7 @@
                   <a:srgbClr val="000000"/>
                 </a:solidFill>
                 <a:latin typeface="Arial"/>
+                <a:ea typeface="DejaVu Sans"/>
               </a:rPr>
               <a:t>   Type </a:t>
             </a:r>
@@ -19097,6 +19138,7 @@
                   <a:srgbClr val="000000"/>
                 </a:solidFill>
                 <a:latin typeface="Courier New"/>
+                <a:ea typeface="DejaVu Sans"/>
               </a:rPr>
               <a:t>ifconfig</a:t>
             </a:r>
@@ -19106,6 +19148,7 @@
                   <a:srgbClr val="000000"/>
                 </a:solidFill>
                 <a:latin typeface="Arial"/>
+                <a:ea typeface="DejaVu Sans"/>
               </a:rPr>
               <a:t> or </a:t>
             </a:r>
@@ -19115,6 +19158,7 @@
                   <a:srgbClr val="000000"/>
                 </a:solidFill>
                 <a:latin typeface="Courier New"/>
+                <a:ea typeface="DejaVu Sans"/>
               </a:rPr>
               <a:t>ipconfig</a:t>
             </a:r>
@@ -19124,6 +19168,7 @@
                   <a:srgbClr val="000000"/>
                 </a:solidFill>
                 <a:latin typeface="Arial"/>
+                <a:ea typeface="DejaVu Sans"/>
               </a:rPr>
               <a:t> to view it.</a:t>
             </a:r>
@@ -19184,6 +19229,7 @@
                   <a:srgbClr val="000000"/>
                 </a:solidFill>
                 <a:latin typeface="Arial"/>
+                <a:ea typeface="DejaVu Sans"/>
               </a:rPr>
               <a:t>2.</a:t>
             </a:r>
@@ -19193,6 +19239,7 @@
                   <a:srgbClr val="000000"/>
                 </a:solidFill>
                 <a:latin typeface="Arial"/>
+                <a:ea typeface="DejaVu Sans"/>
               </a:rPr>
               <a:t> </a:t>
             </a:r>
@@ -19202,6 +19249,7 @@
                   <a:srgbClr val="000000"/>
                 </a:solidFill>
                 <a:latin typeface="Arial"/>
+                <a:ea typeface="DejaVu Sans"/>
               </a:rPr>
               <a:t>Your TCP port must not be blocked by firewall running on your computer.  Windows: use Control Panel to create an exception</a:t>
             </a:r>
@@ -19211,6 +19259,7 @@
                   <a:srgbClr val="000000"/>
                 </a:solidFill>
                 <a:latin typeface="Courier New"/>
+                <a:ea typeface="DejaVu Sans"/>
               </a:rPr>
               <a:t>.</a:t>
             </a:r>
@@ -19271,8 +19320,49 @@
                   <a:srgbClr val="000000"/>
                 </a:solidFill>
                 <a:latin typeface="Arial"/>
-              </a:rPr>
-              <a:t>3. KUWIN may block wifi-to-wifi connections (called Wifi isolation)</a:t>
+                <a:ea typeface="DejaVu Sans"/>
+              </a:rPr>
+              <a:t>3. </a:t>
+            </a:r>
+            <a:r>
+              <a:rPr b="0" lang="en-US" sz="2400" spc="-1" strike="noStrike">
+                <a:solidFill>
+                  <a:srgbClr val="000080"/>
+                </a:solidFill>
+                <a:latin typeface="Arial"/>
+                <a:ea typeface="DejaVu Sans"/>
+              </a:rPr>
+              <a:t>KUWIN</a:t>
+            </a:r>
+            <a:r>
+              <a:rPr b="0" lang="en-US" sz="2400" spc="-1" strike="noStrike">
+                <a:solidFill>
+                  <a:srgbClr val="000000"/>
+                </a:solidFill>
+                <a:latin typeface="Arial"/>
+                <a:ea typeface="DejaVu Sans"/>
+              </a:rPr>
+              <a:t> may </a:t>
+            </a:r>
+            <a:r>
+              <a:rPr b="0" lang="en-US" sz="2400" spc="-1" strike="noStrike">
+                <a:solidFill>
+                  <a:srgbClr val="000080"/>
+                </a:solidFill>
+                <a:latin typeface="Arial"/>
+                <a:ea typeface="DejaVu Sans"/>
+              </a:rPr>
+              <a:t>block</a:t>
+            </a:r>
+            <a:r>
+              <a:rPr b="0" lang="en-US" sz="2400" spc="-1" strike="noStrike">
+                <a:solidFill>
+                  <a:srgbClr val="000000"/>
+                </a:solidFill>
+                <a:latin typeface="Arial"/>
+                <a:ea typeface="DejaVu Sans"/>
+              </a:rPr>
+              <a:t> wifi-to-wifi connections (called Wifi isolation)</a:t>
             </a:r>
             <a:endParaRPr b="0" lang="en-US" sz="2400" spc="-1" strike="noStrike">
               <a:latin typeface="Arial"/>
@@ -19330,7 +19420,7 @@
             </a:endParaRPr>
           </a:p>
           <a:p>
-            <a:pPr marL="228600" indent="-183960">
+            <a:pPr marL="228600" indent="-183240">
               <a:lnSpc>
                 <a:spcPct val="100000"/>
               </a:lnSpc>
@@ -19393,7 +19483,7 @@
         <p:spPr>
           <a:xfrm>
             <a:off x="611280" y="260280"/>
-            <a:ext cx="7890840" cy="834840"/>
+            <a:ext cx="7890120" cy="834120"/>
           </a:xfrm>
           <a:prstGeom prst="rect">
             <a:avLst/>
@@ -19462,6 +19552,7 @@
                   <a:srgbClr val="333399"/>
                 </a:solidFill>
                 <a:latin typeface="Arial"/>
+                <a:ea typeface="DejaVu Sans"/>
               </a:rPr>
               <a:t>Redirect inside a Web Page?</a:t>
             </a:r>
@@ -19480,7 +19571,7 @@
         <p:spPr>
           <a:xfrm>
             <a:off x="674280" y="1399680"/>
-            <a:ext cx="7891200" cy="1707840"/>
+            <a:ext cx="7890480" cy="1707120"/>
           </a:xfrm>
           <a:prstGeom prst="rect">
             <a:avLst/>
@@ -19553,6 +19644,7 @@
                   <a:srgbClr val="000000"/>
                 </a:solidFill>
                 <a:latin typeface="Arial"/>
+                <a:ea typeface="DejaVu Sans"/>
               </a:rPr>
               <a:t>In some situations you may want to use redirect</a:t>
             </a:r>
@@ -19562,6 +19654,7 @@
                   <a:srgbClr val="000080"/>
                 </a:solidFill>
                 <a:latin typeface="Arial"/>
+                <a:ea typeface="DejaVu Sans"/>
               </a:rPr>
               <a:t> a single web page</a:t>
             </a:r>
@@ -19571,6 +19664,7 @@
                   <a:srgbClr val="000000"/>
                 </a:solidFill>
                 <a:latin typeface="Arial"/>
+                <a:ea typeface="DejaVu Sans"/>
               </a:rPr>
               <a:t>.</a:t>
             </a:r>
@@ -19579,7 +19673,7 @@
             </a:endParaRPr>
           </a:p>
           <a:p>
-            <a:pPr marL="342720" indent="-313920">
+            <a:pPr marL="342720" indent="-313200">
               <a:lnSpc>
                 <a:spcPct val="100000"/>
               </a:lnSpc>
@@ -19596,6 +19690,7 @@
                   <a:srgbClr val="000000"/>
                 </a:solidFill>
                 <a:latin typeface="Arial"/>
+                <a:ea typeface="DejaVu Sans"/>
               </a:rPr>
               <a:t>You can also add a </a:t>
             </a:r>
@@ -19605,6 +19700,7 @@
                   <a:srgbClr val="000080"/>
                 </a:solidFill>
                 <a:latin typeface="Arial"/>
+                <a:ea typeface="DejaVu Sans"/>
               </a:rPr>
               <a:t>delay</a:t>
             </a:r>
@@ -19614,6 +19710,7 @@
                   <a:srgbClr val="000000"/>
                 </a:solidFill>
                 <a:latin typeface="Arial"/>
+                <a:ea typeface="DejaVu Sans"/>
               </a:rPr>
               <a:t> and display a </a:t>
             </a:r>
@@ -19623,6 +19720,7 @@
                   <a:srgbClr val="000080"/>
                 </a:solidFill>
                 <a:latin typeface="Arial"/>
+                <a:ea typeface="DejaVu Sans"/>
               </a:rPr>
               <a:t>text message</a:t>
             </a:r>
@@ -19632,6 +19730,7 @@
                   <a:srgbClr val="000000"/>
                 </a:solidFill>
                 <a:latin typeface="Arial"/>
+                <a:ea typeface="DejaVu Sans"/>
               </a:rPr>
               <a:t>:</a:t>
             </a:r>
@@ -19650,7 +19749,7 @@
         <p:spPr>
           <a:xfrm>
             <a:off x="822240" y="3017880"/>
-            <a:ext cx="7589520" cy="3200040"/>
+            <a:ext cx="7588800" cy="3199320"/>
           </a:xfrm>
           <a:custGeom>
             <a:avLst/>
@@ -19699,7 +19798,7 @@
             <a:noAutofit/>
           </a:bodyPr>
           <a:p>
-            <a:pPr marL="342720" indent="-313920">
+            <a:pPr marL="342720" indent="-313200">
               <a:lnSpc>
                 <a:spcPct val="100000"/>
               </a:lnSpc>
@@ -19725,7 +19824,7 @@
             </a:endParaRPr>
           </a:p>
           <a:p>
-            <a:pPr marL="342720" indent="-313920">
+            <a:pPr marL="342720" indent="-313200">
               <a:lnSpc>
                 <a:spcPct val="100000"/>
               </a:lnSpc>
@@ -19751,7 +19850,7 @@
             </a:endParaRPr>
           </a:p>
           <a:p>
-            <a:pPr marL="342720" indent="-313920">
+            <a:pPr marL="342720" indent="-313200">
               <a:lnSpc>
                 <a:spcPct val="100000"/>
               </a:lnSpc>
@@ -19777,7 +19876,7 @@
             </a:endParaRPr>
           </a:p>
           <a:p>
-            <a:pPr marL="342720" indent="-313920">
+            <a:pPr marL="342720" indent="-313200">
               <a:lnSpc>
                 <a:spcPct val="100000"/>
               </a:lnSpc>
@@ -19813,7 +19912,7 @@
             </a:endParaRPr>
           </a:p>
           <a:p>
-            <a:pPr marL="342720" indent="-313920">
+            <a:pPr marL="342720" indent="-313200">
               <a:lnSpc>
                 <a:spcPct val="100000"/>
               </a:lnSpc>
@@ -19839,7 +19938,7 @@
             </a:endParaRPr>
           </a:p>
           <a:p>
-            <a:pPr marL="342720" indent="-313920">
+            <a:pPr marL="342720" indent="-313200">
               <a:lnSpc>
                 <a:spcPct val="100000"/>
               </a:lnSpc>
@@ -19865,7 +19964,7 @@
             </a:endParaRPr>
           </a:p>
           <a:p>
-            <a:pPr marL="342720" indent="-313920">
+            <a:pPr marL="342720" indent="-313200">
               <a:lnSpc>
                 <a:spcPct val="100000"/>
               </a:lnSpc>
@@ -19891,7 +19990,7 @@
             </a:endParaRPr>
           </a:p>
           <a:p>
-            <a:pPr marL="342720" indent="-313920">
+            <a:pPr marL="342720" indent="-313200">
               <a:lnSpc>
                 <a:spcPct val="100000"/>
               </a:lnSpc>
@@ -19917,46 +20016,12 @@
             </a:endParaRPr>
           </a:p>
           <a:p>
-            <a:pPr marL="342720" indent="-313920">
-              <a:lnSpc>
-                <a:spcPct val="100000"/>
-              </a:lnSpc>
-              <a:tabLst>
-                <a:tab algn="l" pos="0"/>
-                <a:tab algn="l" pos="338040"/>
-                <a:tab algn="l" pos="695160"/>
-                <a:tab algn="l" pos="1054080"/>
-                <a:tab algn="l" pos="1412640"/>
-                <a:tab algn="l" pos="1771560"/>
-                <a:tab algn="l" pos="2130120"/>
-                <a:tab algn="l" pos="2489040"/>
-                <a:tab algn="l" pos="2847960"/>
-                <a:tab algn="l" pos="3206520"/>
-                <a:tab algn="l" pos="3565440"/>
-                <a:tab algn="l" pos="3924000"/>
-                <a:tab algn="l" pos="4282920"/>
-                <a:tab algn="l" pos="4641840"/>
-                <a:tab algn="l" pos="5000400"/>
-                <a:tab algn="l" pos="5359320"/>
-                <a:tab algn="l" pos="5717880"/>
-                <a:tab algn="l" pos="6076800"/>
-                <a:tab algn="l" pos="6435720"/>
-                <a:tab algn="l" pos="6794280"/>
-                <a:tab algn="l" pos="7153200"/>
-                <a:tab algn="l" pos="7511760"/>
-                <a:tab algn="l" pos="7562520"/>
-                <a:tab algn="l" pos="7887960"/>
-                <a:tab algn="l" pos="8246880"/>
-                <a:tab algn="l" pos="8605800"/>
-                <a:tab algn="l" pos="8964360"/>
-                <a:tab algn="l" pos="9323280"/>
-                <a:tab algn="l" pos="9681840"/>
-                <a:tab algn="l" pos="10040760"/>
-                <a:tab algn="l" pos="10399680"/>
-                <a:tab algn="l" pos="10758240"/>
-                <a:tab algn="l" pos="10760040"/>
-                <a:tab algn="l" pos="10761480"/>
-                <a:tab algn="l" pos="10762920"/>
+            <a:pPr marL="342720" indent="-313200">
+              <a:lnSpc>
+                <a:spcPct val="100000"/>
+              </a:lnSpc>
+              <a:tabLst>
+                <a:tab algn="l" pos="0"/>
               </a:tabLst>
             </a:pPr>
             <a:r>
@@ -20021,7 +20086,7 @@
         <p:spPr>
           <a:xfrm>
             <a:off x="611280" y="260280"/>
-            <a:ext cx="7890840" cy="834840"/>
+            <a:ext cx="7890120" cy="834120"/>
           </a:xfrm>
           <a:prstGeom prst="rect">
             <a:avLst/>
@@ -20090,6 +20155,7 @@
                   <a:srgbClr val="333399"/>
                 </a:solidFill>
                 <a:latin typeface="Arial"/>
+                <a:ea typeface="DejaVu Sans"/>
               </a:rPr>
               <a:t>One page, many http requests</a:t>
             </a:r>
@@ -20108,7 +20174,7 @@
         <p:spPr>
           <a:xfrm>
             <a:off x="674280" y="1399680"/>
-            <a:ext cx="8194320" cy="612720"/>
+            <a:ext cx="8193600" cy="612000"/>
           </a:xfrm>
           <a:prstGeom prst="rect">
             <a:avLst/>
@@ -20129,7 +20195,7 @@
             <a:normAutofit/>
           </a:bodyPr>
           <a:p>
-            <a:pPr marL="342720" indent="-313920">
+            <a:pPr marL="342720" indent="-313200">
               <a:lnSpc>
                 <a:spcPct val="100000"/>
               </a:lnSpc>
@@ -20146,6 +20212,7 @@
                   <a:srgbClr val="000080"/>
                 </a:solidFill>
                 <a:latin typeface="Arial"/>
+                <a:ea typeface="DejaVu Sans"/>
               </a:rPr>
               <a:t>How many</a:t>
             </a:r>
@@ -20155,6 +20222,7 @@
                   <a:srgbClr val="000000"/>
                 </a:solidFill>
                 <a:latin typeface="Arial"/>
+                <a:ea typeface="DejaVu Sans"/>
               </a:rPr>
               <a:t> HTTP requests are needed to show this page?</a:t>
             </a:r>
@@ -20173,7 +20241,7 @@
         <p:spPr>
           <a:xfrm>
             <a:off x="639720" y="1998720"/>
-            <a:ext cx="8029080" cy="4218480"/>
+            <a:ext cx="8028360" cy="4218120"/>
           </a:xfrm>
           <a:custGeom>
             <a:avLst/>
@@ -20220,7 +20288,7 @@
             <a:spAutoFit/>
           </a:bodyPr>
           <a:p>
-            <a:pPr marL="223560" indent="-163080">
+            <a:pPr marL="223560" indent="-162360">
               <a:lnSpc>
                 <a:spcPct val="100000"/>
               </a:lnSpc>
@@ -20246,7 +20314,7 @@
             </a:endParaRPr>
           </a:p>
           <a:p>
-            <a:pPr marL="223560" indent="-163080">
+            <a:pPr marL="223560" indent="-162360">
               <a:lnSpc>
                 <a:spcPct val="100000"/>
               </a:lnSpc>
@@ -20292,7 +20360,7 @@
             </a:endParaRPr>
           </a:p>
           <a:p>
-            <a:pPr marL="223560" indent="-163080">
+            <a:pPr marL="223560" indent="-162360">
               <a:lnSpc>
                 <a:spcPct val="100000"/>
               </a:lnSpc>
@@ -20318,7 +20386,7 @@
             </a:endParaRPr>
           </a:p>
           <a:p>
-            <a:pPr marL="223560" indent="-163080">
+            <a:pPr marL="223560" indent="-162360">
               <a:lnSpc>
                 <a:spcPct val="100000"/>
               </a:lnSpc>
@@ -20364,7 +20432,7 @@
             </a:endParaRPr>
           </a:p>
           <a:p>
-            <a:pPr marL="223560" indent="-163080">
+            <a:pPr marL="223560" indent="-162360">
               <a:lnSpc>
                 <a:spcPct val="100000"/>
               </a:lnSpc>
@@ -20390,7 +20458,7 @@
             </a:endParaRPr>
           </a:p>
           <a:p>
-            <a:pPr marL="223560" indent="-163080">
+            <a:pPr marL="223560" indent="-162360">
               <a:lnSpc>
                 <a:spcPct val="100000"/>
               </a:lnSpc>
@@ -20416,7 +20484,7 @@
             </a:endParaRPr>
           </a:p>
           <a:p>
-            <a:pPr marL="223560" indent="-163080">
+            <a:pPr marL="223560" indent="-162360">
               <a:lnSpc>
                 <a:spcPct val="100000"/>
               </a:lnSpc>
@@ -20442,7 +20510,7 @@
             </a:endParaRPr>
           </a:p>
           <a:p>
-            <a:pPr marL="223560" indent="-163080">
+            <a:pPr marL="223560" indent="-162360">
               <a:lnSpc>
                 <a:spcPct val="100000"/>
               </a:lnSpc>
@@ -20488,7 +20556,7 @@
             </a:endParaRPr>
           </a:p>
           <a:p>
-            <a:pPr marL="223560" indent="-163080">
+            <a:pPr marL="223560" indent="-162360">
               <a:lnSpc>
                 <a:spcPct val="100000"/>
               </a:lnSpc>
@@ -20514,7 +20582,7 @@
             </a:endParaRPr>
           </a:p>
           <a:p>
-            <a:pPr marL="223560" indent="-163080">
+            <a:pPr marL="223560" indent="-162360">
               <a:lnSpc>
                 <a:spcPct val="100000"/>
               </a:lnSpc>
@@ -20540,7 +20608,7 @@
             </a:endParaRPr>
           </a:p>
           <a:p>
-            <a:pPr marL="223560" indent="-163080">
+            <a:pPr marL="223560" indent="-162360">
               <a:lnSpc>
                 <a:spcPct val="100000"/>
               </a:lnSpc>
@@ -20633,7 +20701,7 @@
         <p:spPr>
           <a:xfrm>
             <a:off x="611280" y="259920"/>
-            <a:ext cx="7921080" cy="864720"/>
+            <a:ext cx="7920360" cy="864000"/>
           </a:xfrm>
           <a:prstGeom prst="rect">
             <a:avLst/>
@@ -20702,6 +20770,7 @@
                   <a:srgbClr val="333399"/>
                 </a:solidFill>
                 <a:latin typeface="Arial"/>
+                <a:ea typeface="DejaVu Sans"/>
               </a:rPr>
               <a:t>ncat - tool to send &amp; receive TCP</a:t>
             </a:r>
@@ -20720,7 +20789,7 @@
         <p:spPr>
           <a:xfrm>
             <a:off x="674280" y="1391760"/>
-            <a:ext cx="7921440" cy="5100480"/>
+            <a:ext cx="7920720" cy="5374440"/>
           </a:xfrm>
           <a:prstGeom prst="rect">
             <a:avLst/>
@@ -20822,7 +20891,7 @@
             </a:endParaRPr>
           </a:p>
           <a:p>
-            <a:pPr lvl="1" marL="1535040" indent="-585360">
+            <a:pPr lvl="1" marL="1535040" indent="-584640">
               <a:lnSpc>
                 <a:spcPct val="100000"/>
               </a:lnSpc>
@@ -20888,7 +20957,7 @@
             </a:endParaRPr>
           </a:p>
           <a:p>
-            <a:pPr lvl="1" marL="1535040" indent="-585360">
+            <a:pPr lvl="1" marL="1535040" indent="-584640">
               <a:lnSpc>
                 <a:spcPct val="100000"/>
               </a:lnSpc>
@@ -20954,7 +21023,7 @@
             </a:endParaRPr>
           </a:p>
           <a:p>
-            <a:pPr marL="228600" indent="-228240">
+            <a:pPr marL="228600" indent="-227520">
               <a:lnSpc>
                 <a:spcPct val="100000"/>
               </a:lnSpc>
@@ -21061,7 +21130,7 @@
             </a:endParaRPr>
           </a:p>
           <a:p>
-            <a:pPr marL="228600" indent="-228240">
+            <a:pPr marL="228600" indent="-227520">
               <a:lnSpc>
                 <a:spcPct val="100000"/>
               </a:lnSpc>
@@ -21143,6 +21212,150 @@
               </a:rPr>
               <a:t>"  is newer implementation that supports SSL/TLS.  Available for Mac, Linux, and Windows.</a:t>
             </a:r>
+            <a:endParaRPr b="0" lang="en-US" sz="2400" spc="-1" strike="noStrike">
+              <a:latin typeface="Arial"/>
+            </a:endParaRPr>
+          </a:p>
+          <a:p>
+            <a:pPr marL="228600" indent="-227520">
+              <a:lnSpc>
+                <a:spcPct val="100000"/>
+              </a:lnSpc>
+              <a:spcBef>
+                <a:spcPts val="2837"/>
+              </a:spcBef>
+              <a:buClr>
+                <a:srgbClr val="3333cc"/>
+              </a:buClr>
+              <a:buSzPct val="60000"/>
+              <a:buFont typeface="Wingdings" charset="2"/>
+              <a:buChar char=""/>
+              <a:tabLst>
+                <a:tab algn="l" pos="0"/>
+                <a:tab algn="l" pos="9360"/>
+                <a:tab algn="l" pos="368280"/>
+                <a:tab algn="l" pos="726840"/>
+                <a:tab algn="l" pos="1085760"/>
+                <a:tab algn="l" pos="1444320"/>
+                <a:tab algn="l" pos="1803240"/>
+                <a:tab algn="l" pos="2162160"/>
+                <a:tab algn="l" pos="2520720"/>
+                <a:tab algn="l" pos="2879640"/>
+                <a:tab algn="l" pos="3238200"/>
+                <a:tab algn="l" pos="3597120"/>
+                <a:tab algn="l" pos="3956040"/>
+                <a:tab algn="l" pos="4314600"/>
+                <a:tab algn="l" pos="4673520"/>
+                <a:tab algn="l" pos="5032080"/>
+                <a:tab algn="l" pos="5391000"/>
+                <a:tab algn="l" pos="5749920"/>
+                <a:tab algn="l" pos="6108480"/>
+                <a:tab algn="l" pos="6467400"/>
+                <a:tab algn="l" pos="6825960"/>
+                <a:tab algn="l" pos="6841800"/>
+                <a:tab algn="l" pos="7202160"/>
+                <a:tab algn="l" pos="7562520"/>
+                <a:tab algn="l" pos="7887960"/>
+                <a:tab algn="l" pos="8246880"/>
+                <a:tab algn="l" pos="8605800"/>
+                <a:tab algn="l" pos="8964360"/>
+                <a:tab algn="l" pos="9323280"/>
+                <a:tab algn="l" pos="9681840"/>
+                <a:tab algn="l" pos="10040760"/>
+                <a:tab algn="l" pos="10399680"/>
+                <a:tab algn="l" pos="10758240"/>
+                <a:tab algn="l" pos="10760040"/>
+                <a:tab algn="l" pos="10761480"/>
+                <a:tab algn="l" pos="10762920"/>
+              </a:tabLst>
+            </a:pPr>
+            <a:r>
+              <a:rPr b="0" lang="en-US" sz="2400" spc="-1" strike="noStrike">
+                <a:solidFill>
+                  <a:srgbClr val="000000"/>
+                </a:solidFill>
+                <a:latin typeface="Arial"/>
+                <a:ea typeface="DejaVu Sans"/>
+              </a:rPr>
+              <a:t>Home: </a:t>
+            </a:r>
+            <a:r>
+              <a:rPr b="0" lang="en-US" sz="2400" spc="-1" strike="noStrike">
+                <a:solidFill>
+                  <a:srgbClr val="000000"/>
+                </a:solidFill>
+                <a:latin typeface="Courier New"/>
+                <a:ea typeface="DejaVu Sans"/>
+              </a:rPr>
+              <a:t>https://nmap.org/ncat</a:t>
+            </a:r>
+            <a:endParaRPr b="0" lang="en-US" sz="2400" spc="-1" strike="noStrike">
+              <a:latin typeface="Arial"/>
+            </a:endParaRPr>
+          </a:p>
+          <a:p>
+            <a:pPr marL="228600" indent="-227520">
+              <a:lnSpc>
+                <a:spcPct val="100000"/>
+              </a:lnSpc>
+              <a:spcBef>
+                <a:spcPts val="2837"/>
+              </a:spcBef>
+              <a:buClr>
+                <a:srgbClr val="3333cc"/>
+              </a:buClr>
+              <a:buSzPct val="60000"/>
+              <a:buFont typeface="Wingdings" charset="2"/>
+              <a:buChar char=""/>
+              <a:tabLst>
+                <a:tab algn="l" pos="0"/>
+                <a:tab algn="l" pos="9360"/>
+                <a:tab algn="l" pos="368280"/>
+                <a:tab algn="l" pos="726840"/>
+                <a:tab algn="l" pos="1085760"/>
+                <a:tab algn="l" pos="1444320"/>
+                <a:tab algn="l" pos="1803240"/>
+                <a:tab algn="l" pos="2162160"/>
+                <a:tab algn="l" pos="2520720"/>
+                <a:tab algn="l" pos="2879640"/>
+                <a:tab algn="l" pos="3238200"/>
+                <a:tab algn="l" pos="3597120"/>
+                <a:tab algn="l" pos="3956040"/>
+                <a:tab algn="l" pos="4314600"/>
+                <a:tab algn="l" pos="4673520"/>
+                <a:tab algn="l" pos="5032080"/>
+                <a:tab algn="l" pos="5391000"/>
+                <a:tab algn="l" pos="5749920"/>
+                <a:tab algn="l" pos="6108480"/>
+                <a:tab algn="l" pos="6467400"/>
+                <a:tab algn="l" pos="6825960"/>
+                <a:tab algn="l" pos="6841800"/>
+                <a:tab algn="l" pos="7202160"/>
+                <a:tab algn="l" pos="7562520"/>
+                <a:tab algn="l" pos="7887960"/>
+                <a:tab algn="l" pos="8246880"/>
+                <a:tab algn="l" pos="8605800"/>
+                <a:tab algn="l" pos="8964360"/>
+                <a:tab algn="l" pos="9323280"/>
+                <a:tab algn="l" pos="9681840"/>
+                <a:tab algn="l" pos="10040760"/>
+                <a:tab algn="l" pos="10399680"/>
+                <a:tab algn="l" pos="10758240"/>
+                <a:tab algn="l" pos="10760040"/>
+                <a:tab algn="l" pos="10761480"/>
+                <a:tab algn="l" pos="10762920"/>
+              </a:tabLst>
+            </a:pPr>
+            <a:r>
+              <a:rPr b="0" lang="en-US" sz="2400" spc="-1" strike="noStrike">
+                <a:solidFill>
+                  <a:srgbClr val="000000"/>
+                </a:solidFill>
+                <a:latin typeface="Arial"/>
+                <a:ea typeface="DejaVu Sans"/>
+              </a:rPr>
+              <a:t>Download ncat as part of the nmap package:</a:t>
+            </a:r>
             <a:br/>
             <a:r>
               <a:rPr b="0" lang="en-US" sz="2400" spc="-1" strike="noStrike">
@@ -21150,20 +21363,9 @@
                   <a:srgbClr val="000000"/>
                 </a:solidFill>
                 <a:latin typeface="Courier New"/>
-                <a:ea typeface="Arial"/>
-              </a:rPr>
-              <a:t>https://nmap.org/ncat/</a:t>
-            </a:r>
-            <a:br/>
-            <a:r>
-              <a:rPr b="0" lang="en-US" sz="2400" spc="-1" strike="noStrike">
-                <a:solidFill>
-                  <a:srgbClr val="000000"/>
-                </a:solidFill>
-                <a:latin typeface="Arial"/>
-                <a:ea typeface="Arial"/>
-              </a:rPr>
-              <a:t>Download executable app as a ZIP file (install yourself) or Windows setup file. </a:t>
+                <a:ea typeface="DejaVu Sans"/>
+              </a:rPr>
+              <a:t>https://nmap.org/download.html</a:t>
             </a:r>
             <a:endParaRPr b="0" lang="en-US" sz="2400" spc="-1" strike="noStrike">
               <a:latin typeface="Arial"/>
@@ -21217,7 +21419,7 @@
         <p:spPr>
           <a:xfrm>
             <a:off x="611280" y="260280"/>
-            <a:ext cx="7890840" cy="834840"/>
+            <a:ext cx="7890120" cy="834120"/>
           </a:xfrm>
           <a:prstGeom prst="rect">
             <a:avLst/>
@@ -21286,8 +21488,9 @@
                   <a:srgbClr val="333399"/>
                 </a:solidFill>
                 <a:latin typeface="Arial"/>
-              </a:rPr>
-              <a:t>How Many Requests to Load a Site?</a:t>
+                <a:ea typeface="DejaVu Sans"/>
+              </a:rPr>
+              <a:t>How Many Requests to Load a Page?</a:t>
             </a:r>
             <a:endParaRPr b="0" lang="en-US" sz="3200" spc="-1" strike="noStrike">
               <a:latin typeface="Arial"/>
@@ -21304,7 +21507,7 @@
         <p:spPr>
           <a:xfrm>
             <a:off x="674280" y="1399680"/>
-            <a:ext cx="7891200" cy="5000400"/>
+            <a:ext cx="7890480" cy="4999680"/>
           </a:xfrm>
           <a:prstGeom prst="rect">
             <a:avLst/>
@@ -21325,7 +21528,7 @@
             <a:normAutofit/>
           </a:bodyPr>
           <a:p>
-            <a:pPr marL="342720" indent="-313920">
+            <a:pPr marL="342720" indent="-313200">
               <a:lnSpc>
                 <a:spcPct val="100000"/>
               </a:lnSpc>
@@ -21342,6 +21545,7 @@
                   <a:srgbClr val="000000"/>
                 </a:solidFill>
                 <a:latin typeface="Arial"/>
+                <a:ea typeface="DejaVu Sans"/>
               </a:rPr>
               <a:t>Use web developer tools to see requests, size, &amp; time.</a:t>
             </a:r>
@@ -21350,7 +21554,7 @@
             </a:endParaRPr>
           </a:p>
           <a:p>
-            <a:pPr marL="342720" indent="-313920">
+            <a:pPr marL="342720" indent="-313200">
               <a:lnSpc>
                 <a:spcPct val="100000"/>
               </a:lnSpc>
@@ -21367,6 +21571,7 @@
                   <a:srgbClr val="000000"/>
                 </a:solidFill>
                 <a:latin typeface="Arial"/>
+                <a:ea typeface="DejaVu Sans"/>
               </a:rPr>
               <a:t>In Chrome:</a:t>
             </a:r>
@@ -21375,7 +21580,7 @@
             </a:endParaRPr>
           </a:p>
           <a:p>
-            <a:pPr marL="342720" indent="-313920">
+            <a:pPr marL="342720" indent="-313200">
               <a:lnSpc>
                 <a:spcPct val="100000"/>
               </a:lnSpc>
@@ -21392,6 +21597,7 @@
                   <a:srgbClr val="000000"/>
                 </a:solidFill>
                 <a:latin typeface="Arial"/>
+                <a:ea typeface="DejaVu Sans"/>
               </a:rPr>
               <a:t>1. From "dots" menu choose  </a:t>
             </a:r>
@@ -21401,6 +21607,7 @@
                   <a:srgbClr val="000080"/>
                 </a:solidFill>
                 <a:latin typeface="Arial"/>
+                <a:ea typeface="DejaVu Sans"/>
               </a:rPr>
               <a:t>More Tools -&gt; Developer Tools </a:t>
             </a:r>
@@ -21409,7 +21616,7 @@
             </a:endParaRPr>
           </a:p>
           <a:p>
-            <a:pPr marL="342720" indent="-313920">
+            <a:pPr marL="342720" indent="-313200">
               <a:lnSpc>
                 <a:spcPct val="100000"/>
               </a:lnSpc>
@@ -21426,6 +21633,7 @@
                   <a:srgbClr val="000000"/>
                 </a:solidFill>
                 <a:latin typeface="Arial"/>
+                <a:ea typeface="DejaVu Sans"/>
               </a:rPr>
               <a:t>2. In "Developer Tools" window, choose </a:t>
             </a:r>
@@ -21435,6 +21643,7 @@
                   <a:srgbClr val="000080"/>
                 </a:solidFill>
                 <a:latin typeface="Arial"/>
+                <a:ea typeface="DejaVu Sans"/>
               </a:rPr>
               <a:t>Network</a:t>
             </a:r>
@@ -21444,6 +21653,7 @@
                   <a:srgbClr val="000000"/>
                 </a:solidFill>
                 <a:latin typeface="Arial"/>
+                <a:ea typeface="DejaVu Sans"/>
               </a:rPr>
               <a:t> tab.</a:t>
             </a:r>
@@ -21452,7 +21662,7 @@
             </a:endParaRPr>
           </a:p>
           <a:p>
-            <a:pPr marL="342720" indent="-313920">
+            <a:pPr marL="342720" indent="-313200">
               <a:lnSpc>
                 <a:spcPct val="100000"/>
               </a:lnSpc>
@@ -21469,6 +21679,7 @@
                   <a:srgbClr val="000000"/>
                 </a:solidFill>
                 <a:latin typeface="Arial"/>
+                <a:ea typeface="DejaVu Sans"/>
               </a:rPr>
               <a:t>3. Check the box:  [x] Disable cache</a:t>
             </a:r>
@@ -21477,7 +21688,7 @@
             </a:endParaRPr>
           </a:p>
           <a:p>
-            <a:pPr marL="342720" indent="-313920">
+            <a:pPr marL="342720" indent="-313200">
               <a:lnSpc>
                 <a:spcPct val="100000"/>
               </a:lnSpc>
@@ -21493,7 +21704,7 @@
             </a:endParaRPr>
           </a:p>
           <a:p>
-            <a:pPr marL="342720" indent="-313920">
+            <a:pPr marL="342720" indent="-313200">
               <a:lnSpc>
                 <a:spcPct val="100000"/>
               </a:lnSpc>
@@ -21510,6 +21721,7 @@
                   <a:srgbClr val="000000"/>
                 </a:solidFill>
                 <a:latin typeface="Arial"/>
+                <a:ea typeface="DejaVu Sans"/>
               </a:rPr>
               <a:t>4. In Chrome, enter a URL (such as dailynews.co.th)</a:t>
             </a:r>
@@ -21518,7 +21730,7 @@
             </a:endParaRPr>
           </a:p>
           <a:p>
-            <a:pPr marL="342720" indent="-313920">
+            <a:pPr marL="342720" indent="-313200">
               <a:lnSpc>
                 <a:spcPct val="100000"/>
               </a:lnSpc>
@@ -21534,7 +21746,7 @@
             </a:endParaRPr>
           </a:p>
           <a:p>
-            <a:pPr marL="342720" indent="-313920">
+            <a:pPr marL="342720" indent="-313200">
               <a:lnSpc>
                 <a:spcPct val="100000"/>
               </a:lnSpc>
@@ -21551,6 +21763,7 @@
                   <a:srgbClr val="000000"/>
                 </a:solidFill>
                 <a:latin typeface="Arial"/>
+                <a:ea typeface="DejaVu Sans"/>
               </a:rPr>
               <a:t>How many requests?    How many MB? </a:t>
             </a:r>
@@ -21559,7 +21772,7 @@
             </a:endParaRPr>
           </a:p>
           <a:p>
-            <a:pPr marL="342720" indent="-313920">
+            <a:pPr marL="342720" indent="-313200">
               <a:lnSpc>
                 <a:spcPct val="100000"/>
               </a:lnSpc>
@@ -21576,6 +21789,7 @@
                   <a:srgbClr val="ff0000"/>
                 </a:solidFill>
                 <a:latin typeface="Arial"/>
+                <a:ea typeface="DejaVu Sans"/>
               </a:rPr>
               <a:t>For just one web page!</a:t>
             </a:r>
@@ -21584,7 +21798,7 @@
             </a:endParaRPr>
           </a:p>
           <a:p>
-            <a:pPr marL="342720" indent="-313920">
+            <a:pPr marL="342720" indent="-313200">
               <a:lnSpc>
                 <a:spcPct val="100000"/>
               </a:lnSpc>
@@ -21647,7 +21861,7 @@
         <p:spPr>
           <a:xfrm>
             <a:off x="182160" y="77400"/>
-            <a:ext cx="8868960" cy="1190160"/>
+            <a:ext cx="8868240" cy="1189440"/>
           </a:xfrm>
           <a:prstGeom prst="rect">
             <a:avLst/>
@@ -21716,8 +21930,9 @@
                   <a:srgbClr val="333399"/>
                 </a:solidFill>
                 <a:latin typeface="Arial"/>
-              </a:rPr>
-              <a:t>network stats for www.dailynews.co.th</a:t>
+                <a:ea typeface="DejaVu Sans"/>
+              </a:rPr>
+              <a:t>network stats for dailynews.co.th</a:t>
             </a:r>
             <a:endParaRPr b="0" lang="en-US" sz="3600" spc="-1" strike="noStrike">
               <a:latin typeface="Arial"/>
@@ -21725,39 +21940,16 @@
           </a:p>
         </p:txBody>
       </p:sp>
-      <p:pic>
-        <p:nvPicPr>
-          <p:cNvPr id="226" name="" descr=""/>
-          <p:cNvPicPr/>
-          <p:nvPr/>
-        </p:nvPicPr>
-        <p:blipFill>
-          <a:blip r:embed="rId1"/>
-          <a:stretch/>
-        </p:blipFill>
-        <p:spPr>
-          <a:xfrm>
-            <a:off x="19080" y="1463760"/>
-            <a:ext cx="9143640" cy="4627080"/>
-          </a:xfrm>
-          <a:prstGeom prst="rect">
-            <a:avLst/>
-          </a:prstGeom>
-          <a:ln>
-            <a:noFill/>
-          </a:ln>
-        </p:spPr>
-      </p:pic>
       <p:sp>
         <p:nvSpPr>
-          <p:cNvPr id="227" name="CustomShape 2"/>
+          <p:cNvPr id="226" name="CustomShape 2"/>
           <p:cNvSpPr/>
           <p:nvPr/>
         </p:nvSpPr>
         <p:spPr>
           <a:xfrm>
-            <a:off x="914400" y="6218280"/>
-            <a:ext cx="7407000" cy="364680"/>
+            <a:off x="889920" y="6433200"/>
+            <a:ext cx="7406280" cy="363960"/>
           </a:xfrm>
           <a:custGeom>
             <a:avLst/>
@@ -21854,7 +22046,7 @@
                 <a:latin typeface="Arial"/>
                 <a:ea typeface="DejaVu Sans"/>
               </a:rPr>
-              <a:t>201 requests, 2.5 MB transferred, 6.2 MB resources, Load: 9.04s</a:t>
+              <a:t>630 requests, 22 MB transferred, 28.7 MB resources, Load: 24.5 sec</a:t>
             </a:r>
             <a:endParaRPr b="0" lang="en-US" sz="1800" spc="-1" strike="noStrike">
               <a:latin typeface="Arial"/>
@@ -21864,7 +22056,7 @@
       </p:sp>
       <p:sp>
         <p:nvSpPr>
-          <p:cNvPr id="228" name="Line 3"/>
+          <p:cNvPr id="227" name="Line 3"/>
           <p:cNvSpPr/>
           <p:nvPr/>
         </p:nvSpPr>
@@ -21882,6 +22074,90 @@
             </a:solidFill>
             <a:round/>
             <a:tailEnd len="med" type="triangle" w="med"/>
+          </a:ln>
+        </p:spPr>
+        <p:style>
+          <a:lnRef idx="0"/>
+          <a:fillRef idx="0"/>
+          <a:effectRef idx="0"/>
+          <a:fontRef idx="minor"/>
+        </p:style>
+      </p:sp>
+      <p:pic>
+        <p:nvPicPr>
+          <p:cNvPr id="228" name="" descr=""/>
+          <p:cNvPicPr/>
+          <p:nvPr/>
+        </p:nvPicPr>
+        <p:blipFill>
+          <a:blip r:embed="rId1"/>
+          <a:stretch/>
+        </p:blipFill>
+        <p:spPr>
+          <a:xfrm>
+            <a:off x="448920" y="1130040"/>
+            <a:ext cx="8237880" cy="5291280"/>
+          </a:xfrm>
+          <a:prstGeom prst="rect">
+            <a:avLst/>
+          </a:prstGeom>
+          <a:ln>
+            <a:noFill/>
+          </a:ln>
+        </p:spPr>
+      </p:pic>
+      <p:sp>
+        <p:nvSpPr>
+          <p:cNvPr id="229" name="CustomShape 4"/>
+          <p:cNvSpPr/>
+          <p:nvPr/>
+        </p:nvSpPr>
+        <p:spPr>
+          <a:xfrm>
+            <a:off x="7223760" y="6126480"/>
+            <a:ext cx="731520" cy="306720"/>
+          </a:xfrm>
+          <a:custGeom>
+            <a:avLst/>
+            <a:gdLst/>
+            <a:ahLst/>
+            <a:rect l="0" t="0" r="r" b="b"/>
+            <a:pathLst>
+              <a:path w="2034" h="854">
+                <a:moveTo>
+                  <a:pt x="2033" y="213"/>
+                </a:moveTo>
+                <a:lnTo>
+                  <a:pt x="508" y="213"/>
+                </a:lnTo>
+                <a:lnTo>
+                  <a:pt x="508" y="0"/>
+                </a:lnTo>
+                <a:lnTo>
+                  <a:pt x="0" y="426"/>
+                </a:lnTo>
+                <a:lnTo>
+                  <a:pt x="508" y="853"/>
+                </a:lnTo>
+                <a:lnTo>
+                  <a:pt x="508" y="639"/>
+                </a:lnTo>
+                <a:lnTo>
+                  <a:pt x="2033" y="639"/>
+                </a:lnTo>
+                <a:lnTo>
+                  <a:pt x="2033" y="213"/>
+                </a:lnTo>
+              </a:path>
+            </a:pathLst>
+          </a:custGeom>
+          <a:solidFill>
+            <a:srgbClr val="729fcf"/>
+          </a:solidFill>
+          <a:ln>
+            <a:solidFill>
+              <a:srgbClr val="3465a4"/>
+            </a:solidFill>
           </a:ln>
         </p:spPr>
         <p:style>
@@ -21930,14 +22206,14 @@
       </p:grpSpPr>
       <p:sp>
         <p:nvSpPr>
-          <p:cNvPr id="229" name="CustomShape 1"/>
+          <p:cNvPr id="230" name="CustomShape 1"/>
           <p:cNvSpPr/>
           <p:nvPr/>
         </p:nvSpPr>
         <p:spPr>
           <a:xfrm>
             <a:off x="611280" y="260280"/>
-            <a:ext cx="7867080" cy="811080"/>
+            <a:ext cx="7866360" cy="810360"/>
           </a:xfrm>
           <a:prstGeom prst="rect">
             <a:avLst/>
@@ -22005,6 +22281,7 @@
                   <a:srgbClr val="333399"/>
                 </a:solidFill>
                 <a:latin typeface="Arial"/>
+                <a:ea typeface="DejaVu Sans"/>
               </a:rPr>
               <a:t>More Useful HTTP Tools</a:t>
             </a:r>
@@ -22016,14 +22293,14 @@
       </p:sp>
       <p:sp>
         <p:nvSpPr>
-          <p:cNvPr id="230" name="CustomShape 2"/>
+          <p:cNvPr id="231" name="CustomShape 2"/>
           <p:cNvSpPr/>
           <p:nvPr/>
         </p:nvSpPr>
         <p:spPr>
           <a:xfrm>
             <a:off x="674280" y="1399680"/>
-            <a:ext cx="7867440" cy="4410000"/>
+            <a:ext cx="7866720" cy="4409280"/>
           </a:xfrm>
           <a:prstGeom prst="rect">
             <a:avLst/>
@@ -22044,7 +22321,7 @@
             <a:normAutofit/>
           </a:bodyPr>
           <a:p>
-            <a:pPr marL="342720" indent="-337680">
+            <a:pPr marL="342720" indent="-336960">
               <a:lnSpc>
                 <a:spcPct val="100000"/>
               </a:lnSpc>
@@ -22061,6 +22338,7 @@
                   <a:srgbClr val="000000"/>
                 </a:solidFill>
                 <a:latin typeface="Courier New"/>
+                <a:ea typeface="DejaVu Sans"/>
               </a:rPr>
               <a:t>wget</a:t>
             </a:r>
@@ -22070,6 +22348,7 @@
                   <a:srgbClr val="000000"/>
                 </a:solidFill>
                 <a:latin typeface="Arial"/>
+                <a:ea typeface="DejaVu Sans"/>
               </a:rPr>
               <a:t> - Get one or more files via http/https.</a:t>
             </a:r>
@@ -22078,7 +22357,7 @@
             </a:endParaRPr>
           </a:p>
           <a:p>
-            <a:pPr marL="742680" indent="-280440">
+            <a:pPr marL="742680" indent="-279720">
               <a:lnSpc>
                 <a:spcPct val="100000"/>
               </a:lnSpc>
@@ -22095,6 +22374,7 @@
                   <a:srgbClr val="000000"/>
                 </a:solidFill>
                 <a:latin typeface="Arial"/>
+                <a:ea typeface="DejaVu Sans"/>
               </a:rPr>
               <a:t>   </a:t>
             </a:r>
@@ -22104,6 +22384,7 @@
                   <a:srgbClr val="000000"/>
                 </a:solidFill>
                 <a:latin typeface="Arial"/>
+                <a:ea typeface="DejaVu Sans"/>
               </a:rPr>
               <a:t>- Used by Zuckerberg in </a:t>
             </a:r>
@@ -22113,6 +22394,7 @@
                   <a:srgbClr val="000000"/>
                 </a:solidFill>
                 <a:latin typeface="Arial"/>
+                <a:ea typeface="DejaVu Sans"/>
               </a:rPr>
               <a:t>The Social Network</a:t>
             </a:r>
@@ -22121,7 +22403,7 @@
             </a:endParaRPr>
           </a:p>
           <a:p>
-            <a:pPr marL="342720" indent="-337680">
+            <a:pPr marL="342720" indent="-336960">
               <a:lnSpc>
                 <a:spcPct val="100000"/>
               </a:lnSpc>
@@ -22137,7 +22419,7 @@
             </a:endParaRPr>
           </a:p>
           <a:p>
-            <a:pPr marL="342720" indent="-337680">
+            <a:pPr marL="342720" indent="-336960">
               <a:lnSpc>
                 <a:spcPct val="100000"/>
               </a:lnSpc>
@@ -22154,6 +22436,7 @@
                   <a:srgbClr val="000000"/>
                 </a:solidFill>
                 <a:latin typeface="Courier New"/>
+                <a:ea typeface="DejaVu Sans"/>
               </a:rPr>
               <a:t>curl</a:t>
             </a:r>
@@ -22163,6 +22446,7 @@
                   <a:srgbClr val="000000"/>
                 </a:solidFill>
                 <a:latin typeface="Arial"/>
+                <a:ea typeface="DejaVu Sans"/>
               </a:rPr>
               <a:t> - Transfer data to/from a server using many</a:t>
             </a:r>
@@ -22171,7 +22455,7 @@
             </a:endParaRPr>
           </a:p>
           <a:p>
-            <a:pPr marL="342720" indent="-337680">
+            <a:pPr marL="342720" indent="-336960">
               <a:lnSpc>
                 <a:spcPct val="100000"/>
               </a:lnSpc>
@@ -22188,6 +22472,7 @@
                   <a:srgbClr val="000000"/>
                 </a:solidFill>
                 <a:latin typeface="Arial"/>
+                <a:ea typeface="DejaVu Sans"/>
               </a:rPr>
               <a:t>         </a:t>
             </a:r>
@@ -22197,6 +22482,7 @@
                   <a:srgbClr val="000000"/>
                 </a:solidFill>
                 <a:latin typeface="Arial"/>
+                <a:ea typeface="DejaVu Sans"/>
               </a:rPr>
               <a:t>different protocols, including HTTP &amp; HTTPS</a:t>
             </a:r>
@@ -22205,7 +22491,7 @@
             </a:endParaRPr>
           </a:p>
           <a:p>
-            <a:pPr marL="342720" indent="-337680">
+            <a:pPr marL="342720" indent="-336960">
               <a:lnSpc>
                 <a:spcPct val="100000"/>
               </a:lnSpc>
@@ -22221,7 +22507,7 @@
             </a:endParaRPr>
           </a:p>
           <a:p>
-            <a:pPr marL="342720" indent="-337680">
+            <a:pPr marL="342720" indent="-336960">
               <a:lnSpc>
                 <a:spcPct val="100000"/>
               </a:lnSpc>
@@ -22238,6 +22524,7 @@
                   <a:srgbClr val="000000"/>
                 </a:solidFill>
                 <a:latin typeface="Arial"/>
+                <a:ea typeface="DejaVu Sans"/>
               </a:rPr>
               <a:t>Browser Extensions</a:t>
             </a:r>
@@ -22247,6 +22534,7 @@
                   <a:srgbClr val="000000"/>
                 </a:solidFill>
                 <a:latin typeface="Arial"/>
+                <a:ea typeface="DejaVu Sans"/>
               </a:rPr>
               <a:t> - send custom HTTP requests </a:t>
             </a:r>
@@ -22257,8 +22545,9 @@
                   <a:srgbClr val="000000"/>
                 </a:solidFill>
                 <a:latin typeface="Arial"/>
-              </a:rPr>
-              <a:t>     and see the response. Good for web services.  </a:t>
+                <a:ea typeface="DejaVu Sans"/>
+              </a:rPr>
+              <a:t>     and see the response. Good for web services.</a:t>
             </a:r>
             <a:br/>
             <a:r>
@@ -22267,6 +22556,18 @@
                   <a:srgbClr val="000000"/>
                 </a:solidFill>
                 <a:latin typeface="Arial"/>
+                <a:ea typeface="DejaVu Sans"/>
+              </a:rPr>
+              <a:t>  </a:t>
+            </a:r>
+            <a:br/>
+            <a:r>
+              <a:rPr b="0" lang="en-US" sz="2400" spc="-1" strike="noStrike">
+                <a:solidFill>
+                  <a:srgbClr val="000000"/>
+                </a:solidFill>
+                <a:latin typeface="Arial"/>
+                <a:ea typeface="DejaVu Sans"/>
               </a:rPr>
               <a:t>	</a:t>
             </a:r>
@@ -22276,8 +22577,9 @@
                   <a:srgbClr val="000000"/>
                 </a:solidFill>
                 <a:latin typeface="Arial"/>
-              </a:rPr>
-              <a:t>I use "RESTED" in Firefox and Brave. </a:t>
+                <a:ea typeface="DejaVu Sans"/>
+              </a:rPr>
+              <a:t>I use "RESTED" extension in Firefox and Brave. </a:t>
             </a:r>
             <a:endParaRPr b="0" lang="en-US" sz="2400" spc="-1" strike="noStrike">
               <a:latin typeface="Arial"/>
@@ -22331,7 +22633,7 @@
         <p:spPr>
           <a:xfrm>
             <a:off x="611280" y="259920"/>
-            <a:ext cx="7865640" cy="809280"/>
+            <a:ext cx="7864920" cy="808560"/>
           </a:xfrm>
           <a:prstGeom prst="rect">
             <a:avLst/>
@@ -22398,6 +22700,7 @@
                   <a:srgbClr val="333399"/>
                 </a:solidFill>
                 <a:latin typeface="Arial"/>
+                <a:ea typeface="DejaVu Sans"/>
               </a:rPr>
               <a:t>Exercise 1: ncat as a HTTP server</a:t>
             </a:r>
@@ -22416,7 +22719,7 @@
         <p:spPr>
           <a:xfrm>
             <a:off x="674640" y="1400040"/>
-            <a:ext cx="7865640" cy="703080"/>
+            <a:ext cx="7864920" cy="702360"/>
           </a:xfrm>
           <a:prstGeom prst="rect">
             <a:avLst/>
@@ -22437,7 +22740,7 @@
             <a:normAutofit/>
           </a:bodyPr>
           <a:p>
-            <a:pPr marL="342720" indent="-339480">
+            <a:pPr marL="342720" indent="-338760">
               <a:lnSpc>
                 <a:spcPct val="100000"/>
               </a:lnSpc>
@@ -22454,6 +22757,7 @@
                   <a:srgbClr val="000000"/>
                 </a:solidFill>
                 <a:latin typeface="Arial"/>
+                <a:ea typeface="DejaVu Sans"/>
               </a:rPr>
               <a:t>See what a request from a web browser really looks like.</a:t>
             </a:r>
@@ -22476,7 +22780,7 @@
         <p:spPr>
           <a:xfrm>
             <a:off x="1143000" y="2576520"/>
-            <a:ext cx="1455480" cy="1348920"/>
+            <a:ext cx="1454760" cy="1348200"/>
           </a:xfrm>
           <a:prstGeom prst="rect">
             <a:avLst/>
@@ -22499,7 +22803,7 @@
         <p:spPr>
           <a:xfrm>
             <a:off x="1096920" y="4060800"/>
-            <a:ext cx="1553760" cy="1441080"/>
+            <a:ext cx="1553040" cy="1440360"/>
           </a:xfrm>
           <a:prstGeom prst="rect">
             <a:avLst/>
@@ -22518,7 +22822,116 @@
         <p:spPr>
           <a:xfrm>
             <a:off x="914400" y="2028960"/>
-            <a:ext cx="2103120" cy="456840"/>
+            <a:ext cx="2651400" cy="516600"/>
+          </a:xfrm>
+          <a:custGeom>
+            <a:avLst/>
+            <a:gdLst/>
+            <a:ahLst/>
+            <a:rect l="l" t="t" r="r" b="b"/>
+            <a:pathLst>
+              <a:path w="21600" h="21600">
+                <a:moveTo>
+                  <a:pt x="0" y="0"/>
+                </a:moveTo>
+                <a:lnTo>
+                  <a:pt x="21600" y="0"/>
+                </a:lnTo>
+                <a:lnTo>
+                  <a:pt x="21600" y="21600"/>
+                </a:lnTo>
+                <a:lnTo>
+                  <a:pt x="0" y="21600"/>
+                </a:lnTo>
+                <a:lnTo>
+                  <a:pt x="0" y="0"/>
+                </a:lnTo>
+                <a:close/>
+              </a:path>
+            </a:pathLst>
+          </a:custGeom>
+          <a:noFill/>
+          <a:ln>
+            <a:noFill/>
+          </a:ln>
+        </p:spPr>
+        <p:style>
+          <a:lnRef idx="0"/>
+          <a:fillRef idx="0"/>
+          <a:effectRef idx="0"/>
+          <a:fontRef idx="minor"/>
+        </p:style>
+        <p:txBody>
+          <a:bodyPr lIns="90000" rIns="90000" tIns="45000" bIns="45000">
+            <a:spAutoFit/>
+          </a:bodyPr>
+          <a:p>
+            <a:pPr>
+              <a:lnSpc>
+                <a:spcPct val="100000"/>
+              </a:lnSpc>
+              <a:tabLst>
+                <a:tab algn="l" pos="0"/>
+                <a:tab algn="l" pos="355320"/>
+                <a:tab algn="l" pos="714240"/>
+                <a:tab algn="l" pos="1072800"/>
+                <a:tab algn="l" pos="1431720"/>
+                <a:tab algn="l" pos="1790640"/>
+                <a:tab algn="l" pos="2149200"/>
+                <a:tab algn="l" pos="2508120"/>
+                <a:tab algn="l" pos="2866680"/>
+                <a:tab algn="l" pos="3225600"/>
+                <a:tab algn="l" pos="3584520"/>
+                <a:tab algn="l" pos="3943080"/>
+                <a:tab algn="l" pos="4302000"/>
+                <a:tab algn="l" pos="4660560"/>
+                <a:tab algn="l" pos="5019480"/>
+                <a:tab algn="l" pos="5378400"/>
+                <a:tab algn="l" pos="5736960"/>
+                <a:tab algn="l" pos="6095880"/>
+                <a:tab algn="l" pos="6454440"/>
+                <a:tab algn="l" pos="6813360"/>
+                <a:tab algn="l" pos="7172280"/>
+                <a:tab algn="l" pos="7173720"/>
+                <a:tab algn="l" pos="7532640"/>
+                <a:tab algn="l" pos="7891200"/>
+                <a:tab algn="l" pos="8250120"/>
+                <a:tab algn="l" pos="8608680"/>
+                <a:tab algn="l" pos="8967600"/>
+                <a:tab algn="l" pos="9326520"/>
+                <a:tab algn="l" pos="9685080"/>
+                <a:tab algn="l" pos="10044000"/>
+                <a:tab algn="l" pos="10402560"/>
+                <a:tab algn="l" pos="10761480"/>
+                <a:tab algn="l" pos="10762920"/>
+              </a:tabLst>
+            </a:pPr>
+            <a:r>
+              <a:rPr b="0" lang="en-US" sz="2800" spc="-1" strike="noStrike">
+                <a:solidFill>
+                  <a:srgbClr val="000000"/>
+                </a:solidFill>
+                <a:latin typeface="Arial"/>
+                <a:ea typeface="DejaVu Sans"/>
+              </a:rPr>
+              <a:t>Web Browser</a:t>
+            </a:r>
+            <a:endParaRPr b="0" lang="en-US" sz="2800" spc="-1" strike="noStrike">
+              <a:latin typeface="Arial"/>
+            </a:endParaRPr>
+          </a:p>
+        </p:txBody>
+      </p:sp>
+      <p:sp>
+        <p:nvSpPr>
+          <p:cNvPr id="147" name="CustomShape 4"/>
+          <p:cNvSpPr/>
+          <p:nvPr/>
+        </p:nvSpPr>
+        <p:spPr>
+          <a:xfrm>
+            <a:off x="5394240" y="2028960"/>
+            <a:ext cx="2834280" cy="547920"/>
           </a:xfrm>
           <a:custGeom>
             <a:avLst/>
@@ -22562,7 +22975,7 @@
             <a:noAutofit/>
           </a:bodyPr>
           <a:p>
-            <a:pPr>
+            <a:pPr algn="ctr">
               <a:lnSpc>
                 <a:spcPct val="100000"/>
               </a:lnSpc>
@@ -22603,125 +23016,16 @@
               </a:tabLst>
             </a:pPr>
             <a:r>
-              <a:rPr b="0" lang="en-US" sz="1800" spc="-1" strike="noStrike">
-                <a:solidFill>
-                  <a:srgbClr val="000000"/>
-                </a:solidFill>
-                <a:latin typeface="Arial"/>
-                <a:ea typeface="DejaVu Sans"/>
-              </a:rPr>
-              <a:t>Web Browser</a:t>
-            </a:r>
-            <a:endParaRPr b="0" lang="en-US" sz="1800" spc="-1" strike="noStrike">
-              <a:latin typeface="Arial"/>
-            </a:endParaRPr>
-          </a:p>
-        </p:txBody>
-      </p:sp>
-      <p:sp>
-        <p:nvSpPr>
-          <p:cNvPr id="147" name="CustomShape 4"/>
-          <p:cNvSpPr/>
-          <p:nvPr/>
-        </p:nvSpPr>
-        <p:spPr>
-          <a:xfrm>
-            <a:off x="5394240" y="2028960"/>
-            <a:ext cx="2835000" cy="548640"/>
-          </a:xfrm>
-          <a:custGeom>
-            <a:avLst/>
-            <a:gdLst/>
-            <a:ahLst/>
-            <a:rect l="l" t="t" r="r" b="b"/>
-            <a:pathLst>
-              <a:path w="21600" h="21600">
-                <a:moveTo>
-                  <a:pt x="0" y="0"/>
-                </a:moveTo>
-                <a:lnTo>
-                  <a:pt x="21600" y="0"/>
-                </a:lnTo>
-                <a:lnTo>
-                  <a:pt x="21600" y="21600"/>
-                </a:lnTo>
-                <a:lnTo>
-                  <a:pt x="0" y="21600"/>
-                </a:lnTo>
-                <a:lnTo>
-                  <a:pt x="0" y="0"/>
-                </a:lnTo>
-                <a:close/>
-              </a:path>
-            </a:pathLst>
-          </a:custGeom>
-          <a:noFill/>
-          <a:ln>
-            <a:noFill/>
-          </a:ln>
-        </p:spPr>
-        <p:style>
-          <a:lnRef idx="0"/>
-          <a:fillRef idx="0"/>
-          <a:effectRef idx="0"/>
-          <a:fontRef idx="minor"/>
-        </p:style>
-        <p:txBody>
-          <a:bodyPr lIns="90000" rIns="90000" tIns="45000" bIns="45000">
-            <a:noAutofit/>
-          </a:bodyPr>
-          <a:p>
-            <a:pPr algn="ctr">
-              <a:lnSpc>
-                <a:spcPct val="100000"/>
-              </a:lnSpc>
-              <a:tabLst>
-                <a:tab algn="l" pos="0"/>
-                <a:tab algn="l" pos="355320"/>
-                <a:tab algn="l" pos="714240"/>
-                <a:tab algn="l" pos="1072800"/>
-                <a:tab algn="l" pos="1431720"/>
-                <a:tab algn="l" pos="1790640"/>
-                <a:tab algn="l" pos="2149200"/>
-                <a:tab algn="l" pos="2508120"/>
-                <a:tab algn="l" pos="2866680"/>
-                <a:tab algn="l" pos="3225600"/>
-                <a:tab algn="l" pos="3584520"/>
-                <a:tab algn="l" pos="3943080"/>
-                <a:tab algn="l" pos="4302000"/>
-                <a:tab algn="l" pos="4660560"/>
-                <a:tab algn="l" pos="5019480"/>
-                <a:tab algn="l" pos="5378400"/>
-                <a:tab algn="l" pos="5736960"/>
-                <a:tab algn="l" pos="6095880"/>
-                <a:tab algn="l" pos="6454440"/>
-                <a:tab algn="l" pos="6813360"/>
-                <a:tab algn="l" pos="7172280"/>
-                <a:tab algn="l" pos="7173720"/>
-                <a:tab algn="l" pos="7532640"/>
-                <a:tab algn="l" pos="7891200"/>
-                <a:tab algn="l" pos="8250120"/>
-                <a:tab algn="l" pos="8608680"/>
-                <a:tab algn="l" pos="8967600"/>
-                <a:tab algn="l" pos="9326520"/>
-                <a:tab algn="l" pos="9685080"/>
-                <a:tab algn="l" pos="10044000"/>
-                <a:tab algn="l" pos="10402560"/>
-                <a:tab algn="l" pos="10761480"/>
-                <a:tab algn="l" pos="10762920"/>
-              </a:tabLst>
-            </a:pPr>
-            <a:r>
-              <a:rPr b="0" lang="en-US" sz="2400" spc="-1" strike="noStrike">
-                <a:solidFill>
-                  <a:srgbClr val="000000"/>
+              <a:rPr b="0" lang="en-US" sz="2800" spc="-1" strike="noStrike">
+                <a:solidFill>
+                  <a:srgbClr val="ff0000"/>
                 </a:solidFill>
                 <a:latin typeface="Arial"/>
                 <a:ea typeface="DejaVu Sans"/>
               </a:rPr>
               <a:t>ncat as server</a:t>
             </a:r>
-            <a:endParaRPr b="0" lang="en-US" sz="2400" spc="-1" strike="noStrike">
+            <a:endParaRPr b="0" lang="en-US" sz="2800" spc="-1" strike="noStrike">
               <a:latin typeface="Arial"/>
             </a:endParaRPr>
           </a:p>
@@ -22736,7 +23040,7 @@
         <p:spPr>
           <a:xfrm>
             <a:off x="5394240" y="3033720"/>
-            <a:ext cx="3017520" cy="1736280"/>
+            <a:ext cx="3016800" cy="1735560"/>
           </a:xfrm>
           <a:custGeom>
             <a:avLst/>
@@ -22877,7 +23181,7 @@
         <p:spPr>
           <a:xfrm>
             <a:off x="2598840" y="3308400"/>
-            <a:ext cx="2704680" cy="639360"/>
+            <a:ext cx="2703960" cy="638640"/>
           </a:xfrm>
           <a:custGeom>
             <a:avLst/>
@@ -23023,7 +23327,7 @@
         <p:spPr>
           <a:xfrm>
             <a:off x="611280" y="259920"/>
-            <a:ext cx="7921080" cy="864720"/>
+            <a:ext cx="7920360" cy="864000"/>
           </a:xfrm>
           <a:prstGeom prst="rect">
             <a:avLst/>
@@ -23092,6 +23396,7 @@
                   <a:srgbClr val="333399"/>
                 </a:solidFill>
                 <a:latin typeface="Arial"/>
+                <a:ea typeface="DejaVu Sans"/>
               </a:rPr>
               <a:t>Exercise 1: Use ncat as a server</a:t>
             </a:r>
@@ -23110,7 +23415,7 @@
         <p:spPr>
           <a:xfrm>
             <a:off x="674280" y="1392120"/>
-            <a:ext cx="7921440" cy="4917960"/>
+            <a:ext cx="7920720" cy="4917240"/>
           </a:xfrm>
           <a:prstGeom prst="rect">
             <a:avLst/>
@@ -23183,6 +23488,7 @@
                   <a:srgbClr val="000000"/>
                 </a:solidFill>
                 <a:latin typeface="Arial"/>
+                <a:ea typeface="DejaVu Sans"/>
               </a:rPr>
               <a:t>1.1 In a terminal window. run ncat (or netcat) as a TCP server listening on </a:t>
             </a:r>
@@ -23192,6 +23498,7 @@
                   <a:srgbClr val="000080"/>
                 </a:solidFill>
                 <a:latin typeface="Arial"/>
+                <a:ea typeface="DejaVu Sans"/>
               </a:rPr>
               <a:t>port</a:t>
             </a:r>
@@ -23201,6 +23508,7 @@
                   <a:srgbClr val="000000"/>
                 </a:solidFill>
                 <a:latin typeface="Arial"/>
+                <a:ea typeface="DejaVu Sans"/>
               </a:rPr>
               <a:t> </a:t>
             </a:r>
@@ -23210,6 +23518,7 @@
                   <a:srgbClr val="000080"/>
                 </a:solidFill>
                 <a:latin typeface="Arial"/>
+                <a:ea typeface="DejaVu Sans"/>
               </a:rPr>
               <a:t>8080</a:t>
             </a:r>
@@ -23270,24 +23579,26 @@
                   <a:srgbClr val="000000"/>
                 </a:solidFill>
                 <a:latin typeface="Courier New"/>
+                <a:ea typeface="DejaVu Sans"/>
               </a:rPr>
               <a:t>   </a:t>
             </a:r>
             <a:r>
-              <a:rPr b="1" lang="en-US" sz="2400" spc="-1" strike="noStrike">
+              <a:rPr b="1" lang="en-US" sz="2800" spc="-1" strike="noStrike">
                 <a:solidFill>
                   <a:srgbClr val="000000"/>
                 </a:solidFill>
                 <a:latin typeface="Courier New"/>
+                <a:ea typeface="DejaVu Sans"/>
               </a:rPr>
               <a:t>ncat -v -l -p 8080</a:t>
             </a:r>
-            <a:endParaRPr b="0" lang="en-US" sz="2400" spc="-1" strike="noStrike">
-              <a:latin typeface="Arial"/>
-            </a:endParaRPr>
-          </a:p>
-          <a:p>
-            <a:pPr marL="228600" indent="-228240">
+            <a:endParaRPr b="0" lang="en-US" sz="2800" spc="-1" strike="noStrike">
+              <a:latin typeface="Arial"/>
+            </a:endParaRPr>
+          </a:p>
+          <a:p>
+            <a:pPr marL="228600" indent="-227520">
               <a:lnSpc>
                 <a:spcPct val="100000"/>
               </a:lnSpc>
@@ -23345,6 +23656,7 @@
                   <a:srgbClr val="000000"/>
                 </a:solidFill>
                 <a:latin typeface="Courier New"/>
+                <a:ea typeface="DejaVu Sans"/>
               </a:rPr>
               <a:t>-l</a:t>
             </a:r>
@@ -23354,6 +23666,7 @@
                   <a:srgbClr val="000000"/>
                 </a:solidFill>
                 <a:latin typeface="Arial"/>
+                <a:ea typeface="DejaVu Sans"/>
               </a:rPr>
               <a:t> means listen for connections, </a:t>
             </a:r>
@@ -23363,6 +23676,7 @@
                   <a:srgbClr val="000000"/>
                 </a:solidFill>
                 <a:latin typeface="Courier New"/>
+                <a:ea typeface="DejaVu Sans"/>
               </a:rPr>
               <a:t>-v</a:t>
             </a:r>
@@ -23372,6 +23686,7 @@
                   <a:srgbClr val="000000"/>
                 </a:solidFill>
                 <a:latin typeface="Arial"/>
+                <a:ea typeface="DejaVu Sans"/>
               </a:rPr>
               <a:t> means verbose </a:t>
             </a:r>
@@ -23380,7 +23695,7 @@
             </a:endParaRPr>
           </a:p>
           <a:p>
-            <a:pPr marL="228600" indent="-228240">
+            <a:pPr marL="228600" indent="-227520">
               <a:lnSpc>
                 <a:spcPct val="100000"/>
               </a:lnSpc>
@@ -23438,6 +23753,7 @@
                   <a:srgbClr val="000000"/>
                 </a:solidFill>
                 <a:latin typeface="Arial"/>
+                <a:ea typeface="DejaVu Sans"/>
               </a:rPr>
               <a:t>You can use any free port number 1024 - 65535. </a:t>
             </a:r>
@@ -23448,6 +23764,7 @@
                   <a:srgbClr val="000000"/>
                 </a:solidFill>
                 <a:latin typeface="Arial"/>
+                <a:ea typeface="DejaVu Sans"/>
               </a:rPr>
               <a:t>(You must be </a:t>
             </a:r>
@@ -23457,6 +23774,7 @@
                   <a:srgbClr val="000080"/>
                 </a:solidFill>
                 <a:latin typeface="Arial"/>
+                <a:ea typeface="DejaVu Sans"/>
               </a:rPr>
               <a:t>root</a:t>
             </a:r>
@@ -23466,6 +23784,7 @@
                   <a:srgbClr val="000000"/>
                 </a:solidFill>
                 <a:latin typeface="Arial"/>
+                <a:ea typeface="DejaVu Sans"/>
               </a:rPr>
               <a:t> or </a:t>
             </a:r>
@@ -23475,6 +23794,7 @@
                   <a:srgbClr val="000000"/>
                 </a:solidFill>
                 <a:latin typeface="Arial"/>
+                <a:ea typeface="DejaVu Sans"/>
               </a:rPr>
               <a:t>admin</a:t>
             </a:r>
@@ -23484,6 +23804,7 @@
                   <a:srgbClr val="000000"/>
                 </a:solidFill>
                 <a:latin typeface="Arial"/>
+                <a:ea typeface="DejaVu Sans"/>
               </a:rPr>
               <a:t> to use ports 1-1023.) </a:t>
             </a:r>
@@ -23492,7 +23813,7 @@
             </a:endParaRPr>
           </a:p>
           <a:p>
-            <a:pPr marL="228600" indent="-228240">
+            <a:pPr marL="228600" indent="-227520">
               <a:lnSpc>
                 <a:spcPct val="100000"/>
               </a:lnSpc>
@@ -23550,6 +23871,7 @@
                   <a:srgbClr val="000000"/>
                 </a:solidFill>
                 <a:latin typeface="Arial"/>
+                <a:ea typeface="DejaVu Sans"/>
               </a:rPr>
               <a:t>To receive a request from a *</a:t>
             </a:r>
@@ -23559,6 +23881,7 @@
                   <a:srgbClr val="000000"/>
                 </a:solidFill>
                 <a:latin typeface="Arial"/>
+                <a:ea typeface="DejaVu Sans"/>
               </a:rPr>
               <a:t>different</a:t>
             </a:r>
@@ -23568,6 +23891,7 @@
                   <a:srgbClr val="000000"/>
                 </a:solidFill>
                 <a:latin typeface="Arial"/>
+                <a:ea typeface="DejaVu Sans"/>
               </a:rPr>
               <a:t>* host, make sure there is no firewall blocking tcp port 8080 (or whatever).</a:t>
             </a:r>
@@ -23576,7 +23900,7 @@
             </a:endParaRPr>
           </a:p>
           <a:p>
-            <a:pPr marL="228600" indent="-183960">
+            <a:pPr marL="228600" indent="-183240">
               <a:lnSpc>
                 <a:spcPct val="100000"/>
               </a:lnSpc>
@@ -23639,7 +23963,7 @@
         <p:spPr>
           <a:xfrm>
             <a:off x="611280" y="260280"/>
-            <a:ext cx="7890840" cy="834840"/>
+            <a:ext cx="7890120" cy="834120"/>
           </a:xfrm>
           <a:prstGeom prst="rect">
             <a:avLst/>
@@ -23708,6 +24032,7 @@
                   <a:srgbClr val="333399"/>
                 </a:solidFill>
                 <a:latin typeface="Arial"/>
+                <a:ea typeface="DejaVu Sans"/>
               </a:rPr>
               <a:t>What is my browser sending?</a:t>
             </a:r>
@@ -23726,7 +24051,7 @@
         <p:spPr>
           <a:xfrm>
             <a:off x="674280" y="1399680"/>
-            <a:ext cx="7891200" cy="4433760"/>
+            <a:ext cx="7890480" cy="5366520"/>
           </a:xfrm>
           <a:prstGeom prst="rect">
             <a:avLst/>
@@ -23747,7 +24072,7 @@
             <a:normAutofit/>
           </a:bodyPr>
           <a:p>
-            <a:pPr marL="342720" indent="-313920">
+            <a:pPr marL="342720" indent="-313200">
               <a:lnSpc>
                 <a:spcPct val="100000"/>
               </a:lnSpc>
@@ -23764,6 +24089,7 @@
                   <a:srgbClr val="000000"/>
                 </a:solidFill>
                 <a:latin typeface="Arial"/>
+                <a:ea typeface="DejaVu Sans"/>
               </a:rPr>
               <a:t>1.2 Open a </a:t>
             </a:r>
@@ -23773,6 +24099,7 @@
                   <a:srgbClr val="000080"/>
                 </a:solidFill>
                 <a:latin typeface="Arial"/>
+                <a:ea typeface="DejaVu Sans"/>
               </a:rPr>
               <a:t>web browser</a:t>
             </a:r>
@@ -23782,6 +24109,7 @@
                   <a:srgbClr val="000000"/>
                 </a:solidFill>
                 <a:latin typeface="Arial"/>
+                <a:ea typeface="DejaVu Sans"/>
               </a:rPr>
               <a:t> and send a request to ncat:</a:t>
             </a:r>
@@ -23790,7 +24118,7 @@
             </a:endParaRPr>
           </a:p>
           <a:p>
-            <a:pPr marL="342720" indent="-313920">
+            <a:pPr marL="342720" indent="-313200">
               <a:lnSpc>
                 <a:spcPct val="100000"/>
               </a:lnSpc>
@@ -23806,7 +24134,7 @@
             </a:endParaRPr>
           </a:p>
           <a:p>
-            <a:pPr marL="342720" indent="-313920" algn="ctr">
+            <a:pPr marL="342720" indent="-313200" algn="ctr">
               <a:lnSpc>
                 <a:spcPct val="100000"/>
               </a:lnSpc>
@@ -23818,20 +24146,21 @@
               </a:tabLst>
             </a:pPr>
             <a:r>
-              <a:rPr b="1" lang="en-US" sz="2400" spc="-1" strike="noStrike">
+              <a:rPr b="1" lang="en-US" sz="2800" spc="-1" strike="noStrike">
                 <a:solidFill>
                   <a:srgbClr val="000000"/>
                 </a:solidFill>
                 <a:latin typeface="Courier New"/>
+                <a:ea typeface="DejaVu Sans"/>
               </a:rPr>
               <a:t>http://localhost:8080/make-my-day</a:t>
             </a:r>
-            <a:endParaRPr b="0" lang="en-US" sz="2400" spc="-1" strike="noStrike">
-              <a:latin typeface="Arial"/>
-            </a:endParaRPr>
-          </a:p>
-          <a:p>
-            <a:pPr marL="342720" indent="-313920">
+            <a:endParaRPr b="0" lang="en-US" sz="2800" spc="-1" strike="noStrike">
+              <a:latin typeface="Arial"/>
+            </a:endParaRPr>
+          </a:p>
+          <a:p>
+            <a:pPr marL="342720" indent="-313200">
               <a:lnSpc>
                 <a:spcPct val="100000"/>
               </a:lnSpc>
@@ -23842,12 +24171,12 @@
                 <a:tab algn="l" pos="0"/>
               </a:tabLst>
             </a:pPr>
-            <a:endParaRPr b="0" lang="en-US" sz="2400" spc="-1" strike="noStrike">
-              <a:latin typeface="Arial"/>
-            </a:endParaRPr>
-          </a:p>
-          <a:p>
-            <a:pPr marL="342720" indent="-313920">
+            <a:endParaRPr b="0" lang="en-US" sz="2800" spc="-1" strike="noStrike">
+              <a:latin typeface="Arial"/>
+            </a:endParaRPr>
+          </a:p>
+          <a:p>
+            <a:pPr marL="342720" indent="-313200">
               <a:lnSpc>
                 <a:spcPct val="100000"/>
               </a:lnSpc>
@@ -23864,6 +24193,7 @@
                   <a:srgbClr val="000000"/>
                 </a:solidFill>
                 <a:latin typeface="Arial"/>
+                <a:ea typeface="DejaVu Sans"/>
               </a:rPr>
               <a:t>(8080 is the port number ncat is listening on)</a:t>
             </a:r>
@@ -23872,7 +24202,7 @@
             </a:endParaRPr>
           </a:p>
           <a:p>
-            <a:pPr marL="342720" indent="-313920">
+            <a:pPr marL="342720" indent="-313200">
               <a:lnSpc>
                 <a:spcPct val="100000"/>
               </a:lnSpc>
@@ -23888,7 +24218,7 @@
             </a:endParaRPr>
           </a:p>
           <a:p>
-            <a:pPr marL="342720" indent="-313920">
+            <a:pPr marL="342720" indent="-313200">
               <a:lnSpc>
                 <a:spcPct val="100000"/>
               </a:lnSpc>
@@ -23905,6 +24235,7 @@
                   <a:srgbClr val="000080"/>
                 </a:solidFill>
                 <a:latin typeface="Arial"/>
+                <a:ea typeface="DejaVu Sans"/>
               </a:rPr>
               <a:t>Use </a:t>
             </a:r>
@@ -23914,6 +24245,7 @@
                   <a:srgbClr val="000080"/>
                 </a:solidFill>
                 <a:latin typeface="Courier New"/>
+                <a:ea typeface="DejaVu Sans"/>
               </a:rPr>
               <a:t>http: </a:t>
             </a:r>
@@ -23923,6 +24255,7 @@
                   <a:srgbClr val="000080"/>
                 </a:solidFill>
                 <a:latin typeface="Arial"/>
+                <a:ea typeface="DejaVu Sans"/>
               </a:rPr>
               <a:t> not </a:t>
             </a:r>
@@ -23932,6 +24265,7 @@
                   <a:srgbClr val="000080"/>
                 </a:solidFill>
                 <a:latin typeface="Courier New"/>
+                <a:ea typeface="DejaVu Sans"/>
               </a:rPr>
               <a:t>https</a:t>
             </a:r>
@@ -23941,6 +24275,7 @@
                   <a:srgbClr val="000080"/>
                 </a:solidFill>
                 <a:latin typeface="Arial"/>
+                <a:ea typeface="DejaVu Sans"/>
               </a:rPr>
               <a:t> (encrypted http).</a:t>
             </a:r>
@@ -23949,7 +24284,7 @@
             </a:endParaRPr>
           </a:p>
           <a:p>
-            <a:pPr marL="342720" indent="-313920">
+            <a:pPr marL="342720" indent="-313200">
               <a:lnSpc>
                 <a:spcPct val="100000"/>
               </a:lnSpc>
@@ -23965,7 +24300,7 @@
             </a:endParaRPr>
           </a:p>
           <a:p>
-            <a:pPr marL="342720" indent="-313920">
+            <a:pPr marL="342720" indent="-313200">
               <a:lnSpc>
                 <a:spcPct val="100000"/>
               </a:lnSpc>
@@ -23982,6 +24317,7 @@
                   <a:srgbClr val="000000"/>
                 </a:solidFill>
                 <a:latin typeface="Arial"/>
+                <a:ea typeface="DejaVu Sans"/>
               </a:rPr>
               <a:t>If you use https, the request shown in ncat window will look like gibberish.</a:t>
             </a:r>
@@ -23990,7 +24326,7 @@
             </a:endParaRPr>
           </a:p>
           <a:p>
-            <a:pPr marL="342720" indent="-313920">
+            <a:pPr marL="342720" indent="-313200">
               <a:lnSpc>
                 <a:spcPct val="100000"/>
               </a:lnSpc>
@@ -24053,7 +24389,7 @@
         <p:spPr>
           <a:xfrm>
             <a:off x="611280" y="260280"/>
-            <a:ext cx="7890840" cy="834840"/>
+            <a:ext cx="7890120" cy="834120"/>
           </a:xfrm>
           <a:prstGeom prst="rect">
             <a:avLst/>
@@ -24122,6 +24458,7 @@
                   <a:srgbClr val="333399"/>
                 </a:solidFill>
                 <a:latin typeface="Arial"/>
+                <a:ea typeface="DejaVu Sans"/>
               </a:rPr>
               <a:t>What did the ncat server receive?</a:t>
             </a:r>
@@ -24140,7 +24477,7 @@
         <p:spPr>
           <a:xfrm>
             <a:off x="674280" y="1399680"/>
-            <a:ext cx="7891200" cy="5092560"/>
+            <a:ext cx="7890480" cy="5366520"/>
           </a:xfrm>
           <a:prstGeom prst="rect">
             <a:avLst/>
@@ -24161,7 +24498,7 @@
             <a:normAutofit/>
           </a:bodyPr>
           <a:p>
-            <a:pPr marL="342720" indent="-313920">
+            <a:pPr marL="342720" indent="-313200">
               <a:lnSpc>
                 <a:spcPct val="100000"/>
               </a:lnSpc>
@@ -24178,6 +24515,7 @@
                   <a:srgbClr val="000000"/>
                 </a:solidFill>
                 <a:latin typeface="Arial"/>
+                <a:ea typeface="DejaVu Sans"/>
               </a:rPr>
               <a:t>1.3 The ncat console should print something like this:</a:t>
             </a:r>
@@ -24186,7 +24524,7 @@
             </a:endParaRPr>
           </a:p>
           <a:p>
-            <a:pPr marL="342720" indent="-313920">
+            <a:pPr marL="342720" indent="-313200">
               <a:lnSpc>
                 <a:spcPct val="100000"/>
               </a:lnSpc>
@@ -24202,7 +24540,7 @@
             </a:endParaRPr>
           </a:p>
           <a:p>
-            <a:pPr marL="342720" indent="-313920">
+            <a:pPr marL="342720" indent="-313200">
               <a:lnSpc>
                 <a:spcPct val="100000"/>
               </a:lnSpc>
@@ -24219,6 +24557,7 @@
                   <a:srgbClr val="000000"/>
                 </a:solidFill>
                 <a:latin typeface="Courier New"/>
+                <a:ea typeface="DejaVu Sans"/>
               </a:rPr>
               <a:t>GET /make-my-day HTTP/1.1</a:t>
             </a:r>
@@ -24227,7 +24566,7 @@
             </a:endParaRPr>
           </a:p>
           <a:p>
-            <a:pPr marL="342720" indent="-313920">
+            <a:pPr marL="342720" indent="-313200">
               <a:lnSpc>
                 <a:spcPct val="100000"/>
               </a:lnSpc>
@@ -24241,6 +24580,7 @@
                   <a:srgbClr val="000000"/>
                 </a:solidFill>
                 <a:latin typeface="Courier New"/>
+                <a:ea typeface="DejaVu Sans"/>
               </a:rPr>
               <a:t>Host: localhost</a:t>
             </a:r>
@@ -24249,7 +24589,7 @@
             </a:endParaRPr>
           </a:p>
           <a:p>
-            <a:pPr marL="342720" indent="-313920">
+            <a:pPr marL="342720" indent="-313200">
               <a:lnSpc>
                 <a:spcPct val="100000"/>
               </a:lnSpc>
@@ -24263,6 +24603,7 @@
                   <a:srgbClr val="000000"/>
                 </a:solidFill>
                 <a:latin typeface="Courier New"/>
+                <a:ea typeface="DejaVu Sans"/>
               </a:rPr>
               <a:t>Connection: keep-alive</a:t>
             </a:r>
@@ -24271,7 +24612,7 @@
             </a:endParaRPr>
           </a:p>
           <a:p>
-            <a:pPr marL="342720" indent="-313920">
+            <a:pPr marL="342720" indent="-313200">
               <a:lnSpc>
                 <a:spcPct val="100000"/>
               </a:lnSpc>
@@ -24285,6 +24626,7 @@
                   <a:srgbClr val="000000"/>
                 </a:solidFill>
                 <a:latin typeface="Courier New"/>
+                <a:ea typeface="DejaVu Sans"/>
               </a:rPr>
               <a:t>User-Agent: Mozilla/5.0 (X11; Linux x86_64) AppleWebKit/537.36 (KHTML, like Gecko) Chrome/69.0.3497.81 Safari/537.36</a:t>
             </a:r>
@@ -24293,7 +24635,7 @@
             </a:endParaRPr>
           </a:p>
           <a:p>
-            <a:pPr marL="342720" indent="-313920">
+            <a:pPr marL="342720" indent="-313200">
               <a:lnSpc>
                 <a:spcPct val="100000"/>
               </a:lnSpc>
@@ -24307,6 +24649,7 @@
                   <a:srgbClr val="000000"/>
                 </a:solidFill>
                 <a:latin typeface="Courier New"/>
+                <a:ea typeface="DejaVu Sans"/>
               </a:rPr>
               <a:t>Accept: text/html,application/xhtml+xml,application/xml;q=0.9,image/webp,image/apng,*/*;q=0.8</a:t>
             </a:r>
@@ -24315,7 +24658,7 @@
             </a:endParaRPr>
           </a:p>
           <a:p>
-            <a:pPr marL="342720" indent="-313920">
+            <a:pPr marL="342720" indent="-313200">
               <a:lnSpc>
                 <a:spcPct val="100000"/>
               </a:lnSpc>
@@ -24329,6 +24672,7 @@
                   <a:srgbClr val="000000"/>
                 </a:solidFill>
                 <a:latin typeface="Courier New"/>
+                <a:ea typeface="DejaVu Sans"/>
               </a:rPr>
               <a:t>Accept-Encoding: gzip, deflate, br</a:t>
             </a:r>
@@ -24337,7 +24681,7 @@
             </a:endParaRPr>
           </a:p>
           <a:p>
-            <a:pPr marL="342720" indent="-313920">
+            <a:pPr marL="342720" indent="-313200">
               <a:lnSpc>
                 <a:spcPct val="100000"/>
               </a:lnSpc>
@@ -24351,6 +24695,7 @@
                   <a:srgbClr val="000000"/>
                 </a:solidFill>
                 <a:latin typeface="Courier New"/>
+                <a:ea typeface="DejaVu Sans"/>
               </a:rPr>
               <a:t>Accept-Language: en-US,en;q=0.9,th;q=0.8</a:t>
             </a:r>
@@ -24359,7 +24704,7 @@
             </a:endParaRPr>
           </a:p>
           <a:p>
-            <a:pPr marL="342720" indent="-313920">
+            <a:pPr marL="342720" indent="-313200">
               <a:lnSpc>
                 <a:spcPct val="100000"/>
               </a:lnSpc>
@@ -24422,7 +24767,7 @@
         <p:spPr>
           <a:xfrm>
             <a:off x="611280" y="260280"/>
-            <a:ext cx="7890840" cy="834840"/>
+            <a:ext cx="7890120" cy="834120"/>
           </a:xfrm>
           <a:prstGeom prst="rect">
             <a:avLst/>
@@ -24491,6 +24836,7 @@
                   <a:srgbClr val="333399"/>
                 </a:solidFill>
                 <a:latin typeface="Arial"/>
+                <a:ea typeface="DejaVu Sans"/>
               </a:rPr>
               <a:t>The Browser is Waiting for a Reply</a:t>
             </a:r>
@@ -24509,7 +24855,7 @@
         <p:spPr>
           <a:xfrm>
             <a:off x="674280" y="1400040"/>
-            <a:ext cx="7891200" cy="5275080"/>
+            <a:ext cx="7890480" cy="5274360"/>
           </a:xfrm>
           <a:prstGeom prst="rect">
             <a:avLst/>
@@ -24530,7 +24876,7 @@
             <a:normAutofit/>
           </a:bodyPr>
           <a:p>
-            <a:pPr marL="342720" indent="-313920">
+            <a:pPr marL="342720" indent="-313200">
               <a:lnSpc>
                 <a:spcPct val="100000"/>
               </a:lnSpc>
@@ -24547,6 +24893,7 @@
                   <a:srgbClr val="000000"/>
                 </a:solidFill>
                 <a:latin typeface="Arial"/>
+                <a:ea typeface="DejaVu Sans"/>
               </a:rPr>
               <a:t>You can see the browser is waiting for a reply.</a:t>
             </a:r>
@@ -24555,7 +24902,7 @@
             </a:endParaRPr>
           </a:p>
           <a:p>
-            <a:pPr marL="342720" indent="-313920">
+            <a:pPr marL="342720" indent="-313200">
               <a:lnSpc>
                 <a:spcPct val="100000"/>
               </a:lnSpc>
@@ -24571,7 +24918,7 @@
             </a:endParaRPr>
           </a:p>
           <a:p>
-            <a:pPr marL="342720" indent="-313920">
+            <a:pPr marL="342720" indent="-313200">
               <a:lnSpc>
                 <a:spcPct val="100000"/>
               </a:lnSpc>
@@ -24588,6 +24935,7 @@
                   <a:srgbClr val="000000"/>
                 </a:solidFill>
                 <a:latin typeface="Arial"/>
+                <a:ea typeface="DejaVu Sans"/>
               </a:rPr>
               <a:t>We will use netcat to send a reply.</a:t>
             </a:r>
@@ -24596,7 +24944,7 @@
             </a:endParaRPr>
           </a:p>
           <a:p>
-            <a:pPr marL="342720" indent="-313920">
+            <a:pPr marL="342720" indent="-313200">
               <a:lnSpc>
                 <a:spcPct val="100000"/>
               </a:lnSpc>
@@ -24612,7 +24960,7 @@
             </a:endParaRPr>
           </a:p>
           <a:p>
-            <a:pPr marL="342720" indent="-313920" algn="ctr">
+            <a:pPr marL="342720" indent="-313200" algn="ctr">
               <a:lnSpc>
                 <a:spcPct val="100000"/>
               </a:lnSpc>
@@ -24629,6 +24977,7 @@
                   <a:srgbClr val="000080"/>
                 </a:solidFill>
                 <a:latin typeface="Arial"/>
+                <a:ea typeface="DejaVu Sans"/>
               </a:rPr>
               <a:t>You are a human web server!</a:t>
             </a:r>
@@ -24637,7 +24986,7 @@
             </a:endParaRPr>
           </a:p>
           <a:p>
-            <a:pPr marL="342720" indent="-313920">
+            <a:pPr marL="342720" indent="-313200">
               <a:lnSpc>
                 <a:spcPct val="100000"/>
               </a:lnSpc>
@@ -24653,7 +25002,7 @@
             </a:endParaRPr>
           </a:p>
           <a:p>
-            <a:pPr marL="342720" indent="-313920" algn="ctr">
+            <a:pPr marL="342720" indent="-313200" algn="ctr">
               <a:lnSpc>
                 <a:spcPct val="100000"/>
               </a:lnSpc>
@@ -24716,7 +25065,7 @@
         <p:spPr>
           <a:xfrm>
             <a:off x="611280" y="260280"/>
-            <a:ext cx="7890840" cy="834840"/>
+            <a:ext cx="7890120" cy="834120"/>
           </a:xfrm>
           <a:prstGeom prst="rect">
             <a:avLst/>
@@ -24785,6 +25134,7 @@
                   <a:srgbClr val="333399"/>
                 </a:solidFill>
                 <a:latin typeface="Arial"/>
+                <a:ea typeface="DejaVu Sans"/>
               </a:rPr>
               <a:t>Send a Reply using HTTP protocol</a:t>
             </a:r>
@@ -24803,7 +25153,7 @@
         <p:spPr>
           <a:xfrm>
             <a:off x="674280" y="1400040"/>
-            <a:ext cx="7891200" cy="5275080"/>
+            <a:ext cx="7890480" cy="5274360"/>
           </a:xfrm>
           <a:prstGeom prst="rect">
             <a:avLst/>
@@ -24824,7 +25174,7 @@
             <a:normAutofit/>
           </a:bodyPr>
           <a:p>
-            <a:pPr marL="342720" indent="-313920">
+            <a:pPr marL="342720" indent="-313200">
               <a:lnSpc>
                 <a:spcPct val="100000"/>
               </a:lnSpc>
@@ -24841,6 +25191,7 @@
                   <a:srgbClr val="000000"/>
                 </a:solidFill>
                 <a:latin typeface="Arial"/>
+                <a:ea typeface="DejaVu Sans"/>
               </a:rPr>
               <a:t>1.4  In the ncat window, type a reply using HTTP.</a:t>
             </a:r>
@@ -24849,7 +25200,7 @@
             </a:endParaRPr>
           </a:p>
           <a:p>
-            <a:pPr marL="342720" indent="-313920">
+            <a:pPr marL="342720" indent="-313200">
               <a:lnSpc>
                 <a:spcPct val="100000"/>
               </a:lnSpc>
@@ -24858,41 +25209,6 @@
               </a:spcBef>
               <a:tabLst>
                 <a:tab algn="l" pos="0"/>
-                <a:tab algn="l" pos="338040"/>
-                <a:tab algn="l" pos="352080"/>
-                <a:tab algn="l" pos="711000"/>
-                <a:tab algn="l" pos="1069920"/>
-                <a:tab algn="l" pos="1428480"/>
-                <a:tab algn="l" pos="1787400"/>
-                <a:tab algn="l" pos="2145960"/>
-                <a:tab algn="l" pos="2504880"/>
-                <a:tab algn="l" pos="2863800"/>
-                <a:tab algn="l" pos="3222360"/>
-                <a:tab algn="l" pos="3581280"/>
-                <a:tab algn="l" pos="3939840"/>
-                <a:tab algn="l" pos="4298760"/>
-                <a:tab algn="l" pos="4657680"/>
-                <a:tab algn="l" pos="5016240"/>
-                <a:tab algn="l" pos="5375160"/>
-                <a:tab algn="l" pos="5733720"/>
-                <a:tab algn="l" pos="6092640"/>
-                <a:tab algn="l" pos="6451560"/>
-                <a:tab algn="l" pos="6810120"/>
-                <a:tab algn="l" pos="7169040"/>
-                <a:tab algn="l" pos="7202160"/>
-                <a:tab algn="l" pos="7562520"/>
-                <a:tab algn="l" pos="7887960"/>
-                <a:tab algn="l" pos="8246880"/>
-                <a:tab algn="l" pos="8605800"/>
-                <a:tab algn="l" pos="8964360"/>
-                <a:tab algn="l" pos="9323280"/>
-                <a:tab algn="l" pos="9681840"/>
-                <a:tab algn="l" pos="10040760"/>
-                <a:tab algn="l" pos="10399680"/>
-                <a:tab algn="l" pos="10758240"/>
-                <a:tab algn="l" pos="10760040"/>
-                <a:tab algn="l" pos="10761480"/>
-                <a:tab algn="l" pos="10762920"/>
               </a:tabLst>
             </a:pPr>
             <a:r>
@@ -24901,6 +25217,7 @@
                   <a:srgbClr val="000080"/>
                 </a:solidFill>
                 <a:latin typeface="Arial"/>
+                <a:ea typeface="DejaVu Sans"/>
               </a:rPr>
               <a:t>       </a:t>
             </a:r>
@@ -24911,6 +25228,7 @@
                 </a:solidFill>
                 <a:uFillTx/>
                 <a:latin typeface="Arial"/>
+                <a:ea typeface="DejaVu Sans"/>
               </a:rPr>
               <a:t>First line</a:t>
             </a:r>
@@ -24920,6 +25238,7 @@
                   <a:srgbClr val="000080"/>
                 </a:solidFill>
                 <a:latin typeface="Arial"/>
+                <a:ea typeface="DejaVu Sans"/>
               </a:rPr>
               <a:t> </a:t>
             </a:r>
@@ -24929,6 +25248,7 @@
                   <a:srgbClr val="000000"/>
                 </a:solidFill>
                 <a:latin typeface="Arial"/>
+                <a:ea typeface="DejaVu Sans"/>
               </a:rPr>
               <a:t>must</a:t>
             </a:r>
@@ -24938,6 +25258,7 @@
                   <a:srgbClr val="000000"/>
                 </a:solidFill>
                 <a:latin typeface="Arial"/>
+                <a:ea typeface="DejaVu Sans"/>
               </a:rPr>
               <a:t> be  "</a:t>
             </a:r>
@@ -24947,6 +25268,7 @@
                   <a:srgbClr val="000000"/>
                 </a:solidFill>
                 <a:latin typeface="Courier New"/>
+                <a:ea typeface="DejaVu Sans"/>
               </a:rPr>
               <a:t>HTTP/1.1 200 OK</a:t>
             </a:r>
@@ -24956,6 +25278,7 @@
                   <a:srgbClr val="000000"/>
                 </a:solidFill>
                 <a:latin typeface="Arial"/>
+                <a:ea typeface="DejaVu Sans"/>
               </a:rPr>
               <a:t>"</a:t>
             </a:r>
@@ -24965,7 +25288,7 @@
             </a:endParaRPr>
           </a:p>
           <a:p>
-            <a:pPr marL="342720" indent="-313920">
+            <a:pPr marL="342720" indent="-313200">
               <a:lnSpc>
                 <a:spcPct val="100000"/>
               </a:lnSpc>
@@ -24982,6 +25305,7 @@
                   <a:srgbClr val="000000"/>
                 </a:solidFill>
                 <a:latin typeface="Courier New"/>
+                <a:ea typeface="DejaVu Sans"/>
               </a:rPr>
               <a:t>HTTP/1.1 200 OK</a:t>
             </a:r>
@@ -24990,7 +25314,7 @@
             </a:endParaRPr>
           </a:p>
           <a:p>
-            <a:pPr marL="342720" indent="-313920">
+            <a:pPr marL="342720" indent="-313200">
               <a:lnSpc>
                 <a:spcPct val="100000"/>
               </a:lnSpc>
@@ -25007,6 +25331,7 @@
                   <a:srgbClr val="000000"/>
                 </a:solidFill>
                 <a:latin typeface="Courier New"/>
+                <a:ea typeface="DejaVu Sans"/>
               </a:rPr>
               <a:t>Content-type: text/html</a:t>
             </a:r>
@@ -25015,7 +25340,7 @@
             </a:endParaRPr>
           </a:p>
           <a:p>
-            <a:pPr marL="342720" indent="-313920">
+            <a:pPr marL="342720" indent="-313200">
               <a:lnSpc>
                 <a:spcPct val="100000"/>
               </a:lnSpc>
@@ -25032,8 +25357,9 @@
                   <a:srgbClr val="000000"/>
                 </a:solidFill>
                 <a:latin typeface="Courier New"/>
-              </a:rPr>
-              <a:t>                          </a:t>
+                <a:ea typeface="DejaVu Sans"/>
+              </a:rPr>
+              <a:t>                           </a:t>
             </a:r>
             <a:r>
               <a:rPr b="1" lang="en-US" sz="2400" spc="-1" strike="noStrike">
@@ -25041,6 +25367,7 @@
                   <a:srgbClr val="ff00ff"/>
                 </a:solidFill>
                 <a:latin typeface="Courier New"/>
+                <a:ea typeface="DejaVu Sans"/>
               </a:rPr>
               <a:t>&lt;-- blank line</a:t>
             </a:r>
@@ -25049,7 +25376,7 @@
             </a:endParaRPr>
           </a:p>
           <a:p>
-            <a:pPr marL="342720" indent="-313920">
+            <a:pPr marL="342720" indent="-313200">
               <a:lnSpc>
                 <a:spcPct val="100000"/>
               </a:lnSpc>
@@ -25066,6 +25393,7 @@
                   <a:srgbClr val="000000"/>
                 </a:solidFill>
                 <a:latin typeface="Courier New"/>
+                <a:ea typeface="DejaVu Sans"/>
               </a:rPr>
               <a:t>&lt;html&gt;&lt;body&gt;</a:t>
             </a:r>
@@ -25074,7 +25402,7 @@
             </a:endParaRPr>
           </a:p>
           <a:p>
-            <a:pPr marL="342720" indent="-313920">
+            <a:pPr marL="342720" indent="-313200">
               <a:lnSpc>
                 <a:spcPct val="100000"/>
               </a:lnSpc>
@@ -25091,15 +25419,62 @@
                   <a:srgbClr val="000000"/>
                 </a:solidFill>
                 <a:latin typeface="Courier New"/>
-              </a:rPr>
-              <a:t>&lt;h1&gt;Hello, Web Surfer&lt;/h1&gt;</a:t>
+                <a:ea typeface="DejaVu Sans"/>
+              </a:rPr>
+              <a:t>&lt;h1&gt;Hello, Web Surfer&lt;/h1&gt; </a:t>
+            </a:r>
+            <a:r>
+              <a:rPr b="1" lang="en-US" sz="2400" spc="-1" strike="noStrike">
+                <a:solidFill>
+                  <a:srgbClr val="ff00ff"/>
+                </a:solidFill>
+                <a:latin typeface="Courier New"/>
+                <a:ea typeface="DejaVu Sans"/>
+              </a:rPr>
+              <a:t>&lt;-- anything</a:t>
             </a:r>
             <a:endParaRPr b="0" lang="en-US" sz="2400" spc="-1" strike="noStrike">
               <a:latin typeface="Arial"/>
             </a:endParaRPr>
           </a:p>
           <a:p>
-            <a:pPr marL="342720" indent="-313920">
+            <a:pPr marL="342720" indent="-313200">
+              <a:lnSpc>
+                <a:spcPct val="100000"/>
+              </a:lnSpc>
+              <a:spcBef>
+                <a:spcPts val="598"/>
+              </a:spcBef>
+              <a:tabLst>
+                <a:tab algn="l" pos="0"/>
+              </a:tabLst>
+            </a:pPr>
+            <a:r>
+              <a:rPr b="1" lang="en-US" sz="2400" spc="-1" strike="noStrike">
+                <a:solidFill>
+                  <a:srgbClr val="ff00ff"/>
+                </a:solidFill>
+                <a:latin typeface="Courier New"/>
+                <a:ea typeface="DejaVu Sans"/>
+              </a:rPr>
+              <a:t>                               </a:t>
+            </a:r>
+            <a:r>
+              <a:rPr b="1" lang="en-US" sz="2400" spc="-1" strike="noStrike">
+                <a:solidFill>
+                  <a:srgbClr val="ff00ff"/>
+                </a:solidFill>
+                <a:latin typeface="Courier New"/>
+                <a:ea typeface="DejaVu Sans"/>
+              </a:rPr>
+              <a:t>you like</a:t>
+            </a:r>
+            <a:endParaRPr b="0" lang="en-US" sz="2400" spc="-1" strike="noStrike">
+              <a:latin typeface="Arial"/>
+            </a:endParaRPr>
+          </a:p>
+          <a:p>
+            <a:pPr marL="342720" indent="-313200">
               <a:lnSpc>
                 <a:spcPct val="100000"/>
               </a:lnSpc>

--- a/web/HTTP-in-Action.pptx
+++ b/web/HTTP-in-Action.pptx
@@ -272,7 +272,7 @@
           </a:bodyPr>
           <a:p>
             <a:pPr algn="r"/>
-            <a:fld id="{D88A03AC-D54D-4D42-A5A0-16A4058BAFFF}" type="slidenum">
+            <a:fld id="{ED15D874-6F2E-4F35-9CB7-AEE3FF9B39E4}" type="slidenum">
               <a:rPr b="0" lang="en-US" sz="1400" spc="-1" strike="noStrike">
                 <a:latin typeface="Times New Roman"/>
               </a:rPr>
@@ -320,7 +320,7 @@
         <p:spPr>
           <a:xfrm>
             <a:off x="2143080" y="695160"/>
-            <a:ext cx="2570760" cy="3427920"/>
+            <a:ext cx="2570400" cy="3427560"/>
           </a:xfrm>
           <a:prstGeom prst="rect">
             <a:avLst/>
@@ -336,7 +336,7 @@
         <p:spPr>
           <a:xfrm>
             <a:off x="685800" y="4343400"/>
-            <a:ext cx="5485320" cy="4113720"/>
+            <a:ext cx="5484960" cy="4113360"/>
           </a:xfrm>
           <a:custGeom>
             <a:avLst/>
@@ -411,7 +411,7 @@
         <p:spPr>
           <a:xfrm>
             <a:off x="2143080" y="695160"/>
-            <a:ext cx="2570760" cy="3427920"/>
+            <a:ext cx="2570400" cy="3427560"/>
           </a:xfrm>
           <a:prstGeom prst="rect">
             <a:avLst/>
@@ -427,7 +427,7 @@
         <p:spPr>
           <a:xfrm>
             <a:off x="685800" y="4343400"/>
-            <a:ext cx="5485320" cy="4113720"/>
+            <a:ext cx="5484960" cy="4113360"/>
           </a:xfrm>
           <a:custGeom>
             <a:avLst/>
@@ -502,7 +502,7 @@
         <p:spPr>
           <a:xfrm>
             <a:off x="2143080" y="695160"/>
-            <a:ext cx="2570760" cy="3427920"/>
+            <a:ext cx="2570400" cy="3427560"/>
           </a:xfrm>
           <a:prstGeom prst="rect">
             <a:avLst/>
@@ -518,7 +518,7 @@
         <p:spPr>
           <a:xfrm>
             <a:off x="685800" y="4343400"/>
-            <a:ext cx="5485320" cy="4113720"/>
+            <a:ext cx="5484960" cy="4113360"/>
           </a:xfrm>
           <a:custGeom>
             <a:avLst/>
@@ -593,7 +593,7 @@
         <p:spPr>
           <a:xfrm>
             <a:off x="2143080" y="695160"/>
-            <a:ext cx="2570760" cy="3427920"/>
+            <a:ext cx="2570400" cy="3427560"/>
           </a:xfrm>
           <a:prstGeom prst="rect">
             <a:avLst/>
@@ -609,7 +609,7 @@
         <p:spPr>
           <a:xfrm>
             <a:off x="685800" y="4343400"/>
-            <a:ext cx="5485320" cy="4113720"/>
+            <a:ext cx="5484960" cy="4113360"/>
           </a:xfrm>
           <a:custGeom>
             <a:avLst/>
@@ -684,7 +684,7 @@
         <p:spPr>
           <a:xfrm>
             <a:off x="2143080" y="695160"/>
-            <a:ext cx="2570760" cy="3427920"/>
+            <a:ext cx="2570400" cy="3427560"/>
           </a:xfrm>
           <a:prstGeom prst="rect">
             <a:avLst/>
@@ -700,7 +700,7 @@
         <p:spPr>
           <a:xfrm>
             <a:off x="685800" y="4343400"/>
-            <a:ext cx="5485320" cy="4113720"/>
+            <a:ext cx="5484960" cy="4113360"/>
           </a:xfrm>
           <a:custGeom>
             <a:avLst/>
@@ -775,7 +775,7 @@
         <p:spPr>
           <a:xfrm>
             <a:off x="2143080" y="695160"/>
-            <a:ext cx="2570760" cy="3427920"/>
+            <a:ext cx="2570400" cy="3427560"/>
           </a:xfrm>
           <a:prstGeom prst="rect">
             <a:avLst/>
@@ -791,7 +791,7 @@
         <p:spPr>
           <a:xfrm>
             <a:off x="685800" y="4343400"/>
-            <a:ext cx="5485320" cy="4113720"/>
+            <a:ext cx="5484960" cy="4113360"/>
           </a:xfrm>
           <a:custGeom>
             <a:avLst/>
@@ -866,7 +866,7 @@
         <p:spPr>
           <a:xfrm>
             <a:off x="2143080" y="695160"/>
-            <a:ext cx="2570760" cy="3427920"/>
+            <a:ext cx="2570400" cy="3427560"/>
           </a:xfrm>
           <a:prstGeom prst="rect">
             <a:avLst/>
@@ -882,7 +882,7 @@
         <p:spPr>
           <a:xfrm>
             <a:off x="685800" y="4343400"/>
-            <a:ext cx="5485320" cy="4113720"/>
+            <a:ext cx="5484960" cy="4113360"/>
           </a:xfrm>
           <a:custGeom>
             <a:avLst/>
@@ -957,7 +957,7 @@
         <p:spPr>
           <a:xfrm>
             <a:off x="2143080" y="695160"/>
-            <a:ext cx="2570760" cy="3427920"/>
+            <a:ext cx="2570400" cy="3427560"/>
           </a:xfrm>
           <a:prstGeom prst="rect">
             <a:avLst/>
@@ -973,7 +973,7 @@
         <p:spPr>
           <a:xfrm>
             <a:off x="685800" y="4343400"/>
-            <a:ext cx="5485320" cy="4113720"/>
+            <a:ext cx="5484960" cy="4113360"/>
           </a:xfrm>
           <a:custGeom>
             <a:avLst/>
@@ -1048,7 +1048,7 @@
         <p:spPr>
           <a:xfrm>
             <a:off x="2143080" y="695160"/>
-            <a:ext cx="2570760" cy="3427920"/>
+            <a:ext cx="2570400" cy="3427560"/>
           </a:xfrm>
           <a:prstGeom prst="rect">
             <a:avLst/>
@@ -1064,7 +1064,7 @@
         <p:spPr>
           <a:xfrm>
             <a:off x="685800" y="4343400"/>
-            <a:ext cx="5485320" cy="4113720"/>
+            <a:ext cx="5484960" cy="4113360"/>
           </a:xfrm>
           <a:custGeom>
             <a:avLst/>
@@ -1139,7 +1139,7 @@
         <p:spPr>
           <a:xfrm>
             <a:off x="2143080" y="695160"/>
-            <a:ext cx="2570760" cy="3427920"/>
+            <a:ext cx="2570400" cy="3427560"/>
           </a:xfrm>
           <a:prstGeom prst="rect">
             <a:avLst/>
@@ -1155,7 +1155,7 @@
         <p:spPr>
           <a:xfrm>
             <a:off x="685800" y="4343400"/>
-            <a:ext cx="5485320" cy="4113720"/>
+            <a:ext cx="5484960" cy="4113360"/>
           </a:xfrm>
           <a:custGeom>
             <a:avLst/>
@@ -1230,7 +1230,7 @@
         <p:spPr>
           <a:xfrm>
             <a:off x="-11798280" y="-11796840"/>
-            <a:ext cx="11768760" cy="12462480"/>
+            <a:ext cx="11768400" cy="12462120"/>
           </a:xfrm>
           <a:prstGeom prst="rect">
             <a:avLst/>
@@ -1246,7 +1246,7 @@
         <p:spPr>
           <a:xfrm>
             <a:off x="685800" y="4343400"/>
-            <a:ext cx="5455080" cy="4083480"/>
+            <a:ext cx="5454720" cy="4083120"/>
           </a:xfrm>
           <a:custGeom>
             <a:avLst/>
@@ -1321,7 +1321,7 @@
         <p:spPr>
           <a:xfrm>
             <a:off x="-11798280" y="-11796840"/>
-            <a:ext cx="11768760" cy="12462480"/>
+            <a:ext cx="11768400" cy="12462120"/>
           </a:xfrm>
           <a:prstGeom prst="rect">
             <a:avLst/>
@@ -1337,7 +1337,7 @@
         <p:spPr>
           <a:xfrm>
             <a:off x="685800" y="4343400"/>
-            <a:ext cx="5455080" cy="4083480"/>
+            <a:ext cx="5454720" cy="4083120"/>
           </a:xfrm>
           <a:custGeom>
             <a:avLst/>
@@ -1412,7 +1412,7 @@
         <p:spPr>
           <a:xfrm>
             <a:off x="2143080" y="695160"/>
-            <a:ext cx="2570760" cy="3427920"/>
+            <a:ext cx="2570400" cy="3427560"/>
           </a:xfrm>
           <a:prstGeom prst="rect">
             <a:avLst/>
@@ -1428,7 +1428,7 @@
         <p:spPr>
           <a:xfrm>
             <a:off x="685800" y="4343400"/>
-            <a:ext cx="5485320" cy="4113720"/>
+            <a:ext cx="5484960" cy="4113360"/>
           </a:xfrm>
           <a:custGeom>
             <a:avLst/>
@@ -1503,7 +1503,7 @@
         <p:spPr>
           <a:xfrm>
             <a:off x="-11798280" y="-11796840"/>
-            <a:ext cx="11768760" cy="12462480"/>
+            <a:ext cx="11768400" cy="12462120"/>
           </a:xfrm>
           <a:prstGeom prst="rect">
             <a:avLst/>
@@ -1519,7 +1519,7 @@
         <p:spPr>
           <a:xfrm>
             <a:off x="685800" y="4343400"/>
-            <a:ext cx="5455080" cy="4083480"/>
+            <a:ext cx="5454720" cy="4083120"/>
           </a:xfrm>
           <a:custGeom>
             <a:avLst/>
@@ -1594,7 +1594,7 @@
         <p:spPr>
           <a:xfrm>
             <a:off x="2143080" y="695160"/>
-            <a:ext cx="2570760" cy="3427920"/>
+            <a:ext cx="2570400" cy="3427560"/>
           </a:xfrm>
           <a:prstGeom prst="rect">
             <a:avLst/>
@@ -1610,7 +1610,7 @@
         <p:spPr>
           <a:xfrm>
             <a:off x="685800" y="4343400"/>
-            <a:ext cx="5485320" cy="4113720"/>
+            <a:ext cx="5484960" cy="4113360"/>
           </a:xfrm>
           <a:custGeom>
             <a:avLst/>
@@ -1685,7 +1685,7 @@
         <p:spPr>
           <a:xfrm>
             <a:off x="-11798280" y="-11796840"/>
-            <a:ext cx="11768760" cy="12462480"/>
+            <a:ext cx="11768400" cy="12462120"/>
           </a:xfrm>
           <a:prstGeom prst="rect">
             <a:avLst/>
@@ -1701,7 +1701,7 @@
         <p:spPr>
           <a:xfrm>
             <a:off x="685800" y="4343400"/>
-            <a:ext cx="5455080" cy="4083480"/>
+            <a:ext cx="5454720" cy="4083120"/>
           </a:xfrm>
           <a:custGeom>
             <a:avLst/>
@@ -1776,7 +1776,7 @@
         <p:spPr>
           <a:xfrm>
             <a:off x="-11798280" y="-11796840"/>
-            <a:ext cx="11768760" cy="12462480"/>
+            <a:ext cx="11768400" cy="12462120"/>
           </a:xfrm>
           <a:prstGeom prst="rect">
             <a:avLst/>
@@ -1792,7 +1792,7 @@
         <p:spPr>
           <a:xfrm>
             <a:off x="685800" y="4343400"/>
-            <a:ext cx="5455080" cy="4083480"/>
+            <a:ext cx="5454720" cy="4083120"/>
           </a:xfrm>
           <a:custGeom>
             <a:avLst/>
@@ -1867,7 +1867,7 @@
         <p:spPr>
           <a:xfrm>
             <a:off x="-11798280" y="-11796840"/>
-            <a:ext cx="11768760" cy="12462480"/>
+            <a:ext cx="11768400" cy="12462120"/>
           </a:xfrm>
           <a:prstGeom prst="rect">
             <a:avLst/>
@@ -1883,7 +1883,7 @@
         <p:spPr>
           <a:xfrm>
             <a:off x="685800" y="4343400"/>
-            <a:ext cx="5455080" cy="4083480"/>
+            <a:ext cx="5454720" cy="4083120"/>
           </a:xfrm>
           <a:custGeom>
             <a:avLst/>
@@ -1958,7 +1958,7 @@
         <p:spPr>
           <a:xfrm>
             <a:off x="-11798280" y="-11796840"/>
-            <a:ext cx="11768760" cy="12462480"/>
+            <a:ext cx="11768400" cy="12462120"/>
           </a:xfrm>
           <a:prstGeom prst="rect">
             <a:avLst/>
@@ -1974,7 +1974,7 @@
         <p:spPr>
           <a:xfrm>
             <a:off x="685800" y="4343400"/>
-            <a:ext cx="5455080" cy="4083480"/>
+            <a:ext cx="5454720" cy="4083120"/>
           </a:xfrm>
           <a:custGeom>
             <a:avLst/>
@@ -6120,9 +6120,9 @@
         <p:grpSpPr>
           <a:xfrm>
             <a:off x="0" y="2438280"/>
-            <a:ext cx="8949240" cy="992880"/>
+            <a:ext cx="8948880" cy="992520"/>
             <a:chOff x="0" y="2438280"/>
-            <a:chExt cx="8949240" cy="992880"/>
+            <a:chExt cx="8948880" cy="992520"/>
           </a:xfrm>
         </p:grpSpPr>
         <p:grpSp>
@@ -6134,9 +6134,9 @@
           <p:grpSpPr>
             <a:xfrm>
               <a:off x="290520" y="2546280"/>
-              <a:ext cx="651240" cy="415080"/>
+              <a:ext cx="650880" cy="414720"/>
               <a:chOff x="290520" y="2546280"/>
-              <a:chExt cx="651240" cy="415080"/>
+              <a:chExt cx="650880" cy="414720"/>
             </a:xfrm>
           </p:grpSpPr>
           <p:sp>
@@ -6148,7 +6148,7 @@
             <p:spPr>
               <a:xfrm>
                 <a:off x="290520" y="2546280"/>
-                <a:ext cx="378360" cy="415080"/>
+                <a:ext cx="378000" cy="414720"/>
               </a:xfrm>
               <a:prstGeom prst="rect">
                 <a:avLst/>
@@ -6176,7 +6176,7 @@
             <p:spPr>
               <a:xfrm>
                 <a:off x="673200" y="2546280"/>
-                <a:ext cx="268560" cy="415080"/>
+                <a:ext cx="268200" cy="414720"/>
               </a:xfrm>
               <a:prstGeom prst="rect">
                 <a:avLst/>
@@ -6213,9 +6213,9 @@
           <p:grpSpPr>
             <a:xfrm>
               <a:off x="414360" y="2968560"/>
-              <a:ext cx="677880" cy="415080"/>
+              <a:ext cx="677520" cy="414720"/>
               <a:chOff x="414360" y="2968560"/>
-              <a:chExt cx="677880" cy="415080"/>
+              <a:chExt cx="677520" cy="414720"/>
             </a:xfrm>
           </p:grpSpPr>
           <p:sp>
@@ -6227,7 +6227,7 @@
             <p:spPr>
               <a:xfrm>
                 <a:off x="414360" y="2968560"/>
-                <a:ext cx="420480" cy="415080"/>
+                <a:ext cx="420120" cy="414720"/>
               </a:xfrm>
               <a:prstGeom prst="rect">
                 <a:avLst/>
@@ -6255,7 +6255,7 @@
             <p:spPr>
               <a:xfrm>
                 <a:off x="783360" y="2968560"/>
-                <a:ext cx="308880" cy="415080"/>
+                <a:ext cx="308520" cy="414720"/>
               </a:xfrm>
               <a:prstGeom prst="rect">
                 <a:avLst/>
@@ -6292,7 +6292,7 @@
           <p:spPr>
             <a:xfrm>
               <a:off x="0" y="2895480"/>
-              <a:ext cx="500400" cy="362520"/>
+              <a:ext cx="500040" cy="362160"/>
             </a:xfrm>
             <a:prstGeom prst="rect">
               <a:avLst/>
@@ -6328,7 +6328,7 @@
           <p:spPr>
             <a:xfrm>
               <a:off x="635040" y="2438280"/>
-              <a:ext cx="360" cy="992880"/>
+              <a:ext cx="360" cy="992520"/>
             </a:xfrm>
             <a:prstGeom prst="rect">
               <a:avLst/>
@@ -6355,8 +6355,8 @@
           </p:nvSpPr>
           <p:spPr>
             <a:xfrm flipV="1">
-              <a:off x="316080" y="3256560"/>
-              <a:ext cx="8633160" cy="360"/>
+              <a:off x="316080" y="3255480"/>
+              <a:ext cx="8632800" cy="360"/>
             </a:xfrm>
             <a:prstGeom prst="rect">
               <a:avLst/>
@@ -6653,9 +6653,9 @@
         <p:grpSpPr>
           <a:xfrm>
             <a:off x="189000" y="368280"/>
-            <a:ext cx="8166600" cy="992880"/>
+            <a:ext cx="8166240" cy="992520"/>
             <a:chOff x="189000" y="368280"/>
-            <a:chExt cx="8166600" cy="992880"/>
+            <a:chExt cx="8166240" cy="992520"/>
           </a:xfrm>
         </p:grpSpPr>
         <p:sp>
@@ -6667,7 +6667,7 @@
           <p:spPr>
             <a:xfrm>
               <a:off x="507960" y="368280"/>
-              <a:ext cx="360" cy="992880"/>
+              <a:ext cx="360" cy="992520"/>
             </a:xfrm>
             <a:prstGeom prst="rect">
               <a:avLst/>
@@ -6695,7 +6695,7 @@
           <p:spPr>
             <a:xfrm>
               <a:off x="189000" y="1158840"/>
-              <a:ext cx="8166600" cy="360"/>
+              <a:ext cx="8166240" cy="360"/>
             </a:xfrm>
             <a:prstGeom prst="rect">
               <a:avLst/>
@@ -6992,9 +6992,9 @@
         <p:grpSpPr>
           <a:xfrm>
             <a:off x="189000" y="368280"/>
-            <a:ext cx="8166600" cy="992880"/>
+            <a:ext cx="8166240" cy="992520"/>
             <a:chOff x="189000" y="368280"/>
-            <a:chExt cx="8166600" cy="992880"/>
+            <a:chExt cx="8166240" cy="992520"/>
           </a:xfrm>
         </p:grpSpPr>
         <p:sp>
@@ -7006,7 +7006,7 @@
           <p:spPr>
             <a:xfrm>
               <a:off x="507960" y="368280"/>
-              <a:ext cx="360" cy="992880"/>
+              <a:ext cx="360" cy="992520"/>
             </a:xfrm>
             <a:prstGeom prst="rect">
               <a:avLst/>
@@ -7034,7 +7034,7 @@
           <p:spPr>
             <a:xfrm>
               <a:off x="189000" y="1158840"/>
-              <a:ext cx="8166600" cy="360"/>
+              <a:ext cx="8166240" cy="360"/>
             </a:xfrm>
             <a:prstGeom prst="rect">
               <a:avLst/>
@@ -7331,7 +7331,7 @@
         <p:spPr>
           <a:xfrm>
             <a:off x="990720" y="1676160"/>
-            <a:ext cx="7445880" cy="1460880"/>
+            <a:ext cx="7445520" cy="1460520"/>
           </a:xfrm>
           <a:prstGeom prst="rect">
             <a:avLst/>
@@ -7419,7 +7419,7 @@
         <p:spPr>
           <a:xfrm>
             <a:off x="1371600" y="3886200"/>
-            <a:ext cx="6399720" cy="1751400"/>
+            <a:ext cx="6399360" cy="1751040"/>
           </a:xfrm>
           <a:prstGeom prst="rect">
             <a:avLst/>
@@ -7597,7 +7597,7 @@
         <p:spPr>
           <a:xfrm>
             <a:off x="611280" y="259920"/>
-            <a:ext cx="7863480" cy="807120"/>
+            <a:ext cx="7863120" cy="806760"/>
           </a:xfrm>
           <a:prstGeom prst="rect">
             <a:avLst/>
@@ -7682,7 +7682,7 @@
         <p:spPr>
           <a:xfrm>
             <a:off x="674640" y="1400040"/>
-            <a:ext cx="7863480" cy="5182200"/>
+            <a:ext cx="7863120" cy="5181840"/>
           </a:xfrm>
           <a:prstGeom prst="rect">
             <a:avLst/>
@@ -7703,7 +7703,7 @@
             <a:normAutofit/>
           </a:bodyPr>
           <a:p>
-            <a:pPr marL="342720" indent="-340200">
+            <a:pPr marL="342720" indent="-339840">
               <a:lnSpc>
                 <a:spcPct val="100000"/>
               </a:lnSpc>
@@ -7729,7 +7729,7 @@
             </a:endParaRPr>
           </a:p>
           <a:p>
-            <a:pPr marL="342720" indent="-340200">
+            <a:pPr marL="342720" indent="-339840">
               <a:lnSpc>
                 <a:spcPct val="100000"/>
               </a:lnSpc>
@@ -7745,7 +7745,7 @@
             </a:endParaRPr>
           </a:p>
           <a:p>
-            <a:pPr marL="342720" indent="-340200">
+            <a:pPr marL="342720" indent="-339840">
               <a:lnSpc>
                 <a:spcPct val="100000"/>
               </a:lnSpc>
@@ -7771,7 +7771,7 @@
             </a:endParaRPr>
           </a:p>
           <a:p>
-            <a:pPr marL="342720" indent="-340200">
+            <a:pPr marL="342720" indent="-339840">
               <a:lnSpc>
                 <a:spcPct val="100000"/>
               </a:lnSpc>
@@ -7797,7 +7797,7 @@
             </a:endParaRPr>
           </a:p>
           <a:p>
-            <a:pPr marL="342720" indent="-340200">
+            <a:pPr marL="342720" indent="-339840">
               <a:lnSpc>
                 <a:spcPct val="100000"/>
               </a:lnSpc>
@@ -7823,7 +7823,7 @@
             </a:endParaRPr>
           </a:p>
           <a:p>
-            <a:pPr marL="342720" indent="-340200">
+            <a:pPr marL="342720" indent="-339840">
               <a:lnSpc>
                 <a:spcPct val="100000"/>
               </a:lnSpc>
@@ -7849,7 +7849,7 @@
             </a:endParaRPr>
           </a:p>
           <a:p>
-            <a:pPr marL="342720" indent="-340200">
+            <a:pPr marL="342720" indent="-339840">
               <a:lnSpc>
                 <a:spcPct val="100000"/>
               </a:lnSpc>
@@ -7875,7 +7875,7 @@
             </a:endParaRPr>
           </a:p>
           <a:p>
-            <a:pPr marL="342720" indent="-340200">
+            <a:pPr marL="342720" indent="-339840">
               <a:lnSpc>
                 <a:spcPct val="100000"/>
               </a:lnSpc>
@@ -7901,7 +7901,7 @@
             </a:endParaRPr>
           </a:p>
           <a:p>
-            <a:pPr marL="342720" indent="-340200">
+            <a:pPr marL="342720" indent="-339840">
               <a:lnSpc>
                 <a:spcPct val="100000"/>
               </a:lnSpc>
@@ -7917,7 +7917,7 @@
             </a:endParaRPr>
           </a:p>
           <a:p>
-            <a:pPr marL="342720" indent="-340200">
+            <a:pPr marL="342720" indent="-339840">
               <a:lnSpc>
                 <a:spcPct val="100000"/>
               </a:lnSpc>
@@ -7953,7 +7953,7 @@
             </a:endParaRPr>
           </a:p>
           <a:p>
-            <a:pPr marL="342720" indent="-340200">
+            <a:pPr marL="342720" indent="-339840">
               <a:lnSpc>
                 <a:spcPct val="100000"/>
               </a:lnSpc>
@@ -8040,7 +8040,7 @@
         <p:spPr>
           <a:xfrm>
             <a:off x="1457280" y="1279440"/>
-            <a:ext cx="6771240" cy="2989800"/>
+            <a:ext cx="6770880" cy="2989440"/>
           </a:xfrm>
           <a:prstGeom prst="rect">
             <a:avLst/>
@@ -8059,7 +8059,7 @@
         <p:spPr>
           <a:xfrm>
             <a:off x="611280" y="259920"/>
-            <a:ext cx="7863480" cy="807120"/>
+            <a:ext cx="7863120" cy="806760"/>
           </a:xfrm>
           <a:prstGeom prst="rect">
             <a:avLst/>
@@ -8144,7 +8144,7 @@
         <p:spPr>
           <a:xfrm>
             <a:off x="674640" y="4022640"/>
-            <a:ext cx="7863480" cy="2377080"/>
+            <a:ext cx="7863120" cy="2743920"/>
           </a:xfrm>
           <a:prstGeom prst="rect">
             <a:avLst/>
@@ -8165,7 +8165,7 @@
             <a:normAutofit/>
           </a:bodyPr>
           <a:p>
-            <a:pPr marL="342720" indent="-340200" algn="ctr">
+            <a:pPr marL="342720" indent="-339840" algn="ctr">
               <a:lnSpc>
                 <a:spcPct val="100000"/>
               </a:lnSpc>
@@ -8191,7 +8191,7 @@
             </a:endParaRPr>
           </a:p>
           <a:p>
-            <a:pPr marL="342720" indent="-340200">
+            <a:pPr marL="342720" indent="-339840">
               <a:lnSpc>
                 <a:spcPct val="100000"/>
               </a:lnSpc>
@@ -8213,7 +8213,7 @@
               <a:t>You need to </a:t>
             </a:r>
             <a:r>
-              <a:rPr b="0" lang="en-US" sz="2400" spc="-1" strike="noStrike" u="sng">
+              <a:rPr b="1" lang="en-US" sz="2400" spc="-1" strike="noStrike" u="sng">
                 <a:solidFill>
                   <a:srgbClr val="000080"/>
                 </a:solidFill>
@@ -8258,7 +8258,7 @@
             </a:endParaRPr>
           </a:p>
           <a:p>
-            <a:pPr marL="342720" indent="-340200">
+            <a:pPr marL="342720" indent="-339840">
               <a:lnSpc>
                 <a:spcPct val="100000"/>
               </a:lnSpc>
@@ -8274,7 +8274,7 @@
             </a:endParaRPr>
           </a:p>
           <a:p>
-            <a:pPr marL="342720" indent="-340200">
+            <a:pPr marL="342720" indent="-339840">
               <a:lnSpc>
                 <a:spcPct val="100000"/>
               </a:lnSpc>
@@ -8293,7 +8293,7 @@
                 <a:latin typeface="Courier New"/>
                 <a:ea typeface="DejaVu Sans"/>
               </a:rPr>
-              <a:t>   </a:t>
+              <a:t>      </a:t>
             </a:r>
             <a:r>
               <a:rPr b="1" lang="en-US" sz="2400" spc="-1" strike="noStrike">
@@ -8304,6 +8304,78 @@
                 <a:ea typeface="DejaVu Sans"/>
               </a:rPr>
               <a:t>ncat  -v -l -p 8080</a:t>
+            </a:r>
+            <a:endParaRPr b="0" lang="en-US" sz="2400" spc="-1" strike="noStrike">
+              <a:latin typeface="Arial"/>
+            </a:endParaRPr>
+          </a:p>
+          <a:p>
+            <a:pPr marL="342720" indent="-339840">
+              <a:lnSpc>
+                <a:spcPct val="100000"/>
+              </a:lnSpc>
+              <a:spcBef>
+                <a:spcPts val="598"/>
+              </a:spcBef>
+              <a:tabLst>
+                <a:tab algn="l" pos="0"/>
+              </a:tabLst>
+            </a:pPr>
+            <a:endParaRPr b="0" lang="en-US" sz="2400" spc="-1" strike="noStrike">
+              <a:latin typeface="Arial"/>
+            </a:endParaRPr>
+          </a:p>
+          <a:p>
+            <a:pPr marL="342720" indent="-339840">
+              <a:lnSpc>
+                <a:spcPct val="100000"/>
+              </a:lnSpc>
+              <a:spcBef>
+                <a:spcPts val="598"/>
+              </a:spcBef>
+              <a:tabLst>
+                <a:tab algn="l" pos="0"/>
+              </a:tabLst>
+            </a:pPr>
+            <a:r>
+              <a:rPr b="1" lang="en-US" sz="2400" spc="-1" strike="noStrike">
+                <a:solidFill>
+                  <a:srgbClr val="000000"/>
+                </a:solidFill>
+                <a:latin typeface="Courier New"/>
+                <a:ea typeface="DejaVu Sans"/>
+              </a:rPr>
+              <a:t>FYI: ncat </a:t>
+            </a:r>
+            <a:r>
+              <a:rPr b="0" lang="en-US" sz="2400" spc="-1" strike="noStrike">
+                <a:solidFill>
+                  <a:srgbClr val="000000"/>
+                </a:solidFill>
+                <a:latin typeface="Arial"/>
+                <a:ea typeface="DejaVu Sans"/>
+              </a:rPr>
+              <a:t>has a  </a:t>
+            </a:r>
+            <a:r>
+              <a:rPr b="1" lang="en-US" sz="2400" spc="-1" strike="noStrike">
+                <a:solidFill>
+                  <a:srgbClr val="000000"/>
+                </a:solidFill>
+                <a:latin typeface="Courier New"/>
+                <a:ea typeface="DejaVu Sans"/>
+              </a:rPr>
+              <a:t>-k</a:t>
+            </a:r>
+            <a:r>
+              <a:rPr b="0" lang="en-US" sz="2400" spc="-1" strike="noStrike">
+                <a:solidFill>
+                  <a:srgbClr val="000000"/>
+                </a:solidFill>
+                <a:latin typeface="Arial"/>
+                <a:ea typeface="DejaVu Sans"/>
+              </a:rPr>
+              <a:t> (keep-open) option for this.</a:t>
             </a:r>
             <a:endParaRPr b="0" lang="en-US" sz="2400" spc="-1" strike="noStrike">
               <a:latin typeface="Arial"/>
@@ -8357,7 +8429,7 @@
         <p:spPr>
           <a:xfrm>
             <a:off x="611280" y="259920"/>
-            <a:ext cx="7863480" cy="807120"/>
+            <a:ext cx="7863120" cy="806760"/>
           </a:xfrm>
           <a:prstGeom prst="rect">
             <a:avLst/>
@@ -8442,7 +8514,7 @@
         <p:spPr>
           <a:xfrm>
             <a:off x="730080" y="3336480"/>
-            <a:ext cx="7863480" cy="2697840"/>
+            <a:ext cx="7863120" cy="2697480"/>
           </a:xfrm>
           <a:prstGeom prst="rect">
             <a:avLst/>
@@ -8463,7 +8535,7 @@
             <a:normAutofit/>
           </a:bodyPr>
           <a:p>
-            <a:pPr marL="342720" indent="-340200" algn="ctr">
+            <a:pPr marL="342720" indent="-339840" algn="ctr">
               <a:lnSpc>
                 <a:spcPct val="100000"/>
               </a:lnSpc>
@@ -8503,7 +8575,7 @@
         <p:spPr>
           <a:xfrm>
             <a:off x="1736640" y="1068480"/>
-            <a:ext cx="5485320" cy="1986480"/>
+            <a:ext cx="5484960" cy="1986120"/>
           </a:xfrm>
           <a:prstGeom prst="rect">
             <a:avLst/>
@@ -8559,7 +8631,7 @@
         <p:spPr>
           <a:xfrm>
             <a:off x="365040" y="68040"/>
-            <a:ext cx="8320680" cy="1189440"/>
+            <a:ext cx="8320320" cy="1189080"/>
           </a:xfrm>
           <a:prstGeom prst="rect">
             <a:avLst/>
@@ -8644,7 +8716,7 @@
         <p:spPr>
           <a:xfrm>
             <a:off x="457200" y="1371600"/>
-            <a:ext cx="8228520" cy="456120"/>
+            <a:ext cx="8228160" cy="455760"/>
           </a:xfrm>
           <a:prstGeom prst="rect">
             <a:avLst/>
@@ -8665,7 +8737,7 @@
             <a:normAutofit/>
           </a:bodyPr>
           <a:p>
-            <a:pPr marL="342720" indent="-340200">
+            <a:pPr marL="342720" indent="-339840">
               <a:lnSpc>
                 <a:spcPct val="100000"/>
               </a:lnSpc>
@@ -8731,7 +8803,7 @@
             </a:endParaRPr>
           </a:p>
           <a:p>
-            <a:pPr marL="342720" indent="-340200">
+            <a:pPr marL="342720" indent="-339840">
               <a:lnSpc>
                 <a:spcPct val="100000"/>
               </a:lnSpc>
@@ -8747,7 +8819,7 @@
             </a:endParaRPr>
           </a:p>
           <a:p>
-            <a:pPr marL="342720" indent="-340200">
+            <a:pPr marL="342720" indent="-339840">
               <a:lnSpc>
                 <a:spcPct val="100000"/>
               </a:lnSpc>
@@ -8773,7 +8845,7 @@
         <p:spPr>
           <a:xfrm>
             <a:off x="639720" y="2560680"/>
-            <a:ext cx="8046000" cy="2802240"/>
+            <a:ext cx="8045640" cy="2801880"/>
           </a:xfrm>
           <a:custGeom>
             <a:avLst/>
@@ -9343,7 +9415,7 @@
         <p:spPr>
           <a:xfrm>
             <a:off x="611280" y="259920"/>
-            <a:ext cx="7863480" cy="807120"/>
+            <a:ext cx="7863120" cy="806760"/>
           </a:xfrm>
           <a:prstGeom prst="rect">
             <a:avLst/>
@@ -9428,7 +9500,7 @@
         <p:spPr>
           <a:xfrm>
             <a:off x="674640" y="1400040"/>
-            <a:ext cx="7863480" cy="4406040"/>
+            <a:ext cx="7863120" cy="4405680"/>
           </a:xfrm>
           <a:prstGeom prst="rect">
             <a:avLst/>
@@ -9449,7 +9521,7 @@
             <a:normAutofit/>
           </a:bodyPr>
           <a:p>
-            <a:pPr marL="342720" indent="-340200" algn="ctr">
+            <a:pPr marL="342720" indent="-339840" algn="ctr">
               <a:lnSpc>
                 <a:spcPct val="100000"/>
               </a:lnSpc>
@@ -9475,7 +9547,7 @@
             </a:endParaRPr>
           </a:p>
           <a:p>
-            <a:pPr marL="342720" indent="-340200">
+            <a:pPr marL="342720" indent="-339840">
               <a:lnSpc>
                 <a:spcPct val="100000"/>
               </a:lnSpc>
@@ -9491,7 +9563,7 @@
             </a:endParaRPr>
           </a:p>
           <a:p>
-            <a:pPr marL="342720" indent="-340200">
+            <a:pPr marL="342720" indent="-339840">
               <a:lnSpc>
                 <a:spcPct val="100000"/>
               </a:lnSpc>
@@ -9507,7 +9579,7 @@
             </a:endParaRPr>
           </a:p>
           <a:p>
-            <a:pPr marL="342720" indent="-340200">
+            <a:pPr marL="342720" indent="-339840">
               <a:lnSpc>
                 <a:spcPct val="100000"/>
               </a:lnSpc>
@@ -9536,7 +9608,7 @@
             </a:endParaRPr>
           </a:p>
           <a:p>
-            <a:pPr marL="342720" indent="-340200">
+            <a:pPr marL="342720" indent="-339840">
               <a:lnSpc>
                 <a:spcPct val="100000"/>
               </a:lnSpc>
@@ -9565,7 +9637,7 @@
             </a:endParaRPr>
           </a:p>
           <a:p>
-            <a:pPr marL="342720" indent="-340200">
+            <a:pPr marL="342720" indent="-339840">
               <a:lnSpc>
                 <a:spcPct val="100000"/>
               </a:lnSpc>
@@ -9634,7 +9706,7 @@
         <p:spPr>
           <a:xfrm>
             <a:off x="610920" y="260280"/>
-            <a:ext cx="7861680" cy="805320"/>
+            <a:ext cx="7861320" cy="804960"/>
           </a:xfrm>
           <a:prstGeom prst="rect">
             <a:avLst/>
@@ -9685,7 +9757,7 @@
         <p:spPr>
           <a:xfrm>
             <a:off x="674280" y="1399680"/>
-            <a:ext cx="7861680" cy="4404240"/>
+            <a:ext cx="7861320" cy="4403880"/>
           </a:xfrm>
           <a:prstGeom prst="rect">
             <a:avLst/>
@@ -9748,7 +9820,7 @@
         <p:spPr>
           <a:xfrm>
             <a:off x="611280" y="259920"/>
-            <a:ext cx="7920360" cy="864000"/>
+            <a:ext cx="7920000" cy="863640"/>
           </a:xfrm>
           <a:prstGeom prst="rect">
             <a:avLst/>
@@ -9857,7 +9929,7 @@
         <p:spPr>
           <a:xfrm>
             <a:off x="674280" y="1392120"/>
-            <a:ext cx="7920720" cy="4917240"/>
+            <a:ext cx="7920360" cy="4916880"/>
           </a:xfrm>
           <a:prstGeom prst="rect">
             <a:avLst/>
@@ -10061,7 +10133,7 @@
             </a:endParaRPr>
           </a:p>
           <a:p>
-            <a:pPr marL="228600" indent="-183240">
+            <a:pPr marL="228600" indent="-182880">
               <a:lnSpc>
                 <a:spcPct val="100000"/>
               </a:lnSpc>
@@ -10087,7 +10159,7 @@
         <p:spPr>
           <a:xfrm>
             <a:off x="822240" y="3292560"/>
-            <a:ext cx="3292200" cy="548280"/>
+            <a:ext cx="3291840" cy="547920"/>
           </a:xfrm>
           <a:custGeom>
             <a:avLst/>
@@ -10196,7 +10268,7 @@
         <p:spPr>
           <a:xfrm>
             <a:off x="639720" y="4206960"/>
-            <a:ext cx="3381840" cy="1735560"/>
+            <a:ext cx="3381480" cy="1735200"/>
           </a:xfrm>
           <a:custGeom>
             <a:avLst/>
@@ -10412,7 +10484,7 @@
         <p:spPr>
           <a:xfrm>
             <a:off x="5578560" y="4094280"/>
-            <a:ext cx="2811960" cy="1757880"/>
+            <a:ext cx="2811600" cy="1757520"/>
           </a:xfrm>
           <a:prstGeom prst="rect">
             <a:avLst/>
@@ -10460,7 +10532,7 @@
         <p:spPr>
           <a:xfrm>
             <a:off x="5486400" y="3200400"/>
-            <a:ext cx="3108600" cy="548280"/>
+            <a:ext cx="3108240" cy="547920"/>
           </a:xfrm>
           <a:custGeom>
             <a:avLst/>
@@ -10606,7 +10678,7 @@
         <p:spPr>
           <a:xfrm>
             <a:off x="364680" y="259920"/>
-            <a:ext cx="8411040" cy="864000"/>
+            <a:ext cx="8410680" cy="863640"/>
           </a:xfrm>
           <a:prstGeom prst="rect">
             <a:avLst/>
@@ -10694,7 +10766,7 @@
         <p:spPr>
           <a:xfrm>
             <a:off x="674280" y="1392120"/>
-            <a:ext cx="8285760" cy="5282280"/>
+            <a:ext cx="8285400" cy="5281920"/>
           </a:xfrm>
           <a:prstGeom prst="rect">
             <a:avLst/>
@@ -11112,7 +11184,7 @@
             </a:endParaRPr>
           </a:p>
           <a:p>
-            <a:pPr marL="228600" indent="-227520">
+            <a:pPr marL="228600" indent="-227160">
               <a:lnSpc>
                 <a:spcPct val="100000"/>
               </a:lnSpc>
@@ -11179,7 +11251,7 @@
             </a:endParaRPr>
           </a:p>
           <a:p>
-            <a:pPr marL="228600" indent="-227520">
+            <a:pPr marL="228600" indent="-227160">
               <a:lnSpc>
                 <a:spcPct val="100000"/>
               </a:lnSpc>
@@ -11344,7 +11416,7 @@
         <p:spPr>
           <a:xfrm>
             <a:off x="364680" y="259920"/>
-            <a:ext cx="8411040" cy="864000"/>
+            <a:ext cx="8410680" cy="863640"/>
           </a:xfrm>
           <a:prstGeom prst="rect">
             <a:avLst/>
@@ -11432,7 +11504,7 @@
         <p:spPr>
           <a:xfrm>
             <a:off x="674280" y="1392120"/>
-            <a:ext cx="8285760" cy="5282280"/>
+            <a:ext cx="8285400" cy="5281920"/>
           </a:xfrm>
           <a:prstGeom prst="rect">
             <a:avLst/>
@@ -12101,7 +12173,7 @@
         <p:spPr>
           <a:xfrm>
             <a:off x="611280" y="259920"/>
-            <a:ext cx="7920360" cy="864000"/>
+            <a:ext cx="7920000" cy="863640"/>
           </a:xfrm>
           <a:prstGeom prst="rect">
             <a:avLst/>
@@ -12189,7 +12261,7 @@
         <p:spPr>
           <a:xfrm>
             <a:off x="674280" y="1392120"/>
-            <a:ext cx="7920720" cy="5282280"/>
+            <a:ext cx="7920360" cy="5281920"/>
           </a:xfrm>
           <a:prstGeom prst="rect">
             <a:avLst/>
@@ -12578,7 +12650,7 @@
             </a:endParaRPr>
           </a:p>
           <a:p>
-            <a:pPr marL="228600" indent="-227520">
+            <a:pPr marL="228600" indent="-227160">
               <a:lnSpc>
                 <a:spcPct val="100000"/>
               </a:lnSpc>
@@ -12655,7 +12727,7 @@
             </a:endParaRPr>
           </a:p>
           <a:p>
-            <a:pPr marL="228600" indent="-227520">
+            <a:pPr marL="228600" indent="-227160">
               <a:lnSpc>
                 <a:spcPct val="100000"/>
               </a:lnSpc>
@@ -12722,7 +12794,7 @@
             </a:endParaRPr>
           </a:p>
           <a:p>
-            <a:pPr marL="228600" indent="-227520">
+            <a:pPr marL="228600" indent="-227160">
               <a:lnSpc>
                 <a:spcPct val="100000"/>
               </a:lnSpc>
@@ -12799,7 +12871,7 @@
             </a:endParaRPr>
           </a:p>
           <a:p>
-            <a:pPr marL="228600" indent="-183240">
+            <a:pPr marL="228600" indent="-182880">
               <a:lnSpc>
                 <a:spcPct val="100000"/>
               </a:lnSpc>
@@ -12862,7 +12934,7 @@
         <p:spPr>
           <a:xfrm>
             <a:off x="611280" y="260280"/>
-            <a:ext cx="7882200" cy="826200"/>
+            <a:ext cx="7881840" cy="825840"/>
           </a:xfrm>
           <a:prstGeom prst="rect">
             <a:avLst/>
@@ -12950,7 +13022,7 @@
         <p:spPr>
           <a:xfrm>
             <a:off x="620280" y="1216080"/>
-            <a:ext cx="7882560" cy="5183640"/>
+            <a:ext cx="7882200" cy="5183280"/>
           </a:xfrm>
           <a:prstGeom prst="rect">
             <a:avLst/>
@@ -12971,7 +13043,7 @@
             <a:normAutofit/>
           </a:bodyPr>
           <a:p>
-            <a:pPr marL="342720" indent="-321120">
+            <a:pPr marL="342720" indent="-320760">
               <a:lnSpc>
                 <a:spcPct val="100000"/>
               </a:lnSpc>
@@ -13048,7 +13120,7 @@
             </a:endParaRPr>
           </a:p>
           <a:p>
-            <a:pPr lvl="1" marL="1484280" indent="-567360">
+            <a:pPr lvl="1" marL="1484280" indent="-567000">
               <a:lnSpc>
                 <a:spcPct val="100000"/>
               </a:lnSpc>
@@ -13114,7 +13186,7 @@
             </a:endParaRPr>
           </a:p>
           <a:p>
-            <a:pPr marL="342720" indent="-321120">
+            <a:pPr marL="342720" indent="-320760">
               <a:lnSpc>
                 <a:spcPct val="100000"/>
               </a:lnSpc>
@@ -13130,7 +13202,7 @@
             </a:endParaRPr>
           </a:p>
           <a:p>
-            <a:pPr marL="342720" indent="-321120">
+            <a:pPr marL="342720" indent="-320760">
               <a:lnSpc>
                 <a:spcPct val="100000"/>
               </a:lnSpc>
@@ -13207,7 +13279,7 @@
             </a:endParaRPr>
           </a:p>
           <a:p>
-            <a:pPr lvl="1" marL="1484280" indent="-567360">
+            <a:pPr lvl="1" marL="1484280" indent="-567000">
               <a:lnSpc>
                 <a:spcPct val="100000"/>
               </a:lnSpc>
@@ -13273,7 +13345,7 @@
             </a:endParaRPr>
           </a:p>
           <a:p>
-            <a:pPr marL="742680" indent="-263880">
+            <a:pPr marL="742680" indent="-263520">
               <a:lnSpc>
                 <a:spcPct val="100000"/>
               </a:lnSpc>
@@ -13289,7 +13361,7 @@
             </a:endParaRPr>
           </a:p>
           <a:p>
-            <a:pPr marL="342720" indent="-322920">
+            <a:pPr marL="342720" indent="-322560">
               <a:lnSpc>
                 <a:spcPct val="100000"/>
               </a:lnSpc>
@@ -13328,7 +13400,38 @@
                 <a:latin typeface="Arial"/>
                 <a:ea typeface="DejaVu Sans"/>
               </a:rPr>
-              <a:t> using HTTP response codes and Location header.</a:t>
+              <a:t> </a:t>
+            </a:r>
+            <a:endParaRPr b="0" lang="en-US" sz="2400" spc="-1" strike="noStrike">
+              <a:latin typeface="Arial"/>
+            </a:endParaRPr>
+          </a:p>
+          <a:p>
+            <a:pPr lvl="1" marL="342720" indent="-322560">
+              <a:lnSpc>
+                <a:spcPct val="100000"/>
+              </a:lnSpc>
+              <a:spcBef>
+                <a:spcPts val="598"/>
+              </a:spcBef>
+              <a:buClr>
+                <a:srgbClr val="000000"/>
+              </a:buClr>
+              <a:buFont typeface="Times New Roman"/>
+              <a:buChar char="–"/>
+              <a:tabLst>
+                <a:tab algn="l" pos="0"/>
+              </a:tabLst>
+            </a:pPr>
+            <a:r>
+              <a:rPr b="0" lang="en-US" sz="2400" spc="-1" strike="noStrike">
+                <a:solidFill>
+                  <a:srgbClr val="000000"/>
+                </a:solidFill>
+                <a:latin typeface="Arial"/>
+                <a:ea typeface="DejaVu Sans"/>
+              </a:rPr>
+              <a:t>Send the browser to another web site.</a:t>
             </a:r>
             <a:endParaRPr b="0" lang="en-US" sz="2400" spc="-1" strike="noStrike">
               <a:latin typeface="Arial"/>
@@ -13382,7 +13485,7 @@
         <p:spPr>
           <a:xfrm>
             <a:off x="364680" y="259920"/>
-            <a:ext cx="8411040" cy="864000"/>
+            <a:ext cx="8410680" cy="863640"/>
           </a:xfrm>
           <a:prstGeom prst="rect">
             <a:avLst/>
@@ -13470,7 +13573,7 @@
         <p:spPr>
           <a:xfrm>
             <a:off x="674280" y="1392120"/>
-            <a:ext cx="8285760" cy="5282280"/>
+            <a:ext cx="8285400" cy="5281920"/>
           </a:xfrm>
           <a:prstGeom prst="rect">
             <a:avLst/>
@@ -14187,7 +14290,7 @@
         <p:spPr>
           <a:xfrm>
             <a:off x="611280" y="260280"/>
-            <a:ext cx="7882200" cy="826200"/>
+            <a:ext cx="7881840" cy="825840"/>
           </a:xfrm>
           <a:prstGeom prst="rect">
             <a:avLst/>
@@ -14275,7 +14378,7 @@
         <p:spPr>
           <a:xfrm>
             <a:off x="674640" y="1255680"/>
-            <a:ext cx="8103240" cy="5236200"/>
+            <a:ext cx="8102880" cy="5235840"/>
           </a:xfrm>
           <a:prstGeom prst="rect">
             <a:avLst/>
@@ -14296,7 +14399,7 @@
             <a:normAutofit/>
           </a:bodyPr>
           <a:p>
-            <a:pPr marL="342720" indent="-321120" algn="ctr">
+            <a:pPr marL="342720" indent="-320760" algn="ctr">
               <a:lnSpc>
                 <a:spcPct val="100000"/>
               </a:lnSpc>
@@ -14322,7 +14425,7 @@
             </a:endParaRPr>
           </a:p>
           <a:p>
-            <a:pPr marL="342720" indent="-321120" algn="ctr">
+            <a:pPr marL="342720" indent="-320760" algn="ctr">
               <a:lnSpc>
                 <a:spcPct val="100000"/>
               </a:lnSpc>
@@ -14348,7 +14451,7 @@
             </a:endParaRPr>
           </a:p>
           <a:p>
-            <a:pPr marL="342720" indent="-321120">
+            <a:pPr marL="342720" indent="-320760">
               <a:lnSpc>
                 <a:spcPct val="100000"/>
               </a:lnSpc>
@@ -14364,7 +14467,7 @@
             </a:endParaRPr>
           </a:p>
           <a:p>
-            <a:pPr marL="342720" indent="-321120">
+            <a:pPr marL="342720" indent="-320760">
               <a:lnSpc>
                 <a:spcPct val="100000"/>
               </a:lnSpc>
@@ -14400,7 +14503,7 @@
             </a:endParaRPr>
           </a:p>
           <a:p>
-            <a:pPr marL="342720" indent="-321120">
+            <a:pPr marL="342720" indent="-320760">
               <a:lnSpc>
                 <a:spcPct val="100000"/>
               </a:lnSpc>
@@ -14416,7 +14519,7 @@
             </a:endParaRPr>
           </a:p>
           <a:p>
-            <a:pPr marL="342720" indent="-321120">
+            <a:pPr marL="342720" indent="-320760">
               <a:lnSpc>
                 <a:spcPct val="100000"/>
               </a:lnSpc>
@@ -14482,7 +14585,7 @@
             </a:endParaRPr>
           </a:p>
           <a:p>
-            <a:pPr marL="342720" indent="-321120">
+            <a:pPr marL="342720" indent="-320760">
               <a:lnSpc>
                 <a:spcPct val="100000"/>
               </a:lnSpc>
@@ -14508,7 +14611,7 @@
             </a:endParaRPr>
           </a:p>
           <a:p>
-            <a:pPr marL="342720" indent="-321120">
+            <a:pPr marL="342720" indent="-320760">
               <a:lnSpc>
                 <a:spcPct val="100000"/>
               </a:lnSpc>
@@ -14534,7 +14637,7 @@
             </a:endParaRPr>
           </a:p>
           <a:p>
-            <a:pPr marL="342720" indent="-321120">
+            <a:pPr marL="342720" indent="-320760">
               <a:lnSpc>
                 <a:spcPct val="100000"/>
               </a:lnSpc>
@@ -14550,7 +14653,7 @@
             </a:endParaRPr>
           </a:p>
           <a:p>
-            <a:pPr marL="342720" indent="-321120">
+            <a:pPr marL="342720" indent="-320760">
               <a:lnSpc>
                 <a:spcPct val="100000"/>
               </a:lnSpc>
@@ -14576,7 +14679,7 @@
             </a:endParaRPr>
           </a:p>
           <a:p>
-            <a:pPr marL="342720" indent="-321120">
+            <a:pPr marL="342720" indent="-320760">
               <a:lnSpc>
                 <a:spcPct val="100000"/>
               </a:lnSpc>
@@ -14602,7 +14705,7 @@
             </a:endParaRPr>
           </a:p>
           <a:p>
-            <a:pPr marL="342720" indent="-321120">
+            <a:pPr marL="342720" indent="-320760">
               <a:lnSpc>
                 <a:spcPct val="100000"/>
               </a:lnSpc>
@@ -14618,7 +14721,7 @@
             </a:endParaRPr>
           </a:p>
           <a:p>
-            <a:pPr marL="342720" indent="-321120">
+            <a:pPr marL="342720" indent="-320760">
               <a:lnSpc>
                 <a:spcPct val="100000"/>
               </a:lnSpc>
@@ -14681,7 +14784,7 @@
         <p:spPr>
           <a:xfrm>
             <a:off x="611280" y="259920"/>
-            <a:ext cx="7864920" cy="808560"/>
+            <a:ext cx="7864560" cy="808200"/>
           </a:xfrm>
           <a:prstGeom prst="rect">
             <a:avLst/>
@@ -14787,7 +14890,7 @@
         <p:spPr>
           <a:xfrm>
             <a:off x="674640" y="1400040"/>
-            <a:ext cx="7864920" cy="702360"/>
+            <a:ext cx="7864560" cy="702000"/>
           </a:xfrm>
           <a:prstGeom prst="rect">
             <a:avLst/>
@@ -14808,7 +14911,7 @@
             <a:normAutofit/>
           </a:bodyPr>
           <a:p>
-            <a:pPr marL="342720" indent="-338760">
+            <a:pPr marL="342720" indent="-338400">
               <a:lnSpc>
                 <a:spcPct val="100000"/>
               </a:lnSpc>
@@ -14848,7 +14951,7 @@
         <p:spPr>
           <a:xfrm>
             <a:off x="1096920" y="3017880"/>
-            <a:ext cx="1454760" cy="1348200"/>
+            <a:ext cx="1454400" cy="1347840"/>
           </a:xfrm>
           <a:prstGeom prst="rect">
             <a:avLst/>
@@ -14867,7 +14970,7 @@
         <p:spPr>
           <a:xfrm>
             <a:off x="914400" y="2028960"/>
-            <a:ext cx="2651400" cy="456120"/>
+            <a:ext cx="2651040" cy="455760"/>
           </a:xfrm>
           <a:custGeom>
             <a:avLst/>
@@ -14976,7 +15079,7 @@
         <p:spPr>
           <a:xfrm>
             <a:off x="5668920" y="2011320"/>
-            <a:ext cx="3017520" cy="548280"/>
+            <a:ext cx="3017160" cy="547920"/>
           </a:xfrm>
           <a:custGeom>
             <a:avLst/>
@@ -15085,7 +15188,7 @@
         <p:spPr>
           <a:xfrm>
             <a:off x="5394240" y="3033720"/>
-            <a:ext cx="3291480" cy="1735560"/>
+            <a:ext cx="3291120" cy="1735200"/>
           </a:xfrm>
           <a:custGeom>
             <a:avLst/>
@@ -15381,7 +15484,7 @@
         <p:spPr>
           <a:xfrm>
             <a:off x="2598840" y="2805120"/>
-            <a:ext cx="2703960" cy="638640"/>
+            <a:ext cx="2703600" cy="638280"/>
           </a:xfrm>
           <a:custGeom>
             <a:avLst/>
@@ -15519,7 +15622,7 @@
         <p:spPr>
           <a:xfrm>
             <a:off x="2651040" y="3519360"/>
-            <a:ext cx="2703960" cy="638640"/>
+            <a:ext cx="2703600" cy="638280"/>
           </a:xfrm>
           <a:custGeom>
             <a:avLst/>
@@ -15632,7 +15735,7 @@
         <p:spPr>
           <a:xfrm>
             <a:off x="4700520" y="5291280"/>
-            <a:ext cx="2613600" cy="1473480"/>
+            <a:ext cx="2613240" cy="1473120"/>
           </a:xfrm>
           <a:prstGeom prst="rect">
             <a:avLst/>
@@ -15680,7 +15783,7 @@
         <p:spPr>
           <a:xfrm>
             <a:off x="3108240" y="4572000"/>
-            <a:ext cx="1697760" cy="638640"/>
+            <a:ext cx="1697400" cy="638280"/>
           </a:xfrm>
           <a:custGeom>
             <a:avLst/>
@@ -15826,7 +15929,7 @@
         <p:spPr>
           <a:xfrm>
             <a:off x="611280" y="259920"/>
-            <a:ext cx="7920360" cy="864000"/>
+            <a:ext cx="7920000" cy="863640"/>
           </a:xfrm>
           <a:prstGeom prst="rect">
             <a:avLst/>
@@ -15914,7 +16017,7 @@
         <p:spPr>
           <a:xfrm>
             <a:off x="582120" y="1371240"/>
-            <a:ext cx="8377920" cy="4937760"/>
+            <a:ext cx="8377560" cy="4937400"/>
           </a:xfrm>
           <a:prstGeom prst="rect">
             <a:avLst/>
@@ -16413,7 +16516,7 @@
             </a:endParaRPr>
           </a:p>
           <a:p>
-            <a:pPr marL="228600" indent="-183240">
+            <a:pPr marL="228600" indent="-182880">
               <a:lnSpc>
                 <a:spcPct val="100000"/>
               </a:lnSpc>
@@ -16476,7 +16579,7 @@
         <p:spPr>
           <a:xfrm>
             <a:off x="611280" y="259920"/>
-            <a:ext cx="7920360" cy="864000"/>
+            <a:ext cx="7920000" cy="863640"/>
           </a:xfrm>
           <a:prstGeom prst="rect">
             <a:avLst/>
@@ -16564,7 +16667,7 @@
         <p:spPr>
           <a:xfrm>
             <a:off x="545760" y="1371240"/>
-            <a:ext cx="8195040" cy="4753440"/>
+            <a:ext cx="8194680" cy="4753080"/>
           </a:xfrm>
           <a:prstGeom prst="rect">
             <a:avLst/>
@@ -17500,7 +17603,7 @@
             </a:endParaRPr>
           </a:p>
           <a:p>
-            <a:pPr marL="228600" indent="-183240">
+            <a:pPr marL="228600" indent="-182880">
               <a:lnSpc>
                 <a:spcPct val="100000"/>
               </a:lnSpc>
@@ -17526,7 +17629,7 @@
         <p:spPr>
           <a:xfrm>
             <a:off x="914400" y="5246640"/>
-            <a:ext cx="7771320" cy="1186560"/>
+            <a:ext cx="7770960" cy="1186200"/>
           </a:xfrm>
           <a:custGeom>
             <a:avLst/>
@@ -17705,7 +17808,7 @@
         <p:spPr>
           <a:xfrm>
             <a:off x="611280" y="259920"/>
-            <a:ext cx="7920360" cy="864000"/>
+            <a:ext cx="7920000" cy="863640"/>
           </a:xfrm>
           <a:prstGeom prst="rect">
             <a:avLst/>
@@ -17793,7 +17896,7 @@
         <p:spPr>
           <a:xfrm>
             <a:off x="528120" y="1226880"/>
-            <a:ext cx="8046000" cy="5302800"/>
+            <a:ext cx="8045640" cy="5302440"/>
           </a:xfrm>
           <a:prstGeom prst="rect">
             <a:avLst/>
@@ -18446,7 +18549,7 @@
         <p:spPr>
           <a:xfrm>
             <a:off x="611280" y="260280"/>
-            <a:ext cx="7882200" cy="826200"/>
+            <a:ext cx="7881840" cy="825840"/>
           </a:xfrm>
           <a:prstGeom prst="rect">
             <a:avLst/>
@@ -18534,7 +18637,7 @@
         <p:spPr>
           <a:xfrm>
             <a:off x="674280" y="1399680"/>
-            <a:ext cx="7882560" cy="4425120"/>
+            <a:ext cx="7882200" cy="4424760"/>
           </a:xfrm>
           <a:prstGeom prst="rect">
             <a:avLst/>
@@ -18555,7 +18658,7 @@
             <a:normAutofit/>
           </a:bodyPr>
           <a:p>
-            <a:pPr marL="342720" indent="-321120">
+            <a:pPr marL="342720" indent="-320760">
               <a:lnSpc>
                 <a:spcPct val="100000"/>
               </a:lnSpc>
@@ -18581,7 +18684,7 @@
             </a:endParaRPr>
           </a:p>
           <a:p>
-            <a:pPr marL="342720" indent="-321120">
+            <a:pPr marL="342720" indent="-320760">
               <a:lnSpc>
                 <a:spcPct val="100000"/>
               </a:lnSpc>
@@ -18607,7 +18710,7 @@
             </a:endParaRPr>
           </a:p>
           <a:p>
-            <a:pPr marL="342720" indent="-321120">
+            <a:pPr marL="342720" indent="-320760">
               <a:lnSpc>
                 <a:spcPct val="100000"/>
               </a:lnSpc>
@@ -18633,7 +18736,7 @@
             </a:endParaRPr>
           </a:p>
           <a:p>
-            <a:pPr marL="342720" indent="-321120">
+            <a:pPr marL="342720" indent="-320760">
               <a:lnSpc>
                 <a:spcPct val="100000"/>
               </a:lnSpc>
@@ -18659,7 +18762,7 @@
             </a:endParaRPr>
           </a:p>
           <a:p>
-            <a:pPr lvl="1" marL="1155600" indent="-483120">
+            <a:pPr lvl="1" marL="1155600" indent="-482760">
               <a:lnSpc>
                 <a:spcPct val="100000"/>
               </a:lnSpc>
@@ -18773,7 +18876,7 @@
         <p:spPr>
           <a:xfrm>
             <a:off x="611280" y="439560"/>
-            <a:ext cx="7920360" cy="864360"/>
+            <a:ext cx="7920000" cy="864000"/>
           </a:xfrm>
           <a:prstGeom prst="rect">
             <a:avLst/>
@@ -18861,7 +18964,7 @@
         <p:spPr>
           <a:xfrm>
             <a:off x="582120" y="1371240"/>
-            <a:ext cx="7920720" cy="5302800"/>
+            <a:ext cx="7920360" cy="5302440"/>
           </a:xfrm>
           <a:prstGeom prst="rect">
             <a:avLst/>
@@ -19420,7 +19523,7 @@
             </a:endParaRPr>
           </a:p>
           <a:p>
-            <a:pPr marL="228600" indent="-183240">
+            <a:pPr marL="228600" indent="-182880">
               <a:lnSpc>
                 <a:spcPct val="100000"/>
               </a:lnSpc>
@@ -19483,7 +19586,7 @@
         <p:spPr>
           <a:xfrm>
             <a:off x="611280" y="260280"/>
-            <a:ext cx="7890120" cy="834120"/>
+            <a:ext cx="7889760" cy="833760"/>
           </a:xfrm>
           <a:prstGeom prst="rect">
             <a:avLst/>
@@ -19571,7 +19674,7 @@
         <p:spPr>
           <a:xfrm>
             <a:off x="674280" y="1399680"/>
-            <a:ext cx="7890480" cy="1707120"/>
+            <a:ext cx="7890120" cy="1706760"/>
           </a:xfrm>
           <a:prstGeom prst="rect">
             <a:avLst/>
@@ -19673,7 +19776,7 @@
             </a:endParaRPr>
           </a:p>
           <a:p>
-            <a:pPr marL="342720" indent="-313200">
+            <a:pPr marL="342720" indent="-312840">
               <a:lnSpc>
                 <a:spcPct val="100000"/>
               </a:lnSpc>
@@ -19749,7 +19852,7 @@
         <p:spPr>
           <a:xfrm>
             <a:off x="822240" y="3017880"/>
-            <a:ext cx="7588800" cy="3199320"/>
+            <a:ext cx="7588440" cy="3198960"/>
           </a:xfrm>
           <a:custGeom>
             <a:avLst/>
@@ -19798,7 +19901,7 @@
             <a:noAutofit/>
           </a:bodyPr>
           <a:p>
-            <a:pPr marL="342720" indent="-313200">
+            <a:pPr marL="342720" indent="-312840">
               <a:lnSpc>
                 <a:spcPct val="100000"/>
               </a:lnSpc>
@@ -19824,7 +19927,7 @@
             </a:endParaRPr>
           </a:p>
           <a:p>
-            <a:pPr marL="342720" indent="-313200">
+            <a:pPr marL="342720" indent="-312840">
               <a:lnSpc>
                 <a:spcPct val="100000"/>
               </a:lnSpc>
@@ -19850,7 +19953,7 @@
             </a:endParaRPr>
           </a:p>
           <a:p>
-            <a:pPr marL="342720" indent="-313200">
+            <a:pPr marL="342720" indent="-312840">
               <a:lnSpc>
                 <a:spcPct val="100000"/>
               </a:lnSpc>
@@ -19876,7 +19979,7 @@
             </a:endParaRPr>
           </a:p>
           <a:p>
-            <a:pPr marL="342720" indent="-313200">
+            <a:pPr marL="342720" indent="-312840">
               <a:lnSpc>
                 <a:spcPct val="100000"/>
               </a:lnSpc>
@@ -19912,7 +20015,7 @@
             </a:endParaRPr>
           </a:p>
           <a:p>
-            <a:pPr marL="342720" indent="-313200">
+            <a:pPr marL="342720" indent="-312840">
               <a:lnSpc>
                 <a:spcPct val="100000"/>
               </a:lnSpc>
@@ -19938,7 +20041,7 @@
             </a:endParaRPr>
           </a:p>
           <a:p>
-            <a:pPr marL="342720" indent="-313200">
+            <a:pPr marL="342720" indent="-312840">
               <a:lnSpc>
                 <a:spcPct val="100000"/>
               </a:lnSpc>
@@ -19964,7 +20067,7 @@
             </a:endParaRPr>
           </a:p>
           <a:p>
-            <a:pPr marL="342720" indent="-313200">
+            <a:pPr marL="342720" indent="-312840">
               <a:lnSpc>
                 <a:spcPct val="100000"/>
               </a:lnSpc>
@@ -19990,7 +20093,7 @@
             </a:endParaRPr>
           </a:p>
           <a:p>
-            <a:pPr marL="342720" indent="-313200">
+            <a:pPr marL="342720" indent="-312840">
               <a:lnSpc>
                 <a:spcPct val="100000"/>
               </a:lnSpc>
@@ -20016,7 +20119,7 @@
             </a:endParaRPr>
           </a:p>
           <a:p>
-            <a:pPr marL="342720" indent="-313200">
+            <a:pPr marL="342720" indent="-312840">
               <a:lnSpc>
                 <a:spcPct val="100000"/>
               </a:lnSpc>
@@ -20086,7 +20189,7 @@
         <p:spPr>
           <a:xfrm>
             <a:off x="611280" y="260280"/>
-            <a:ext cx="7890120" cy="834120"/>
+            <a:ext cx="7889760" cy="833760"/>
           </a:xfrm>
           <a:prstGeom prst="rect">
             <a:avLst/>
@@ -20174,7 +20277,7 @@
         <p:spPr>
           <a:xfrm>
             <a:off x="674280" y="1399680"/>
-            <a:ext cx="8193600" cy="612000"/>
+            <a:ext cx="8193240" cy="611640"/>
           </a:xfrm>
           <a:prstGeom prst="rect">
             <a:avLst/>
@@ -20195,7 +20298,7 @@
             <a:normAutofit/>
           </a:bodyPr>
           <a:p>
-            <a:pPr marL="342720" indent="-313200">
+            <a:pPr marL="342720" indent="-312840">
               <a:lnSpc>
                 <a:spcPct val="100000"/>
               </a:lnSpc>
@@ -20241,7 +20344,7 @@
         <p:spPr>
           <a:xfrm>
             <a:off x="639720" y="1998720"/>
-            <a:ext cx="8028360" cy="4218120"/>
+            <a:ext cx="8028000" cy="4218120"/>
           </a:xfrm>
           <a:custGeom>
             <a:avLst/>
@@ -20288,7 +20391,7 @@
             <a:spAutoFit/>
           </a:bodyPr>
           <a:p>
-            <a:pPr marL="223560" indent="-162360">
+            <a:pPr marL="223560" indent="-162000">
               <a:lnSpc>
                 <a:spcPct val="100000"/>
               </a:lnSpc>
@@ -20314,7 +20417,7 @@
             </a:endParaRPr>
           </a:p>
           <a:p>
-            <a:pPr marL="223560" indent="-162360">
+            <a:pPr marL="223560" indent="-162000">
               <a:lnSpc>
                 <a:spcPct val="100000"/>
               </a:lnSpc>
@@ -20360,7 +20463,7 @@
             </a:endParaRPr>
           </a:p>
           <a:p>
-            <a:pPr marL="223560" indent="-162360">
+            <a:pPr marL="223560" indent="-162000">
               <a:lnSpc>
                 <a:spcPct val="100000"/>
               </a:lnSpc>
@@ -20386,7 +20489,7 @@
             </a:endParaRPr>
           </a:p>
           <a:p>
-            <a:pPr marL="223560" indent="-162360">
+            <a:pPr marL="223560" indent="-162000">
               <a:lnSpc>
                 <a:spcPct val="100000"/>
               </a:lnSpc>
@@ -20432,7 +20535,7 @@
             </a:endParaRPr>
           </a:p>
           <a:p>
-            <a:pPr marL="223560" indent="-162360">
+            <a:pPr marL="223560" indent="-162000">
               <a:lnSpc>
                 <a:spcPct val="100000"/>
               </a:lnSpc>
@@ -20458,7 +20561,7 @@
             </a:endParaRPr>
           </a:p>
           <a:p>
-            <a:pPr marL="223560" indent="-162360">
+            <a:pPr marL="223560" indent="-162000">
               <a:lnSpc>
                 <a:spcPct val="100000"/>
               </a:lnSpc>
@@ -20484,7 +20587,7 @@
             </a:endParaRPr>
           </a:p>
           <a:p>
-            <a:pPr marL="223560" indent="-162360">
+            <a:pPr marL="223560" indent="-162000">
               <a:lnSpc>
                 <a:spcPct val="100000"/>
               </a:lnSpc>
@@ -20510,7 +20613,7 @@
             </a:endParaRPr>
           </a:p>
           <a:p>
-            <a:pPr marL="223560" indent="-162360">
+            <a:pPr marL="223560" indent="-162000">
               <a:lnSpc>
                 <a:spcPct val="100000"/>
               </a:lnSpc>
@@ -20556,7 +20659,7 @@
             </a:endParaRPr>
           </a:p>
           <a:p>
-            <a:pPr marL="223560" indent="-162360">
+            <a:pPr marL="223560" indent="-162000">
               <a:lnSpc>
                 <a:spcPct val="100000"/>
               </a:lnSpc>
@@ -20582,7 +20685,7 @@
             </a:endParaRPr>
           </a:p>
           <a:p>
-            <a:pPr marL="223560" indent="-162360">
+            <a:pPr marL="223560" indent="-162000">
               <a:lnSpc>
                 <a:spcPct val="100000"/>
               </a:lnSpc>
@@ -20608,7 +20711,7 @@
             </a:endParaRPr>
           </a:p>
           <a:p>
-            <a:pPr marL="223560" indent="-162360">
+            <a:pPr marL="223560" indent="-162000">
               <a:lnSpc>
                 <a:spcPct val="100000"/>
               </a:lnSpc>
@@ -20701,7 +20804,7 @@
         <p:spPr>
           <a:xfrm>
             <a:off x="611280" y="259920"/>
-            <a:ext cx="7920360" cy="864000"/>
+            <a:ext cx="7920000" cy="863640"/>
           </a:xfrm>
           <a:prstGeom prst="rect">
             <a:avLst/>
@@ -20789,7 +20892,7 @@
         <p:spPr>
           <a:xfrm>
             <a:off x="674280" y="1391760"/>
-            <a:ext cx="7920720" cy="5374440"/>
+            <a:ext cx="7920360" cy="5374080"/>
           </a:xfrm>
           <a:prstGeom prst="rect">
             <a:avLst/>
@@ -20891,7 +20994,7 @@
             </a:endParaRPr>
           </a:p>
           <a:p>
-            <a:pPr lvl="1" marL="1535040" indent="-584640">
+            <a:pPr lvl="1" marL="1535040" indent="-584280">
               <a:lnSpc>
                 <a:spcPct val="100000"/>
               </a:lnSpc>
@@ -20957,7 +21060,7 @@
             </a:endParaRPr>
           </a:p>
           <a:p>
-            <a:pPr lvl="1" marL="1535040" indent="-584640">
+            <a:pPr lvl="1" marL="1535040" indent="-584280">
               <a:lnSpc>
                 <a:spcPct val="100000"/>
               </a:lnSpc>
@@ -21023,7 +21126,7 @@
             </a:endParaRPr>
           </a:p>
           <a:p>
-            <a:pPr marL="228600" indent="-227520">
+            <a:pPr marL="228600" indent="-227160">
               <a:lnSpc>
                 <a:spcPct val="100000"/>
               </a:lnSpc>
@@ -21123,14 +21226,14 @@
                 <a:latin typeface="Arial"/>
                 <a:ea typeface="Arial"/>
               </a:rPr>
-              <a:t>) - older tool, part of Linux and Mac OSX.</a:t>
+              <a:t>) - older tool, part of Linux and Mac OSx.</a:t>
             </a:r>
             <a:endParaRPr b="0" lang="en-US" sz="2400" spc="-1" strike="noStrike">
               <a:latin typeface="Arial"/>
             </a:endParaRPr>
           </a:p>
           <a:p>
-            <a:pPr marL="228600" indent="-227520">
+            <a:pPr marL="228600" indent="-227160">
               <a:lnSpc>
                 <a:spcPct val="100000"/>
               </a:lnSpc>
@@ -21217,7 +21320,7 @@
             </a:endParaRPr>
           </a:p>
           <a:p>
-            <a:pPr marL="228600" indent="-227520">
+            <a:pPr marL="228600" indent="-227160">
               <a:lnSpc>
                 <a:spcPct val="100000"/>
               </a:lnSpc>
@@ -21294,7 +21397,7 @@
             </a:endParaRPr>
           </a:p>
           <a:p>
-            <a:pPr marL="228600" indent="-227520">
+            <a:pPr marL="228600" indent="-227160">
               <a:lnSpc>
                 <a:spcPct val="100000"/>
               </a:lnSpc>
@@ -21419,7 +21522,7 @@
         <p:spPr>
           <a:xfrm>
             <a:off x="611280" y="260280"/>
-            <a:ext cx="7890120" cy="834120"/>
+            <a:ext cx="7889760" cy="833760"/>
           </a:xfrm>
           <a:prstGeom prst="rect">
             <a:avLst/>
@@ -21507,7 +21610,7 @@
         <p:spPr>
           <a:xfrm>
             <a:off x="674280" y="1399680"/>
-            <a:ext cx="7890480" cy="4999680"/>
+            <a:ext cx="7890120" cy="4999320"/>
           </a:xfrm>
           <a:prstGeom prst="rect">
             <a:avLst/>
@@ -21528,7 +21631,7 @@
             <a:normAutofit/>
           </a:bodyPr>
           <a:p>
-            <a:pPr marL="342720" indent="-313200">
+            <a:pPr marL="342720" indent="-312840">
               <a:lnSpc>
                 <a:spcPct val="100000"/>
               </a:lnSpc>
@@ -21554,7 +21657,7 @@
             </a:endParaRPr>
           </a:p>
           <a:p>
-            <a:pPr marL="342720" indent="-313200">
+            <a:pPr marL="342720" indent="-312840">
               <a:lnSpc>
                 <a:spcPct val="100000"/>
               </a:lnSpc>
@@ -21580,7 +21683,7 @@
             </a:endParaRPr>
           </a:p>
           <a:p>
-            <a:pPr marL="342720" indent="-313200">
+            <a:pPr marL="342720" indent="-312840">
               <a:lnSpc>
                 <a:spcPct val="100000"/>
               </a:lnSpc>
@@ -21616,7 +21719,7 @@
             </a:endParaRPr>
           </a:p>
           <a:p>
-            <a:pPr marL="342720" indent="-313200">
+            <a:pPr marL="342720" indent="-312840">
               <a:lnSpc>
                 <a:spcPct val="100000"/>
               </a:lnSpc>
@@ -21662,7 +21765,7 @@
             </a:endParaRPr>
           </a:p>
           <a:p>
-            <a:pPr marL="342720" indent="-313200">
+            <a:pPr marL="342720" indent="-312840">
               <a:lnSpc>
                 <a:spcPct val="100000"/>
               </a:lnSpc>
@@ -21688,7 +21791,7 @@
             </a:endParaRPr>
           </a:p>
           <a:p>
-            <a:pPr marL="342720" indent="-313200">
+            <a:pPr marL="342720" indent="-312840">
               <a:lnSpc>
                 <a:spcPct val="100000"/>
               </a:lnSpc>
@@ -21704,7 +21807,7 @@
             </a:endParaRPr>
           </a:p>
           <a:p>
-            <a:pPr marL="342720" indent="-313200">
+            <a:pPr marL="342720" indent="-312840">
               <a:lnSpc>
                 <a:spcPct val="100000"/>
               </a:lnSpc>
@@ -21730,7 +21833,7 @@
             </a:endParaRPr>
           </a:p>
           <a:p>
-            <a:pPr marL="342720" indent="-313200">
+            <a:pPr marL="342720" indent="-312840">
               <a:lnSpc>
                 <a:spcPct val="100000"/>
               </a:lnSpc>
@@ -21746,7 +21849,7 @@
             </a:endParaRPr>
           </a:p>
           <a:p>
-            <a:pPr marL="342720" indent="-313200">
+            <a:pPr marL="342720" indent="-312840">
               <a:lnSpc>
                 <a:spcPct val="100000"/>
               </a:lnSpc>
@@ -21772,7 +21875,7 @@
             </a:endParaRPr>
           </a:p>
           <a:p>
-            <a:pPr marL="342720" indent="-313200">
+            <a:pPr marL="342720" indent="-312840">
               <a:lnSpc>
                 <a:spcPct val="100000"/>
               </a:lnSpc>
@@ -21798,7 +21901,7 @@
             </a:endParaRPr>
           </a:p>
           <a:p>
-            <a:pPr marL="342720" indent="-313200">
+            <a:pPr marL="342720" indent="-312840">
               <a:lnSpc>
                 <a:spcPct val="100000"/>
               </a:lnSpc>
@@ -21861,7 +21964,7 @@
         <p:spPr>
           <a:xfrm>
             <a:off x="182160" y="77400"/>
-            <a:ext cx="8868240" cy="1189440"/>
+            <a:ext cx="8867880" cy="1189080"/>
           </a:xfrm>
           <a:prstGeom prst="rect">
             <a:avLst/>
@@ -21949,7 +22052,7 @@
         <p:spPr>
           <a:xfrm>
             <a:off x="889920" y="6433200"/>
-            <a:ext cx="7406280" cy="363960"/>
+            <a:ext cx="7405920" cy="363600"/>
           </a:xfrm>
           <a:custGeom>
             <a:avLst/>
@@ -22096,7 +22199,7 @@
         <p:spPr>
           <a:xfrm>
             <a:off x="448920" y="1130040"/>
-            <a:ext cx="8237880" cy="5291280"/>
+            <a:ext cx="8237520" cy="5290920"/>
           </a:xfrm>
           <a:prstGeom prst="rect">
             <a:avLst/>
@@ -22115,13 +22218,13 @@
         <p:spPr>
           <a:xfrm>
             <a:off x="7223760" y="6126480"/>
-            <a:ext cx="731520" cy="306720"/>
+            <a:ext cx="731160" cy="306360"/>
           </a:xfrm>
           <a:custGeom>
             <a:avLst/>
             <a:gdLst/>
             <a:ahLst/>
-            <a:rect l="0" t="0" r="r" b="b"/>
+            <a:rect l="l" t="t" r="r" b="b"/>
             <a:pathLst>
               <a:path w="2034" h="854">
                 <a:moveTo>
@@ -22213,7 +22316,7 @@
         <p:spPr>
           <a:xfrm>
             <a:off x="611280" y="260280"/>
-            <a:ext cx="7866360" cy="810360"/>
+            <a:ext cx="7866000" cy="810000"/>
           </a:xfrm>
           <a:prstGeom prst="rect">
             <a:avLst/>
@@ -22300,7 +22403,7 @@
         <p:spPr>
           <a:xfrm>
             <a:off x="674280" y="1399680"/>
-            <a:ext cx="7866720" cy="4409280"/>
+            <a:ext cx="7866360" cy="4408920"/>
           </a:xfrm>
           <a:prstGeom prst="rect">
             <a:avLst/>
@@ -22321,7 +22424,7 @@
             <a:normAutofit/>
           </a:bodyPr>
           <a:p>
-            <a:pPr marL="342720" indent="-336960">
+            <a:pPr marL="342720" indent="-336600">
               <a:lnSpc>
                 <a:spcPct val="100000"/>
               </a:lnSpc>
@@ -22357,7 +22460,7 @@
             </a:endParaRPr>
           </a:p>
           <a:p>
-            <a:pPr marL="742680" indent="-279720">
+            <a:pPr marL="742680" indent="-279360">
               <a:lnSpc>
                 <a:spcPct val="100000"/>
               </a:lnSpc>
@@ -22403,7 +22506,7 @@
             </a:endParaRPr>
           </a:p>
           <a:p>
-            <a:pPr marL="342720" indent="-336960">
+            <a:pPr marL="342720" indent="-336600">
               <a:lnSpc>
                 <a:spcPct val="100000"/>
               </a:lnSpc>
@@ -22419,7 +22522,7 @@
             </a:endParaRPr>
           </a:p>
           <a:p>
-            <a:pPr marL="342720" indent="-336960">
+            <a:pPr marL="342720" indent="-336600">
               <a:lnSpc>
                 <a:spcPct val="100000"/>
               </a:lnSpc>
@@ -22455,7 +22558,7 @@
             </a:endParaRPr>
           </a:p>
           <a:p>
-            <a:pPr marL="342720" indent="-336960">
+            <a:pPr marL="342720" indent="-336600">
               <a:lnSpc>
                 <a:spcPct val="100000"/>
               </a:lnSpc>
@@ -22491,7 +22594,7 @@
             </a:endParaRPr>
           </a:p>
           <a:p>
-            <a:pPr marL="342720" indent="-336960">
+            <a:pPr marL="342720" indent="-336600">
               <a:lnSpc>
                 <a:spcPct val="100000"/>
               </a:lnSpc>
@@ -22507,7 +22610,7 @@
             </a:endParaRPr>
           </a:p>
           <a:p>
-            <a:pPr marL="342720" indent="-336960">
+            <a:pPr marL="342720" indent="-336600">
               <a:lnSpc>
                 <a:spcPct val="100000"/>
               </a:lnSpc>
@@ -22633,7 +22736,7 @@
         <p:spPr>
           <a:xfrm>
             <a:off x="611280" y="259920"/>
-            <a:ext cx="7864920" cy="808560"/>
+            <a:ext cx="7864560" cy="808200"/>
           </a:xfrm>
           <a:prstGeom prst="rect">
             <a:avLst/>
@@ -22719,7 +22822,7 @@
         <p:spPr>
           <a:xfrm>
             <a:off x="674640" y="1400040"/>
-            <a:ext cx="7864920" cy="702360"/>
+            <a:ext cx="7864560" cy="702000"/>
           </a:xfrm>
           <a:prstGeom prst="rect">
             <a:avLst/>
@@ -22740,7 +22843,7 @@
             <a:normAutofit/>
           </a:bodyPr>
           <a:p>
-            <a:pPr marL="342720" indent="-338760">
+            <a:pPr marL="342720" indent="-338400">
               <a:lnSpc>
                 <a:spcPct val="100000"/>
               </a:lnSpc>
@@ -22780,7 +22883,7 @@
         <p:spPr>
           <a:xfrm>
             <a:off x="1143000" y="2576520"/>
-            <a:ext cx="1454760" cy="1348200"/>
+            <a:ext cx="1454400" cy="1347840"/>
           </a:xfrm>
           <a:prstGeom prst="rect">
             <a:avLst/>
@@ -22803,7 +22906,7 @@
         <p:spPr>
           <a:xfrm>
             <a:off x="1096920" y="4060800"/>
-            <a:ext cx="1553040" cy="1440360"/>
+            <a:ext cx="1552680" cy="1440000"/>
           </a:xfrm>
           <a:prstGeom prst="rect">
             <a:avLst/>
@@ -22822,7 +22925,7 @@
         <p:spPr>
           <a:xfrm>
             <a:off x="914400" y="2028960"/>
-            <a:ext cx="2651400" cy="516600"/>
+            <a:ext cx="2651040" cy="516240"/>
           </a:xfrm>
           <a:custGeom>
             <a:avLst/>
@@ -22931,7 +23034,7 @@
         <p:spPr>
           <a:xfrm>
             <a:off x="5394240" y="2028960"/>
-            <a:ext cx="2834280" cy="547920"/>
+            <a:ext cx="2833920" cy="547560"/>
           </a:xfrm>
           <a:custGeom>
             <a:avLst/>
@@ -23040,7 +23143,7 @@
         <p:spPr>
           <a:xfrm>
             <a:off x="5394240" y="3033720"/>
-            <a:ext cx="3016800" cy="1735560"/>
+            <a:ext cx="3016440" cy="1735200"/>
           </a:xfrm>
           <a:custGeom>
             <a:avLst/>
@@ -23181,7 +23284,7 @@
         <p:spPr>
           <a:xfrm>
             <a:off x="2598840" y="3308400"/>
-            <a:ext cx="2703960" cy="638640"/>
+            <a:ext cx="2703600" cy="638280"/>
           </a:xfrm>
           <a:custGeom>
             <a:avLst/>
@@ -23327,7 +23430,7 @@
         <p:spPr>
           <a:xfrm>
             <a:off x="611280" y="259920"/>
-            <a:ext cx="7920360" cy="864000"/>
+            <a:ext cx="7920000" cy="863640"/>
           </a:xfrm>
           <a:prstGeom prst="rect">
             <a:avLst/>
@@ -23415,7 +23518,7 @@
         <p:spPr>
           <a:xfrm>
             <a:off x="674280" y="1392120"/>
-            <a:ext cx="7920720" cy="4917240"/>
+            <a:ext cx="7920360" cy="4916880"/>
           </a:xfrm>
           <a:prstGeom prst="rect">
             <a:avLst/>
@@ -23598,7 +23701,7 @@
             </a:endParaRPr>
           </a:p>
           <a:p>
-            <a:pPr marL="228600" indent="-227520">
+            <a:pPr marL="228600" indent="-227160">
               <a:lnSpc>
                 <a:spcPct val="100000"/>
               </a:lnSpc>
@@ -23695,7 +23798,7 @@
             </a:endParaRPr>
           </a:p>
           <a:p>
-            <a:pPr marL="228600" indent="-227520">
+            <a:pPr marL="228600" indent="-227160">
               <a:lnSpc>
                 <a:spcPct val="100000"/>
               </a:lnSpc>
@@ -23813,7 +23916,7 @@
             </a:endParaRPr>
           </a:p>
           <a:p>
-            <a:pPr marL="228600" indent="-227520">
+            <a:pPr marL="228600" indent="-227160">
               <a:lnSpc>
                 <a:spcPct val="100000"/>
               </a:lnSpc>
@@ -23900,7 +24003,7 @@
             </a:endParaRPr>
           </a:p>
           <a:p>
-            <a:pPr marL="228600" indent="-183240">
+            <a:pPr marL="228600" indent="-182880">
               <a:lnSpc>
                 <a:spcPct val="100000"/>
               </a:lnSpc>
@@ -23963,7 +24066,7 @@
         <p:spPr>
           <a:xfrm>
             <a:off x="611280" y="260280"/>
-            <a:ext cx="7890120" cy="834120"/>
+            <a:ext cx="7889760" cy="833760"/>
           </a:xfrm>
           <a:prstGeom prst="rect">
             <a:avLst/>
@@ -24051,7 +24154,7 @@
         <p:spPr>
           <a:xfrm>
             <a:off x="674280" y="1399680"/>
-            <a:ext cx="7890480" cy="5366520"/>
+            <a:ext cx="7890120" cy="5366160"/>
           </a:xfrm>
           <a:prstGeom prst="rect">
             <a:avLst/>
@@ -24072,7 +24175,7 @@
             <a:normAutofit/>
           </a:bodyPr>
           <a:p>
-            <a:pPr marL="342720" indent="-313200">
+            <a:pPr marL="342720" indent="-312840">
               <a:lnSpc>
                 <a:spcPct val="100000"/>
               </a:lnSpc>
@@ -24118,7 +24221,7 @@
             </a:endParaRPr>
           </a:p>
           <a:p>
-            <a:pPr marL="342720" indent="-313200">
+            <a:pPr marL="342720" indent="-312840">
               <a:lnSpc>
                 <a:spcPct val="100000"/>
               </a:lnSpc>
@@ -24134,7 +24237,7 @@
             </a:endParaRPr>
           </a:p>
           <a:p>
-            <a:pPr marL="342720" indent="-313200" algn="ctr">
+            <a:pPr marL="342720" indent="-312840" algn="ctr">
               <a:lnSpc>
                 <a:spcPct val="100000"/>
               </a:lnSpc>
@@ -24160,7 +24263,7 @@
             </a:endParaRPr>
           </a:p>
           <a:p>
-            <a:pPr marL="342720" indent="-313200">
+            <a:pPr marL="342720" indent="-312840">
               <a:lnSpc>
                 <a:spcPct val="100000"/>
               </a:lnSpc>
@@ -24176,7 +24279,7 @@
             </a:endParaRPr>
           </a:p>
           <a:p>
-            <a:pPr marL="342720" indent="-313200">
+            <a:pPr marL="342720" indent="-312840">
               <a:lnSpc>
                 <a:spcPct val="100000"/>
               </a:lnSpc>
@@ -24202,7 +24305,7 @@
             </a:endParaRPr>
           </a:p>
           <a:p>
-            <a:pPr marL="342720" indent="-313200">
+            <a:pPr marL="342720" indent="-312840">
               <a:lnSpc>
                 <a:spcPct val="100000"/>
               </a:lnSpc>
@@ -24218,7 +24321,7 @@
             </a:endParaRPr>
           </a:p>
           <a:p>
-            <a:pPr marL="342720" indent="-313200">
+            <a:pPr marL="342720" indent="-312840">
               <a:lnSpc>
                 <a:spcPct val="100000"/>
               </a:lnSpc>
@@ -24284,7 +24387,7 @@
             </a:endParaRPr>
           </a:p>
           <a:p>
-            <a:pPr marL="342720" indent="-313200">
+            <a:pPr marL="342720" indent="-312840">
               <a:lnSpc>
                 <a:spcPct val="100000"/>
               </a:lnSpc>
@@ -24300,7 +24403,7 @@
             </a:endParaRPr>
           </a:p>
           <a:p>
-            <a:pPr marL="342720" indent="-313200">
+            <a:pPr marL="342720" indent="-312840">
               <a:lnSpc>
                 <a:spcPct val="100000"/>
               </a:lnSpc>
@@ -24326,7 +24429,7 @@
             </a:endParaRPr>
           </a:p>
           <a:p>
-            <a:pPr marL="342720" indent="-313200">
+            <a:pPr marL="342720" indent="-312840">
               <a:lnSpc>
                 <a:spcPct val="100000"/>
               </a:lnSpc>
@@ -24389,7 +24492,7 @@
         <p:spPr>
           <a:xfrm>
             <a:off x="611280" y="260280"/>
-            <a:ext cx="7890120" cy="834120"/>
+            <a:ext cx="7889760" cy="833760"/>
           </a:xfrm>
           <a:prstGeom prst="rect">
             <a:avLst/>
@@ -24477,7 +24580,7 @@
         <p:spPr>
           <a:xfrm>
             <a:off x="674280" y="1399680"/>
-            <a:ext cx="7890480" cy="5366520"/>
+            <a:ext cx="7890120" cy="5366160"/>
           </a:xfrm>
           <a:prstGeom prst="rect">
             <a:avLst/>
@@ -24498,7 +24601,7 @@
             <a:normAutofit/>
           </a:bodyPr>
           <a:p>
-            <a:pPr marL="342720" indent="-313200">
+            <a:pPr marL="342720" indent="-312840">
               <a:lnSpc>
                 <a:spcPct val="100000"/>
               </a:lnSpc>
@@ -24524,7 +24627,7 @@
             </a:endParaRPr>
           </a:p>
           <a:p>
-            <a:pPr marL="342720" indent="-313200">
+            <a:pPr marL="342720" indent="-312840">
               <a:lnSpc>
                 <a:spcPct val="100000"/>
               </a:lnSpc>
@@ -24540,7 +24643,7 @@
             </a:endParaRPr>
           </a:p>
           <a:p>
-            <a:pPr marL="342720" indent="-313200">
+            <a:pPr marL="342720" indent="-312840">
               <a:lnSpc>
                 <a:spcPct val="100000"/>
               </a:lnSpc>
@@ -24566,7 +24669,7 @@
             </a:endParaRPr>
           </a:p>
           <a:p>
-            <a:pPr marL="342720" indent="-313200">
+            <a:pPr marL="342720" indent="-312840">
               <a:lnSpc>
                 <a:spcPct val="100000"/>
               </a:lnSpc>
@@ -24589,7 +24692,7 @@
             </a:endParaRPr>
           </a:p>
           <a:p>
-            <a:pPr marL="342720" indent="-313200">
+            <a:pPr marL="342720" indent="-312840">
               <a:lnSpc>
                 <a:spcPct val="100000"/>
               </a:lnSpc>
@@ -24612,7 +24715,7 @@
             </a:endParaRPr>
           </a:p>
           <a:p>
-            <a:pPr marL="342720" indent="-313200">
+            <a:pPr marL="342720" indent="-312840">
               <a:lnSpc>
                 <a:spcPct val="100000"/>
               </a:lnSpc>
@@ -24635,7 +24738,7 @@
             </a:endParaRPr>
           </a:p>
           <a:p>
-            <a:pPr marL="342720" indent="-313200">
+            <a:pPr marL="342720" indent="-312840">
               <a:lnSpc>
                 <a:spcPct val="100000"/>
               </a:lnSpc>
@@ -24658,7 +24761,7 @@
             </a:endParaRPr>
           </a:p>
           <a:p>
-            <a:pPr marL="342720" indent="-313200">
+            <a:pPr marL="342720" indent="-312840">
               <a:lnSpc>
                 <a:spcPct val="100000"/>
               </a:lnSpc>
@@ -24681,7 +24784,7 @@
             </a:endParaRPr>
           </a:p>
           <a:p>
-            <a:pPr marL="342720" indent="-313200">
+            <a:pPr marL="342720" indent="-312840">
               <a:lnSpc>
                 <a:spcPct val="100000"/>
               </a:lnSpc>
@@ -24704,7 +24807,7 @@
             </a:endParaRPr>
           </a:p>
           <a:p>
-            <a:pPr marL="342720" indent="-313200">
+            <a:pPr marL="342720" indent="-312840">
               <a:lnSpc>
                 <a:spcPct val="100000"/>
               </a:lnSpc>
@@ -24767,7 +24870,7 @@
         <p:spPr>
           <a:xfrm>
             <a:off x="611280" y="260280"/>
-            <a:ext cx="7890120" cy="834120"/>
+            <a:ext cx="7889760" cy="833760"/>
           </a:xfrm>
           <a:prstGeom prst="rect">
             <a:avLst/>
@@ -24855,7 +24958,7 @@
         <p:spPr>
           <a:xfrm>
             <a:off x="674280" y="1400040"/>
-            <a:ext cx="7890480" cy="5274360"/>
+            <a:ext cx="7890120" cy="5274000"/>
           </a:xfrm>
           <a:prstGeom prst="rect">
             <a:avLst/>
@@ -24876,7 +24979,7 @@
             <a:normAutofit/>
           </a:bodyPr>
           <a:p>
-            <a:pPr marL="342720" indent="-313200">
+            <a:pPr marL="342720" indent="-312840">
               <a:lnSpc>
                 <a:spcPct val="100000"/>
               </a:lnSpc>
@@ -24902,7 +25005,7 @@
             </a:endParaRPr>
           </a:p>
           <a:p>
-            <a:pPr marL="342720" indent="-313200">
+            <a:pPr marL="342720" indent="-312840">
               <a:lnSpc>
                 <a:spcPct val="100000"/>
               </a:lnSpc>
@@ -24918,7 +25021,7 @@
             </a:endParaRPr>
           </a:p>
           <a:p>
-            <a:pPr marL="342720" indent="-313200">
+            <a:pPr marL="342720" indent="-312840">
               <a:lnSpc>
                 <a:spcPct val="100000"/>
               </a:lnSpc>
@@ -24944,7 +25047,7 @@
             </a:endParaRPr>
           </a:p>
           <a:p>
-            <a:pPr marL="342720" indent="-313200">
+            <a:pPr marL="342720" indent="-312840">
               <a:lnSpc>
                 <a:spcPct val="100000"/>
               </a:lnSpc>
@@ -24960,7 +25063,7 @@
             </a:endParaRPr>
           </a:p>
           <a:p>
-            <a:pPr marL="342720" indent="-313200" algn="ctr">
+            <a:pPr marL="342720" indent="-312840" algn="ctr">
               <a:lnSpc>
                 <a:spcPct val="100000"/>
               </a:lnSpc>
@@ -24986,7 +25089,7 @@
             </a:endParaRPr>
           </a:p>
           <a:p>
-            <a:pPr marL="342720" indent="-313200">
+            <a:pPr marL="342720" indent="-312840">
               <a:lnSpc>
                 <a:spcPct val="100000"/>
               </a:lnSpc>
@@ -25002,7 +25105,7 @@
             </a:endParaRPr>
           </a:p>
           <a:p>
-            <a:pPr marL="342720" indent="-313200" algn="ctr">
+            <a:pPr marL="342720" indent="-312840" algn="ctr">
               <a:lnSpc>
                 <a:spcPct val="100000"/>
               </a:lnSpc>
@@ -25065,7 +25168,7 @@
         <p:spPr>
           <a:xfrm>
             <a:off x="611280" y="260280"/>
-            <a:ext cx="7890120" cy="834120"/>
+            <a:ext cx="7889760" cy="833760"/>
           </a:xfrm>
           <a:prstGeom prst="rect">
             <a:avLst/>
@@ -25153,7 +25256,7 @@
         <p:spPr>
           <a:xfrm>
             <a:off x="674280" y="1400040"/>
-            <a:ext cx="7890480" cy="5274360"/>
+            <a:ext cx="7890120" cy="5274000"/>
           </a:xfrm>
           <a:prstGeom prst="rect">
             <a:avLst/>
@@ -25174,7 +25277,7 @@
             <a:normAutofit/>
           </a:bodyPr>
           <a:p>
-            <a:pPr marL="342720" indent="-313200">
+            <a:pPr marL="342720" indent="-312840">
               <a:lnSpc>
                 <a:spcPct val="100000"/>
               </a:lnSpc>
@@ -25200,7 +25303,7 @@
             </a:endParaRPr>
           </a:p>
           <a:p>
-            <a:pPr marL="342720" indent="-313200">
+            <a:pPr marL="342720" indent="-312840">
               <a:lnSpc>
                 <a:spcPct val="100000"/>
               </a:lnSpc>
@@ -25288,7 +25391,7 @@
             </a:endParaRPr>
           </a:p>
           <a:p>
-            <a:pPr marL="342720" indent="-313200">
+            <a:pPr marL="342720" indent="-312840">
               <a:lnSpc>
                 <a:spcPct val="100000"/>
               </a:lnSpc>
@@ -25314,7 +25417,7 @@
             </a:endParaRPr>
           </a:p>
           <a:p>
-            <a:pPr marL="342720" indent="-313200">
+            <a:pPr marL="342720" indent="-312840">
               <a:lnSpc>
                 <a:spcPct val="100000"/>
               </a:lnSpc>
@@ -25340,7 +25443,7 @@
             </a:endParaRPr>
           </a:p>
           <a:p>
-            <a:pPr marL="342720" indent="-313200">
+            <a:pPr marL="342720" indent="-312840">
               <a:lnSpc>
                 <a:spcPct val="100000"/>
               </a:lnSpc>
@@ -25376,7 +25479,7 @@
             </a:endParaRPr>
           </a:p>
           <a:p>
-            <a:pPr marL="342720" indent="-313200">
+            <a:pPr marL="342720" indent="-312840">
               <a:lnSpc>
                 <a:spcPct val="100000"/>
               </a:lnSpc>
@@ -25402,7 +25505,7 @@
             </a:endParaRPr>
           </a:p>
           <a:p>
-            <a:pPr marL="342720" indent="-313200">
+            <a:pPr marL="342720" indent="-312840">
               <a:lnSpc>
                 <a:spcPct val="100000"/>
               </a:lnSpc>
@@ -25438,7 +25541,7 @@
             </a:endParaRPr>
           </a:p>
           <a:p>
-            <a:pPr marL="342720" indent="-313200">
+            <a:pPr marL="342720" indent="-312840">
               <a:lnSpc>
                 <a:spcPct val="100000"/>
               </a:lnSpc>
@@ -25474,7 +25577,7 @@
             </a:endParaRPr>
           </a:p>
           <a:p>
-            <a:pPr marL="342720" indent="-313200">
+            <a:pPr marL="342720" indent="-312840">
               <a:lnSpc>
                 <a:spcPct val="100000"/>
               </a:lnSpc>
